--- a/intro.pptx
+++ b/intro.pptx
@@ -275,7 +275,7 @@
           <a:p>
             <a:fld id="{0B842F42-2CE9-4E35-95C1-410DC08A50B1}" type="datetimeFigureOut">
               <a:rPr lang="en-US" smtClean="0"/>
-              <a:t>3/25/2021</a:t>
+              <a:t>5/21/2021</a:t>
             </a:fld>
             <a:endParaRPr lang="en-US"/>
           </a:p>
@@ -440,7 +440,7 @@
           <a:p>
             <a:fld id="{6F282904-F315-4730-8D91-37D99E141A6F}" type="datetimeFigureOut">
               <a:rPr lang="en-US" smtClean="0"/>
-              <a:t>3/25/2021</a:t>
+              <a:t>5/21/2021</a:t>
             </a:fld>
             <a:endParaRPr lang="en-US"/>
           </a:p>

--- a/intro.pptx
+++ b/intro.pptx
@@ -11,7 +11,7 @@
     <p:handoutMasterId r:id="rId15"/>
   </p:handoutMasterIdLst>
   <p:sldIdLst>
-    <p:sldId id="256" r:id="rId5"/>
+    <p:sldId id="617" r:id="rId5"/>
     <p:sldId id="320" r:id="rId6"/>
     <p:sldId id="308" r:id="rId7"/>
     <p:sldId id="327" r:id="rId8"/>
@@ -179,18 +179,6 @@
     </p:ext>
   </p:extLst>
 </p:presentation>
-</file>
-
-<file path=ppt/commentAuthors.xml><?xml version="1.0" encoding="utf-8"?>
-<p:cmAuthorLst xmlns:a="http://schemas.openxmlformats.org/drawingml/2006/main" xmlns:r="http://schemas.openxmlformats.org/officeDocument/2006/relationships" xmlns:p="http://schemas.openxmlformats.org/presentationml/2006/main">
-  <p:cmAuthor id="1" name="Bernholdt, David" initials="BD" lastIdx="1" clrIdx="0">
-    <p:extLst>
-      <p:ext uri="{19B8F6BF-5375-455C-9EA6-DF929625EA0E}">
-        <p15:presenceInfo xmlns:p15="http://schemas.microsoft.com/office/powerpoint/2012/main" userId="S::bek@ornl.gov::f808388a-a727-4abe-af5b-576b1a4d5d2e" providerId="AD"/>
-      </p:ext>
-    </p:extLst>
-  </p:cmAuthor>
-</p:cmAuthorLst>
 </file>
 
 <file path=ppt/handoutMasters/handoutMaster1.xml><?xml version="1.0" encoding="utf-8"?>
@@ -1048,7 +1036,7 @@
         </p:blipFill>
         <p:spPr>
           <a:xfrm>
-            <a:off x="360640" y="483164"/>
+            <a:off x="360639" y="483164"/>
             <a:ext cx="2050840" cy="935496"/>
           </a:xfrm>
           <a:prstGeom prst="rect">
@@ -1135,45 +1123,10 @@
       </p:pic>
       <p:pic>
         <p:nvPicPr>
-          <p:cNvPr id="11" name="Picture 10">
+          <p:cNvPr id="8" name="Picture 7" descr="A picture containing shape&#10;&#10;Description automatically generated">
             <a:extLst>
               <a:ext uri="{FF2B5EF4-FFF2-40B4-BE49-F238E27FC236}">
-                <a16:creationId xmlns:a16="http://schemas.microsoft.com/office/drawing/2014/main" id="{FEB516F4-C09A-4E83-A0F1-168C638F25AA}"/>
-              </a:ext>
-            </a:extLst>
-          </p:cNvPr>
-          <p:cNvPicPr>
-            <a:picLocks noChangeAspect="1"/>
-          </p:cNvPicPr>
-          <p:nvPr userDrawn="1"/>
-        </p:nvPicPr>
-        <p:blipFill rotWithShape="1">
-          <a:blip r:embed="rId7">
-            <a:extLst>
-              <a:ext uri="{28A0092B-C50C-407E-A947-70E740481C1C}">
-                <a14:useLocalDpi xmlns:a14="http://schemas.microsoft.com/office/drawing/2010/main" val="0"/>
-              </a:ext>
-            </a:extLst>
-          </a:blip>
-          <a:srcRect r="58932" b="1495"/>
-          <a:stretch/>
-        </p:blipFill>
-        <p:spPr>
-          <a:xfrm rot="10800000">
-            <a:off x="-1" y="1572767"/>
-            <a:ext cx="2852965" cy="4078297"/>
-          </a:xfrm>
-          <a:prstGeom prst="rect">
-            <a:avLst/>
-          </a:prstGeom>
-        </p:spPr>
-      </p:pic>
-      <p:pic>
-        <p:nvPicPr>
-          <p:cNvPr id="10" name="Picture 9" descr="IDEAS_logo.png">
-            <a:extLst>
-              <a:ext uri="{FF2B5EF4-FFF2-40B4-BE49-F238E27FC236}">
-                <a16:creationId xmlns:a16="http://schemas.microsoft.com/office/drawing/2014/main" id="{9DE86E9C-D24A-4552-A542-495444B5B047}"/>
+                <a16:creationId xmlns:a16="http://schemas.microsoft.com/office/drawing/2014/main" id="{C432A180-7341-4E28-8C2B-73F9AB53D13F}"/>
               </a:ext>
             </a:extLst>
           </p:cNvPr>
@@ -1183,10 +1136,10 @@
           <p:nvPr userDrawn="1"/>
         </p:nvPicPr>
         <p:blipFill>
-          <a:blip r:embed="rId8" cstate="print">
+          <a:blip r:embed="rId7">
             <a:extLst>
               <a:ext uri="{28A0092B-C50C-407E-A947-70E740481C1C}">
-                <a14:useLocalDpi xmlns:a14="http://schemas.microsoft.com/office/drawing/2010/main"/>
+                <a14:useLocalDpi xmlns:a14="http://schemas.microsoft.com/office/drawing/2010/main" val="0"/>
               </a:ext>
             </a:extLst>
           </a:blip>
@@ -1196,8 +1149,8 @@
         </p:blipFill>
         <p:spPr>
           <a:xfrm>
-            <a:off x="211056" y="1848659"/>
-            <a:ext cx="2350008" cy="815135"/>
+            <a:off x="331810" y="1848659"/>
+            <a:ext cx="2108499" cy="914400"/>
           </a:xfrm>
           <a:prstGeom prst="rect">
             <a:avLst/>
@@ -1218,6 +1171,604 @@
 </file>
 
 <file path=ppt/slideLayouts/slideLayout2.xml><?xml version="1.0" encoding="utf-8"?>
+<p:sldLayout xmlns:a="http://schemas.openxmlformats.org/drawingml/2006/main" xmlns:r="http://schemas.openxmlformats.org/officeDocument/2006/relationships" xmlns:p="http://schemas.openxmlformats.org/presentationml/2006/main" showMasterSp="0" preserve="1" userDrawn="1">
+  <p:cSld name="8_Title Slide">
+    <p:spTree>
+      <p:nvGrpSpPr>
+        <p:cNvPr id="1" name=""/>
+        <p:cNvGrpSpPr/>
+        <p:nvPr/>
+      </p:nvGrpSpPr>
+      <p:grpSpPr>
+        <a:xfrm>
+          <a:off x="0" y="0"/>
+          <a:ext cx="0" cy="0"/>
+          <a:chOff x="0" y="0"/>
+          <a:chExt cx="0" cy="0"/>
+        </a:xfrm>
+      </p:grpSpPr>
+      <p:sp>
+        <p:nvSpPr>
+          <p:cNvPr id="4" name="Rectangle 3">
+            <a:extLst>
+              <a:ext uri="{FF2B5EF4-FFF2-40B4-BE49-F238E27FC236}">
+                <a16:creationId xmlns:a16="http://schemas.microsoft.com/office/drawing/2014/main" id="{2E2177C6-060C-4445-8C10-ADA6D3CE5F74}"/>
+              </a:ext>
+            </a:extLst>
+          </p:cNvPr>
+          <p:cNvSpPr/>
+          <p:nvPr userDrawn="1"/>
+        </p:nvSpPr>
+        <p:spPr>
+          <a:xfrm>
+            <a:off x="0" y="6186396"/>
+            <a:ext cx="12188825" cy="671604"/>
+          </a:xfrm>
+          <a:prstGeom prst="rect">
+            <a:avLst/>
+          </a:prstGeom>
+          <a:solidFill>
+            <a:schemeClr val="accent1">
+              <a:lumMod val="75000"/>
+            </a:schemeClr>
+          </a:solidFill>
+          <a:ln>
+            <a:noFill/>
+          </a:ln>
+          <a:effectLst/>
+          <a:scene3d>
+            <a:camera prst="orthographicFront">
+              <a:rot lat="0" lon="0" rev="0"/>
+            </a:camera>
+            <a:lightRig rig="threePt" dir="t">
+              <a:rot lat="0" lon="0" rev="1200000"/>
+            </a:lightRig>
+          </a:scene3d>
+          <a:sp3d/>
+        </p:spPr>
+        <p:style>
+          <a:lnRef idx="0">
+            <a:schemeClr val="accent1"/>
+          </a:lnRef>
+          <a:fillRef idx="3">
+            <a:schemeClr val="accent1"/>
+          </a:fillRef>
+          <a:effectRef idx="3">
+            <a:schemeClr val="accent1"/>
+          </a:effectRef>
+          <a:fontRef idx="minor">
+            <a:schemeClr val="lt1"/>
+          </a:fontRef>
+        </p:style>
+        <p:txBody>
+          <a:bodyPr rot="0" spcFirstLastPara="0" vertOverflow="overflow" horzOverflow="overflow" vert="horz" wrap="square" lIns="548640" tIns="45720" rIns="45720" bIns="45720" numCol="1" spcCol="0" rtlCol="0" fromWordArt="0" anchor="ctr" anchorCtr="0" forceAA="0" compatLnSpc="1">
+            <a:prstTxWarp prst="textNoShape">
+              <a:avLst/>
+            </a:prstTxWarp>
+            <a:noAutofit/>
+          </a:bodyPr>
+          <a:lstStyle/>
+          <a:p>
+            <a:pPr algn="l">
+              <a:lnSpc>
+                <a:spcPct val="90000"/>
+              </a:lnSpc>
+            </a:pPr>
+            <a:r>
+              <a:rPr lang="en-US" sz="1600" dirty="0">
+                <a:ln>
+                  <a:noFill/>
+                </a:ln>
+                <a:solidFill>
+                  <a:schemeClr val="bg1"/>
+                </a:solidFill>
+              </a:rPr>
+              <a:t>exascaleproject.org</a:t>
+            </a:r>
+          </a:p>
+        </p:txBody>
+      </p:sp>
+      <p:sp>
+        <p:nvSpPr>
+          <p:cNvPr id="22" name="Rectangle 21"/>
+          <p:cNvSpPr/>
+          <p:nvPr userDrawn="1"/>
+        </p:nvSpPr>
+        <p:spPr>
+          <a:xfrm>
+            <a:off x="8305800" y="5921829"/>
+            <a:ext cx="3883025" cy="936171"/>
+          </a:xfrm>
+          <a:prstGeom prst="rect">
+            <a:avLst/>
+          </a:prstGeom>
+          <a:noFill/>
+          <a:ln>
+            <a:noFill/>
+          </a:ln>
+          <a:effectLst/>
+          <a:scene3d>
+            <a:camera prst="orthographicFront">
+              <a:rot lat="0" lon="0" rev="0"/>
+            </a:camera>
+            <a:lightRig rig="threePt" dir="t">
+              <a:rot lat="0" lon="0" rev="1200000"/>
+            </a:lightRig>
+          </a:scene3d>
+          <a:sp3d/>
+        </p:spPr>
+        <p:style>
+          <a:lnRef idx="0">
+            <a:schemeClr val="accent1"/>
+          </a:lnRef>
+          <a:fillRef idx="3">
+            <a:schemeClr val="accent1"/>
+          </a:fillRef>
+          <a:effectRef idx="3">
+            <a:schemeClr val="accent1"/>
+          </a:effectRef>
+          <a:fontRef idx="minor">
+            <a:schemeClr val="lt1"/>
+          </a:fontRef>
+        </p:style>
+        <p:txBody>
+          <a:bodyPr rot="0" spcFirstLastPara="0" vertOverflow="overflow" horzOverflow="overflow" vert="horz" wrap="square" lIns="45720" tIns="45720" rIns="45720" bIns="45720" numCol="1" spcCol="0" rtlCol="0" fromWordArt="0" anchor="ctr" anchorCtr="0" forceAA="0" compatLnSpc="1">
+            <a:prstTxWarp prst="textNoShape">
+              <a:avLst/>
+            </a:prstTxWarp>
+            <a:noAutofit/>
+          </a:bodyPr>
+          <a:lstStyle/>
+          <a:p>
+            <a:pPr algn="ctr">
+              <a:lnSpc>
+                <a:spcPct val="90000"/>
+              </a:lnSpc>
+            </a:pPr>
+            <a:endParaRPr lang="en-US" dirty="0">
+              <a:solidFill>
+                <a:schemeClr val="tx1"/>
+              </a:solidFill>
+            </a:endParaRPr>
+          </a:p>
+        </p:txBody>
+      </p:sp>
+      <p:sp>
+        <p:nvSpPr>
+          <p:cNvPr id="2" name="Title 1"/>
+          <p:cNvSpPr>
+            <a:spLocks noGrp="1"/>
+          </p:cNvSpPr>
+          <p:nvPr userDrawn="1">
+            <p:ph type="ctrTitle"/>
+          </p:nvPr>
+        </p:nvSpPr>
+        <p:spPr>
+          <a:xfrm>
+            <a:off x="3177633" y="503144"/>
+            <a:ext cx="8292316" cy="1030930"/>
+          </a:xfrm>
+        </p:spPr>
+        <p:txBody>
+          <a:bodyPr anchor="b"/>
+          <a:lstStyle>
+            <a:lvl1pPr algn="l">
+              <a:defRPr sz="3200" b="1">
+                <a:solidFill>
+                  <a:schemeClr val="tx1"/>
+                </a:solidFill>
+                <a:latin typeface="+mn-lt"/>
+              </a:defRPr>
+            </a:lvl1pPr>
+          </a:lstStyle>
+          <a:p>
+            <a:r>
+              <a:rPr lang="en-US"/>
+              <a:t>Click to edit Master title style</a:t>
+            </a:r>
+            <a:endParaRPr lang="en-US" dirty="0"/>
+          </a:p>
+        </p:txBody>
+      </p:sp>
+      <p:sp>
+        <p:nvSpPr>
+          <p:cNvPr id="3" name="Subtitle 2"/>
+          <p:cNvSpPr>
+            <a:spLocks noGrp="1"/>
+          </p:cNvSpPr>
+          <p:nvPr userDrawn="1">
+            <p:ph type="subTitle" idx="1"/>
+          </p:nvPr>
+        </p:nvSpPr>
+        <p:spPr>
+          <a:xfrm>
+            <a:off x="3177632" y="2085962"/>
+            <a:ext cx="8292317" cy="2855300"/>
+          </a:xfrm>
+        </p:spPr>
+        <p:txBody>
+          <a:bodyPr lIns="109728"/>
+          <a:lstStyle>
+            <a:lvl1pPr marL="0" indent="0" algn="l">
+              <a:buNone/>
+              <a:defRPr sz="2400">
+                <a:solidFill>
+                  <a:schemeClr val="tx1"/>
+                </a:solidFill>
+                <a:latin typeface="Arial" panose="020B0604020202020204" pitchFamily="34" charset="0"/>
+                <a:cs typeface="Arial" panose="020B0604020202020204" pitchFamily="34" charset="0"/>
+              </a:defRPr>
+            </a:lvl1pPr>
+            <a:lvl2pPr marL="457200" indent="0" algn="ctr">
+              <a:buNone/>
+              <a:defRPr>
+                <a:solidFill>
+                  <a:schemeClr val="tx1">
+                    <a:tint val="75000"/>
+                  </a:schemeClr>
+                </a:solidFill>
+              </a:defRPr>
+            </a:lvl2pPr>
+            <a:lvl3pPr marL="914400" indent="0" algn="ctr">
+              <a:buNone/>
+              <a:defRPr>
+                <a:solidFill>
+                  <a:schemeClr val="tx1">
+                    <a:tint val="75000"/>
+                  </a:schemeClr>
+                </a:solidFill>
+              </a:defRPr>
+            </a:lvl3pPr>
+            <a:lvl4pPr marL="1371600" indent="0" algn="ctr">
+              <a:buNone/>
+              <a:defRPr>
+                <a:solidFill>
+                  <a:schemeClr val="tx1">
+                    <a:tint val="75000"/>
+                  </a:schemeClr>
+                </a:solidFill>
+              </a:defRPr>
+            </a:lvl4pPr>
+            <a:lvl5pPr marL="1828800" indent="0" algn="ctr">
+              <a:buNone/>
+              <a:defRPr>
+                <a:solidFill>
+                  <a:schemeClr val="tx1">
+                    <a:tint val="75000"/>
+                  </a:schemeClr>
+                </a:solidFill>
+              </a:defRPr>
+            </a:lvl5pPr>
+            <a:lvl6pPr marL="2286000" indent="0" algn="ctr">
+              <a:buNone/>
+              <a:defRPr>
+                <a:solidFill>
+                  <a:schemeClr val="tx1">
+                    <a:tint val="75000"/>
+                  </a:schemeClr>
+                </a:solidFill>
+              </a:defRPr>
+            </a:lvl6pPr>
+            <a:lvl7pPr marL="2743200" indent="0" algn="ctr">
+              <a:buNone/>
+              <a:defRPr>
+                <a:solidFill>
+                  <a:schemeClr val="tx1">
+                    <a:tint val="75000"/>
+                  </a:schemeClr>
+                </a:solidFill>
+              </a:defRPr>
+            </a:lvl7pPr>
+            <a:lvl8pPr marL="3200400" indent="0" algn="ctr">
+              <a:buNone/>
+              <a:defRPr>
+                <a:solidFill>
+                  <a:schemeClr val="tx1">
+                    <a:tint val="75000"/>
+                  </a:schemeClr>
+                </a:solidFill>
+              </a:defRPr>
+            </a:lvl8pPr>
+            <a:lvl9pPr marL="3657600" indent="0" algn="ctr">
+              <a:buNone/>
+              <a:defRPr>
+                <a:solidFill>
+                  <a:schemeClr val="tx1">
+                    <a:tint val="75000"/>
+                  </a:schemeClr>
+                </a:solidFill>
+              </a:defRPr>
+            </a:lvl9pPr>
+          </a:lstStyle>
+          <a:p>
+            <a:r>
+              <a:rPr lang="en-US"/>
+              <a:t>Click to edit Master subtitle style</a:t>
+            </a:r>
+            <a:endParaRPr lang="en-US" dirty="0"/>
+          </a:p>
+        </p:txBody>
+      </p:sp>
+      <p:pic>
+        <p:nvPicPr>
+          <p:cNvPr id="12" name="Picture 11"/>
+          <p:cNvPicPr>
+            <a:picLocks noChangeAspect="1"/>
+          </p:cNvPicPr>
+          <p:nvPr userDrawn="1"/>
+        </p:nvPicPr>
+        <p:blipFill>
+          <a:blip r:embed="rId2" cstate="print">
+            <a:extLst>
+              <a:ext uri="{28A0092B-C50C-407E-A947-70E740481C1C}">
+                <a14:useLocalDpi xmlns:a14="http://schemas.microsoft.com/office/drawing/2010/main" val="0"/>
+              </a:ext>
+            </a:extLst>
+          </a:blip>
+          <a:stretch>
+            <a:fillRect/>
+          </a:stretch>
+        </p:blipFill>
+        <p:spPr>
+          <a:xfrm>
+            <a:off x="362749" y="483164"/>
+            <a:ext cx="2050840" cy="935496"/>
+          </a:xfrm>
+          <a:prstGeom prst="rect">
+            <a:avLst/>
+          </a:prstGeom>
+        </p:spPr>
+      </p:pic>
+      <p:pic>
+        <p:nvPicPr>
+          <p:cNvPr id="16" name="Picture 15"/>
+          <p:cNvPicPr>
+            <a:picLocks noChangeAspect="1"/>
+          </p:cNvPicPr>
+          <p:nvPr userDrawn="1"/>
+        </p:nvPicPr>
+        <p:blipFill>
+          <a:blip r:embed="rId3" cstate="print">
+            <a:extLst>
+              <a:ext uri="{BEBA8EAE-BF5A-486C-A8C5-ECC9F3942E4B}">
+                <a14:imgProps xmlns:a14="http://schemas.microsoft.com/office/drawing/2010/main">
+                  <a14:imgLayer r:embed="rId4">
+                    <a14:imgEffect>
+                      <a14:brightnessContrast bright="100000"/>
+                    </a14:imgEffect>
+                  </a14:imgLayer>
+                </a14:imgProps>
+              </a:ext>
+              <a:ext uri="{28A0092B-C50C-407E-A947-70E740481C1C}">
+                <a14:useLocalDpi xmlns:a14="http://schemas.microsoft.com/office/drawing/2010/main" val="0"/>
+              </a:ext>
+            </a:extLst>
+          </a:blip>
+          <a:stretch>
+            <a:fillRect/>
+          </a:stretch>
+        </p:blipFill>
+        <p:spPr>
+          <a:xfrm>
+            <a:off x="7289921" y="6322747"/>
+            <a:ext cx="2409477" cy="401008"/>
+          </a:xfrm>
+          <a:prstGeom prst="rect">
+            <a:avLst/>
+          </a:prstGeom>
+        </p:spPr>
+      </p:pic>
+      <p:pic>
+        <p:nvPicPr>
+          <p:cNvPr id="17" name="Picture 16"/>
+          <p:cNvPicPr>
+            <a:picLocks noChangeAspect="1"/>
+          </p:cNvPicPr>
+          <p:nvPr userDrawn="1"/>
+        </p:nvPicPr>
+        <p:blipFill rotWithShape="1">
+          <a:blip r:embed="rId5" cstate="print">
+            <a:extLst>
+              <a:ext uri="{BEBA8EAE-BF5A-486C-A8C5-ECC9F3942E4B}">
+                <a14:imgProps xmlns:a14="http://schemas.microsoft.com/office/drawing/2010/main">
+                  <a14:imgLayer r:embed="rId6">
+                    <a14:imgEffect>
+                      <a14:brightnessContrast bright="100000"/>
+                    </a14:imgEffect>
+                  </a14:imgLayer>
+                </a14:imgProps>
+              </a:ext>
+              <a:ext uri="{28A0092B-C50C-407E-A947-70E740481C1C}">
+                <a14:useLocalDpi xmlns:a14="http://schemas.microsoft.com/office/drawing/2010/main" val="0"/>
+              </a:ext>
+            </a:extLst>
+          </a:blip>
+          <a:srcRect b="70693"/>
+          <a:stretch/>
+        </p:blipFill>
+        <p:spPr>
+          <a:xfrm>
+            <a:off x="10204521" y="6307740"/>
+            <a:ext cx="1367541" cy="428915"/>
+          </a:xfrm>
+          <a:prstGeom prst="rect">
+            <a:avLst/>
+          </a:prstGeom>
+        </p:spPr>
+      </p:pic>
+      <p:pic>
+        <p:nvPicPr>
+          <p:cNvPr id="8" name="Picture 7" descr="A picture containing shape&#10;&#10;Description automatically generated">
+            <a:extLst>
+              <a:ext uri="{FF2B5EF4-FFF2-40B4-BE49-F238E27FC236}">
+                <a16:creationId xmlns:a16="http://schemas.microsoft.com/office/drawing/2014/main" id="{C432A180-7341-4E28-8C2B-73F9AB53D13F}"/>
+              </a:ext>
+            </a:extLst>
+          </p:cNvPr>
+          <p:cNvPicPr>
+            <a:picLocks noChangeAspect="1"/>
+          </p:cNvPicPr>
+          <p:nvPr userDrawn="1"/>
+        </p:nvPicPr>
+        <p:blipFill>
+          <a:blip r:embed="rId7">
+            <a:extLst>
+              <a:ext uri="{28A0092B-C50C-407E-A947-70E740481C1C}">
+                <a14:useLocalDpi xmlns:a14="http://schemas.microsoft.com/office/drawing/2010/main" val="0"/>
+              </a:ext>
+            </a:extLst>
+          </a:blip>
+          <a:stretch>
+            <a:fillRect/>
+          </a:stretch>
+        </p:blipFill>
+        <p:spPr>
+          <a:xfrm>
+            <a:off x="333920" y="1848659"/>
+            <a:ext cx="2108499" cy="914400"/>
+          </a:xfrm>
+          <a:prstGeom prst="rect">
+            <a:avLst/>
+          </a:prstGeom>
+        </p:spPr>
+      </p:pic>
+      <p:pic>
+        <p:nvPicPr>
+          <p:cNvPr id="13" name="Picture 2" descr="https://licensebuttons.net/l/by/4.0/88x31.png">
+            <a:extLst>
+              <a:ext uri="{FF2B5EF4-FFF2-40B4-BE49-F238E27FC236}">
+                <a16:creationId xmlns:a16="http://schemas.microsoft.com/office/drawing/2014/main" id="{FAFD7D99-41CA-4FD0-9396-9C5659F22045}"/>
+              </a:ext>
+            </a:extLst>
+          </p:cNvPr>
+          <p:cNvPicPr>
+            <a:picLocks noChangeAspect="1" noChangeArrowheads="1"/>
+          </p:cNvPicPr>
+          <p:nvPr userDrawn="1"/>
+        </p:nvPicPr>
+        <p:blipFill>
+          <a:blip r:embed="rId8">
+            <a:extLst>
+              <a:ext uri="{28A0092B-C50C-407E-A947-70E740481C1C}">
+                <a14:useLocalDpi xmlns:a14="http://schemas.microsoft.com/office/drawing/2010/main" val="0"/>
+              </a:ext>
+            </a:extLst>
+          </a:blip>
+          <a:srcRect/>
+          <a:stretch>
+            <a:fillRect/>
+          </a:stretch>
+        </p:blipFill>
+        <p:spPr bwMode="auto">
+          <a:xfrm>
+            <a:off x="969069" y="5841262"/>
+            <a:ext cx="838200" cy="295275"/>
+          </a:xfrm>
+          <a:prstGeom prst="rect">
+            <a:avLst/>
+          </a:prstGeom>
+          <a:noFill/>
+          <a:extLst>
+            <a:ext uri="{909E8E84-426E-40DD-AFC4-6F175D3DCCD1}">
+              <a14:hiddenFill xmlns:a14="http://schemas.microsoft.com/office/drawing/2010/main">
+                <a:solidFill>
+                  <a:srgbClr val="FFFFFF"/>
+                </a:solidFill>
+              </a14:hiddenFill>
+            </a:ext>
+          </a:extLst>
+        </p:spPr>
+      </p:pic>
+      <p:sp>
+        <p:nvSpPr>
+          <p:cNvPr id="14" name="TextBox 13">
+            <a:extLst>
+              <a:ext uri="{FF2B5EF4-FFF2-40B4-BE49-F238E27FC236}">
+                <a16:creationId xmlns:a16="http://schemas.microsoft.com/office/drawing/2014/main" id="{9D022D1C-99FF-490C-8690-D8081D33C0AF}"/>
+              </a:ext>
+            </a:extLst>
+          </p:cNvPr>
+          <p:cNvSpPr txBox="1"/>
+          <p:nvPr userDrawn="1"/>
+        </p:nvSpPr>
+        <p:spPr>
+          <a:xfrm>
+            <a:off x="1810964" y="5776533"/>
+            <a:ext cx="1171114" cy="424732"/>
+          </a:xfrm>
+          <a:prstGeom prst="rect">
+            <a:avLst/>
+          </a:prstGeom>
+          <a:noFill/>
+        </p:spPr>
+        <p:txBody>
+          <a:bodyPr wrap="square" rtlCol="0">
+            <a:spAutoFit/>
+          </a:bodyPr>
+          <a:lstStyle/>
+          <a:p>
+            <a:pPr algn="ctr">
+              <a:lnSpc>
+                <a:spcPct val="90000"/>
+              </a:lnSpc>
+            </a:pPr>
+            <a:r>
+              <a:rPr lang="en-US" sz="1200" dirty="0"/>
+              <a:t>See slide 2 for license details</a:t>
+            </a:r>
+          </a:p>
+        </p:txBody>
+      </p:sp>
+      <p:pic>
+        <p:nvPicPr>
+          <p:cNvPr id="15" name="Picture 14">
+            <a:extLst>
+              <a:ext uri="{FF2B5EF4-FFF2-40B4-BE49-F238E27FC236}">
+                <a16:creationId xmlns:a16="http://schemas.microsoft.com/office/drawing/2014/main" id="{C554CDC7-44CF-4751-9869-0265C8E01840}"/>
+              </a:ext>
+            </a:extLst>
+          </p:cNvPr>
+          <p:cNvPicPr>
+            <a:picLocks noChangeAspect="1"/>
+          </p:cNvPicPr>
+          <p:nvPr userDrawn="1"/>
+        </p:nvPicPr>
+        <p:blipFill>
+          <a:blip r:embed="rId9" cstate="print">
+            <a:extLst>
+              <a:ext uri="{28A0092B-C50C-407E-A947-70E740481C1C}">
+                <a14:useLocalDpi xmlns:a14="http://schemas.microsoft.com/office/drawing/2010/main" val="0"/>
+              </a:ext>
+            </a:extLst>
+          </a:blip>
+          <a:stretch>
+            <a:fillRect/>
+          </a:stretch>
+        </p:blipFill>
+        <p:spPr>
+          <a:xfrm>
+            <a:off x="333211" y="3189686"/>
+            <a:ext cx="2109916" cy="905256"/>
+          </a:xfrm>
+          <a:prstGeom prst="rect">
+            <a:avLst/>
+          </a:prstGeom>
+        </p:spPr>
+      </p:pic>
+    </p:spTree>
+    <p:extLst>
+      <p:ext uri="{BB962C8B-B14F-4D97-AF65-F5344CB8AC3E}">
+        <p14:creationId xmlns:p14="http://schemas.microsoft.com/office/powerpoint/2010/main" val="451228200"/>
+      </p:ext>
+    </p:extLst>
+  </p:cSld>
+  <p:clrMapOvr>
+    <a:masterClrMapping/>
+  </p:clrMapOvr>
+</p:sldLayout>
+</file>
+
+<file path=ppt/slideLayouts/slideLayout3.xml><?xml version="1.0" encoding="utf-8"?>
 <p:sldLayout xmlns:a="http://schemas.openxmlformats.org/drawingml/2006/main" xmlns:r="http://schemas.openxmlformats.org/officeDocument/2006/relationships" xmlns:p="http://schemas.openxmlformats.org/presentationml/2006/main" type="obj" preserve="1">
   <p:cSld name="Title and Content">
     <p:bg>
@@ -1372,7 +1923,7 @@
 </p:sldLayout>
 </file>
 
-<file path=ppt/slideLayouts/slideLayout3.xml><?xml version="1.0" encoding="utf-8"?>
+<file path=ppt/slideLayouts/slideLayout4.xml><?xml version="1.0" encoding="utf-8"?>
 <p:sldLayout xmlns:a="http://schemas.openxmlformats.org/drawingml/2006/main" xmlns:r="http://schemas.openxmlformats.org/officeDocument/2006/relationships" xmlns:p="http://schemas.openxmlformats.org/presentationml/2006/main" type="twoTxTwoObj" preserve="1">
   <p:cSld name="Comparison">
     <p:spTree>
@@ -1843,7 +2394,7 @@
 </p:sldLayout>
 </file>
 
-<file path=ppt/slideLayouts/slideLayout4.xml><?xml version="1.0" encoding="utf-8"?>
+<file path=ppt/slideLayouts/slideLayout5.xml><?xml version="1.0" encoding="utf-8"?>
 <p:sldLayout xmlns:a="http://schemas.openxmlformats.org/drawingml/2006/main" xmlns:r="http://schemas.openxmlformats.org/officeDocument/2006/relationships" xmlns:p="http://schemas.openxmlformats.org/presentationml/2006/main" preserve="1" userDrawn="1">
   <p:cSld name="quad chart">
     <p:spTree>
@@ -2606,7 +3157,7 @@
 </p:sldLayout>
 </file>
 
-<file path=ppt/slideLayouts/slideLayout5.xml><?xml version="1.0" encoding="utf-8"?>
+<file path=ppt/slideLayouts/slideLayout6.xml><?xml version="1.0" encoding="utf-8"?>
 <p:sldLayout xmlns:a="http://schemas.openxmlformats.org/drawingml/2006/main" xmlns:r="http://schemas.openxmlformats.org/officeDocument/2006/relationships" xmlns:p="http://schemas.openxmlformats.org/presentationml/2006/main" preserve="1" userDrawn="1">
   <p:cSld name="Section divider">
     <p:spTree>
@@ -2664,7 +3215,7 @@
 </p:sldLayout>
 </file>
 
-<file path=ppt/slideLayouts/slideLayout6.xml><?xml version="1.0" encoding="utf-8"?>
+<file path=ppt/slideLayouts/slideLayout7.xml><?xml version="1.0" encoding="utf-8"?>
 <p:sldLayout xmlns:a="http://schemas.openxmlformats.org/drawingml/2006/main" xmlns:r="http://schemas.openxmlformats.org/officeDocument/2006/relationships" xmlns:p="http://schemas.openxmlformats.org/presentationml/2006/main" type="titleOnly" preserve="1">
   <p:cSld name="Title Only">
     <p:spTree>
@@ -2747,48 +3298,6 @@
           <a:chExt cx="0" cy="0"/>
         </a:xfrm>
       </p:grpSpPr>
-      <p:pic>
-        <p:nvPicPr>
-          <p:cNvPr id="14" name="Picture 13">
-            <a:extLst>
-              <a:ext uri="{FF2B5EF4-FFF2-40B4-BE49-F238E27FC236}">
-                <a16:creationId xmlns:a16="http://schemas.microsoft.com/office/drawing/2014/main" id="{ED1C1369-A08C-454A-B0B5-0955BB31B118}"/>
-              </a:ext>
-            </a:extLst>
-          </p:cNvPr>
-          <p:cNvPicPr>
-            <a:picLocks noChangeAspect="1"/>
-          </p:cNvPicPr>
-          <p:nvPr userDrawn="1"/>
-        </p:nvPicPr>
-        <p:blipFill rotWithShape="1">
-          <a:blip r:embed="rId8">
-            <a:extLst>
-              <a:ext uri="{28A0092B-C50C-407E-A947-70E740481C1C}">
-                <a14:useLocalDpi xmlns:a14="http://schemas.microsoft.com/office/drawing/2010/main" val="0"/>
-              </a:ext>
-            </a:extLst>
-          </a:blip>
-          <a:srcRect r="58932" b="1495"/>
-          <a:stretch/>
-        </p:blipFill>
-        <p:spPr>
-          <a:xfrm>
-            <a:off x="9335860" y="0"/>
-            <a:ext cx="2852965" cy="4078297"/>
-          </a:xfrm>
-          <a:prstGeom prst="rect">
-            <a:avLst/>
-          </a:prstGeom>
-          <a:effectLst>
-            <a:outerShdw blurRad="50800" dist="50800" dir="5400000" algn="ctr" rotWithShape="0">
-              <a:srgbClr val="000000">
-                <a:alpha val="0"/>
-              </a:srgbClr>
-            </a:outerShdw>
-          </a:effectLst>
-        </p:spPr>
-      </p:pic>
       <p:sp>
         <p:nvSpPr>
           <p:cNvPr id="1026" name="Title Placeholder 1"/>
@@ -2927,7 +3436,7 @@
         </p:blipFill>
         <p:spPr>
           <a:xfrm>
-            <a:off x="9741160" y="6183517"/>
+            <a:off x="9741160" y="6185919"/>
             <a:ext cx="1971212" cy="533060"/>
           </a:xfrm>
           <a:prstGeom prst="rect">
@@ -3040,10 +3549,10 @@
       </p:sp>
       <p:pic>
         <p:nvPicPr>
-          <p:cNvPr id="10" name="Picture 9" descr="IDEAS_logo.png">
+          <p:cNvPr id="3" name="Picture 2" descr="A picture containing shape&#10;&#10;Description automatically generated">
             <a:extLst>
               <a:ext uri="{FF2B5EF4-FFF2-40B4-BE49-F238E27FC236}">
-                <a16:creationId xmlns:a16="http://schemas.microsoft.com/office/drawing/2014/main" id="{B8E2FEED-84DC-4438-B439-E3DA7A28736A}"/>
+                <a16:creationId xmlns:a16="http://schemas.microsoft.com/office/drawing/2014/main" id="{2A4943B8-0F89-4A94-B130-A128F45E57C4}"/>
               </a:ext>
             </a:extLst>
           </p:cNvPr>
@@ -3053,10 +3562,10 @@
           <p:nvPr userDrawn="1"/>
         </p:nvPicPr>
         <p:blipFill>
-          <a:blip r:embed="rId10" cstate="print">
+          <a:blip r:embed="rId10">
             <a:extLst>
               <a:ext uri="{28A0092B-C50C-407E-A947-70E740481C1C}">
-                <a14:useLocalDpi xmlns:a14="http://schemas.microsoft.com/office/drawing/2010/main"/>
+                <a14:useLocalDpi xmlns:a14="http://schemas.microsoft.com/office/drawing/2010/main" val="0"/>
               </a:ext>
             </a:extLst>
           </a:blip>
@@ -3066,8 +3575,8 @@
         </p:blipFill>
         <p:spPr>
           <a:xfrm>
-            <a:off x="7663530" y="6156960"/>
-            <a:ext cx="1845330" cy="640080"/>
+            <a:off x="7806050" y="6114121"/>
+            <a:ext cx="1560289" cy="676656"/>
           </a:xfrm>
           <a:prstGeom prst="rect">
             <a:avLst/>
@@ -3084,11 +3593,12 @@
   <p:clrMap bg1="lt1" tx1="dk1" bg2="lt2" tx2="dk2" accent1="accent1" accent2="accent2" accent3="accent3" accent4="accent4" accent5="accent5" accent6="accent6" hlink="hlink" folHlink="folHlink"/>
   <p:sldLayoutIdLst>
     <p:sldLayoutId id="2147483949" r:id="rId1"/>
-    <p:sldLayoutId id="2147483937" r:id="rId2"/>
-    <p:sldLayoutId id="2147483939" r:id="rId3"/>
-    <p:sldLayoutId id="2147483950" r:id="rId4"/>
-    <p:sldLayoutId id="2147483940" r:id="rId5"/>
-    <p:sldLayoutId id="2147483941" r:id="rId6"/>
+    <p:sldLayoutId id="2147483951" r:id="rId2"/>
+    <p:sldLayoutId id="2147483937" r:id="rId3"/>
+    <p:sldLayoutId id="2147483939" r:id="rId4"/>
+    <p:sldLayoutId id="2147483950" r:id="rId5"/>
+    <p:sldLayoutId id="2147483940" r:id="rId6"/>
+    <p:sldLayoutId id="2147483941" r:id="rId7"/>
   </p:sldLayoutIdLst>
   <p:hf hdr="0" ftr="0" dt="0"/>
   <p:txStyles>
@@ -3549,7 +4059,13 @@
       </p:grpSpPr>
       <p:sp>
         <p:nvSpPr>
-          <p:cNvPr id="7" name="Title 6"/>
+          <p:cNvPr id="2" name="Title 1">
+            <a:extLst>
+              <a:ext uri="{FF2B5EF4-FFF2-40B4-BE49-F238E27FC236}">
+                <a16:creationId xmlns:a16="http://schemas.microsoft.com/office/drawing/2014/main" id="{CBE9A474-1242-4CF8-A514-92BEA597446B}"/>
+              </a:ext>
+            </a:extLst>
+          </p:cNvPr>
           <p:cNvSpPr>
             <a:spLocks noGrp="1"/>
           </p:cNvSpPr>
@@ -3559,7 +4075,7 @@
         </p:nvSpPr>
         <p:spPr>
           <a:xfrm>
-            <a:off x="3177633" y="6189"/>
+            <a:off x="3177633" y="503144"/>
             <a:ext cx="8292316" cy="1030930"/>
           </a:xfrm>
         </p:spPr>
@@ -3567,210 +4083,66 @@
           <a:bodyPr/>
           <a:lstStyle/>
           <a:p>
+            <a:pPr>
+              <a:spcBef>
+                <a:spcPts val="3200"/>
+              </a:spcBef>
+            </a:pPr>
             <a:r>
               <a:rPr lang="en-US" dirty="0"/>
-              <a:t>Welcome to…</a:t>
+              <a:t>Better Scientific Software tutorial</a:t>
             </a:r>
           </a:p>
         </p:txBody>
       </p:sp>
-      <p:pic>
-        <p:nvPicPr>
-          <p:cNvPr id="8" name="Picture 7" descr="Screen Shot 2017-01-21 at 6.45.35 PM.png">
+      <p:sp>
+        <p:nvSpPr>
+          <p:cNvPr id="3" name="Subtitle 2">
             <a:extLst>
               <a:ext uri="{FF2B5EF4-FFF2-40B4-BE49-F238E27FC236}">
-                <a16:creationId xmlns:a16="http://schemas.microsoft.com/office/drawing/2014/main" id="{2D830406-FACC-4050-8E30-3A157692EB81}"/>
+                <a16:creationId xmlns:a16="http://schemas.microsoft.com/office/drawing/2014/main" id="{115D6CAC-8B77-472D-91BE-E47FFB7E8C7A}"/>
               </a:ext>
             </a:extLst>
           </p:cNvPr>
-          <p:cNvPicPr>
-            <a:picLocks noChangeAspect="1"/>
-          </p:cNvPicPr>
-          <p:nvPr/>
-        </p:nvPicPr>
-        <p:blipFill>
-          <a:blip r:embed="rId2" cstate="print">
-            <a:extLst>
-              <a:ext uri="{28A0092B-C50C-407E-A947-70E740481C1C}">
-                <a14:useLocalDpi xmlns:a14="http://schemas.microsoft.com/office/drawing/2010/main" val="0"/>
-              </a:ext>
-            </a:extLst>
-          </a:blip>
-          <a:stretch>
-            <a:fillRect/>
-          </a:stretch>
-        </p:blipFill>
-        <p:spPr>
-          <a:xfrm>
-            <a:off x="4068799" y="1114543"/>
-            <a:ext cx="4051226" cy="1738172"/>
-          </a:xfrm>
-          <a:prstGeom prst="rect">
-            <a:avLst/>
-          </a:prstGeom>
-        </p:spPr>
-      </p:pic>
-      <p:sp>
-        <p:nvSpPr>
-          <p:cNvPr id="9" name="TextBox 8">
-            <a:extLst>
-              <a:ext uri="{FF2B5EF4-FFF2-40B4-BE49-F238E27FC236}">
-                <a16:creationId xmlns:a16="http://schemas.microsoft.com/office/drawing/2014/main" id="{1567E541-91AB-4DED-99B3-172FBF7CFD40}"/>
-              </a:ext>
-            </a:extLst>
-          </p:cNvPr>
-          <p:cNvSpPr txBox="1"/>
-          <p:nvPr/>
+          <p:cNvSpPr>
+            <a:spLocks noGrp="1"/>
+          </p:cNvSpPr>
+          <p:nvPr>
+            <p:ph type="subTitle" idx="1"/>
+          </p:nvPr>
         </p:nvSpPr>
         <p:spPr>
           <a:xfrm>
-            <a:off x="2452099" y="2931437"/>
-            <a:ext cx="7284684" cy="1354217"/>
+            <a:off x="3177632" y="2085962"/>
+            <a:ext cx="8292317" cy="2855300"/>
           </a:xfrm>
-          <a:prstGeom prst="rect">
-            <a:avLst/>
-          </a:prstGeom>
-          <a:noFill/>
         </p:spPr>
         <p:txBody>
-          <a:bodyPr wrap="square" rtlCol="0">
-            <a:spAutoFit/>
-          </a:bodyPr>
+          <a:bodyPr/>
           <a:lstStyle/>
           <a:p>
-            <a:pPr algn="ctr"/>
-            <a:r>
-              <a:rPr lang="en-US" sz="2400" b="1" dirty="0"/>
+            <a:r>
+              <a:rPr lang="en-US" dirty="0"/>
               <a:t>David E. Bernholdt, Anshu Dubey, Rinku Gupta, David Rogers</a:t>
             </a:r>
           </a:p>
           <a:p>
-            <a:pPr algn="ctr">
-              <a:spcBef>
-                <a:spcPts val="1200"/>
-              </a:spcBef>
-            </a:pPr>
-            <a:r>
-              <a:rPr lang="en-US" sz="2400" dirty="0"/>
+            <a:r>
+              <a:rPr lang="en-US" dirty="0"/>
               <a:t>1:00-4:00pm MDT Thursday 25 March 2021</a:t>
             </a:r>
+          </a:p>
+          <a:p>
+            <a:endParaRPr lang="en-US" dirty="0"/>
           </a:p>
         </p:txBody>
       </p:sp>
-      <p:grpSp>
-        <p:nvGrpSpPr>
-          <p:cNvPr id="19" name="Group 18">
+      <p:sp>
+        <p:nvSpPr>
+          <p:cNvPr id="4" name="Rectangle 3">
             <a:extLst>
               <a:ext uri="{FF2B5EF4-FFF2-40B4-BE49-F238E27FC236}">
-                <a16:creationId xmlns:a16="http://schemas.microsoft.com/office/drawing/2014/main" id="{5DA3ADE3-D09C-4F16-B414-C8580062E182}"/>
-              </a:ext>
-            </a:extLst>
-          </p:cNvPr>
-          <p:cNvGrpSpPr/>
-          <p:nvPr/>
-        </p:nvGrpSpPr>
-        <p:grpSpPr>
-          <a:xfrm>
-            <a:off x="4471718" y="5542925"/>
-            <a:ext cx="3245388" cy="596806"/>
-            <a:chOff x="1967920" y="5132113"/>
-            <a:chExt cx="3245388" cy="596806"/>
-          </a:xfrm>
-        </p:grpSpPr>
-        <p:pic>
-          <p:nvPicPr>
-            <p:cNvPr id="6" name="Picture 2" descr="https://licensebuttons.net/l/by/4.0/88x31.png">
-              <a:extLst>
-                <a:ext uri="{FF2B5EF4-FFF2-40B4-BE49-F238E27FC236}">
-                  <a16:creationId xmlns:a16="http://schemas.microsoft.com/office/drawing/2014/main" id="{5CC514C2-8FC7-4B1D-89D7-30A465183246}"/>
-                </a:ext>
-              </a:extLst>
-            </p:cNvPr>
-            <p:cNvPicPr>
-              <a:picLocks noChangeAspect="1" noChangeArrowheads="1"/>
-            </p:cNvPicPr>
-            <p:nvPr/>
-          </p:nvPicPr>
-          <p:blipFill>
-            <a:blip r:embed="rId3">
-              <a:extLst>
-                <a:ext uri="{28A0092B-C50C-407E-A947-70E740481C1C}">
-                  <a14:useLocalDpi xmlns:a14="http://schemas.microsoft.com/office/drawing/2010/main" val="0"/>
-                </a:ext>
-              </a:extLst>
-            </a:blip>
-            <a:srcRect/>
-            <a:stretch>
-              <a:fillRect/>
-            </a:stretch>
-          </p:blipFill>
-          <p:spPr bwMode="auto">
-            <a:xfrm>
-              <a:off x="1967920" y="5143703"/>
-              <a:ext cx="1661258" cy="585216"/>
-            </a:xfrm>
-            <a:prstGeom prst="rect">
-              <a:avLst/>
-            </a:prstGeom>
-            <a:noFill/>
-            <a:extLst>
-              <a:ext uri="{909E8E84-426E-40DD-AFC4-6F175D3DCCD1}">
-                <a14:hiddenFill xmlns:a14="http://schemas.microsoft.com/office/drawing/2010/main">
-                  <a:solidFill>
-                    <a:srgbClr val="FFFFFF"/>
-                  </a:solidFill>
-                </a14:hiddenFill>
-              </a:ext>
-            </a:extLst>
-          </p:spPr>
-        </p:pic>
-        <p:sp>
-          <p:nvSpPr>
-            <p:cNvPr id="10" name="TextBox 9">
-              <a:extLst>
-                <a:ext uri="{FF2B5EF4-FFF2-40B4-BE49-F238E27FC236}">
-                  <a16:creationId xmlns:a16="http://schemas.microsoft.com/office/drawing/2014/main" id="{88CB8FE3-A8A7-43B1-A57A-F06E06D980C6}"/>
-                </a:ext>
-              </a:extLst>
-            </p:cNvPr>
-            <p:cNvSpPr txBox="1"/>
-            <p:nvPr/>
-          </p:nvSpPr>
-          <p:spPr>
-            <a:xfrm>
-              <a:off x="3601264" y="5132113"/>
-              <a:ext cx="1612044" cy="590931"/>
-            </a:xfrm>
-            <a:prstGeom prst="rect">
-              <a:avLst/>
-            </a:prstGeom>
-            <a:noFill/>
-          </p:spPr>
-          <p:txBody>
-            <a:bodyPr wrap="square" rtlCol="0">
-              <a:spAutoFit/>
-            </a:bodyPr>
-            <a:lstStyle/>
-            <a:p>
-              <a:pPr algn="ctr">
-                <a:lnSpc>
-                  <a:spcPct val="90000"/>
-                </a:lnSpc>
-              </a:pPr>
-              <a:r>
-                <a:rPr lang="en-US" sz="1200" dirty="0"/>
-                <a:t>See slide 2 for license details and requested citation</a:t>
-              </a:r>
-            </a:p>
-          </p:txBody>
-        </p:sp>
-      </p:grpSp>
-      <p:sp>
-        <p:nvSpPr>
-          <p:cNvPr id="18" name="Rectangle 17">
-            <a:extLst>
-              <a:ext uri="{FF2B5EF4-FFF2-40B4-BE49-F238E27FC236}">
-                <a16:creationId xmlns:a16="http://schemas.microsoft.com/office/drawing/2014/main" id="{3C32E92A-9301-4D75-9FC9-47790C497560}"/>
+                <a16:creationId xmlns:a16="http://schemas.microsoft.com/office/drawing/2014/main" id="{303F357E-9CB8-4044-927D-CD647508B2FA}"/>
               </a:ext>
             </a:extLst>
           </p:cNvPr>
@@ -3779,53 +4151,8 @@
         </p:nvSpPr>
         <p:spPr>
           <a:xfrm>
-            <a:off x="3713282" y="4834285"/>
-            <a:ext cx="4762260" cy="707886"/>
-          </a:xfrm>
-          <a:prstGeom prst="rect">
-            <a:avLst/>
-          </a:prstGeom>
-        </p:spPr>
-        <p:txBody>
-          <a:bodyPr wrap="square">
-            <a:spAutoFit/>
-          </a:bodyPr>
-          <a:lstStyle/>
-          <a:p>
-            <a:pPr algn="ctr"/>
-            <a:r>
-              <a:rPr lang="en-US" sz="2000" dirty="0"/>
-              <a:t>Last-minute updates, final slides, etc. at: </a:t>
-            </a:r>
-            <a:br>
-              <a:rPr lang="en-US" sz="2000" dirty="0"/>
-            </a:br>
-            <a:r>
-              <a:rPr lang="en-US" sz="2000" b="1" dirty="0">
-                <a:hlinkClick r:id="rId4"/>
-              </a:rPr>
-              <a:t>https://bssw-tutorial.github.io/</a:t>
-            </a:r>
-            <a:endParaRPr lang="en-US" sz="2400" b="1" dirty="0"/>
-          </a:p>
-        </p:txBody>
-      </p:sp>
-      <p:sp>
-        <p:nvSpPr>
-          <p:cNvPr id="2" name="TextBox 1">
-            <a:extLst>
-              <a:ext uri="{FF2B5EF4-FFF2-40B4-BE49-F238E27FC236}">
-                <a16:creationId xmlns:a16="http://schemas.microsoft.com/office/drawing/2014/main" id="{9F59F666-EB5C-4739-A209-1E5258BBE60A}"/>
-              </a:ext>
-            </a:extLst>
-          </p:cNvPr>
-          <p:cNvSpPr txBox="1"/>
-          <p:nvPr/>
-        </p:nvSpPr>
-        <p:spPr>
-          <a:xfrm>
-            <a:off x="8834996" y="1409357"/>
-            <a:ext cx="3151596" cy="1181862"/>
+            <a:off x="3178175" y="4059333"/>
+            <a:ext cx="4584766" cy="1200329"/>
           </a:xfrm>
           <a:prstGeom prst="rect">
             <a:avLst/>
@@ -3833,84 +4160,39 @@
           <a:solidFill>
             <a:srgbClr val="FFFF00"/>
           </a:solidFill>
-          <a:ln w="38100">
+          <a:ln w="28575">
             <a:solidFill>
-              <a:schemeClr val="accent4"/>
+              <a:schemeClr val="tx1"/>
             </a:solidFill>
           </a:ln>
         </p:spPr>
         <p:txBody>
-          <a:bodyPr wrap="square" lIns="118872" tIns="91440" rIns="118872" bIns="91440" rtlCol="0" anchor="ctr" anchorCtr="0">
+          <a:bodyPr wrap="square">
             <a:spAutoFit/>
           </a:bodyPr>
           <a:lstStyle/>
           <a:p>
-            <a:pPr algn="l">
-              <a:lnSpc>
-                <a:spcPct val="90000"/>
-              </a:lnSpc>
-            </a:pPr>
-            <a:r>
-              <a:rPr lang="en-US" sz="2400" dirty="0">
-                <a:solidFill>
-                  <a:srgbClr val="FF0000"/>
-                </a:solidFill>
+            <a:r>
+              <a:rPr lang="en-US" sz="2400" dirty="0"/>
+              <a:t>Final slides, hands-on activities, last-minute updates, etc. at: </a:t>
+            </a:r>
+            <a:br>
+              <a:rPr lang="en-US" sz="2400" dirty="0"/>
+            </a:br>
+            <a:r>
+              <a:rPr lang="en-US" sz="2400" b="1" dirty="0">
+                <a:hlinkClick r:id="rId2"/>
               </a:rPr>
-              <a:t>Check this web site for the latest updates for this tutorial!</a:t>
-            </a:r>
+              <a:t>https://bssw-tutorial.github.io/</a:t>
+            </a:r>
+            <a:endParaRPr lang="en-US" sz="2800" b="1" dirty="0"/>
           </a:p>
         </p:txBody>
       </p:sp>
-      <p:cxnSp>
-        <p:nvCxnSpPr>
-          <p:cNvPr id="5" name="Straight Arrow Connector 4">
-            <a:extLst>
-              <a:ext uri="{FF2B5EF4-FFF2-40B4-BE49-F238E27FC236}">
-                <a16:creationId xmlns:a16="http://schemas.microsoft.com/office/drawing/2014/main" id="{F6971359-185E-42E4-9FEA-EC8137C20B9D}"/>
-              </a:ext>
-            </a:extLst>
-          </p:cNvPr>
-          <p:cNvCxnSpPr>
-            <a:cxnSpLocks/>
-            <a:stCxn id="2" idx="2"/>
-            <a:endCxn id="18" idx="3"/>
-          </p:cNvCxnSpPr>
-          <p:nvPr/>
-        </p:nvCxnSpPr>
-        <p:spPr>
-          <a:xfrm flipH="1">
-            <a:off x="8475542" y="2591219"/>
-            <a:ext cx="1935252" cy="2597009"/>
-          </a:xfrm>
-          <a:prstGeom prst="straightConnector1">
-            <a:avLst/>
-          </a:prstGeom>
-          <a:ln w="38100">
-            <a:solidFill>
-              <a:schemeClr val="accent4"/>
-            </a:solidFill>
-            <a:tailEnd type="triangle"/>
-          </a:ln>
-        </p:spPr>
-        <p:style>
-          <a:lnRef idx="1">
-            <a:schemeClr val="accent1"/>
-          </a:lnRef>
-          <a:fillRef idx="0">
-            <a:schemeClr val="accent1"/>
-          </a:fillRef>
-          <a:effectRef idx="0">
-            <a:schemeClr val="accent1"/>
-          </a:effectRef>
-          <a:fontRef idx="minor">
-            <a:schemeClr val="tx1"/>
-          </a:fontRef>
-        </p:style>
-      </p:cxnSp>
     </p:spTree>
     <p:extLst>
       <p:ext uri="{BB962C8B-B14F-4D97-AF65-F5344CB8AC3E}">
-        <p14:creationId xmlns:p14="http://schemas.microsoft.com/office/powerpoint/2010/main" val="4100277922"/>
+        <p14:creationId xmlns:p14="http://schemas.microsoft.com/office/powerpoint/2010/main" val="2146778437"/>
       </p:ext>
     </p:extLst>
   </p:cSld>
@@ -11726,11 +12008,11 @@
 <file path=customXml/itemProps3.xml><?xml version="1.0" encoding="utf-8"?>
 <ds:datastoreItem xmlns:ds="http://schemas.openxmlformats.org/officeDocument/2006/customXml" ds:itemID="{A50EC660-24D0-43A0-AE5E-E274115E726B}">
   <ds:schemaRefs>
-    <ds:schemaRef ds:uri="http://schemas.microsoft.com/office/2006/documentManagement/types"/>
     <ds:schemaRef ds:uri="http://purl.org/dc/elements/1.1/"/>
     <ds:schemaRef ds:uri="http://schemas.microsoft.com/office/2006/metadata/properties"/>
     <ds:schemaRef ds:uri="http://purl.org/dc/terms/"/>
     <ds:schemaRef ds:uri="http://schemas.openxmlformats.org/package/2006/metadata/core-properties"/>
+    <ds:schemaRef ds:uri="http://schemas.microsoft.com/office/2006/documentManagement/types"/>
     <ds:schemaRef ds:uri="http://www.w3.org/XML/1998/namespace"/>
     <ds:schemaRef ds:uri="http://purl.org/dc/dcmitype/"/>
     <ds:schemaRef ds:uri="http://schemas.microsoft.com/office/infopath/2007/PartnerControls"/>

--- a/intro.pptx
+++ b/intro.pptx
@@ -5,10 +5,10 @@
     <p:sldMasterId id="2147483935" r:id="rId4"/>
   </p:sldMasterIdLst>
   <p:notesMasterIdLst>
-    <p:notesMasterId r:id="rId14"/>
+    <p:notesMasterId r:id="rId13"/>
   </p:notesMasterIdLst>
   <p:handoutMasterIdLst>
-    <p:handoutMasterId r:id="rId15"/>
+    <p:handoutMasterId r:id="rId14"/>
   </p:handoutMasterIdLst>
   <p:sldIdLst>
     <p:sldId id="617" r:id="rId5"/>
@@ -17,9 +17,8 @@
     <p:sldId id="327" r:id="rId8"/>
     <p:sldId id="324" r:id="rId9"/>
     <p:sldId id="329" r:id="rId10"/>
-    <p:sldId id="310" r:id="rId11"/>
-    <p:sldId id="314" r:id="rId12"/>
-    <p:sldId id="616" r:id="rId13"/>
+    <p:sldId id="314" r:id="rId11"/>
+    <p:sldId id="616" r:id="rId12"/>
   </p:sldIdLst>
   <p:sldSz cx="12188825" cy="6858000"/>
   <p:notesSz cx="7010400" cy="9296400"/>
@@ -263,7 +262,7 @@
           <a:p>
             <a:fld id="{0B842F42-2CE9-4E35-95C1-410DC08A50B1}" type="datetimeFigureOut">
               <a:rPr lang="en-US" smtClean="0"/>
-              <a:t>5/21/2021</a:t>
+              <a:t>6/14/2021</a:t>
             </a:fld>
             <a:endParaRPr lang="en-US"/>
           </a:p>
@@ -428,7 +427,7 @@
           <a:p>
             <a:fld id="{6F282904-F315-4730-8D91-37D99E141A6F}" type="datetimeFigureOut">
               <a:rPr lang="en-US" smtClean="0"/>
-              <a:t>5/21/2021</a:t>
+              <a:t>6/14/2021</a:t>
             </a:fld>
             <a:endParaRPr lang="en-US"/>
           </a:p>
@@ -4123,13 +4122,27 @@
           <a:p>
             <a:r>
               <a:rPr lang="en-US" dirty="0"/>
-              <a:t>David E. Bernholdt, Anshu Dubey, Rinku Gupta, David Rogers</a:t>
+              <a:t>David E. Bernholdt, Anshu Dubey, Patricia A. Grubel, Rinku Gupta, David M. Rogers</a:t>
             </a:r>
           </a:p>
           <a:p>
             <a:r>
               <a:rPr lang="en-US" dirty="0"/>
-              <a:t>1:00-4:00pm MDT Thursday 25 March 2021</a:t>
+              <a:t>2:00pm-6:00pm CEST 24 June </a:t>
+            </a:r>
+            <a:r>
+              <a:rPr lang="en-US" u="sng" dirty="0"/>
+              <a:t>and</a:t>
+            </a:r>
+            <a:r>
+              <a:rPr lang="en-US" dirty="0"/>
+              <a:t> 25 June 2021</a:t>
+            </a:r>
+          </a:p>
+          <a:p>
+            <a:r>
+              <a:rPr lang="en-US" dirty="0"/>
+              <a:t>(8:00am-12:00pm EDT)</a:t>
             </a:r>
           </a:p>
           <a:p>
@@ -4151,8 +4164,8 @@
         </p:nvSpPr>
         <p:spPr>
           <a:xfrm>
-            <a:off x="3178175" y="4059333"/>
-            <a:ext cx="4584766" cy="1200329"/>
+            <a:off x="3177632" y="4156432"/>
+            <a:ext cx="4944219" cy="1569660"/>
           </a:xfrm>
           <a:prstGeom prst="rect">
             <a:avLst/>
@@ -4185,7 +4198,14 @@
               </a:rPr>
               <a:t>https://bssw-tutorial.github.io/</a:t>
             </a:r>
-            <a:endParaRPr lang="en-US" sz="2800" b="1" dirty="0"/>
+            <a:endParaRPr lang="en-US" sz="2400" b="1" dirty="0"/>
+          </a:p>
+          <a:p>
+            <a:r>
+              <a:rPr lang="en-US" sz="2400" dirty="0"/>
+              <a:t>and click the link for today’s tutorial</a:t>
+            </a:r>
+            <a:endParaRPr lang="en-US" sz="2800" dirty="0"/>
           </a:p>
         </p:txBody>
       </p:sp>
@@ -4615,6 +4635,17 @@
             </a:pPr>
             <a:r>
               <a:rPr lang="en-US" dirty="0"/>
+              <a:t>Patricia Grubel, LANL</a:t>
+            </a:r>
+          </a:p>
+          <a:p>
+            <a:pPr>
+              <a:spcBef>
+                <a:spcPts val="1000"/>
+              </a:spcBef>
+            </a:pPr>
+            <a:r>
+              <a:rPr lang="en-US" dirty="0"/>
               <a:t>Rinku Gupta, ANL</a:t>
             </a:r>
           </a:p>
@@ -4690,10 +4721,10 @@
       </p:sp>
       <p:grpSp>
         <p:nvGrpSpPr>
-          <p:cNvPr id="22" name="Group 21">
+          <p:cNvPr id="20" name="Group 19">
             <a:extLst>
               <a:ext uri="{FF2B5EF4-FFF2-40B4-BE49-F238E27FC236}">
-                <a16:creationId xmlns:a16="http://schemas.microsoft.com/office/drawing/2014/main" id="{DB814C57-53AD-4E0B-9AF7-9B98B92A4C68}"/>
+                <a16:creationId xmlns:a16="http://schemas.microsoft.com/office/drawing/2014/main" id="{BF2033CB-35D0-459F-8C42-B56E36DA8EDB}"/>
               </a:ext>
             </a:extLst>
           </p:cNvPr>
@@ -4702,18 +4733,18 @@
         </p:nvGrpSpPr>
         <p:grpSpPr>
           <a:xfrm>
-            <a:off x="5234821" y="1325880"/>
-            <a:ext cx="997822" cy="1556198"/>
-            <a:chOff x="5234821" y="1346049"/>
-            <a:chExt cx="997822" cy="1556198"/>
+            <a:off x="7828318" y="1313616"/>
+            <a:ext cx="1009507" cy="1851663"/>
+            <a:chOff x="8066531" y="1374891"/>
+            <a:chExt cx="1009507" cy="1851663"/>
           </a:xfrm>
         </p:grpSpPr>
         <p:pic>
           <p:nvPicPr>
-            <p:cNvPr id="16" name="Picture 15">
+            <p:cNvPr id="25" name="Picture 24">
               <a:extLst>
                 <a:ext uri="{FF2B5EF4-FFF2-40B4-BE49-F238E27FC236}">
-                  <a16:creationId xmlns:a16="http://schemas.microsoft.com/office/drawing/2014/main" id="{614FA307-4CB6-4F32-B5E0-7E81172D4A36}"/>
+                  <a16:creationId xmlns:a16="http://schemas.microsoft.com/office/drawing/2014/main" id="{B0478DAB-6BBF-4BD8-8EE3-073A551F537C}"/>
                 </a:ext>
               </a:extLst>
             </p:cNvPr>
@@ -4723,7 +4754,222 @@
             <p:nvPr/>
           </p:nvPicPr>
           <p:blipFill rotWithShape="1">
-            <a:blip r:embed="rId3"/>
+            <a:blip r:embed="rId3" cstate="print">
+              <a:extLst>
+                <a:ext uri="{28A0092B-C50C-407E-A947-70E740481C1C}">
+                  <a14:useLocalDpi xmlns:a14="http://schemas.microsoft.com/office/drawing/2010/main" val="0"/>
+                </a:ext>
+              </a:extLst>
+            </a:blip>
+            <a:srcRect l="4859" r="10127"/>
+            <a:stretch/>
+          </p:blipFill>
+          <p:spPr>
+            <a:xfrm>
+              <a:off x="8088482" y="1374891"/>
+              <a:ext cx="965606" cy="1207008"/>
+            </a:xfrm>
+            <a:prstGeom prst="rect">
+              <a:avLst/>
+            </a:prstGeom>
+          </p:spPr>
+        </p:pic>
+        <p:sp>
+          <p:nvSpPr>
+            <p:cNvPr id="28" name="TextBox 27">
+              <a:extLst>
+                <a:ext uri="{FF2B5EF4-FFF2-40B4-BE49-F238E27FC236}">
+                  <a16:creationId xmlns:a16="http://schemas.microsoft.com/office/drawing/2014/main" id="{D52C04AD-63F9-40C3-B199-0C00D8DC9666}"/>
+                </a:ext>
+              </a:extLst>
+            </p:cNvPr>
+            <p:cNvSpPr txBox="1"/>
+            <p:nvPr/>
+          </p:nvSpPr>
+          <p:spPr>
+            <a:xfrm>
+              <a:off x="8066531" y="2543290"/>
+              <a:ext cx="1009507" cy="683264"/>
+            </a:xfrm>
+            <a:prstGeom prst="rect">
+              <a:avLst/>
+            </a:prstGeom>
+            <a:noFill/>
+          </p:spPr>
+          <p:txBody>
+            <a:bodyPr wrap="none" lIns="118872" tIns="91440" rIns="118872" bIns="91440" rtlCol="0" anchor="ctr" anchorCtr="0">
+              <a:spAutoFit/>
+            </a:bodyPr>
+            <a:lstStyle/>
+            <a:p>
+              <a:pPr algn="l">
+                <a:lnSpc>
+                  <a:spcPct val="90000"/>
+                </a:lnSpc>
+              </a:pPr>
+              <a:r>
+                <a:rPr lang="en-US" dirty="0"/>
+                <a:t>Patricia</a:t>
+              </a:r>
+            </a:p>
+            <a:p>
+              <a:pPr algn="l">
+                <a:lnSpc>
+                  <a:spcPct val="90000"/>
+                </a:lnSpc>
+              </a:pPr>
+              <a:r>
+                <a:rPr lang="en-US" i="1" dirty="0"/>
+                <a:t>she/her</a:t>
+              </a:r>
+            </a:p>
+          </p:txBody>
+        </p:sp>
+      </p:grpSp>
+      <p:grpSp>
+        <p:nvGrpSpPr>
+          <p:cNvPr id="29" name="Group 28">
+            <a:extLst>
+              <a:ext uri="{FF2B5EF4-FFF2-40B4-BE49-F238E27FC236}">
+                <a16:creationId xmlns:a16="http://schemas.microsoft.com/office/drawing/2014/main" id="{AEA9B660-4676-44D8-A2B3-DB4056FB58AF}"/>
+              </a:ext>
+            </a:extLst>
+          </p:cNvPr>
+          <p:cNvGrpSpPr/>
+          <p:nvPr/>
+        </p:nvGrpSpPr>
+        <p:grpSpPr>
+          <a:xfrm>
+            <a:off x="9279242" y="1313616"/>
+            <a:ext cx="1009507" cy="1851663"/>
+            <a:chOff x="9969639" y="348151"/>
+            <a:chExt cx="1009507" cy="1851663"/>
+          </a:xfrm>
+        </p:grpSpPr>
+        <p:pic>
+          <p:nvPicPr>
+            <p:cNvPr id="30" name="Picture 29">
+              <a:extLst>
+                <a:ext uri="{FF2B5EF4-FFF2-40B4-BE49-F238E27FC236}">
+                  <a16:creationId xmlns:a16="http://schemas.microsoft.com/office/drawing/2014/main" id="{F75C7EBE-5CAD-4934-BD6F-F088C111E39E}"/>
+                </a:ext>
+              </a:extLst>
+            </p:cNvPr>
+            <p:cNvPicPr>
+              <a:picLocks noChangeAspect="1"/>
+            </p:cNvPicPr>
+            <p:nvPr/>
+          </p:nvPicPr>
+          <p:blipFill>
+            <a:blip r:embed="rId4" cstate="print">
+              <a:extLst>
+                <a:ext uri="{28A0092B-C50C-407E-A947-70E740481C1C}">
+                  <a14:useLocalDpi xmlns:a14="http://schemas.microsoft.com/office/drawing/2010/main" val="0"/>
+                </a:ext>
+              </a:extLst>
+            </a:blip>
+            <a:stretch>
+              <a:fillRect/>
+            </a:stretch>
+          </p:blipFill>
+          <p:spPr>
+            <a:xfrm>
+              <a:off x="10007683" y="348151"/>
+              <a:ext cx="933420" cy="1207008"/>
+            </a:xfrm>
+            <a:prstGeom prst="rect">
+              <a:avLst/>
+            </a:prstGeom>
+          </p:spPr>
+        </p:pic>
+        <p:sp>
+          <p:nvSpPr>
+            <p:cNvPr id="31" name="TextBox 30">
+              <a:extLst>
+                <a:ext uri="{FF2B5EF4-FFF2-40B4-BE49-F238E27FC236}">
+                  <a16:creationId xmlns:a16="http://schemas.microsoft.com/office/drawing/2014/main" id="{2EE8A150-86D2-4EE0-9C2A-5FCD3E0CD887}"/>
+                </a:ext>
+              </a:extLst>
+            </p:cNvPr>
+            <p:cNvSpPr txBox="1"/>
+            <p:nvPr/>
+          </p:nvSpPr>
+          <p:spPr>
+            <a:xfrm>
+              <a:off x="9969639" y="1516550"/>
+              <a:ext cx="1009507" cy="683264"/>
+            </a:xfrm>
+            <a:prstGeom prst="rect">
+              <a:avLst/>
+            </a:prstGeom>
+            <a:noFill/>
+          </p:spPr>
+          <p:txBody>
+            <a:bodyPr wrap="none" lIns="118872" tIns="91440" rIns="118872" bIns="91440" rtlCol="0" anchor="ctr" anchorCtr="0">
+              <a:spAutoFit/>
+            </a:bodyPr>
+            <a:lstStyle/>
+            <a:p>
+              <a:pPr algn="ctr">
+                <a:lnSpc>
+                  <a:spcPct val="90000"/>
+                </a:lnSpc>
+              </a:pPr>
+              <a:r>
+                <a:rPr lang="en-US" dirty="0"/>
+                <a:t>Rinku</a:t>
+              </a:r>
+            </a:p>
+            <a:p>
+              <a:pPr algn="ctr">
+                <a:lnSpc>
+                  <a:spcPct val="90000"/>
+                </a:lnSpc>
+              </a:pPr>
+              <a:r>
+                <a:rPr lang="en-US" i="1" dirty="0"/>
+                <a:t>she/her</a:t>
+              </a:r>
+            </a:p>
+          </p:txBody>
+        </p:sp>
+      </p:grpSp>
+      <p:grpSp>
+        <p:nvGrpSpPr>
+          <p:cNvPr id="32" name="Group 31">
+            <a:extLst>
+              <a:ext uri="{FF2B5EF4-FFF2-40B4-BE49-F238E27FC236}">
+                <a16:creationId xmlns:a16="http://schemas.microsoft.com/office/drawing/2014/main" id="{21DEFD5F-ACBD-496E-948B-AEBCCACF7D33}"/>
+              </a:ext>
+            </a:extLst>
+          </p:cNvPr>
+          <p:cNvGrpSpPr/>
+          <p:nvPr/>
+        </p:nvGrpSpPr>
+        <p:grpSpPr>
+          <a:xfrm>
+            <a:off x="4993555" y="1313616"/>
+            <a:ext cx="997822" cy="1805497"/>
+            <a:chOff x="5234821" y="1346049"/>
+            <a:chExt cx="997822" cy="1805497"/>
+          </a:xfrm>
+        </p:grpSpPr>
+        <p:pic>
+          <p:nvPicPr>
+            <p:cNvPr id="33" name="Picture 32">
+              <a:extLst>
+                <a:ext uri="{FF2B5EF4-FFF2-40B4-BE49-F238E27FC236}">
+                  <a16:creationId xmlns:a16="http://schemas.microsoft.com/office/drawing/2014/main" id="{90F865BF-0338-49FD-8A89-FB49A5DFF6E2}"/>
+                </a:ext>
+              </a:extLst>
+            </p:cNvPr>
+            <p:cNvPicPr>
+              <a:picLocks noChangeAspect="1"/>
+            </p:cNvPicPr>
+            <p:nvPr/>
+          </p:nvPicPr>
+          <p:blipFill rotWithShape="1">
+            <a:blip r:embed="rId5"/>
             <a:srcRect l="13222" t="5312" r="18595" b="32928"/>
             <a:stretch/>
           </p:blipFill>
@@ -4739,10 +4985,10 @@
         </p:pic>
         <p:sp>
           <p:nvSpPr>
-            <p:cNvPr id="18" name="TextBox 17">
+            <p:cNvPr id="34" name="TextBox 33">
               <a:extLst>
                 <a:ext uri="{FF2B5EF4-FFF2-40B4-BE49-F238E27FC236}">
-                  <a16:creationId xmlns:a16="http://schemas.microsoft.com/office/drawing/2014/main" id="{58B330FD-90AE-4946-AA4B-CA68C57F1A81}"/>
+                  <a16:creationId xmlns:a16="http://schemas.microsoft.com/office/drawing/2014/main" id="{E07100F6-F060-4B79-A7E4-0B0BAB7C1A8C}"/>
                 </a:ext>
               </a:extLst>
             </p:cNvPr>
@@ -4752,7 +4998,7 @@
           <p:spPr>
             <a:xfrm>
               <a:off x="5237443" y="2560615"/>
-              <a:ext cx="992579" cy="341632"/>
+              <a:ext cx="992579" cy="590931"/>
             </a:xfrm>
             <a:prstGeom prst="rect">
               <a:avLst/>
@@ -4775,15 +5021,26 @@
                 <a:t>David B</a:t>
               </a:r>
             </a:p>
+            <a:p>
+              <a:pPr algn="ctr">
+                <a:lnSpc>
+                  <a:spcPct val="90000"/>
+                </a:lnSpc>
+              </a:pPr>
+              <a:r>
+                <a:rPr lang="en-US" i="1" dirty="0"/>
+                <a:t>he/him</a:t>
+              </a:r>
+            </a:p>
           </p:txBody>
         </p:sp>
       </p:grpSp>
       <p:grpSp>
         <p:nvGrpSpPr>
-          <p:cNvPr id="24" name="Group 23">
+          <p:cNvPr id="35" name="Group 34">
             <a:extLst>
               <a:ext uri="{FF2B5EF4-FFF2-40B4-BE49-F238E27FC236}">
-                <a16:creationId xmlns:a16="http://schemas.microsoft.com/office/drawing/2014/main" id="{3B3429F4-37A2-4810-BF4C-7EB27D0BF91B}"/>
+                <a16:creationId xmlns:a16="http://schemas.microsoft.com/office/drawing/2014/main" id="{13A1D959-C750-4D05-84FF-09B31270817E}"/>
               </a:ext>
             </a:extLst>
           </p:cNvPr>
@@ -4792,115 +5049,18 @@
         </p:nvGrpSpPr>
         <p:grpSpPr>
           <a:xfrm>
-            <a:off x="8527566" y="1325880"/>
-            <a:ext cx="933420" cy="1552894"/>
-            <a:chOff x="9318911" y="1346049"/>
-            <a:chExt cx="933420" cy="1552894"/>
+            <a:off x="10730166" y="1313616"/>
+            <a:ext cx="1005403" cy="1805497"/>
+            <a:chOff x="10526802" y="1346049"/>
+            <a:chExt cx="1005403" cy="1805497"/>
           </a:xfrm>
         </p:grpSpPr>
         <p:pic>
           <p:nvPicPr>
-            <p:cNvPr id="9" name="Picture 8">
+            <p:cNvPr id="36" name="Picture 35" descr="A person wearing glasses&#10;&#10;Description automatically generated with medium confidence">
               <a:extLst>
                 <a:ext uri="{FF2B5EF4-FFF2-40B4-BE49-F238E27FC236}">
-                  <a16:creationId xmlns:a16="http://schemas.microsoft.com/office/drawing/2014/main" id="{7463C1FF-43D1-4204-8AF2-F3359F77027A}"/>
-                </a:ext>
-              </a:extLst>
-            </p:cNvPr>
-            <p:cNvPicPr>
-              <a:picLocks noChangeAspect="1"/>
-            </p:cNvPicPr>
-            <p:nvPr/>
-          </p:nvPicPr>
-          <p:blipFill>
-            <a:blip r:embed="rId4" cstate="print">
-              <a:extLst>
-                <a:ext uri="{28A0092B-C50C-407E-A947-70E740481C1C}">
-                  <a14:useLocalDpi xmlns:a14="http://schemas.microsoft.com/office/drawing/2010/main" val="0"/>
-                </a:ext>
-              </a:extLst>
-            </a:blip>
-            <a:stretch>
-              <a:fillRect/>
-            </a:stretch>
-          </p:blipFill>
-          <p:spPr>
-            <a:xfrm>
-              <a:off x="9318911" y="1346049"/>
-              <a:ext cx="933420" cy="1207008"/>
-            </a:xfrm>
-            <a:prstGeom prst="rect">
-              <a:avLst/>
-            </a:prstGeom>
-          </p:spPr>
-        </p:pic>
-        <p:sp>
-          <p:nvSpPr>
-            <p:cNvPr id="17" name="TextBox 16">
-              <a:extLst>
-                <a:ext uri="{FF2B5EF4-FFF2-40B4-BE49-F238E27FC236}">
-                  <a16:creationId xmlns:a16="http://schemas.microsoft.com/office/drawing/2014/main" id="{6C3C051D-F26A-4D18-AACB-DFE6CD97E60E}"/>
-                </a:ext>
-              </a:extLst>
-            </p:cNvPr>
-            <p:cNvSpPr txBox="1"/>
-            <p:nvPr/>
-          </p:nvSpPr>
-          <p:spPr>
-            <a:xfrm>
-              <a:off x="9370636" y="2560615"/>
-              <a:ext cx="829971" cy="338328"/>
-            </a:xfrm>
-            <a:prstGeom prst="rect">
-              <a:avLst/>
-            </a:prstGeom>
-            <a:noFill/>
-          </p:spPr>
-          <p:txBody>
-            <a:bodyPr wrap="none" lIns="118872" tIns="91440" rIns="118872" bIns="91440" rtlCol="0" anchor="ctr" anchorCtr="0">
-              <a:spAutoFit/>
-            </a:bodyPr>
-            <a:lstStyle/>
-            <a:p>
-              <a:pPr algn="l">
-                <a:lnSpc>
-                  <a:spcPct val="90000"/>
-                </a:lnSpc>
-              </a:pPr>
-              <a:r>
-                <a:rPr lang="en-US" dirty="0"/>
-                <a:t>Rinku</a:t>
-              </a:r>
-            </a:p>
-          </p:txBody>
-        </p:sp>
-      </p:grpSp>
-      <p:grpSp>
-        <p:nvGrpSpPr>
-          <p:cNvPr id="27" name="Group 26">
-            <a:extLst>
-              <a:ext uri="{FF2B5EF4-FFF2-40B4-BE49-F238E27FC236}">
-                <a16:creationId xmlns:a16="http://schemas.microsoft.com/office/drawing/2014/main" id="{0206D099-F6C8-40B0-A718-5BEA056C794F}"/>
-              </a:ext>
-            </a:extLst>
-          </p:cNvPr>
-          <p:cNvGrpSpPr/>
-          <p:nvPr/>
-        </p:nvGrpSpPr>
-        <p:grpSpPr>
-          <a:xfrm>
-            <a:off x="10149312" y="1325880"/>
-            <a:ext cx="1005404" cy="1556198"/>
-            <a:chOff x="10526802" y="1346049"/>
-            <a:chExt cx="1005404" cy="1556198"/>
-          </a:xfrm>
-        </p:grpSpPr>
-        <p:pic>
-          <p:nvPicPr>
-            <p:cNvPr id="21" name="Picture 20" descr="A person wearing glasses&#10;&#10;Description automatically generated with medium confidence">
-              <a:extLst>
-                <a:ext uri="{FF2B5EF4-FFF2-40B4-BE49-F238E27FC236}">
-                  <a16:creationId xmlns:a16="http://schemas.microsoft.com/office/drawing/2014/main" id="{FF5835E1-11BE-4F4A-AE3C-1E6B5084788B}"/>
+                  <a16:creationId xmlns:a16="http://schemas.microsoft.com/office/drawing/2014/main" id="{D39CBF16-EB8F-4491-8167-87BF1EE019C5}"/>
                 </a:ext>
               </a:extLst>
             </p:cNvPr>
@@ -4910,7 +5070,7 @@
             <p:nvPr/>
           </p:nvPicPr>
           <p:blipFill rotWithShape="1">
-            <a:blip r:embed="rId5">
+            <a:blip r:embed="rId6">
               <a:extLst>
                 <a:ext uri="{28A0092B-C50C-407E-A947-70E740481C1C}">
                   <a14:useLocalDpi xmlns:a14="http://schemas.microsoft.com/office/drawing/2010/main" val="0"/>
@@ -4932,10 +5092,10 @@
         </p:pic>
         <p:sp>
           <p:nvSpPr>
-            <p:cNvPr id="26" name="TextBox 25">
+            <p:cNvPr id="37" name="TextBox 36">
               <a:extLst>
                 <a:ext uri="{FF2B5EF4-FFF2-40B4-BE49-F238E27FC236}">
-                  <a16:creationId xmlns:a16="http://schemas.microsoft.com/office/drawing/2014/main" id="{9B2CE446-B129-4D50-8F08-38FBD85C39A0}"/>
+                  <a16:creationId xmlns:a16="http://schemas.microsoft.com/office/drawing/2014/main" id="{1DF5BE6C-6814-4D3A-8220-FC68E9558569}"/>
                 </a:ext>
               </a:extLst>
             </p:cNvPr>
@@ -4945,7 +5105,7 @@
           <p:spPr>
             <a:xfrm>
               <a:off x="10526802" y="2560615"/>
-              <a:ext cx="1005404" cy="341632"/>
+              <a:ext cx="1005403" cy="590931"/>
             </a:xfrm>
             <a:prstGeom prst="rect">
               <a:avLst/>
@@ -4968,15 +5128,26 @@
                 <a:t>David R</a:t>
               </a:r>
             </a:p>
+            <a:p>
+              <a:pPr algn="ctr">
+                <a:lnSpc>
+                  <a:spcPct val="90000"/>
+                </a:lnSpc>
+              </a:pPr>
+              <a:r>
+                <a:rPr lang="en-US" i="1" dirty="0"/>
+                <a:t>he/him</a:t>
+              </a:r>
+            </a:p>
           </p:txBody>
         </p:sp>
       </p:grpSp>
       <p:grpSp>
         <p:nvGrpSpPr>
-          <p:cNvPr id="23" name="Group 22">
+          <p:cNvPr id="38" name="Group 37">
             <a:extLst>
               <a:ext uri="{FF2B5EF4-FFF2-40B4-BE49-F238E27FC236}">
-                <a16:creationId xmlns:a16="http://schemas.microsoft.com/office/drawing/2014/main" id="{79D789EF-0EE4-4729-BB67-6FAFB89A9C86}"/>
+                <a16:creationId xmlns:a16="http://schemas.microsoft.com/office/drawing/2014/main" id="{96A37841-302F-439F-AD4A-BC6CBFC45875}"/>
               </a:ext>
             </a:extLst>
           </p:cNvPr>
@@ -4985,18 +5156,18 @@
         </p:nvGrpSpPr>
         <p:grpSpPr>
           <a:xfrm>
-            <a:off x="6920968" y="1325880"/>
-            <a:ext cx="918273" cy="1556198"/>
-            <a:chOff x="6632063" y="1346049"/>
-            <a:chExt cx="918273" cy="1556198"/>
+            <a:off x="6432794" y="1313616"/>
+            <a:ext cx="954107" cy="1805497"/>
+            <a:chOff x="6614147" y="1346049"/>
+            <a:chExt cx="954107" cy="1805497"/>
           </a:xfrm>
         </p:grpSpPr>
         <p:sp>
           <p:nvSpPr>
-            <p:cNvPr id="19" name="TextBox 18">
+            <p:cNvPr id="39" name="TextBox 38">
               <a:extLst>
                 <a:ext uri="{FF2B5EF4-FFF2-40B4-BE49-F238E27FC236}">
-                  <a16:creationId xmlns:a16="http://schemas.microsoft.com/office/drawing/2014/main" id="{55FEC4F2-AB39-4BC0-9A24-61C93B772F11}"/>
+                  <a16:creationId xmlns:a16="http://schemas.microsoft.com/office/drawing/2014/main" id="{91F59643-0E31-44F1-933A-708480356A41}"/>
                 </a:ext>
               </a:extLst>
             </p:cNvPr>
@@ -5005,8 +5176,8 @@
           </p:nvSpPr>
           <p:spPr>
             <a:xfrm>
-              <a:off x="6671854" y="2560615"/>
-              <a:ext cx="838691" cy="341632"/>
+              <a:off x="6614147" y="2560615"/>
+              <a:ext cx="954107" cy="590931"/>
             </a:xfrm>
             <a:prstGeom prst="rect">
               <a:avLst/>
@@ -5029,14 +5200,25 @@
                 <a:t>Anshu</a:t>
               </a:r>
             </a:p>
+            <a:p>
+              <a:pPr algn="ctr">
+                <a:lnSpc>
+                  <a:spcPct val="90000"/>
+                </a:lnSpc>
+              </a:pPr>
+              <a:r>
+                <a:rPr lang="en-US" i="1" dirty="0"/>
+                <a:t>she/her</a:t>
+              </a:r>
+            </a:p>
           </p:txBody>
         </p:sp>
         <p:pic>
           <p:nvPicPr>
-            <p:cNvPr id="8" name="Picture 7" descr="A person smiling for the camera&#10;&#10;Description automatically generated with low confidence">
+            <p:cNvPr id="40" name="Picture 39" descr="A person smiling for the camera&#10;&#10;Description automatically generated with low confidence">
               <a:extLst>
                 <a:ext uri="{FF2B5EF4-FFF2-40B4-BE49-F238E27FC236}">
-                  <a16:creationId xmlns:a16="http://schemas.microsoft.com/office/drawing/2014/main" id="{A9EF7D28-7532-4C2B-8BFB-66E033F0B493}"/>
+                  <a16:creationId xmlns:a16="http://schemas.microsoft.com/office/drawing/2014/main" id="{2C075EF2-F4FE-439A-833F-BF0C5FE074B6}"/>
                 </a:ext>
               </a:extLst>
             </p:cNvPr>
@@ -5046,7 +5228,7 @@
             <p:nvPr/>
           </p:nvPicPr>
           <p:blipFill>
-            <a:blip r:embed="rId6" cstate="print">
+            <a:blip r:embed="rId7" cstate="print">
               <a:extLst>
                 <a:ext uri="{28A0092B-C50C-407E-A947-70E740481C1C}">
                   <a14:useLocalDpi xmlns:a14="http://schemas.microsoft.com/office/drawing/2010/main" val="0"/>
@@ -9666,979 +9848,6 @@
       </p:grpSpPr>
       <p:sp>
         <p:nvSpPr>
-          <p:cNvPr id="3" name="Title 2">
-            <a:extLst>
-              <a:ext uri="{FF2B5EF4-FFF2-40B4-BE49-F238E27FC236}">
-                <a16:creationId xmlns:a16="http://schemas.microsoft.com/office/drawing/2014/main" id="{08EC2E83-5B91-447D-A363-53E4E7247F0E}"/>
-              </a:ext>
-            </a:extLst>
-          </p:cNvPr>
-          <p:cNvSpPr>
-            <a:spLocks noGrp="1"/>
-          </p:cNvSpPr>
-          <p:nvPr>
-            <p:ph type="title"/>
-          </p:nvPr>
-        </p:nvSpPr>
-        <p:spPr/>
-        <p:txBody>
-          <a:bodyPr/>
-          <a:lstStyle/>
-          <a:p>
-            <a:r>
-              <a:rPr lang="en-US" dirty="0"/>
-              <a:t>Tutorial Objectives</a:t>
-            </a:r>
-          </a:p>
-        </p:txBody>
-      </p:sp>
-      <p:sp>
-        <p:nvSpPr>
-          <p:cNvPr id="4" name="Content Placeholder 3">
-            <a:extLst>
-              <a:ext uri="{FF2B5EF4-FFF2-40B4-BE49-F238E27FC236}">
-                <a16:creationId xmlns:a16="http://schemas.microsoft.com/office/drawing/2014/main" id="{55CDB2E1-5AD6-4BAC-8479-FC105DBCEBB2}"/>
-              </a:ext>
-            </a:extLst>
-          </p:cNvPr>
-          <p:cNvSpPr>
-            <a:spLocks noGrp="1"/>
-          </p:cNvSpPr>
-          <p:nvPr>
-            <p:ph idx="1"/>
-          </p:nvPr>
-        </p:nvSpPr>
-        <p:spPr>
-          <a:xfrm>
-            <a:off x="365760" y="911509"/>
-            <a:ext cx="11369809" cy="4047778"/>
-          </a:xfrm>
-        </p:spPr>
-        <p:txBody>
-          <a:bodyPr/>
-          <a:lstStyle/>
-          <a:p>
-            <a:pPr marL="0" indent="0">
-              <a:buNone/>
-            </a:pPr>
-            <a:r>
-              <a:rPr lang="en-US" sz="2400" b="1" dirty="0"/>
-              <a:t>Overview of best practices in software engineering explicitly tailored for CSE </a:t>
-            </a:r>
-          </a:p>
-          <a:p>
-            <a:r>
-              <a:rPr lang="en-US" sz="2400" b="1" dirty="0"/>
-              <a:t>Why: </a:t>
-            </a:r>
-            <a:r>
-              <a:rPr lang="en-US" sz="2400" dirty="0"/>
-              <a:t>Increase CSE software quality, sustainability, productivity </a:t>
-            </a:r>
-          </a:p>
-          <a:p>
-            <a:pPr lvl="1">
-              <a:spcBef>
-                <a:spcPts val="200"/>
-              </a:spcBef>
-            </a:pPr>
-            <a:r>
-              <a:rPr lang="en-US" sz="2000" dirty="0"/>
-              <a:t>Better CSE software &gt; better CSE research &gt; broader CSE impact</a:t>
-            </a:r>
-          </a:p>
-          <a:p>
-            <a:r>
-              <a:rPr lang="en-US" sz="2400" b="1" dirty="0"/>
-              <a:t>Who: </a:t>
-            </a:r>
-            <a:r>
-              <a:rPr lang="en-US" sz="2400" dirty="0"/>
-              <a:t>Practices relevant for projects of all sizes</a:t>
-            </a:r>
-          </a:p>
-          <a:p>
-            <a:pPr lvl="1">
-              <a:spcBef>
-                <a:spcPts val="200"/>
-              </a:spcBef>
-            </a:pPr>
-            <a:r>
-              <a:rPr lang="en-US" sz="2000" b="1" dirty="0"/>
-              <a:t>emphasis on small teams</a:t>
-            </a:r>
-            <a:r>
-              <a:rPr lang="en-US" sz="2000" dirty="0"/>
-              <a:t>, e.g., a faculty member and </a:t>
-            </a:r>
-            <a:br>
-              <a:rPr lang="en-US" sz="2000" dirty="0"/>
-            </a:br>
-            <a:r>
-              <a:rPr lang="en-US" sz="2000" dirty="0"/>
-              <a:t>collaborating students  </a:t>
-            </a:r>
-          </a:p>
-          <a:p>
-            <a:r>
-              <a:rPr lang="en-US" sz="2400" b="1" dirty="0"/>
-              <a:t>Approach: </a:t>
-            </a:r>
-          </a:p>
-          <a:p>
-            <a:pPr lvl="1">
-              <a:spcBef>
-                <a:spcPts val="200"/>
-              </a:spcBef>
-            </a:pPr>
-            <a:r>
-              <a:rPr lang="en-US" sz="2000" b="1" dirty="0"/>
-              <a:t>Useful</a:t>
-            </a:r>
-            <a:r>
-              <a:rPr lang="en-US" sz="2000" dirty="0"/>
-              <a:t> information, examples, exercises, pointers to other resources</a:t>
-            </a:r>
-          </a:p>
-          <a:p>
-            <a:pPr lvl="1">
-              <a:spcBef>
-                <a:spcPts val="400"/>
-              </a:spcBef>
-            </a:pPr>
-            <a:r>
-              <a:rPr lang="en-US" sz="2000" b="1" dirty="0"/>
-              <a:t>Not to prescribe any particular practices </a:t>
-            </a:r>
-            <a:r>
-              <a:rPr lang="en-US" sz="2000" dirty="0"/>
-              <a:t>as “must use”</a:t>
-            </a:r>
-          </a:p>
-          <a:p>
-            <a:pPr lvl="2">
-              <a:spcBef>
-                <a:spcPts val="0"/>
-              </a:spcBef>
-            </a:pPr>
-            <a:r>
-              <a:rPr lang="en-US" sz="1800" dirty="0"/>
-              <a:t>Be informative about practices that have worked for some projects </a:t>
-            </a:r>
-          </a:p>
-          <a:p>
-            <a:pPr lvl="1">
-              <a:spcBef>
-                <a:spcPts val="400"/>
-              </a:spcBef>
-            </a:pPr>
-            <a:r>
-              <a:rPr lang="en-US" sz="2000" dirty="0"/>
-              <a:t>Recommend a series of small, </a:t>
-            </a:r>
-            <a:r>
-              <a:rPr lang="en-US" sz="2000" b="1" dirty="0"/>
-              <a:t>incremental improvements</a:t>
-            </a:r>
-          </a:p>
-          <a:p>
-            <a:pPr lvl="2">
-              <a:spcBef>
-                <a:spcPts val="0"/>
-              </a:spcBef>
-            </a:pPr>
-            <a:r>
-              <a:rPr lang="en-US" dirty="0"/>
-              <a:t>Emphasize adoption of practices that help productivity rather than put unsustainable burden </a:t>
-            </a:r>
-            <a:endParaRPr lang="en-US" b="1" dirty="0"/>
-          </a:p>
-          <a:p>
-            <a:pPr lvl="1">
-              <a:spcBef>
-                <a:spcPts val="400"/>
-              </a:spcBef>
-            </a:pPr>
-            <a:r>
-              <a:rPr lang="en-US" sz="2000" b="1" dirty="0"/>
-              <a:t>Customize as needed </a:t>
-            </a:r>
-            <a:r>
-              <a:rPr lang="en-US" sz="2000" dirty="0"/>
-              <a:t>for each project</a:t>
-            </a:r>
-          </a:p>
-          <a:p>
-            <a:r>
-              <a:rPr lang="en-US" dirty="0"/>
-              <a:t>Remember: your code will live longer than you expect.  </a:t>
-            </a:r>
-            <a:r>
-              <a:rPr lang="en-US" i="1" dirty="0"/>
-              <a:t>Prepare for it!</a:t>
-            </a:r>
-          </a:p>
-        </p:txBody>
-      </p:sp>
-      <p:grpSp>
-        <p:nvGrpSpPr>
-          <p:cNvPr id="5" name="Group 4">
-            <a:extLst>
-              <a:ext uri="{FF2B5EF4-FFF2-40B4-BE49-F238E27FC236}">
-                <a16:creationId xmlns:a16="http://schemas.microsoft.com/office/drawing/2014/main" id="{ED2C5026-F293-4875-A66A-F6C46B01146A}"/>
-              </a:ext>
-            </a:extLst>
-          </p:cNvPr>
-          <p:cNvGrpSpPr/>
-          <p:nvPr/>
-        </p:nvGrpSpPr>
-        <p:grpSpPr>
-          <a:xfrm>
-            <a:off x="8659808" y="2275103"/>
-            <a:ext cx="3345103" cy="1527135"/>
-            <a:chOff x="1221440" y="2819400"/>
-            <a:chExt cx="5136248" cy="2800725"/>
-          </a:xfrm>
-        </p:grpSpPr>
-        <p:cxnSp>
-          <p:nvCxnSpPr>
-            <p:cNvPr id="6" name="Straight Arrow Connector 5">
-              <a:extLst>
-                <a:ext uri="{FF2B5EF4-FFF2-40B4-BE49-F238E27FC236}">
-                  <a16:creationId xmlns:a16="http://schemas.microsoft.com/office/drawing/2014/main" id="{625DBA50-3A53-419B-9667-FA12BD4888EB}"/>
-                </a:ext>
-              </a:extLst>
-            </p:cNvPr>
-            <p:cNvCxnSpPr/>
-            <p:nvPr/>
-          </p:nvCxnSpPr>
-          <p:spPr>
-            <a:xfrm flipV="1">
-              <a:off x="1828800" y="2819400"/>
-              <a:ext cx="0" cy="2133600"/>
-            </a:xfrm>
-            <a:prstGeom prst="straightConnector1">
-              <a:avLst/>
-            </a:prstGeom>
-            <a:ln>
-              <a:tailEnd type="triangle"/>
-            </a:ln>
-          </p:spPr>
-          <p:style>
-            <a:lnRef idx="2">
-              <a:schemeClr val="dk1"/>
-            </a:lnRef>
-            <a:fillRef idx="0">
-              <a:schemeClr val="dk1"/>
-            </a:fillRef>
-            <a:effectRef idx="1">
-              <a:schemeClr val="dk1"/>
-            </a:effectRef>
-            <a:fontRef idx="minor">
-              <a:schemeClr val="tx1"/>
-            </a:fontRef>
-          </p:style>
-        </p:cxnSp>
-        <p:cxnSp>
-          <p:nvCxnSpPr>
-            <p:cNvPr id="7" name="Straight Arrow Connector 6">
-              <a:extLst>
-                <a:ext uri="{FF2B5EF4-FFF2-40B4-BE49-F238E27FC236}">
-                  <a16:creationId xmlns:a16="http://schemas.microsoft.com/office/drawing/2014/main" id="{8C82ED0C-2AD2-4C1D-8797-026D4CC8151E}"/>
-                </a:ext>
-              </a:extLst>
-            </p:cNvPr>
-            <p:cNvCxnSpPr/>
-            <p:nvPr/>
-          </p:nvCxnSpPr>
-          <p:spPr>
-            <a:xfrm>
-              <a:off x="1828800" y="4953000"/>
-              <a:ext cx="4267200" cy="0"/>
-            </a:xfrm>
-            <a:prstGeom prst="straightConnector1">
-              <a:avLst/>
-            </a:prstGeom>
-            <a:ln>
-              <a:tailEnd type="triangle"/>
-            </a:ln>
-          </p:spPr>
-          <p:style>
-            <a:lnRef idx="2">
-              <a:schemeClr val="dk1"/>
-            </a:lnRef>
-            <a:fillRef idx="0">
-              <a:schemeClr val="dk1"/>
-            </a:fillRef>
-            <a:effectRef idx="1">
-              <a:schemeClr val="dk1"/>
-            </a:effectRef>
-            <a:fontRef idx="minor">
-              <a:schemeClr val="tx1"/>
-            </a:fontRef>
-          </p:style>
-        </p:cxnSp>
-        <p:sp>
-          <p:nvSpPr>
-            <p:cNvPr id="8" name="TextBox 7">
-              <a:extLst>
-                <a:ext uri="{FF2B5EF4-FFF2-40B4-BE49-F238E27FC236}">
-                  <a16:creationId xmlns:a16="http://schemas.microsoft.com/office/drawing/2014/main" id="{F8BCC66B-95A7-4DB5-B0EC-DA978ECB1DBB}"/>
-                </a:ext>
-              </a:extLst>
-            </p:cNvPr>
-            <p:cNvSpPr txBox="1"/>
-            <p:nvPr/>
-          </p:nvSpPr>
-          <p:spPr>
-            <a:xfrm rot="16200000">
-              <a:off x="923849" y="3766860"/>
-              <a:ext cx="1067759" cy="472577"/>
-            </a:xfrm>
-            <a:prstGeom prst="rect">
-              <a:avLst/>
-            </a:prstGeom>
-            <a:noFill/>
-          </p:spPr>
-          <p:txBody>
-            <a:bodyPr wrap="none" rtlCol="0">
-              <a:spAutoFit/>
-            </a:bodyPr>
-            <a:lstStyle/>
-            <a:p>
-              <a:pPr marL="0" marR="0" lvl="0" indent="0" algn="l" defTabSz="914400" rtl="0" eaLnBrk="1" fontAlgn="base" latinLnBrk="0" hangingPunct="1">
-                <a:lnSpc>
-                  <a:spcPct val="100000"/>
-                </a:lnSpc>
-                <a:spcBef>
-                  <a:spcPct val="0"/>
-                </a:spcBef>
-                <a:spcAft>
-                  <a:spcPct val="0"/>
-                </a:spcAft>
-                <a:buClrTx/>
-                <a:buSzTx/>
-                <a:buFontTx/>
-                <a:buNone/>
-                <a:tabLst/>
-                <a:defRPr/>
-              </a:pPr>
-              <a:r>
-                <a:rPr kumimoji="0" lang="en-US" sz="1400" b="1" i="0" u="none" strike="noStrike" kern="1200" cap="none" spc="0" normalizeH="0" baseline="0" noProof="0" dirty="0">
-                  <a:ln>
-                    <a:noFill/>
-                  </a:ln>
-                  <a:solidFill>
-                    <a:prstClr val="black"/>
-                  </a:solidFill>
-                  <a:effectLst/>
-                  <a:uLnTx/>
-                  <a:uFillTx/>
-                  <a:latin typeface="Arial" charset="0"/>
-                  <a:ea typeface="+mn-ea"/>
-                  <a:cs typeface="Arial" charset="0"/>
-                </a:rPr>
-                <a:t>Cost</a:t>
-              </a:r>
-            </a:p>
-          </p:txBody>
-        </p:sp>
-        <p:sp>
-          <p:nvSpPr>
-            <p:cNvPr id="9" name="TextBox 8">
-              <a:extLst>
-                <a:ext uri="{FF2B5EF4-FFF2-40B4-BE49-F238E27FC236}">
-                  <a16:creationId xmlns:a16="http://schemas.microsoft.com/office/drawing/2014/main" id="{A2E370F4-0D29-4D47-A2EF-C0D66464F884}"/>
-                </a:ext>
-              </a:extLst>
-            </p:cNvPr>
-            <p:cNvSpPr txBox="1"/>
-            <p:nvPr/>
-          </p:nvSpPr>
-          <p:spPr>
-            <a:xfrm>
-              <a:off x="3228867" y="5053524"/>
-              <a:ext cx="1477294" cy="564455"/>
-            </a:xfrm>
-            <a:prstGeom prst="rect">
-              <a:avLst/>
-            </a:prstGeom>
-            <a:noFill/>
-          </p:spPr>
-          <p:txBody>
-            <a:bodyPr wrap="none" rtlCol="0">
-              <a:spAutoFit/>
-            </a:bodyPr>
-            <a:lstStyle/>
-            <a:p>
-              <a:pPr marL="0" marR="0" lvl="0" indent="0" algn="l" defTabSz="914400" rtl="0" eaLnBrk="1" fontAlgn="base" latinLnBrk="0" hangingPunct="1">
-                <a:lnSpc>
-                  <a:spcPct val="100000"/>
-                </a:lnSpc>
-                <a:spcBef>
-                  <a:spcPct val="0"/>
-                </a:spcBef>
-                <a:spcAft>
-                  <a:spcPct val="0"/>
-                </a:spcAft>
-                <a:buClrTx/>
-                <a:buSzTx/>
-                <a:buFontTx/>
-                <a:buNone/>
-                <a:tabLst/>
-                <a:defRPr/>
-              </a:pPr>
-              <a:r>
-                <a:rPr kumimoji="0" lang="en-US" sz="1400" b="1" i="0" u="none" strike="noStrike" kern="1200" cap="none" spc="0" normalizeH="0" baseline="0" noProof="0" dirty="0">
-                  <a:ln>
-                    <a:noFill/>
-                  </a:ln>
-                  <a:solidFill>
-                    <a:prstClr val="black"/>
-                  </a:solidFill>
-                  <a:effectLst/>
-                  <a:uLnTx/>
-                  <a:uFillTx/>
-                  <a:latin typeface="Arial" charset="0"/>
-                  <a:ea typeface="+mn-ea"/>
-                  <a:cs typeface="Arial" charset="0"/>
-                </a:rPr>
-                <a:t>Progress</a:t>
-              </a:r>
-            </a:p>
-          </p:txBody>
-        </p:sp>
-        <p:cxnSp>
-          <p:nvCxnSpPr>
-            <p:cNvPr id="10" name="Straight Connector 9">
-              <a:extLst>
-                <a:ext uri="{FF2B5EF4-FFF2-40B4-BE49-F238E27FC236}">
-                  <a16:creationId xmlns:a16="http://schemas.microsoft.com/office/drawing/2014/main" id="{59306A7D-D579-466C-8866-4AFB4F7B65DD}"/>
-                </a:ext>
-              </a:extLst>
-            </p:cNvPr>
-            <p:cNvCxnSpPr/>
-            <p:nvPr/>
-          </p:nvCxnSpPr>
-          <p:spPr>
-            <a:xfrm>
-              <a:off x="5715000" y="4816152"/>
-              <a:ext cx="0" cy="273696"/>
-            </a:xfrm>
-            <a:prstGeom prst="line">
-              <a:avLst/>
-            </a:prstGeom>
-            <a:ln>
-              <a:solidFill>
-                <a:schemeClr val="tx1"/>
-              </a:solidFill>
-            </a:ln>
-          </p:spPr>
-          <p:style>
-            <a:lnRef idx="2">
-              <a:schemeClr val="accent1"/>
-            </a:lnRef>
-            <a:fillRef idx="0">
-              <a:schemeClr val="accent1"/>
-            </a:fillRef>
-            <a:effectRef idx="1">
-              <a:schemeClr val="accent1"/>
-            </a:effectRef>
-            <a:fontRef idx="minor">
-              <a:schemeClr val="tx1"/>
-            </a:fontRef>
-          </p:style>
-        </p:cxnSp>
-        <p:sp>
-          <p:nvSpPr>
-            <p:cNvPr id="11" name="TextBox 10">
-              <a:extLst>
-                <a:ext uri="{FF2B5EF4-FFF2-40B4-BE49-F238E27FC236}">
-                  <a16:creationId xmlns:a16="http://schemas.microsoft.com/office/drawing/2014/main" id="{3D470693-7E1E-4171-B85B-B76EC6E00269}"/>
-                </a:ext>
-              </a:extLst>
-            </p:cNvPr>
-            <p:cNvSpPr txBox="1"/>
-            <p:nvPr/>
-          </p:nvSpPr>
-          <p:spPr>
-            <a:xfrm>
-              <a:off x="1513456" y="5042031"/>
-              <a:ext cx="864421" cy="564455"/>
-            </a:xfrm>
-            <a:prstGeom prst="rect">
-              <a:avLst/>
-            </a:prstGeom>
-            <a:noFill/>
-          </p:spPr>
-          <p:txBody>
-            <a:bodyPr wrap="none" rtlCol="0">
-              <a:spAutoFit/>
-            </a:bodyPr>
-            <a:lstStyle/>
-            <a:p>
-              <a:pPr marL="0" marR="0" lvl="0" indent="0" algn="l" defTabSz="914400" rtl="0" eaLnBrk="1" fontAlgn="base" latinLnBrk="0" hangingPunct="1">
-                <a:lnSpc>
-                  <a:spcPct val="100000"/>
-                </a:lnSpc>
-                <a:spcBef>
-                  <a:spcPct val="0"/>
-                </a:spcBef>
-                <a:spcAft>
-                  <a:spcPct val="0"/>
-                </a:spcAft>
-                <a:buClrTx/>
-                <a:buSzTx/>
-                <a:buFontTx/>
-                <a:buNone/>
-                <a:tabLst/>
-                <a:defRPr/>
-              </a:pPr>
-              <a:r>
-                <a:rPr kumimoji="0" lang="en-US" sz="1400" b="0" i="1" u="none" strike="noStrike" kern="1200" cap="none" spc="0" normalizeH="0" baseline="0" noProof="0" dirty="0">
-                  <a:ln>
-                    <a:noFill/>
-                  </a:ln>
-                  <a:solidFill>
-                    <a:prstClr val="black"/>
-                  </a:solidFill>
-                  <a:effectLst/>
-                  <a:uLnTx/>
-                  <a:uFillTx/>
-                  <a:latin typeface="Arial" charset="0"/>
-                  <a:ea typeface="+mn-ea"/>
-                  <a:cs typeface="Arial" charset="0"/>
-                </a:rPr>
-                <a:t>Start</a:t>
-              </a:r>
-            </a:p>
-          </p:txBody>
-        </p:sp>
-        <p:sp>
-          <p:nvSpPr>
-            <p:cNvPr id="12" name="TextBox 11">
-              <a:extLst>
-                <a:ext uri="{FF2B5EF4-FFF2-40B4-BE49-F238E27FC236}">
-                  <a16:creationId xmlns:a16="http://schemas.microsoft.com/office/drawing/2014/main" id="{3992A356-2838-4BF3-A6FF-DB1DE251E1B9}"/>
-                </a:ext>
-              </a:extLst>
-            </p:cNvPr>
-            <p:cNvSpPr txBox="1"/>
-            <p:nvPr/>
-          </p:nvSpPr>
-          <p:spPr>
-            <a:xfrm>
-              <a:off x="5340664" y="5055670"/>
-              <a:ext cx="1017024" cy="564455"/>
-            </a:xfrm>
-            <a:prstGeom prst="rect">
-              <a:avLst/>
-            </a:prstGeom>
-            <a:noFill/>
-          </p:spPr>
-          <p:txBody>
-            <a:bodyPr wrap="none" rtlCol="0">
-              <a:spAutoFit/>
-            </a:bodyPr>
-            <a:lstStyle/>
-            <a:p>
-              <a:pPr marL="0" marR="0" lvl="0" indent="0" algn="l" defTabSz="914400" rtl="0" eaLnBrk="1" fontAlgn="base" latinLnBrk="0" hangingPunct="1">
-                <a:lnSpc>
-                  <a:spcPct val="100000"/>
-                </a:lnSpc>
-                <a:spcBef>
-                  <a:spcPct val="0"/>
-                </a:spcBef>
-                <a:spcAft>
-                  <a:spcPct val="0"/>
-                </a:spcAft>
-                <a:buClrTx/>
-                <a:buSzTx/>
-                <a:buFontTx/>
-                <a:buNone/>
-                <a:tabLst/>
-                <a:defRPr/>
-              </a:pPr>
-              <a:r>
-                <a:rPr kumimoji="0" lang="en-US" sz="1400" b="0" i="1" u="none" strike="noStrike" kern="1200" cap="none" spc="0" normalizeH="0" baseline="0" noProof="0" dirty="0">
-                  <a:ln>
-                    <a:noFill/>
-                  </a:ln>
-                  <a:solidFill>
-                    <a:prstClr val="black"/>
-                  </a:solidFill>
-                  <a:effectLst/>
-                  <a:uLnTx/>
-                  <a:uFillTx/>
-                  <a:latin typeface="Arial" charset="0"/>
-                  <a:ea typeface="+mn-ea"/>
-                  <a:cs typeface="Arial" charset="0"/>
-                </a:rPr>
-                <a:t>Finish</a:t>
-              </a:r>
-            </a:p>
-          </p:txBody>
-        </p:sp>
-        <p:cxnSp>
-          <p:nvCxnSpPr>
-            <p:cNvPr id="13" name="Straight Connector 12">
-              <a:extLst>
-                <a:ext uri="{FF2B5EF4-FFF2-40B4-BE49-F238E27FC236}">
-                  <a16:creationId xmlns:a16="http://schemas.microsoft.com/office/drawing/2014/main" id="{10A9891B-AEE2-444A-AB4D-E3BCE77155D5}"/>
-                </a:ext>
-              </a:extLst>
-            </p:cNvPr>
-            <p:cNvCxnSpPr/>
-            <p:nvPr/>
-          </p:nvCxnSpPr>
-          <p:spPr>
-            <a:xfrm flipV="1">
-              <a:off x="1843033" y="2947405"/>
-              <a:ext cx="3891330" cy="2005595"/>
-            </a:xfrm>
-            <a:prstGeom prst="line">
-              <a:avLst/>
-            </a:prstGeom>
-            <a:ln>
-              <a:solidFill>
-                <a:srgbClr val="FF0000"/>
-              </a:solidFill>
-            </a:ln>
-          </p:spPr>
-          <p:style>
-            <a:lnRef idx="2">
-              <a:schemeClr val="accent1"/>
-            </a:lnRef>
-            <a:fillRef idx="0">
-              <a:schemeClr val="accent1"/>
-            </a:fillRef>
-            <a:effectRef idx="1">
-              <a:schemeClr val="accent1"/>
-            </a:effectRef>
-            <a:fontRef idx="minor">
-              <a:schemeClr val="tx1"/>
-            </a:fontRef>
-          </p:style>
-        </p:cxnSp>
-        <p:cxnSp>
-          <p:nvCxnSpPr>
-            <p:cNvPr id="14" name="Straight Connector 13">
-              <a:extLst>
-                <a:ext uri="{FF2B5EF4-FFF2-40B4-BE49-F238E27FC236}">
-                  <a16:creationId xmlns:a16="http://schemas.microsoft.com/office/drawing/2014/main" id="{047613D8-797E-417B-B8E3-697385BA8138}"/>
-                </a:ext>
-              </a:extLst>
-            </p:cNvPr>
-            <p:cNvCxnSpPr/>
-            <p:nvPr/>
-          </p:nvCxnSpPr>
-          <p:spPr>
-            <a:xfrm flipV="1">
-              <a:off x="1843033" y="4336335"/>
-              <a:ext cx="629455" cy="616665"/>
-            </a:xfrm>
-            <a:prstGeom prst="line">
-              <a:avLst/>
-            </a:prstGeom>
-            <a:ln>
-              <a:solidFill>
-                <a:srgbClr val="00B050"/>
-              </a:solidFill>
-            </a:ln>
-          </p:spPr>
-          <p:style>
-            <a:lnRef idx="2">
-              <a:schemeClr val="accent1"/>
-            </a:lnRef>
-            <a:fillRef idx="0">
-              <a:schemeClr val="accent1"/>
-            </a:fillRef>
-            <a:effectRef idx="1">
-              <a:schemeClr val="accent1"/>
-            </a:effectRef>
-            <a:fontRef idx="minor">
-              <a:schemeClr val="tx1"/>
-            </a:fontRef>
-          </p:style>
-        </p:cxnSp>
-        <p:cxnSp>
-          <p:nvCxnSpPr>
-            <p:cNvPr id="15" name="Straight Connector 14">
-              <a:extLst>
-                <a:ext uri="{FF2B5EF4-FFF2-40B4-BE49-F238E27FC236}">
-                  <a16:creationId xmlns:a16="http://schemas.microsoft.com/office/drawing/2014/main" id="{89318A58-E5F5-4B59-A0D5-5475E1E0E299}"/>
-                </a:ext>
-              </a:extLst>
-            </p:cNvPr>
-            <p:cNvCxnSpPr/>
-            <p:nvPr/>
-          </p:nvCxnSpPr>
-          <p:spPr>
-            <a:xfrm flipV="1">
-              <a:off x="2472489" y="3826882"/>
-              <a:ext cx="3235005" cy="509453"/>
-            </a:xfrm>
-            <a:prstGeom prst="line">
-              <a:avLst/>
-            </a:prstGeom>
-            <a:ln>
-              <a:solidFill>
-                <a:srgbClr val="00B050"/>
-              </a:solidFill>
-            </a:ln>
-          </p:spPr>
-          <p:style>
-            <a:lnRef idx="2">
-              <a:schemeClr val="accent1"/>
-            </a:lnRef>
-            <a:fillRef idx="0">
-              <a:schemeClr val="accent1"/>
-            </a:fillRef>
-            <a:effectRef idx="1">
-              <a:schemeClr val="accent1"/>
-            </a:effectRef>
-            <a:fontRef idx="minor">
-              <a:schemeClr val="tx1"/>
-            </a:fontRef>
-          </p:style>
-        </p:cxnSp>
-        <p:grpSp>
-          <p:nvGrpSpPr>
-            <p:cNvPr id="16" name="Group 15">
-              <a:extLst>
-                <a:ext uri="{FF2B5EF4-FFF2-40B4-BE49-F238E27FC236}">
-                  <a16:creationId xmlns:a16="http://schemas.microsoft.com/office/drawing/2014/main" id="{C52B53E9-BD65-46EF-98C1-CC306F93C3CB}"/>
-                </a:ext>
-              </a:extLst>
-            </p:cNvPr>
-            <p:cNvGrpSpPr/>
-            <p:nvPr/>
-          </p:nvGrpSpPr>
-          <p:grpSpPr>
-            <a:xfrm>
-              <a:off x="2057400" y="2947405"/>
-              <a:ext cx="2048669" cy="801054"/>
-              <a:chOff x="6663843" y="2438400"/>
-              <a:chExt cx="2048669" cy="801054"/>
-            </a:xfrm>
-          </p:grpSpPr>
-          <p:sp>
-            <p:nvSpPr>
-              <p:cNvPr id="17" name="TextBox 16">
-                <a:extLst>
-                  <a:ext uri="{FF2B5EF4-FFF2-40B4-BE49-F238E27FC236}">
-                    <a16:creationId xmlns:a16="http://schemas.microsoft.com/office/drawing/2014/main" id="{65F0C855-233F-4C29-B994-CDB75371A55D}"/>
-                  </a:ext>
-                </a:extLst>
-              </p:cNvPr>
-              <p:cNvSpPr txBox="1"/>
-              <p:nvPr/>
-            </p:nvSpPr>
-            <p:spPr>
-              <a:xfrm>
-                <a:off x="7120197" y="2438400"/>
-                <a:ext cx="1592315" cy="801054"/>
-              </a:xfrm>
-              <a:prstGeom prst="rect">
-                <a:avLst/>
-              </a:prstGeom>
-              <a:noFill/>
-            </p:spPr>
-            <p:txBody>
-              <a:bodyPr wrap="none" rtlCol="0">
-                <a:spAutoFit/>
-              </a:bodyPr>
-              <a:lstStyle/>
-              <a:p>
-                <a:pPr marL="0" marR="0" lvl="0" indent="0" algn="l" defTabSz="914400" rtl="0" eaLnBrk="1" fontAlgn="base" latinLnBrk="0" hangingPunct="1">
-                  <a:lnSpc>
-                    <a:spcPct val="100000"/>
-                  </a:lnSpc>
-                  <a:spcBef>
-                    <a:spcPct val="0"/>
-                  </a:spcBef>
-                  <a:spcAft>
-                    <a:spcPct val="0"/>
-                  </a:spcAft>
-                  <a:buClrTx/>
-                  <a:buSzTx/>
-                  <a:buFontTx/>
-                  <a:buNone/>
-                  <a:tabLst/>
-                  <a:defRPr/>
-                </a:pPr>
-                <a:r>
-                  <a:rPr kumimoji="0" lang="en-US" sz="1400" b="0" i="0" u="none" strike="noStrike" kern="1200" cap="none" spc="0" normalizeH="0" baseline="0" noProof="0" dirty="0">
-                    <a:ln>
-                      <a:noFill/>
-                    </a:ln>
-                    <a:solidFill>
-                      <a:prstClr val="black"/>
-                    </a:solidFill>
-                    <a:effectLst/>
-                    <a:uLnTx/>
-                    <a:uFillTx/>
-                    <a:latin typeface="Arial" charset="0"/>
-                    <a:ea typeface="+mn-ea"/>
-                    <a:cs typeface="Arial" charset="0"/>
-                  </a:rPr>
-                  <a:t>Old Process</a:t>
-                </a:r>
-              </a:p>
-              <a:p>
-                <a:pPr marL="0" marR="0" lvl="0" indent="0" algn="l" defTabSz="914400" rtl="0" eaLnBrk="1" fontAlgn="base" latinLnBrk="0" hangingPunct="1">
-                  <a:lnSpc>
-                    <a:spcPct val="100000"/>
-                  </a:lnSpc>
-                  <a:spcBef>
-                    <a:spcPct val="0"/>
-                  </a:spcBef>
-                  <a:spcAft>
-                    <a:spcPct val="0"/>
-                  </a:spcAft>
-                  <a:buClrTx/>
-                  <a:buSzTx/>
-                  <a:buFontTx/>
-                  <a:buNone/>
-                  <a:tabLst/>
-                  <a:defRPr/>
-                </a:pPr>
-                <a:r>
-                  <a:rPr kumimoji="0" lang="en-US" sz="1400" b="0" i="0" u="none" strike="noStrike" kern="1200" cap="none" spc="0" normalizeH="0" baseline="0" noProof="0" dirty="0">
-                    <a:ln>
-                      <a:noFill/>
-                    </a:ln>
-                    <a:solidFill>
-                      <a:prstClr val="black"/>
-                    </a:solidFill>
-                    <a:effectLst/>
-                    <a:uLnTx/>
-                    <a:uFillTx/>
-                    <a:latin typeface="Arial" charset="0"/>
-                    <a:ea typeface="+mn-ea"/>
-                    <a:cs typeface="Arial" charset="0"/>
-                  </a:rPr>
-                  <a:t>New Process</a:t>
-                </a:r>
-              </a:p>
-            </p:txBody>
-          </p:sp>
-          <p:cxnSp>
-            <p:nvCxnSpPr>
-              <p:cNvPr id="18" name="Straight Connector 17">
-                <a:extLst>
-                  <a:ext uri="{FF2B5EF4-FFF2-40B4-BE49-F238E27FC236}">
-                    <a16:creationId xmlns:a16="http://schemas.microsoft.com/office/drawing/2014/main" id="{1DF19475-7C9A-4B1C-9D15-B586E5B96000}"/>
-                  </a:ext>
-                </a:extLst>
-              </p:cNvPr>
-              <p:cNvCxnSpPr/>
-              <p:nvPr/>
-            </p:nvCxnSpPr>
-            <p:spPr>
-              <a:xfrm>
-                <a:off x="6663843" y="2590800"/>
-                <a:ext cx="433761" cy="0"/>
-              </a:xfrm>
-              <a:prstGeom prst="line">
-                <a:avLst/>
-              </a:prstGeom>
-              <a:ln>
-                <a:solidFill>
-                  <a:srgbClr val="FF0000"/>
-                </a:solidFill>
-              </a:ln>
-            </p:spPr>
-            <p:style>
-              <a:lnRef idx="2">
-                <a:schemeClr val="accent1"/>
-              </a:lnRef>
-              <a:fillRef idx="0">
-                <a:schemeClr val="accent1"/>
-              </a:fillRef>
-              <a:effectRef idx="1">
-                <a:schemeClr val="accent1"/>
-              </a:effectRef>
-              <a:fontRef idx="minor">
-                <a:schemeClr val="tx1"/>
-              </a:fontRef>
-            </p:style>
-          </p:cxnSp>
-          <p:cxnSp>
-            <p:nvCxnSpPr>
-              <p:cNvPr id="19" name="Straight Connector 18">
-                <a:extLst>
-                  <a:ext uri="{FF2B5EF4-FFF2-40B4-BE49-F238E27FC236}">
-                    <a16:creationId xmlns:a16="http://schemas.microsoft.com/office/drawing/2014/main" id="{955B4A1B-4C28-4961-8E6F-28CAD9EE3806}"/>
-                  </a:ext>
-                </a:extLst>
-              </p:cNvPr>
-              <p:cNvCxnSpPr/>
-              <p:nvPr/>
-            </p:nvCxnSpPr>
-            <p:spPr>
-              <a:xfrm>
-                <a:off x="6663843" y="2878138"/>
-                <a:ext cx="445057" cy="0"/>
-              </a:xfrm>
-              <a:prstGeom prst="line">
-                <a:avLst/>
-              </a:prstGeom>
-              <a:ln>
-                <a:solidFill>
-                  <a:srgbClr val="00B050"/>
-                </a:solidFill>
-              </a:ln>
-            </p:spPr>
-            <p:style>
-              <a:lnRef idx="2">
-                <a:schemeClr val="accent1"/>
-              </a:lnRef>
-              <a:fillRef idx="0">
-                <a:schemeClr val="accent1"/>
-              </a:fillRef>
-              <a:effectRef idx="1">
-                <a:schemeClr val="accent1"/>
-              </a:effectRef>
-              <a:fontRef idx="minor">
-                <a:schemeClr val="tx1"/>
-              </a:fontRef>
-            </p:style>
-          </p:cxnSp>
-        </p:grpSp>
-      </p:grpSp>
-    </p:spTree>
-    <p:extLst>
-      <p:ext uri="{BB962C8B-B14F-4D97-AF65-F5344CB8AC3E}">
-        <p14:creationId xmlns:p14="http://schemas.microsoft.com/office/powerpoint/2010/main" val="761674233"/>
-      </p:ext>
-    </p:extLst>
-  </p:cSld>
-  <p:clrMapOvr>
-    <a:masterClrMapping/>
-  </p:clrMapOvr>
-</p:sld>
-</file>
-
-<file path=ppt/slides/slide8.xml><?xml version="1.0" encoding="utf-8"?>
-<p:sld xmlns:a="http://schemas.openxmlformats.org/drawingml/2006/main" xmlns:r="http://schemas.openxmlformats.org/officeDocument/2006/relationships" xmlns:p="http://schemas.openxmlformats.org/presentationml/2006/main">
-  <p:cSld>
-    <p:spTree>
-      <p:nvGrpSpPr>
-        <p:cNvPr id="1" name=""/>
-        <p:cNvGrpSpPr/>
-        <p:nvPr/>
-      </p:nvGrpSpPr>
-      <p:grpSpPr>
-        <a:xfrm>
-          <a:off x="0" y="0"/>
-          <a:ext cx="0" cy="0"/>
-          <a:chOff x="0" y="0"/>
-          <a:chExt cx="0" cy="0"/>
-        </a:xfrm>
-      </p:grpSpPr>
-      <p:sp>
-        <p:nvSpPr>
           <p:cNvPr id="2" name="Title 1">
             <a:extLst>
               <a:ext uri="{FF2B5EF4-FFF2-40B4-BE49-F238E27FC236}">
@@ -10719,15 +9928,7 @@
             </a:pPr>
             <a:r>
               <a:rPr lang="en-US" dirty="0"/>
-              <a:t>Because of the limited time for this tutorial, the exercises will be </a:t>
-            </a:r>
-            <a:r>
-              <a:rPr lang="en-US" i="1" dirty="0"/>
-              <a:t>“homework”,</a:t>
-            </a:r>
-            <a:r>
-              <a:rPr lang="en-US" dirty="0"/>
-              <a:t> but we’ll be happy to give you feedback on your work</a:t>
+              <a:t>We have time in the agenda for the hands-on activities, but feel free to continue working on them outside of the tutorial.  We’ll give feedback on pull requests and issues filed (or email us, see next slide).</a:t>
             </a:r>
           </a:p>
           <a:p>
@@ -10738,12 +9939,8 @@
               <a:buNone/>
             </a:pPr>
             <a:r>
-              <a:rPr lang="en-US" b="1"/>
-              <a:t>Instructions </a:t>
-            </a:r>
-            <a:r>
               <a:rPr lang="en-US" b="1" dirty="0"/>
-              <a:t>on the tutorial web site: </a:t>
+              <a:t>Instructions on the tutorial web site: </a:t>
             </a:r>
             <a:r>
               <a:rPr lang="en-US" sz="2400" b="1" dirty="0">
@@ -10751,7 +9948,14 @@
               </a:rPr>
               <a:t>https://bssw-tutorial.github.io/</a:t>
             </a:r>
-            <a:endParaRPr lang="en-US" b="1" dirty="0"/>
+            <a:br>
+              <a:rPr lang="en-US" sz="2400" b="1" dirty="0"/>
+            </a:br>
+            <a:r>
+              <a:rPr lang="en-US" sz="2400" dirty="0"/>
+              <a:t>and click the link for today’s tutorial</a:t>
+            </a:r>
+            <a:endParaRPr lang="en-US" sz="2800" dirty="0"/>
           </a:p>
         </p:txBody>
       </p:sp>
@@ -10797,7 +10001,7 @@
 </p:sld>
 </file>
 
-<file path=ppt/slides/slide9.xml><?xml version="1.0" encoding="utf-8"?>
+<file path=ppt/slides/slide8.xml><?xml version="1.0" encoding="utf-8"?>
 <p:sld xmlns:a="http://schemas.openxmlformats.org/drawingml/2006/main" xmlns:r="http://schemas.openxmlformats.org/officeDocument/2006/relationships" xmlns:p="http://schemas.openxmlformats.org/presentationml/2006/main">
   <p:cSld>
     <p:spTree>
@@ -11919,12 +11123,9 @@
 </file>
 
 <file path=customXml/item1.xml><?xml version="1.0" encoding="utf-8"?>
-<?mso-contentType ?>
-<FormTemplates xmlns="http://schemas.microsoft.com/sharepoint/v3/contenttype/forms">
-  <Display>DocumentLibraryForm</Display>
-  <Edit>DocumentLibraryForm</Edit>
-  <New>DocumentLibraryForm</New>
-</FormTemplates>
+<p:properties xmlns:p="http://schemas.microsoft.com/office/2006/metadata/properties" xmlns:xsi="http://www.w3.org/2001/XMLSchema-instance" xmlns:pc="http://schemas.microsoft.com/office/infopath/2007/PartnerControls">
+  <documentManagement/>
+</p:properties>
 </file>
 
 <file path=customXml/item2.xml><?xml version="1.0" encoding="utf-8"?>
@@ -11977,15 +11178,25 @@
 </file>
 
 <file path=customXml/item3.xml><?xml version="1.0" encoding="utf-8"?>
-<p:properties xmlns:p="http://schemas.microsoft.com/office/2006/metadata/properties" xmlns:xsi="http://www.w3.org/2001/XMLSchema-instance" xmlns:pc="http://schemas.microsoft.com/office/infopath/2007/PartnerControls">
-  <documentManagement/>
-</p:properties>
+<?mso-contentType ?>
+<FormTemplates xmlns="http://schemas.microsoft.com/sharepoint/v3/contenttype/forms">
+  <Display>DocumentLibraryForm</Display>
+  <Edit>DocumentLibraryForm</Edit>
+  <New>DocumentLibraryForm</New>
+</FormTemplates>
 </file>
 
 <file path=customXml/itemProps1.xml><?xml version="1.0" encoding="utf-8"?>
-<ds:datastoreItem xmlns:ds="http://schemas.openxmlformats.org/officeDocument/2006/customXml" ds:itemID="{19E20559-B232-4371-8690-E3D8007EDB82}">
+<ds:datastoreItem xmlns:ds="http://schemas.openxmlformats.org/officeDocument/2006/customXml" ds:itemID="{A50EC660-24D0-43A0-AE5E-E274115E726B}">
   <ds:schemaRefs>
-    <ds:schemaRef ds:uri="http://schemas.microsoft.com/sharepoint/v3/contenttype/forms"/>
+    <ds:schemaRef ds:uri="http://purl.org/dc/elements/1.1/"/>
+    <ds:schemaRef ds:uri="http://schemas.microsoft.com/office/2006/metadata/properties"/>
+    <ds:schemaRef ds:uri="http://purl.org/dc/terms/"/>
+    <ds:schemaRef ds:uri="http://schemas.openxmlformats.org/package/2006/metadata/core-properties"/>
+    <ds:schemaRef ds:uri="http://schemas.microsoft.com/office/2006/documentManagement/types"/>
+    <ds:schemaRef ds:uri="http://www.w3.org/XML/1998/namespace"/>
+    <ds:schemaRef ds:uri="http://purl.org/dc/dcmitype/"/>
+    <ds:schemaRef ds:uri="http://schemas.microsoft.com/office/infopath/2007/PartnerControls"/>
   </ds:schemaRefs>
 </ds:datastoreItem>
 </file>
@@ -12006,16 +11217,9 @@
 </file>
 
 <file path=customXml/itemProps3.xml><?xml version="1.0" encoding="utf-8"?>
-<ds:datastoreItem xmlns:ds="http://schemas.openxmlformats.org/officeDocument/2006/customXml" ds:itemID="{A50EC660-24D0-43A0-AE5E-E274115E726B}">
+<ds:datastoreItem xmlns:ds="http://schemas.openxmlformats.org/officeDocument/2006/customXml" ds:itemID="{19E20559-B232-4371-8690-E3D8007EDB82}">
   <ds:schemaRefs>
-    <ds:schemaRef ds:uri="http://purl.org/dc/elements/1.1/"/>
-    <ds:schemaRef ds:uri="http://schemas.microsoft.com/office/2006/metadata/properties"/>
-    <ds:schemaRef ds:uri="http://purl.org/dc/terms/"/>
-    <ds:schemaRef ds:uri="http://schemas.openxmlformats.org/package/2006/metadata/core-properties"/>
-    <ds:schemaRef ds:uri="http://schemas.microsoft.com/office/2006/documentManagement/types"/>
-    <ds:schemaRef ds:uri="http://www.w3.org/XML/1998/namespace"/>
-    <ds:schemaRef ds:uri="http://purl.org/dc/dcmitype/"/>
-    <ds:schemaRef ds:uri="http://schemas.microsoft.com/office/infopath/2007/PartnerControls"/>
+    <ds:schemaRef ds:uri="http://schemas.microsoft.com/sharepoint/v3/contenttype/forms"/>
   </ds:schemaRefs>
 </ds:datastoreItem>
 </file>
--- a/intro.pptx
+++ b/intro.pptx
@@ -12,7 +12,7 @@
   </p:handoutMasterIdLst>
   <p:sldIdLst>
     <p:sldId id="617" r:id="rId5"/>
-    <p:sldId id="320" r:id="rId6"/>
+    <p:sldId id="618" r:id="rId6"/>
     <p:sldId id="308" r:id="rId7"/>
     <p:sldId id="327" r:id="rId8"/>
     <p:sldId id="324" r:id="rId9"/>
@@ -262,7 +262,7 @@
           <a:p>
             <a:fld id="{0B842F42-2CE9-4E35-95C1-410DC08A50B1}" type="datetimeFigureOut">
               <a:rPr lang="en-US" smtClean="0"/>
-              <a:t>6/14/2021</a:t>
+              <a:t>6/15/2021</a:t>
             </a:fld>
             <a:endParaRPr lang="en-US"/>
           </a:p>
@@ -427,7 +427,7 @@
           <a:p>
             <a:fld id="{6F282904-F315-4730-8D91-37D99E141A6F}" type="datetimeFigureOut">
               <a:rPr lang="en-US" smtClean="0"/>
-              <a:t>6/14/2021</a:t>
+              <a:t>6/15/2021</a:t>
             </a:fld>
             <a:endParaRPr lang="en-US"/>
           </a:p>
@@ -4341,13 +4341,13 @@
             </a:pPr>
             <a:r>
               <a:rPr lang="en-US" sz="1600" b="1" dirty="0"/>
-              <a:t>The requested citation the overall tutorial is: David E. Bernholdt, Anshu Dubey, Rinku K. Gupta, and David M. Rogers, Better Scientific Software tutorial, in Improving Scientific Software conference, online, 2021. DOI: </a:t>
+              <a:t>The requested citation the overall tutorial is: David E. Bernholdt, Anshu Dubey, Patricia A. Grubel, Rinku K. Gupta, and David M. Rogers, Better Scientific Software tutorial, in ISC High Performance, online, 2021. DOI: </a:t>
             </a:r>
             <a:r>
               <a:rPr lang="en-US" sz="1600" b="1" dirty="0">
                 <a:hlinkClick r:id="rId4"/>
               </a:rPr>
-              <a:t>10.6084/m9.figshare.14256257</a:t>
+              <a:t>10.6084/m9.figshare.14642520</a:t>
             </a:r>
             <a:endParaRPr lang="en-US" sz="1600" b="1" dirty="0"/>
           </a:p>
@@ -4381,38 +4381,6 @@
               <a:rPr lang="en-US" sz="2000" b="1" dirty="0"/>
               <a:t>Acknowledgements</a:t>
             </a:r>
-          </a:p>
-          <a:p>
-            <a:pPr>
-              <a:spcBef>
-                <a:spcPts val="400"/>
-              </a:spcBef>
-            </a:pPr>
-            <a:r>
-              <a:rPr lang="en-US" sz="1400" dirty="0"/>
-              <a:t>Additional contributors include: Mike </a:t>
-            </a:r>
-            <a:r>
-              <a:rPr lang="en-US" sz="1400" dirty="0" err="1"/>
-              <a:t>Heroux</a:t>
-            </a:r>
-            <a:r>
-              <a:rPr lang="en-US" sz="1400" dirty="0"/>
-              <a:t>, Alicia </a:t>
-            </a:r>
-            <a:r>
-              <a:rPr lang="en-US" sz="1400" dirty="0" err="1"/>
-              <a:t>Klinvex</a:t>
-            </a:r>
-            <a:r>
-              <a:rPr lang="en-US" sz="1400" dirty="0"/>
-              <a:t>, Mark Miller, Jared O’Neal, Katherine Riley, David Rogers, Deborah Stevens, James </a:t>
-            </a:r>
-            <a:r>
-              <a:rPr lang="en-US" sz="1400" dirty="0" err="1"/>
-              <a:t>Willenbring</a:t>
-            </a:r>
-            <a:endParaRPr lang="en-US" sz="1400" dirty="0"/>
           </a:p>
           <a:p>
             <a:pPr>
@@ -4532,8 +4500,8 @@
         </p:blipFill>
         <p:spPr bwMode="auto">
           <a:xfrm>
-            <a:off x="10249254" y="570111"/>
-            <a:ext cx="1661258" cy="585216"/>
+            <a:off x="10230336" y="879673"/>
+            <a:ext cx="838200" cy="295275"/>
           </a:xfrm>
           <a:prstGeom prst="rect">
             <a:avLst/>
@@ -4553,7 +4521,7 @@
     </p:spTree>
     <p:extLst>
       <p:ext uri="{BB962C8B-B14F-4D97-AF65-F5344CB8AC3E}">
-        <p14:creationId xmlns:p14="http://schemas.microsoft.com/office/powerpoint/2010/main" val="978726433"/>
+        <p14:creationId xmlns:p14="http://schemas.microsoft.com/office/powerpoint/2010/main" val="1476047591"/>
       </p:ext>
     </p:extLst>
   </p:cSld>
@@ -11123,9 +11091,12 @@
 </file>
 
 <file path=customXml/item1.xml><?xml version="1.0" encoding="utf-8"?>
-<p:properties xmlns:p="http://schemas.microsoft.com/office/2006/metadata/properties" xmlns:xsi="http://www.w3.org/2001/XMLSchema-instance" xmlns:pc="http://schemas.microsoft.com/office/infopath/2007/PartnerControls">
-  <documentManagement/>
-</p:properties>
+<?mso-contentType ?>
+<FormTemplates xmlns="http://schemas.microsoft.com/sharepoint/v3/contenttype/forms">
+  <Display>DocumentLibraryForm</Display>
+  <Edit>DocumentLibraryForm</Edit>
+  <New>DocumentLibraryForm</New>
+</FormTemplates>
 </file>
 
 <file path=customXml/item2.xml><?xml version="1.0" encoding="utf-8"?>
@@ -11178,25 +11149,15 @@
 </file>
 
 <file path=customXml/item3.xml><?xml version="1.0" encoding="utf-8"?>
-<?mso-contentType ?>
-<FormTemplates xmlns="http://schemas.microsoft.com/sharepoint/v3/contenttype/forms">
-  <Display>DocumentLibraryForm</Display>
-  <Edit>DocumentLibraryForm</Edit>
-  <New>DocumentLibraryForm</New>
-</FormTemplates>
+<p:properties xmlns:p="http://schemas.microsoft.com/office/2006/metadata/properties" xmlns:xsi="http://www.w3.org/2001/XMLSchema-instance" xmlns:pc="http://schemas.microsoft.com/office/infopath/2007/PartnerControls">
+  <documentManagement/>
+</p:properties>
 </file>
 
 <file path=customXml/itemProps1.xml><?xml version="1.0" encoding="utf-8"?>
-<ds:datastoreItem xmlns:ds="http://schemas.openxmlformats.org/officeDocument/2006/customXml" ds:itemID="{A50EC660-24D0-43A0-AE5E-E274115E726B}">
+<ds:datastoreItem xmlns:ds="http://schemas.openxmlformats.org/officeDocument/2006/customXml" ds:itemID="{19E20559-B232-4371-8690-E3D8007EDB82}">
   <ds:schemaRefs>
-    <ds:schemaRef ds:uri="http://purl.org/dc/elements/1.1/"/>
-    <ds:schemaRef ds:uri="http://schemas.microsoft.com/office/2006/metadata/properties"/>
-    <ds:schemaRef ds:uri="http://purl.org/dc/terms/"/>
-    <ds:schemaRef ds:uri="http://schemas.openxmlformats.org/package/2006/metadata/core-properties"/>
-    <ds:schemaRef ds:uri="http://schemas.microsoft.com/office/2006/documentManagement/types"/>
-    <ds:schemaRef ds:uri="http://www.w3.org/XML/1998/namespace"/>
-    <ds:schemaRef ds:uri="http://purl.org/dc/dcmitype/"/>
-    <ds:schemaRef ds:uri="http://schemas.microsoft.com/office/infopath/2007/PartnerControls"/>
+    <ds:schemaRef ds:uri="http://schemas.microsoft.com/sharepoint/v3/contenttype/forms"/>
   </ds:schemaRefs>
 </ds:datastoreItem>
 </file>
@@ -11217,9 +11178,16 @@
 </file>
 
 <file path=customXml/itemProps3.xml><?xml version="1.0" encoding="utf-8"?>
-<ds:datastoreItem xmlns:ds="http://schemas.openxmlformats.org/officeDocument/2006/customXml" ds:itemID="{19E20559-B232-4371-8690-E3D8007EDB82}">
+<ds:datastoreItem xmlns:ds="http://schemas.openxmlformats.org/officeDocument/2006/customXml" ds:itemID="{A50EC660-24D0-43A0-AE5E-E274115E726B}">
   <ds:schemaRefs>
-    <ds:schemaRef ds:uri="http://schemas.microsoft.com/sharepoint/v3/contenttype/forms"/>
+    <ds:schemaRef ds:uri="http://purl.org/dc/elements/1.1/"/>
+    <ds:schemaRef ds:uri="http://schemas.microsoft.com/office/2006/metadata/properties"/>
+    <ds:schemaRef ds:uri="http://purl.org/dc/terms/"/>
+    <ds:schemaRef ds:uri="http://schemas.openxmlformats.org/package/2006/metadata/core-properties"/>
+    <ds:schemaRef ds:uri="http://schemas.microsoft.com/office/2006/documentManagement/types"/>
+    <ds:schemaRef ds:uri="http://www.w3.org/XML/1998/namespace"/>
+    <ds:schemaRef ds:uri="http://purl.org/dc/dcmitype/"/>
+    <ds:schemaRef ds:uri="http://schemas.microsoft.com/office/infopath/2007/PartnerControls"/>
   </ds:schemaRefs>
 </ds:datastoreItem>
 </file>
--- a/intro.pptx
+++ b/intro.pptx
@@ -262,7 +262,7 @@
           <a:p>
             <a:fld id="{0B842F42-2CE9-4E35-95C1-410DC08A50B1}" type="datetimeFigureOut">
               <a:rPr lang="en-US" smtClean="0"/>
-              <a:t>6/15/2021</a:t>
+              <a:t>8/7/2021</a:t>
             </a:fld>
             <a:endParaRPr lang="en-US"/>
           </a:p>
@@ -427,7 +427,7 @@
           <a:p>
             <a:fld id="{6F282904-F315-4730-8D91-37D99E141A6F}" type="datetimeFigureOut">
               <a:rPr lang="en-US" smtClean="0"/>
-              <a:t>6/15/2021</a:t>
+              <a:t>8/7/2021</a:t>
             </a:fld>
             <a:endParaRPr lang="en-US"/>
           </a:p>
@@ -4075,7 +4075,7 @@
         <p:spPr>
           <a:xfrm>
             <a:off x="3177633" y="503144"/>
-            <a:ext cx="8292316" cy="1030930"/>
+            <a:ext cx="7057341" cy="1030930"/>
           </a:xfrm>
         </p:spPr>
         <p:txBody>
@@ -4089,7 +4089,7 @@
             </a:pPr>
             <a:r>
               <a:rPr lang="en-US" dirty="0"/>
-              <a:t>Better Scientific Software tutorial</a:t>
+              <a:t>Software Productivity and Sustainability track</a:t>
             </a:r>
           </a:p>
         </p:txBody>
@@ -4113,7 +4113,7 @@
         <p:spPr>
           <a:xfrm>
             <a:off x="3177632" y="2085962"/>
-            <a:ext cx="8292317" cy="2855300"/>
+            <a:ext cx="5329441" cy="2855300"/>
           </a:xfrm>
         </p:spPr>
         <p:txBody>
@@ -4122,27 +4122,13 @@
           <a:p>
             <a:r>
               <a:rPr lang="en-US" dirty="0"/>
-              <a:t>David E. Bernholdt, Anshu Dubey, Patricia A. Grubel, Rinku Gupta, David M. Rogers</a:t>
+              <a:t>David E. Bernholdt, Anshu Dubey, Rinku Gupta, and David M. Rogers</a:t>
             </a:r>
           </a:p>
           <a:p>
             <a:r>
               <a:rPr lang="en-US" dirty="0"/>
-              <a:t>2:00pm-6:00pm CEST 24 June </a:t>
-            </a:r>
-            <a:r>
-              <a:rPr lang="en-US" u="sng" dirty="0"/>
-              <a:t>and</a:t>
-            </a:r>
-            <a:r>
-              <a:rPr lang="en-US" dirty="0"/>
-              <a:t> 25 June 2021</a:t>
-            </a:r>
-          </a:p>
-          <a:p>
-            <a:r>
-              <a:rPr lang="en-US" dirty="0"/>
-              <a:t>(8:00am-12:00pm EDT)</a:t>
+              <a:t>ATPESC 2021</a:t>
             </a:r>
           </a:p>
           <a:p>
@@ -4603,7 +4589,7 @@
             </a:pPr>
             <a:r>
               <a:rPr lang="en-US" dirty="0"/>
-              <a:t>Patricia Grubel, LANL</a:t>
+              <a:t>Rinku Gupta, ANL</a:t>
             </a:r>
           </a:p>
           <a:p>
@@ -4614,17 +4600,6 @@
             </a:pPr>
             <a:r>
               <a:rPr lang="en-US" dirty="0"/>
-              <a:t>Rinku Gupta, ANL</a:t>
-            </a:r>
-          </a:p>
-          <a:p>
-            <a:pPr>
-              <a:spcBef>
-                <a:spcPts val="1000"/>
-              </a:spcBef>
-            </a:pPr>
-            <a:r>
-              <a:rPr lang="en-US" dirty="0"/>
               <a:t>David Rogers, ORNL</a:t>
             </a:r>
           </a:p>
@@ -4645,17 +4620,6 @@
               <a:t>http://ideas-productivity.org</a:t>
             </a:r>
             <a:endParaRPr lang="en-US" dirty="0"/>
-          </a:p>
-          <a:p>
-            <a:pPr>
-              <a:spcBef>
-                <a:spcPts val="800"/>
-              </a:spcBef>
-            </a:pPr>
-            <a:r>
-              <a:rPr lang="en-US" b="1" dirty="0"/>
-              <a:t>Focus:  Increasing CSE software productivity, quality, and sustainability</a:t>
-            </a:r>
           </a:p>
         </p:txBody>
       </p:sp>
@@ -4689,113 +4653,6 @@
       </p:sp>
       <p:grpSp>
         <p:nvGrpSpPr>
-          <p:cNvPr id="20" name="Group 19">
-            <a:extLst>
-              <a:ext uri="{FF2B5EF4-FFF2-40B4-BE49-F238E27FC236}">
-                <a16:creationId xmlns:a16="http://schemas.microsoft.com/office/drawing/2014/main" id="{BF2033CB-35D0-459F-8C42-B56E36DA8EDB}"/>
-              </a:ext>
-            </a:extLst>
-          </p:cNvPr>
-          <p:cNvGrpSpPr/>
-          <p:nvPr/>
-        </p:nvGrpSpPr>
-        <p:grpSpPr>
-          <a:xfrm>
-            <a:off x="7828318" y="1313616"/>
-            <a:ext cx="1009507" cy="1851663"/>
-            <a:chOff x="8066531" y="1374891"/>
-            <a:chExt cx="1009507" cy="1851663"/>
-          </a:xfrm>
-        </p:grpSpPr>
-        <p:pic>
-          <p:nvPicPr>
-            <p:cNvPr id="25" name="Picture 24">
-              <a:extLst>
-                <a:ext uri="{FF2B5EF4-FFF2-40B4-BE49-F238E27FC236}">
-                  <a16:creationId xmlns:a16="http://schemas.microsoft.com/office/drawing/2014/main" id="{B0478DAB-6BBF-4BD8-8EE3-073A551F537C}"/>
-                </a:ext>
-              </a:extLst>
-            </p:cNvPr>
-            <p:cNvPicPr>
-              <a:picLocks noChangeAspect="1"/>
-            </p:cNvPicPr>
-            <p:nvPr/>
-          </p:nvPicPr>
-          <p:blipFill rotWithShape="1">
-            <a:blip r:embed="rId3" cstate="print">
-              <a:extLst>
-                <a:ext uri="{28A0092B-C50C-407E-A947-70E740481C1C}">
-                  <a14:useLocalDpi xmlns:a14="http://schemas.microsoft.com/office/drawing/2010/main" val="0"/>
-                </a:ext>
-              </a:extLst>
-            </a:blip>
-            <a:srcRect l="4859" r="10127"/>
-            <a:stretch/>
-          </p:blipFill>
-          <p:spPr>
-            <a:xfrm>
-              <a:off x="8088482" y="1374891"/>
-              <a:ext cx="965606" cy="1207008"/>
-            </a:xfrm>
-            <a:prstGeom prst="rect">
-              <a:avLst/>
-            </a:prstGeom>
-          </p:spPr>
-        </p:pic>
-        <p:sp>
-          <p:nvSpPr>
-            <p:cNvPr id="28" name="TextBox 27">
-              <a:extLst>
-                <a:ext uri="{FF2B5EF4-FFF2-40B4-BE49-F238E27FC236}">
-                  <a16:creationId xmlns:a16="http://schemas.microsoft.com/office/drawing/2014/main" id="{D52C04AD-63F9-40C3-B199-0C00D8DC9666}"/>
-                </a:ext>
-              </a:extLst>
-            </p:cNvPr>
-            <p:cNvSpPr txBox="1"/>
-            <p:nvPr/>
-          </p:nvSpPr>
-          <p:spPr>
-            <a:xfrm>
-              <a:off x="8066531" y="2543290"/>
-              <a:ext cx="1009507" cy="683264"/>
-            </a:xfrm>
-            <a:prstGeom prst="rect">
-              <a:avLst/>
-            </a:prstGeom>
-            <a:noFill/>
-          </p:spPr>
-          <p:txBody>
-            <a:bodyPr wrap="none" lIns="118872" tIns="91440" rIns="118872" bIns="91440" rtlCol="0" anchor="ctr" anchorCtr="0">
-              <a:spAutoFit/>
-            </a:bodyPr>
-            <a:lstStyle/>
-            <a:p>
-              <a:pPr algn="l">
-                <a:lnSpc>
-                  <a:spcPct val="90000"/>
-                </a:lnSpc>
-              </a:pPr>
-              <a:r>
-                <a:rPr lang="en-US" dirty="0"/>
-                <a:t>Patricia</a:t>
-              </a:r>
-            </a:p>
-            <a:p>
-              <a:pPr algn="l">
-                <a:lnSpc>
-                  <a:spcPct val="90000"/>
-                </a:lnSpc>
-              </a:pPr>
-              <a:r>
-                <a:rPr lang="en-US" i="1" dirty="0"/>
-                <a:t>she/her</a:t>
-              </a:r>
-            </a:p>
-          </p:txBody>
-        </p:sp>
-      </p:grpSp>
-      <p:grpSp>
-        <p:nvGrpSpPr>
           <p:cNvPr id="29" name="Group 28">
             <a:extLst>
               <a:ext uri="{FF2B5EF4-FFF2-40B4-BE49-F238E27FC236}">
@@ -4808,7 +4665,7 @@
         </p:nvGrpSpPr>
         <p:grpSpPr>
           <a:xfrm>
-            <a:off x="9279242" y="1313616"/>
+            <a:off x="9171871" y="1313616"/>
             <a:ext cx="1009507" cy="1851663"/>
             <a:chOff x="9969639" y="348151"/>
             <a:chExt cx="1009507" cy="1851663"/>
@@ -4829,7 +4686,7 @@
             <p:nvPr/>
           </p:nvPicPr>
           <p:blipFill>
-            <a:blip r:embed="rId4" cstate="print">
+            <a:blip r:embed="rId3" cstate="print">
               <a:extLst>
                 <a:ext uri="{28A0092B-C50C-407E-A947-70E740481C1C}">
                   <a14:useLocalDpi xmlns:a14="http://schemas.microsoft.com/office/drawing/2010/main" val="0"/>
@@ -4916,7 +4773,7 @@
         </p:nvGrpSpPr>
         <p:grpSpPr>
           <a:xfrm>
-            <a:off x="4993555" y="1313616"/>
+            <a:off x="6122364" y="1313616"/>
             <a:ext cx="997822" cy="1805497"/>
             <a:chOff x="5234821" y="1346049"/>
             <a:chExt cx="997822" cy="1805497"/>
@@ -4937,7 +4794,7 @@
             <p:nvPr/>
           </p:nvPicPr>
           <p:blipFill rotWithShape="1">
-            <a:blip r:embed="rId5"/>
+            <a:blip r:embed="rId4"/>
             <a:srcRect l="13222" t="5312" r="18595" b="32928"/>
             <a:stretch/>
           </p:blipFill>
@@ -5038,7 +4895,7 @@
             <p:nvPr/>
           </p:nvPicPr>
           <p:blipFill rotWithShape="1">
-            <a:blip r:embed="rId6">
+            <a:blip r:embed="rId5">
               <a:extLst>
                 <a:ext uri="{28A0092B-C50C-407E-A947-70E740481C1C}">
                   <a14:useLocalDpi xmlns:a14="http://schemas.microsoft.com/office/drawing/2010/main" val="0"/>
@@ -5124,7 +4981,7 @@
         </p:nvGrpSpPr>
         <p:grpSpPr>
           <a:xfrm>
-            <a:off x="6432794" y="1313616"/>
+            <a:off x="7668975" y="1313616"/>
             <a:ext cx="954107" cy="1805497"/>
             <a:chOff x="6614147" y="1346049"/>
             <a:chExt cx="954107" cy="1805497"/>
@@ -5196,7 +5053,7 @@
             <p:nvPr/>
           </p:nvPicPr>
           <p:blipFill>
-            <a:blip r:embed="rId7" cstate="print">
+            <a:blip r:embed="rId6" cstate="print">
               <a:extLst>
                 <a:ext uri="{28A0092B-C50C-407E-A947-70E740481C1C}">
                   <a14:useLocalDpi xmlns:a14="http://schemas.microsoft.com/office/drawing/2010/main" val="0"/>
@@ -9896,7 +9753,7 @@
             </a:pPr>
             <a:r>
               <a:rPr lang="en-US" dirty="0"/>
-              <a:t>We have time in the agenda for the hands-on activities, but feel free to continue working on them outside of the tutorial.  We’ll give feedback on pull requests and issues filed (or email us, see next slide).</a:t>
+              <a:t>We do not have time in the agenda for the hands-on activities, but feel free to work on them outside of the tutorial.  We’ll give feedback on pull requests and issues filed (or email us, see next slide).</a:t>
             </a:r>
           </a:p>
           <a:p>
@@ -10069,7 +9926,7 @@
             </a:pPr>
             <a:r>
               <a:rPr lang="en-US" dirty="0"/>
-              <a:t>Please use chat to ask questions at any time</a:t>
+              <a:t>Please use chat to ask questions at any time (and we’ll stop for questions as time permits)</a:t>
             </a:r>
           </a:p>
           <a:p>
@@ -11091,12 +10948,9 @@
 </file>
 
 <file path=customXml/item1.xml><?xml version="1.0" encoding="utf-8"?>
-<?mso-contentType ?>
-<FormTemplates xmlns="http://schemas.microsoft.com/sharepoint/v3/contenttype/forms">
-  <Display>DocumentLibraryForm</Display>
-  <Edit>DocumentLibraryForm</Edit>
-  <New>DocumentLibraryForm</New>
-</FormTemplates>
+<p:properties xmlns:p="http://schemas.microsoft.com/office/2006/metadata/properties" xmlns:xsi="http://www.w3.org/2001/XMLSchema-instance" xmlns:pc="http://schemas.microsoft.com/office/infopath/2007/PartnerControls">
+  <documentManagement/>
+</p:properties>
 </file>
 
 <file path=customXml/item2.xml><?xml version="1.0" encoding="utf-8"?>
@@ -11149,15 +11003,25 @@
 </file>
 
 <file path=customXml/item3.xml><?xml version="1.0" encoding="utf-8"?>
-<p:properties xmlns:p="http://schemas.microsoft.com/office/2006/metadata/properties" xmlns:xsi="http://www.w3.org/2001/XMLSchema-instance" xmlns:pc="http://schemas.microsoft.com/office/infopath/2007/PartnerControls">
-  <documentManagement/>
-</p:properties>
+<?mso-contentType ?>
+<FormTemplates xmlns="http://schemas.microsoft.com/sharepoint/v3/contenttype/forms">
+  <Display>DocumentLibraryForm</Display>
+  <Edit>DocumentLibraryForm</Edit>
+  <New>DocumentLibraryForm</New>
+</FormTemplates>
 </file>
 
 <file path=customXml/itemProps1.xml><?xml version="1.0" encoding="utf-8"?>
-<ds:datastoreItem xmlns:ds="http://schemas.openxmlformats.org/officeDocument/2006/customXml" ds:itemID="{19E20559-B232-4371-8690-E3D8007EDB82}">
+<ds:datastoreItem xmlns:ds="http://schemas.openxmlformats.org/officeDocument/2006/customXml" ds:itemID="{A50EC660-24D0-43A0-AE5E-E274115E726B}">
   <ds:schemaRefs>
-    <ds:schemaRef ds:uri="http://schemas.microsoft.com/sharepoint/v3/contenttype/forms"/>
+    <ds:schemaRef ds:uri="http://purl.org/dc/elements/1.1/"/>
+    <ds:schemaRef ds:uri="http://schemas.microsoft.com/office/2006/metadata/properties"/>
+    <ds:schemaRef ds:uri="http://purl.org/dc/terms/"/>
+    <ds:schemaRef ds:uri="http://schemas.openxmlformats.org/package/2006/metadata/core-properties"/>
+    <ds:schemaRef ds:uri="http://schemas.microsoft.com/office/2006/documentManagement/types"/>
+    <ds:schemaRef ds:uri="http://www.w3.org/XML/1998/namespace"/>
+    <ds:schemaRef ds:uri="http://purl.org/dc/dcmitype/"/>
+    <ds:schemaRef ds:uri="http://schemas.microsoft.com/office/infopath/2007/PartnerControls"/>
   </ds:schemaRefs>
 </ds:datastoreItem>
 </file>
@@ -11178,16 +11042,9 @@
 </file>
 
 <file path=customXml/itemProps3.xml><?xml version="1.0" encoding="utf-8"?>
-<ds:datastoreItem xmlns:ds="http://schemas.openxmlformats.org/officeDocument/2006/customXml" ds:itemID="{A50EC660-24D0-43A0-AE5E-E274115E726B}">
+<ds:datastoreItem xmlns:ds="http://schemas.openxmlformats.org/officeDocument/2006/customXml" ds:itemID="{19E20559-B232-4371-8690-E3D8007EDB82}">
   <ds:schemaRefs>
-    <ds:schemaRef ds:uri="http://purl.org/dc/elements/1.1/"/>
-    <ds:schemaRef ds:uri="http://schemas.microsoft.com/office/2006/metadata/properties"/>
-    <ds:schemaRef ds:uri="http://purl.org/dc/terms/"/>
-    <ds:schemaRef ds:uri="http://schemas.openxmlformats.org/package/2006/metadata/core-properties"/>
-    <ds:schemaRef ds:uri="http://schemas.microsoft.com/office/2006/documentManagement/types"/>
-    <ds:schemaRef ds:uri="http://www.w3.org/XML/1998/namespace"/>
-    <ds:schemaRef ds:uri="http://purl.org/dc/dcmitype/"/>
-    <ds:schemaRef ds:uri="http://schemas.microsoft.com/office/infopath/2007/PartnerControls"/>
+    <ds:schemaRef ds:uri="http://schemas.microsoft.com/sharepoint/v3/contenttype/forms"/>
   </ds:schemaRefs>
 </ds:datastoreItem>
 </file>
--- a/intro.pptx
+++ b/intro.pptx
@@ -12,7 +12,7 @@
   </p:handoutMasterIdLst>
   <p:sldIdLst>
     <p:sldId id="617" r:id="rId5"/>
-    <p:sldId id="618" r:id="rId6"/>
+    <p:sldId id="320" r:id="rId6"/>
     <p:sldId id="308" r:id="rId7"/>
     <p:sldId id="327" r:id="rId8"/>
     <p:sldId id="324" r:id="rId9"/>
@@ -262,7 +262,7 @@
           <a:p>
             <a:fld id="{0B842F42-2CE9-4E35-95C1-410DC08A50B1}" type="datetimeFigureOut">
               <a:rPr lang="en-US" smtClean="0"/>
-              <a:t>8/7/2021</a:t>
+              <a:t>8/10/2021</a:t>
             </a:fld>
             <a:endParaRPr lang="en-US"/>
           </a:p>
@@ -427,7 +427,7 @@
           <a:p>
             <a:fld id="{6F282904-F315-4730-8D91-37D99E141A6F}" type="datetimeFigureOut">
               <a:rPr lang="en-US" smtClean="0"/>
-              <a:t>8/7/2021</a:t>
+              <a:t>8/10/2021</a:t>
             </a:fld>
             <a:endParaRPr lang="en-US"/>
           </a:p>
@@ -4327,13 +4327,13 @@
             </a:pPr>
             <a:r>
               <a:rPr lang="en-US" sz="1600" b="1" dirty="0"/>
-              <a:t>The requested citation the overall tutorial is: David E. Bernholdt, Anshu Dubey, Patricia A. Grubel, Rinku K. Gupta, and David M. Rogers, Better Scientific Software tutorial, in ISC High Performance, online, 2021. DOI: </a:t>
+              <a:t>The requested citation the overall tutorial is: David E. Bernholdt, Anshu Dubey, Rinku K. Gupta, and David M. Rogers, Software Productivity and Sustainability track, in Argonne Training Program on Extreme-Scale Computing (ATPESC), online, 2021. DOI: </a:t>
             </a:r>
             <a:r>
               <a:rPr lang="en-US" sz="1600" b="1" dirty="0">
                 <a:hlinkClick r:id="rId4"/>
               </a:rPr>
-              <a:t>10.6084/m9.figshare.14642520</a:t>
+              <a:t>10.6084/m9.figshare.15130590</a:t>
             </a:r>
             <a:endParaRPr lang="en-US" sz="1600" b="1" dirty="0"/>
           </a:p>
@@ -4507,7 +4507,7 @@
     </p:spTree>
     <p:extLst>
       <p:ext uri="{BB962C8B-B14F-4D97-AF65-F5344CB8AC3E}">
-        <p14:creationId xmlns:p14="http://schemas.microsoft.com/office/powerpoint/2010/main" val="1476047591"/>
+        <p14:creationId xmlns:p14="http://schemas.microsoft.com/office/powerpoint/2010/main" val="978726433"/>
       </p:ext>
     </p:extLst>
   </p:cSld>
@@ -10948,12 +10948,6 @@
 </file>
 
 <file path=customXml/item1.xml><?xml version="1.0" encoding="utf-8"?>
-<p:properties xmlns:p="http://schemas.microsoft.com/office/2006/metadata/properties" xmlns:xsi="http://www.w3.org/2001/XMLSchema-instance" xmlns:pc="http://schemas.microsoft.com/office/infopath/2007/PartnerControls">
-  <documentManagement/>
-</p:properties>
-</file>
-
-<file path=customXml/item2.xml><?xml version="1.0" encoding="utf-8"?>
 <ct:contentTypeSchema xmlns:ct="http://schemas.microsoft.com/office/2006/metadata/contentType" xmlns:ma="http://schemas.microsoft.com/office/2006/metadata/properties/metaAttributes" ct:_="" ma:_="" ma:contentTypeName="Document" ma:contentTypeID="0x010100565464437F680748A68B85EB6594EA7D" ma:contentTypeVersion="0" ma:contentTypeDescription="Create a new document." ma:contentTypeScope="" ma:versionID="fe3f4dd58d5914c51cfc6deaa8ad845c">
   <xsd:schema xmlns:xsd="http://www.w3.org/2001/XMLSchema" xmlns:p="http://schemas.microsoft.com/office/2006/metadata/properties" targetNamespace="http://schemas.microsoft.com/office/2006/metadata/properties" ma:root="true" ma:fieldsID="4aeb20c0e3442673af7ee10786458764">
     <xsd:element name="properties">
@@ -11002,6 +10996,12 @@
 </ct:contentTypeSchema>
 </file>
 
+<file path=customXml/item2.xml><?xml version="1.0" encoding="utf-8"?>
+<p:properties xmlns:p="http://schemas.microsoft.com/office/2006/metadata/properties" xmlns:xsi="http://www.w3.org/2001/XMLSchema-instance" xmlns:pc="http://schemas.microsoft.com/office/infopath/2007/PartnerControls">
+  <documentManagement/>
+</p:properties>
+</file>
+
 <file path=customXml/item3.xml><?xml version="1.0" encoding="utf-8"?>
 <?mso-contentType ?>
 <FormTemplates xmlns="http://schemas.microsoft.com/sharepoint/v3/contenttype/forms">
@@ -11012,6 +11012,21 @@
 </file>
 
 <file path=customXml/itemProps1.xml><?xml version="1.0" encoding="utf-8"?>
+<ds:datastoreItem xmlns:ds="http://schemas.openxmlformats.org/officeDocument/2006/customXml" ds:itemID="{E8DB7DEB-074E-4EE8-9B6E-FD277323109C}">
+  <ds:schemaRefs>
+    <ds:schemaRef ds:uri="http://schemas.microsoft.com/office/2006/metadata/contentType"/>
+    <ds:schemaRef ds:uri="http://schemas.microsoft.com/office/2006/metadata/properties/metaAttributes"/>
+    <ds:schemaRef ds:uri="http://www.w3.org/2001/XMLSchema"/>
+    <ds:schemaRef ds:uri="http://schemas.microsoft.com/office/2006/metadata/properties"/>
+    <ds:schemaRef ds:uri="http://schemas.openxmlformats.org/package/2006/metadata/core-properties"/>
+    <ds:schemaRef ds:uri="http://purl.org/dc/elements/1.1/"/>
+    <ds:schemaRef ds:uri="http://purl.org/dc/terms/"/>
+    <ds:schemaRef ds:uri="http://schemas.microsoft.com/office/internal/2005/internalDocumentation"/>
+  </ds:schemaRefs>
+</ds:datastoreItem>
+</file>
+
+<file path=customXml/itemProps2.xml><?xml version="1.0" encoding="utf-8"?>
 <ds:datastoreItem xmlns:ds="http://schemas.openxmlformats.org/officeDocument/2006/customXml" ds:itemID="{A50EC660-24D0-43A0-AE5E-E274115E726B}">
   <ds:schemaRefs>
     <ds:schemaRef ds:uri="http://purl.org/dc/elements/1.1/"/>
@@ -11026,21 +11041,6 @@
 </ds:datastoreItem>
 </file>
 
-<file path=customXml/itemProps2.xml><?xml version="1.0" encoding="utf-8"?>
-<ds:datastoreItem xmlns:ds="http://schemas.openxmlformats.org/officeDocument/2006/customXml" ds:itemID="{E8DB7DEB-074E-4EE8-9B6E-FD277323109C}">
-  <ds:schemaRefs>
-    <ds:schemaRef ds:uri="http://schemas.microsoft.com/office/2006/metadata/contentType"/>
-    <ds:schemaRef ds:uri="http://schemas.microsoft.com/office/2006/metadata/properties/metaAttributes"/>
-    <ds:schemaRef ds:uri="http://www.w3.org/2001/XMLSchema"/>
-    <ds:schemaRef ds:uri="http://schemas.microsoft.com/office/2006/metadata/properties"/>
-    <ds:schemaRef ds:uri="http://schemas.openxmlformats.org/package/2006/metadata/core-properties"/>
-    <ds:schemaRef ds:uri="http://purl.org/dc/elements/1.1/"/>
-    <ds:schemaRef ds:uri="http://purl.org/dc/terms/"/>
-    <ds:schemaRef ds:uri="http://schemas.microsoft.com/office/internal/2005/internalDocumentation"/>
-  </ds:schemaRefs>
-</ds:datastoreItem>
-</file>
-
 <file path=customXml/itemProps3.xml><?xml version="1.0" encoding="utf-8"?>
 <ds:datastoreItem xmlns:ds="http://schemas.openxmlformats.org/officeDocument/2006/customXml" ds:itemID="{19E20559-B232-4371-8690-E3D8007EDB82}">
   <ds:schemaRefs>

--- a/intro.pptx
+++ b/intro.pptx
@@ -12,7 +12,7 @@
   </p:handoutMasterIdLst>
   <p:sldIdLst>
     <p:sldId id="617" r:id="rId5"/>
-    <p:sldId id="320" r:id="rId6"/>
+    <p:sldId id="618" r:id="rId6"/>
     <p:sldId id="308" r:id="rId7"/>
     <p:sldId id="327" r:id="rId8"/>
     <p:sldId id="324" r:id="rId9"/>
@@ -262,7 +262,7 @@
           <a:p>
             <a:fld id="{0B842F42-2CE9-4E35-95C1-410DC08A50B1}" type="datetimeFigureOut">
               <a:rPr lang="en-US" smtClean="0"/>
-              <a:t>8/10/2021</a:t>
+              <a:t>9/1/2021</a:t>
             </a:fld>
             <a:endParaRPr lang="en-US"/>
           </a:p>
@@ -427,7 +427,7 @@
           <a:p>
             <a:fld id="{6F282904-F315-4730-8D91-37D99E141A6F}" type="datetimeFigureOut">
               <a:rPr lang="en-US" smtClean="0"/>
-              <a:t>8/10/2021</a:t>
+              <a:t>9/1/2021</a:t>
             </a:fld>
             <a:endParaRPr lang="en-US"/>
           </a:p>
@@ -4089,7 +4089,7 @@
             </a:pPr>
             <a:r>
               <a:rPr lang="en-US" dirty="0"/>
-              <a:t>Software Productivity and Sustainability track</a:t>
+              <a:t>Better Scientific Software tutorial</a:t>
             </a:r>
           </a:p>
         </p:txBody>
@@ -4122,13 +4122,13 @@
           <a:p>
             <a:r>
               <a:rPr lang="en-US" dirty="0"/>
-              <a:t>David E. Bernholdt, Anshu Dubey, Rinku Gupta, and David M. Rogers</a:t>
+              <a:t>David E. Bernholdt, Anshu Dubey, Patricia A. Grubel, Rinku K. Gupta, and Gregory R. Watson</a:t>
             </a:r>
           </a:p>
           <a:p>
             <a:r>
               <a:rPr lang="en-US" dirty="0"/>
-              <a:t>ATPESC 2021</a:t>
+              <a:t>SC21</a:t>
             </a:r>
           </a:p>
           <a:p>
@@ -4327,13 +4327,13 @@
             </a:pPr>
             <a:r>
               <a:rPr lang="en-US" sz="1600" b="1" dirty="0"/>
-              <a:t>The requested citation the overall tutorial is: David E. Bernholdt, Anshu Dubey, Rinku K. Gupta, and David M. Rogers, Software Productivity and Sustainability track, in Argonne Training Program on Extreme-Scale Computing (ATPESC), online, 2021. DOI: </a:t>
+              <a:t>The requested citation the overall tutorial is: David E. Bernholdt, Anshu Dubey, Patricia A. Grubel, Rinku K. Gupta, and Gregory R. Watson, Better Scientific Software tutorial, in the International Conference for High-Performance Computing, Networking, Storage, and Analysis (SC21), St. Louis, MO, USA and online, 2021. DOI: </a:t>
             </a:r>
             <a:r>
               <a:rPr lang="en-US" sz="1600" b="1" dirty="0">
                 <a:hlinkClick r:id="rId4"/>
               </a:rPr>
-              <a:t>10.6084/m9.figshare.15130590</a:t>
+              <a:t>10.6084/m9.figshare.16556628</a:t>
             </a:r>
             <a:endParaRPr lang="en-US" sz="1600" b="1" dirty="0"/>
           </a:p>
@@ -4507,7 +4507,7 @@
     </p:spTree>
     <p:extLst>
       <p:ext uri="{BB962C8B-B14F-4D97-AF65-F5344CB8AC3E}">
-        <p14:creationId xmlns:p14="http://schemas.microsoft.com/office/powerpoint/2010/main" val="978726433"/>
+        <p14:creationId xmlns:p14="http://schemas.microsoft.com/office/powerpoint/2010/main" val="1004129188"/>
       </p:ext>
     </p:extLst>
   </p:cSld>
@@ -4552,7 +4552,7 @@
         </p:nvSpPr>
         <p:spPr>
           <a:xfrm>
-            <a:off x="365760" y="1313616"/>
+            <a:off x="365760" y="1280696"/>
             <a:ext cx="11369809" cy="4047778"/>
           </a:xfrm>
         </p:spPr>
@@ -4589,7 +4589,7 @@
             </a:pPr>
             <a:r>
               <a:rPr lang="en-US" dirty="0"/>
-              <a:t>Rinku Gupta, ANL</a:t>
+              <a:t>Patricia Grubel, LANL</a:t>
             </a:r>
           </a:p>
           <a:p>
@@ -4600,7 +4600,18 @@
             </a:pPr>
             <a:r>
               <a:rPr lang="en-US" dirty="0"/>
-              <a:t>David Rogers, ORNL</a:t>
+              <a:t>Rinku Gupta, ANL</a:t>
+            </a:r>
+          </a:p>
+          <a:p>
+            <a:pPr>
+              <a:spcBef>
+                <a:spcPts val="1000"/>
+              </a:spcBef>
+            </a:pPr>
+            <a:r>
+              <a:rPr lang="en-US" dirty="0"/>
+              <a:t>Greg Rogers, ORNL</a:t>
             </a:r>
           </a:p>
           <a:p>
@@ -4665,7 +4676,7 @@
         </p:nvGrpSpPr>
         <p:grpSpPr>
           <a:xfrm>
-            <a:off x="9171871" y="1313616"/>
+            <a:off x="9529477" y="1280696"/>
             <a:ext cx="1009507" cy="1851663"/>
             <a:chOff x="9969639" y="348151"/>
             <a:chExt cx="1009507" cy="1851663"/>
@@ -4761,214 +4772,6 @@
       </p:grpSp>
       <p:grpSp>
         <p:nvGrpSpPr>
-          <p:cNvPr id="32" name="Group 31">
-            <a:extLst>
-              <a:ext uri="{FF2B5EF4-FFF2-40B4-BE49-F238E27FC236}">
-                <a16:creationId xmlns:a16="http://schemas.microsoft.com/office/drawing/2014/main" id="{21DEFD5F-ACBD-496E-948B-AEBCCACF7D33}"/>
-              </a:ext>
-            </a:extLst>
-          </p:cNvPr>
-          <p:cNvGrpSpPr/>
-          <p:nvPr/>
-        </p:nvGrpSpPr>
-        <p:grpSpPr>
-          <a:xfrm>
-            <a:off x="6122364" y="1313616"/>
-            <a:ext cx="997822" cy="1805497"/>
-            <a:chOff x="5234821" y="1346049"/>
-            <a:chExt cx="997822" cy="1805497"/>
-          </a:xfrm>
-        </p:grpSpPr>
-        <p:pic>
-          <p:nvPicPr>
-            <p:cNvPr id="33" name="Picture 32">
-              <a:extLst>
-                <a:ext uri="{FF2B5EF4-FFF2-40B4-BE49-F238E27FC236}">
-                  <a16:creationId xmlns:a16="http://schemas.microsoft.com/office/drawing/2014/main" id="{90F865BF-0338-49FD-8A89-FB49A5DFF6E2}"/>
-                </a:ext>
-              </a:extLst>
-            </p:cNvPr>
-            <p:cNvPicPr>
-              <a:picLocks noChangeAspect="1"/>
-            </p:cNvPicPr>
-            <p:nvPr/>
-          </p:nvPicPr>
-          <p:blipFill rotWithShape="1">
-            <a:blip r:embed="rId4"/>
-            <a:srcRect l="13222" t="5312" r="18595" b="32928"/>
-            <a:stretch/>
-          </p:blipFill>
-          <p:spPr>
-            <a:xfrm>
-              <a:off x="5234821" y="1346049"/>
-              <a:ext cx="997822" cy="1205090"/>
-            </a:xfrm>
-            <a:prstGeom prst="rect">
-              <a:avLst/>
-            </a:prstGeom>
-          </p:spPr>
-        </p:pic>
-        <p:sp>
-          <p:nvSpPr>
-            <p:cNvPr id="34" name="TextBox 33">
-              <a:extLst>
-                <a:ext uri="{FF2B5EF4-FFF2-40B4-BE49-F238E27FC236}">
-                  <a16:creationId xmlns:a16="http://schemas.microsoft.com/office/drawing/2014/main" id="{E07100F6-F060-4B79-A7E4-0B0BAB7C1A8C}"/>
-                </a:ext>
-              </a:extLst>
-            </p:cNvPr>
-            <p:cNvSpPr txBox="1"/>
-            <p:nvPr/>
-          </p:nvSpPr>
-          <p:spPr>
-            <a:xfrm>
-              <a:off x="5237443" y="2560615"/>
-              <a:ext cx="992579" cy="590931"/>
-            </a:xfrm>
-            <a:prstGeom prst="rect">
-              <a:avLst/>
-            </a:prstGeom>
-            <a:noFill/>
-          </p:spPr>
-          <p:txBody>
-            <a:bodyPr wrap="none" rtlCol="0">
-              <a:spAutoFit/>
-            </a:bodyPr>
-            <a:lstStyle/>
-            <a:p>
-              <a:pPr algn="ctr">
-                <a:lnSpc>
-                  <a:spcPct val="90000"/>
-                </a:lnSpc>
-              </a:pPr>
-              <a:r>
-                <a:rPr lang="en-US" dirty="0"/>
-                <a:t>David B</a:t>
-              </a:r>
-            </a:p>
-            <a:p>
-              <a:pPr algn="ctr">
-                <a:lnSpc>
-                  <a:spcPct val="90000"/>
-                </a:lnSpc>
-              </a:pPr>
-              <a:r>
-                <a:rPr lang="en-US" i="1" dirty="0"/>
-                <a:t>he/him</a:t>
-              </a:r>
-            </a:p>
-          </p:txBody>
-        </p:sp>
-      </p:grpSp>
-      <p:grpSp>
-        <p:nvGrpSpPr>
-          <p:cNvPr id="35" name="Group 34">
-            <a:extLst>
-              <a:ext uri="{FF2B5EF4-FFF2-40B4-BE49-F238E27FC236}">
-                <a16:creationId xmlns:a16="http://schemas.microsoft.com/office/drawing/2014/main" id="{13A1D959-C750-4D05-84FF-09B31270817E}"/>
-              </a:ext>
-            </a:extLst>
-          </p:cNvPr>
-          <p:cNvGrpSpPr/>
-          <p:nvPr/>
-        </p:nvGrpSpPr>
-        <p:grpSpPr>
-          <a:xfrm>
-            <a:off x="10730166" y="1313616"/>
-            <a:ext cx="1005403" cy="1805497"/>
-            <a:chOff x="10526802" y="1346049"/>
-            <a:chExt cx="1005403" cy="1805497"/>
-          </a:xfrm>
-        </p:grpSpPr>
-        <p:pic>
-          <p:nvPicPr>
-            <p:cNvPr id="36" name="Picture 35" descr="A person wearing glasses&#10;&#10;Description automatically generated with medium confidence">
-              <a:extLst>
-                <a:ext uri="{FF2B5EF4-FFF2-40B4-BE49-F238E27FC236}">
-                  <a16:creationId xmlns:a16="http://schemas.microsoft.com/office/drawing/2014/main" id="{D39CBF16-EB8F-4491-8167-87BF1EE019C5}"/>
-                </a:ext>
-              </a:extLst>
-            </p:cNvPr>
-            <p:cNvPicPr>
-              <a:picLocks noChangeAspect="1"/>
-            </p:cNvPicPr>
-            <p:nvPr/>
-          </p:nvPicPr>
-          <p:blipFill rotWithShape="1">
-            <a:blip r:embed="rId5">
-              <a:extLst>
-                <a:ext uri="{28A0092B-C50C-407E-A947-70E740481C1C}">
-                  <a14:useLocalDpi xmlns:a14="http://schemas.microsoft.com/office/drawing/2010/main" val="0"/>
-                </a:ext>
-              </a:extLst>
-            </a:blip>
-            <a:srcRect l="12970" r="9695"/>
-            <a:stretch/>
-          </p:blipFill>
-          <p:spPr>
-            <a:xfrm>
-              <a:off x="10562794" y="1346049"/>
-              <a:ext cx="933420" cy="1207008"/>
-            </a:xfrm>
-            <a:prstGeom prst="rect">
-              <a:avLst/>
-            </a:prstGeom>
-          </p:spPr>
-        </p:pic>
-        <p:sp>
-          <p:nvSpPr>
-            <p:cNvPr id="37" name="TextBox 36">
-              <a:extLst>
-                <a:ext uri="{FF2B5EF4-FFF2-40B4-BE49-F238E27FC236}">
-                  <a16:creationId xmlns:a16="http://schemas.microsoft.com/office/drawing/2014/main" id="{1DF5BE6C-6814-4D3A-8220-FC68E9558569}"/>
-                </a:ext>
-              </a:extLst>
-            </p:cNvPr>
-            <p:cNvSpPr txBox="1"/>
-            <p:nvPr/>
-          </p:nvSpPr>
-          <p:spPr>
-            <a:xfrm>
-              <a:off x="10526802" y="2560615"/>
-              <a:ext cx="1005403" cy="590931"/>
-            </a:xfrm>
-            <a:prstGeom prst="rect">
-              <a:avLst/>
-            </a:prstGeom>
-            <a:noFill/>
-          </p:spPr>
-          <p:txBody>
-            <a:bodyPr wrap="none" rtlCol="0">
-              <a:spAutoFit/>
-            </a:bodyPr>
-            <a:lstStyle/>
-            <a:p>
-              <a:pPr algn="ctr">
-                <a:lnSpc>
-                  <a:spcPct val="90000"/>
-                </a:lnSpc>
-              </a:pPr>
-              <a:r>
-                <a:rPr lang="en-US" dirty="0"/>
-                <a:t>David R</a:t>
-              </a:r>
-            </a:p>
-            <a:p>
-              <a:pPr algn="ctr">
-                <a:lnSpc>
-                  <a:spcPct val="90000"/>
-                </a:lnSpc>
-              </a:pPr>
-              <a:r>
-                <a:rPr lang="en-US" i="1" dirty="0"/>
-                <a:t>he/him</a:t>
-              </a:r>
-            </a:p>
-          </p:txBody>
-        </p:sp>
-      </p:grpSp>
-      <p:grpSp>
-        <p:nvGrpSpPr>
           <p:cNvPr id="38" name="Group 37">
             <a:extLst>
               <a:ext uri="{FF2B5EF4-FFF2-40B4-BE49-F238E27FC236}">
@@ -4981,7 +4784,7 @@
         </p:nvGrpSpPr>
         <p:grpSpPr>
           <a:xfrm>
-            <a:off x="7668975" y="1313616"/>
+            <a:off x="7248749" y="1280696"/>
             <a:ext cx="954107" cy="1805497"/>
             <a:chOff x="6614147" y="1346049"/>
             <a:chExt cx="954107" cy="1805497"/>
@@ -5053,7 +4856,7 @@
             <p:nvPr/>
           </p:nvPicPr>
           <p:blipFill>
-            <a:blip r:embed="rId6" cstate="print">
+            <a:blip r:embed="rId4" cstate="print">
               <a:extLst>
                 <a:ext uri="{28A0092B-C50C-407E-A947-70E740481C1C}">
                   <a14:useLocalDpi xmlns:a14="http://schemas.microsoft.com/office/drawing/2010/main" val="0"/>
@@ -5074,6 +4877,327 @@
             </a:prstGeom>
           </p:spPr>
         </p:pic>
+      </p:grpSp>
+      <p:grpSp>
+        <p:nvGrpSpPr>
+          <p:cNvPr id="16" name="Group 15">
+            <a:extLst>
+              <a:ext uri="{FF2B5EF4-FFF2-40B4-BE49-F238E27FC236}">
+                <a16:creationId xmlns:a16="http://schemas.microsoft.com/office/drawing/2014/main" id="{8C07134C-7A25-436A-AB24-A1977D460825}"/>
+              </a:ext>
+            </a:extLst>
+          </p:cNvPr>
+          <p:cNvGrpSpPr/>
+          <p:nvPr/>
+        </p:nvGrpSpPr>
+        <p:grpSpPr>
+          <a:xfrm>
+            <a:off x="8361413" y="1280696"/>
+            <a:ext cx="1009507" cy="1851663"/>
+            <a:chOff x="8066531" y="1374891"/>
+            <a:chExt cx="1009507" cy="1851663"/>
+          </a:xfrm>
+        </p:grpSpPr>
+        <p:pic>
+          <p:nvPicPr>
+            <p:cNvPr id="17" name="Picture 16">
+              <a:extLst>
+                <a:ext uri="{FF2B5EF4-FFF2-40B4-BE49-F238E27FC236}">
+                  <a16:creationId xmlns:a16="http://schemas.microsoft.com/office/drawing/2014/main" id="{012B26D9-B6CB-4AD3-B584-CC648A130C99}"/>
+                </a:ext>
+              </a:extLst>
+            </p:cNvPr>
+            <p:cNvPicPr>
+              <a:picLocks noChangeAspect="1"/>
+            </p:cNvPicPr>
+            <p:nvPr/>
+          </p:nvPicPr>
+          <p:blipFill rotWithShape="1">
+            <a:blip r:embed="rId5" cstate="print">
+              <a:extLst>
+                <a:ext uri="{28A0092B-C50C-407E-A947-70E740481C1C}">
+                  <a14:useLocalDpi xmlns:a14="http://schemas.microsoft.com/office/drawing/2010/main" val="0"/>
+                </a:ext>
+              </a:extLst>
+            </a:blip>
+            <a:srcRect l="4859" r="10127"/>
+            <a:stretch/>
+          </p:blipFill>
+          <p:spPr>
+            <a:xfrm>
+              <a:off x="8088482" y="1374891"/>
+              <a:ext cx="965606" cy="1207008"/>
+            </a:xfrm>
+            <a:prstGeom prst="rect">
+              <a:avLst/>
+            </a:prstGeom>
+          </p:spPr>
+        </p:pic>
+        <p:sp>
+          <p:nvSpPr>
+            <p:cNvPr id="18" name="TextBox 17">
+              <a:extLst>
+                <a:ext uri="{FF2B5EF4-FFF2-40B4-BE49-F238E27FC236}">
+                  <a16:creationId xmlns:a16="http://schemas.microsoft.com/office/drawing/2014/main" id="{DCFE3231-5366-424B-823E-44823ED415DC}"/>
+                </a:ext>
+              </a:extLst>
+            </p:cNvPr>
+            <p:cNvSpPr txBox="1"/>
+            <p:nvPr/>
+          </p:nvSpPr>
+          <p:spPr>
+            <a:xfrm>
+              <a:off x="8066531" y="2543290"/>
+              <a:ext cx="1009507" cy="683264"/>
+            </a:xfrm>
+            <a:prstGeom prst="rect">
+              <a:avLst/>
+            </a:prstGeom>
+            <a:noFill/>
+          </p:spPr>
+          <p:txBody>
+            <a:bodyPr wrap="none" lIns="118872" tIns="91440" rIns="118872" bIns="91440" rtlCol="0" anchor="ctr" anchorCtr="0">
+              <a:spAutoFit/>
+            </a:bodyPr>
+            <a:lstStyle/>
+            <a:p>
+              <a:pPr algn="l">
+                <a:lnSpc>
+                  <a:spcPct val="90000"/>
+                </a:lnSpc>
+              </a:pPr>
+              <a:r>
+                <a:rPr lang="en-US" dirty="0"/>
+                <a:t>Patricia</a:t>
+              </a:r>
+            </a:p>
+            <a:p>
+              <a:pPr algn="l">
+                <a:lnSpc>
+                  <a:spcPct val="90000"/>
+                </a:lnSpc>
+              </a:pPr>
+              <a:r>
+                <a:rPr lang="en-US" i="1" dirty="0"/>
+                <a:t>she/her</a:t>
+              </a:r>
+            </a:p>
+          </p:txBody>
+        </p:sp>
+      </p:grpSp>
+      <p:grpSp>
+        <p:nvGrpSpPr>
+          <p:cNvPr id="19" name="Group 18">
+            <a:extLst>
+              <a:ext uri="{FF2B5EF4-FFF2-40B4-BE49-F238E27FC236}">
+                <a16:creationId xmlns:a16="http://schemas.microsoft.com/office/drawing/2014/main" id="{9CD3C3BF-3A3C-42DB-B6FA-DDA665880523}"/>
+              </a:ext>
+            </a:extLst>
+          </p:cNvPr>
+          <p:cNvGrpSpPr/>
+          <p:nvPr/>
+        </p:nvGrpSpPr>
+        <p:grpSpPr>
+          <a:xfrm>
+            <a:off x="10697542" y="1280696"/>
+            <a:ext cx="1038027" cy="1804941"/>
+            <a:chOff x="9222950" y="1485878"/>
+            <a:chExt cx="1038027" cy="1804941"/>
+          </a:xfrm>
+        </p:grpSpPr>
+        <p:pic>
+          <p:nvPicPr>
+            <p:cNvPr id="20" name="Picture 19" descr="A person wearing a hat&#10;&#10;Description automatically generated with medium confidence">
+              <a:extLst>
+                <a:ext uri="{FF2B5EF4-FFF2-40B4-BE49-F238E27FC236}">
+                  <a16:creationId xmlns:a16="http://schemas.microsoft.com/office/drawing/2014/main" id="{CF220246-2105-44DD-A18C-204D499E2147}"/>
+                </a:ext>
+              </a:extLst>
+            </p:cNvPr>
+            <p:cNvPicPr>
+              <a:picLocks noChangeAspect="1"/>
+            </p:cNvPicPr>
+            <p:nvPr/>
+          </p:nvPicPr>
+          <p:blipFill rotWithShape="1">
+            <a:blip r:embed="rId6">
+              <a:extLst>
+                <a:ext uri="{28A0092B-C50C-407E-A947-70E740481C1C}">
+                  <a14:useLocalDpi xmlns:a14="http://schemas.microsoft.com/office/drawing/2010/main" val="0"/>
+                </a:ext>
+              </a:extLst>
+            </a:blip>
+            <a:srcRect l="7000" t="-1515" r="7000" b="1515"/>
+            <a:stretch/>
+          </p:blipFill>
+          <p:spPr>
+            <a:xfrm>
+              <a:off x="9222950" y="1485878"/>
+              <a:ext cx="1038027" cy="1207008"/>
+            </a:xfrm>
+            <a:prstGeom prst="rect">
+              <a:avLst/>
+            </a:prstGeom>
+          </p:spPr>
+        </p:pic>
+        <p:sp>
+          <p:nvSpPr>
+            <p:cNvPr id="21" name="TextBox 20">
+              <a:extLst>
+                <a:ext uri="{FF2B5EF4-FFF2-40B4-BE49-F238E27FC236}">
+                  <a16:creationId xmlns:a16="http://schemas.microsoft.com/office/drawing/2014/main" id="{0A1DB90E-40BD-4D7B-B068-736741C11920}"/>
+                </a:ext>
+              </a:extLst>
+            </p:cNvPr>
+            <p:cNvSpPr txBox="1"/>
+            <p:nvPr/>
+          </p:nvSpPr>
+          <p:spPr>
+            <a:xfrm>
+              <a:off x="9303381" y="2699888"/>
+              <a:ext cx="877164" cy="590931"/>
+            </a:xfrm>
+            <a:prstGeom prst="rect">
+              <a:avLst/>
+            </a:prstGeom>
+            <a:noFill/>
+          </p:spPr>
+          <p:txBody>
+            <a:bodyPr wrap="none" rtlCol="0">
+              <a:spAutoFit/>
+            </a:bodyPr>
+            <a:lstStyle/>
+            <a:p>
+              <a:pPr algn="ctr">
+                <a:lnSpc>
+                  <a:spcPct val="90000"/>
+                </a:lnSpc>
+              </a:pPr>
+              <a:r>
+                <a:rPr lang="en-US" dirty="0"/>
+                <a:t>Greg</a:t>
+              </a:r>
+            </a:p>
+            <a:p>
+              <a:pPr algn="ctr">
+                <a:lnSpc>
+                  <a:spcPct val="90000"/>
+                </a:lnSpc>
+              </a:pPr>
+              <a:r>
+                <a:rPr lang="en-US" i="1" dirty="0"/>
+                <a:t>he/him</a:t>
+              </a:r>
+            </a:p>
+          </p:txBody>
+        </p:sp>
+      </p:grpSp>
+      <p:grpSp>
+        <p:nvGrpSpPr>
+          <p:cNvPr id="22" name="Group 21">
+            <a:extLst>
+              <a:ext uri="{FF2B5EF4-FFF2-40B4-BE49-F238E27FC236}">
+                <a16:creationId xmlns:a16="http://schemas.microsoft.com/office/drawing/2014/main" id="{AC0154FC-1792-44D9-937F-1BB2AF5C68CA}"/>
+              </a:ext>
+            </a:extLst>
+          </p:cNvPr>
+          <p:cNvGrpSpPr/>
+          <p:nvPr/>
+        </p:nvGrpSpPr>
+        <p:grpSpPr>
+          <a:xfrm>
+            <a:off x="6052165" y="1280696"/>
+            <a:ext cx="1038027" cy="1797939"/>
+            <a:chOff x="4187619" y="4211394"/>
+            <a:chExt cx="1038027" cy="1797939"/>
+          </a:xfrm>
+        </p:grpSpPr>
+        <p:pic>
+          <p:nvPicPr>
+            <p:cNvPr id="23" name="Picture 22" descr="A person wearing glasses&#10;&#10;Description automatically generated with low confidence">
+              <a:extLst>
+                <a:ext uri="{FF2B5EF4-FFF2-40B4-BE49-F238E27FC236}">
+                  <a16:creationId xmlns:a16="http://schemas.microsoft.com/office/drawing/2014/main" id="{74A97466-69A1-4AB0-8DE7-4A617C2B9D52}"/>
+                </a:ext>
+              </a:extLst>
+            </p:cNvPr>
+            <p:cNvPicPr>
+              <a:picLocks noChangeAspect="1"/>
+            </p:cNvPicPr>
+            <p:nvPr/>
+          </p:nvPicPr>
+          <p:blipFill rotWithShape="1">
+            <a:blip r:embed="rId7" cstate="print">
+              <a:extLst>
+                <a:ext uri="{28A0092B-C50C-407E-A947-70E740481C1C}">
+                  <a14:useLocalDpi xmlns:a14="http://schemas.microsoft.com/office/drawing/2010/main" val="0"/>
+                </a:ext>
+              </a:extLst>
+            </a:blip>
+            <a:srcRect l="8053" t="854" r="5947" b="-854"/>
+            <a:stretch/>
+          </p:blipFill>
+          <p:spPr>
+            <a:xfrm>
+              <a:off x="4187619" y="4211394"/>
+              <a:ext cx="1038027" cy="1207008"/>
+            </a:xfrm>
+            <a:prstGeom prst="rect">
+              <a:avLst/>
+            </a:prstGeom>
+          </p:spPr>
+        </p:pic>
+        <p:sp>
+          <p:nvSpPr>
+            <p:cNvPr id="24" name="TextBox 23">
+              <a:extLst>
+                <a:ext uri="{FF2B5EF4-FFF2-40B4-BE49-F238E27FC236}">
+                  <a16:creationId xmlns:a16="http://schemas.microsoft.com/office/drawing/2014/main" id="{B27114CE-9182-4B73-8E67-9E088169590C}"/>
+                </a:ext>
+              </a:extLst>
+            </p:cNvPr>
+            <p:cNvSpPr txBox="1"/>
+            <p:nvPr/>
+          </p:nvSpPr>
+          <p:spPr>
+            <a:xfrm>
+              <a:off x="4268051" y="5418402"/>
+              <a:ext cx="877163" cy="590931"/>
+            </a:xfrm>
+            <a:prstGeom prst="rect">
+              <a:avLst/>
+            </a:prstGeom>
+            <a:noFill/>
+          </p:spPr>
+          <p:txBody>
+            <a:bodyPr wrap="none" rtlCol="0">
+              <a:spAutoFit/>
+            </a:bodyPr>
+            <a:lstStyle/>
+            <a:p>
+              <a:pPr algn="ctr">
+                <a:lnSpc>
+                  <a:spcPct val="90000"/>
+                </a:lnSpc>
+              </a:pPr>
+              <a:r>
+                <a:rPr lang="en-US" dirty="0"/>
+                <a:t>David</a:t>
+              </a:r>
+            </a:p>
+            <a:p>
+              <a:pPr algn="ctr">
+                <a:lnSpc>
+                  <a:spcPct val="90000"/>
+                </a:lnSpc>
+              </a:pPr>
+              <a:r>
+                <a:rPr lang="en-US" i="1" dirty="0"/>
+                <a:t>he/him</a:t>
+              </a:r>
+            </a:p>
+          </p:txBody>
+        </p:sp>
       </p:grpSp>
     </p:spTree>
     <p:extLst>
@@ -9753,7 +9877,7 @@
             </a:pPr>
             <a:r>
               <a:rPr lang="en-US" dirty="0"/>
-              <a:t>We do not have time in the agenda for the hands-on activities, but feel free to work on them outside of the tutorial.  We’ll give feedback on pull requests and issues filed (or email us, see next slide).</a:t>
+              <a:t>We have some time in the agenda for the hands-on activities, but feel free to continue to work on them outside of the tutorial.  We’ll give feedback on pull requests and issues filed (or email us, see next slide).</a:t>
             </a:r>
           </a:p>
           <a:p>
@@ -10997,18 +11121,18 @@
 </file>
 
 <file path=customXml/item2.xml><?xml version="1.0" encoding="utf-8"?>
-<p:properties xmlns:p="http://schemas.microsoft.com/office/2006/metadata/properties" xmlns:xsi="http://www.w3.org/2001/XMLSchema-instance" xmlns:pc="http://schemas.microsoft.com/office/infopath/2007/PartnerControls">
-  <documentManagement/>
-</p:properties>
-</file>
-
-<file path=customXml/item3.xml><?xml version="1.0" encoding="utf-8"?>
 <?mso-contentType ?>
 <FormTemplates xmlns="http://schemas.microsoft.com/sharepoint/v3/contenttype/forms">
   <Display>DocumentLibraryForm</Display>
   <Edit>DocumentLibraryForm</Edit>
   <New>DocumentLibraryForm</New>
 </FormTemplates>
+</file>
+
+<file path=customXml/item3.xml><?xml version="1.0" encoding="utf-8"?>
+<p:properties xmlns:p="http://schemas.microsoft.com/office/2006/metadata/properties" xmlns:xsi="http://www.w3.org/2001/XMLSchema-instance" xmlns:pc="http://schemas.microsoft.com/office/infopath/2007/PartnerControls">
+  <documentManagement/>
+</p:properties>
 </file>
 
 <file path=customXml/itemProps1.xml><?xml version="1.0" encoding="utf-8"?>
@@ -11027,6 +11151,14 @@
 </file>
 
 <file path=customXml/itemProps2.xml><?xml version="1.0" encoding="utf-8"?>
+<ds:datastoreItem xmlns:ds="http://schemas.openxmlformats.org/officeDocument/2006/customXml" ds:itemID="{19E20559-B232-4371-8690-E3D8007EDB82}">
+  <ds:schemaRefs>
+    <ds:schemaRef ds:uri="http://schemas.microsoft.com/sharepoint/v3/contenttype/forms"/>
+  </ds:schemaRefs>
+</ds:datastoreItem>
+</file>
+
+<file path=customXml/itemProps3.xml><?xml version="1.0" encoding="utf-8"?>
 <ds:datastoreItem xmlns:ds="http://schemas.openxmlformats.org/officeDocument/2006/customXml" ds:itemID="{A50EC660-24D0-43A0-AE5E-E274115E726B}">
   <ds:schemaRefs>
     <ds:schemaRef ds:uri="http://purl.org/dc/elements/1.1/"/>
@@ -11039,12 +11171,4 @@
     <ds:schemaRef ds:uri="http://schemas.microsoft.com/office/infopath/2007/PartnerControls"/>
   </ds:schemaRefs>
 </ds:datastoreItem>
-</file>
-
-<file path=customXml/itemProps3.xml><?xml version="1.0" encoding="utf-8"?>
-<ds:datastoreItem xmlns:ds="http://schemas.openxmlformats.org/officeDocument/2006/customXml" ds:itemID="{19E20559-B232-4371-8690-E3D8007EDB82}">
-  <ds:schemaRefs>
-    <ds:schemaRef ds:uri="http://schemas.microsoft.com/sharepoint/v3/contenttype/forms"/>
-  </ds:schemaRefs>
-</ds:datastoreItem>
 </file>
--- a/intro.pptx
+++ b/intro.pptx
@@ -262,7 +262,7 @@
           <a:p>
             <a:fld id="{0B842F42-2CE9-4E35-95C1-410DC08A50B1}" type="datetimeFigureOut">
               <a:rPr lang="en-US" smtClean="0"/>
-              <a:t>9/1/2021</a:t>
+              <a:t>9/2/2021</a:t>
             </a:fld>
             <a:endParaRPr lang="en-US"/>
           </a:p>
@@ -427,7 +427,7 @@
           <a:p>
             <a:fld id="{6F282904-F315-4730-8D91-37D99E141A6F}" type="datetimeFigureOut">
               <a:rPr lang="en-US" smtClean="0"/>
-              <a:t>9/1/2021</a:t>
+              <a:t>9/2/2021</a:t>
             </a:fld>
             <a:endParaRPr lang="en-US"/>
           </a:p>
@@ -4610,8 +4610,12 @@
               </a:spcBef>
             </a:pPr>
             <a:r>
+              <a:rPr lang="en-US"/>
+              <a:t>Greg Watson, </a:t>
+            </a:r>
+            <a:r>
               <a:rPr lang="en-US" dirty="0"/>
-              <a:t>Greg Rogers, ORNL</a:t>
+              <a:t>ORNL</a:t>
             </a:r>
           </a:p>
           <a:p>
@@ -11072,6 +11076,21 @@
 </file>
 
 <file path=customXml/item1.xml><?xml version="1.0" encoding="utf-8"?>
+<p:properties xmlns:p="http://schemas.microsoft.com/office/2006/metadata/properties" xmlns:xsi="http://www.w3.org/2001/XMLSchema-instance" xmlns:pc="http://schemas.microsoft.com/office/infopath/2007/PartnerControls">
+  <documentManagement/>
+</p:properties>
+</file>
+
+<file path=customXml/item2.xml><?xml version="1.0" encoding="utf-8"?>
+<?mso-contentType ?>
+<FormTemplates xmlns="http://schemas.microsoft.com/sharepoint/v3/contenttype/forms">
+  <Display>DocumentLibraryForm</Display>
+  <Edit>DocumentLibraryForm</Edit>
+  <New>DocumentLibraryForm</New>
+</FormTemplates>
+</file>
+
+<file path=customXml/item3.xml><?xml version="1.0" encoding="utf-8"?>
 <ct:contentTypeSchema xmlns:ct="http://schemas.microsoft.com/office/2006/metadata/contentType" xmlns:ma="http://schemas.microsoft.com/office/2006/metadata/properties/metaAttributes" ct:_="" ma:_="" ma:contentTypeName="Document" ma:contentTypeID="0x010100565464437F680748A68B85EB6594EA7D" ma:contentTypeVersion="0" ma:contentTypeDescription="Create a new document." ma:contentTypeScope="" ma:versionID="fe3f4dd58d5914c51cfc6deaa8ad845c">
   <xsd:schema xmlns:xsd="http://www.w3.org/2001/XMLSchema" xmlns:p="http://schemas.microsoft.com/office/2006/metadata/properties" targetNamespace="http://schemas.microsoft.com/office/2006/metadata/properties" ma:root="true" ma:fieldsID="4aeb20c0e3442673af7ee10786458764">
     <xsd:element name="properties">
@@ -11120,32 +11139,17 @@
 </ct:contentTypeSchema>
 </file>
 
-<file path=customXml/item2.xml><?xml version="1.0" encoding="utf-8"?>
-<?mso-contentType ?>
-<FormTemplates xmlns="http://schemas.microsoft.com/sharepoint/v3/contenttype/forms">
-  <Display>DocumentLibraryForm</Display>
-  <Edit>DocumentLibraryForm</Edit>
-  <New>DocumentLibraryForm</New>
-</FormTemplates>
-</file>
-
-<file path=customXml/item3.xml><?xml version="1.0" encoding="utf-8"?>
-<p:properties xmlns:p="http://schemas.microsoft.com/office/2006/metadata/properties" xmlns:xsi="http://www.w3.org/2001/XMLSchema-instance" xmlns:pc="http://schemas.microsoft.com/office/infopath/2007/PartnerControls">
-  <documentManagement/>
-</p:properties>
-</file>
-
 <file path=customXml/itemProps1.xml><?xml version="1.0" encoding="utf-8"?>
-<ds:datastoreItem xmlns:ds="http://schemas.openxmlformats.org/officeDocument/2006/customXml" ds:itemID="{E8DB7DEB-074E-4EE8-9B6E-FD277323109C}">
+<ds:datastoreItem xmlns:ds="http://schemas.openxmlformats.org/officeDocument/2006/customXml" ds:itemID="{A50EC660-24D0-43A0-AE5E-E274115E726B}">
   <ds:schemaRefs>
-    <ds:schemaRef ds:uri="http://schemas.microsoft.com/office/2006/metadata/contentType"/>
-    <ds:schemaRef ds:uri="http://schemas.microsoft.com/office/2006/metadata/properties/metaAttributes"/>
-    <ds:schemaRef ds:uri="http://www.w3.org/2001/XMLSchema"/>
+    <ds:schemaRef ds:uri="http://purl.org/dc/elements/1.1/"/>
     <ds:schemaRef ds:uri="http://schemas.microsoft.com/office/2006/metadata/properties"/>
+    <ds:schemaRef ds:uri="http://purl.org/dc/terms/"/>
     <ds:schemaRef ds:uri="http://schemas.openxmlformats.org/package/2006/metadata/core-properties"/>
-    <ds:schemaRef ds:uri="http://purl.org/dc/elements/1.1/"/>
-    <ds:schemaRef ds:uri="http://purl.org/dc/terms/"/>
-    <ds:schemaRef ds:uri="http://schemas.microsoft.com/office/internal/2005/internalDocumentation"/>
+    <ds:schemaRef ds:uri="http://schemas.microsoft.com/office/2006/documentManagement/types"/>
+    <ds:schemaRef ds:uri="http://www.w3.org/XML/1998/namespace"/>
+    <ds:schemaRef ds:uri="http://purl.org/dc/dcmitype/"/>
+    <ds:schemaRef ds:uri="http://schemas.microsoft.com/office/infopath/2007/PartnerControls"/>
   </ds:schemaRefs>
 </ds:datastoreItem>
 </file>
@@ -11159,16 +11163,16 @@
 </file>
 
 <file path=customXml/itemProps3.xml><?xml version="1.0" encoding="utf-8"?>
-<ds:datastoreItem xmlns:ds="http://schemas.openxmlformats.org/officeDocument/2006/customXml" ds:itemID="{A50EC660-24D0-43A0-AE5E-E274115E726B}">
+<ds:datastoreItem xmlns:ds="http://schemas.openxmlformats.org/officeDocument/2006/customXml" ds:itemID="{E8DB7DEB-074E-4EE8-9B6E-FD277323109C}">
   <ds:schemaRefs>
+    <ds:schemaRef ds:uri="http://schemas.microsoft.com/office/2006/metadata/contentType"/>
+    <ds:schemaRef ds:uri="http://schemas.microsoft.com/office/2006/metadata/properties/metaAttributes"/>
+    <ds:schemaRef ds:uri="http://www.w3.org/2001/XMLSchema"/>
+    <ds:schemaRef ds:uri="http://schemas.microsoft.com/office/2006/metadata/properties"/>
+    <ds:schemaRef ds:uri="http://schemas.openxmlformats.org/package/2006/metadata/core-properties"/>
     <ds:schemaRef ds:uri="http://purl.org/dc/elements/1.1/"/>
-    <ds:schemaRef ds:uri="http://schemas.microsoft.com/office/2006/metadata/properties"/>
     <ds:schemaRef ds:uri="http://purl.org/dc/terms/"/>
-    <ds:schemaRef ds:uri="http://schemas.openxmlformats.org/package/2006/metadata/core-properties"/>
-    <ds:schemaRef ds:uri="http://schemas.microsoft.com/office/2006/documentManagement/types"/>
-    <ds:schemaRef ds:uri="http://www.w3.org/XML/1998/namespace"/>
-    <ds:schemaRef ds:uri="http://purl.org/dc/dcmitype/"/>
-    <ds:schemaRef ds:uri="http://schemas.microsoft.com/office/infopath/2007/PartnerControls"/>
+    <ds:schemaRef ds:uri="http://schemas.microsoft.com/office/internal/2005/internalDocumentation"/>
   </ds:schemaRefs>
 </ds:datastoreItem>
 </file>
--- a/intro.pptx
+++ b/intro.pptx
@@ -5,10 +5,10 @@
     <p:sldMasterId id="2147483935" r:id="rId4"/>
   </p:sldMasterIdLst>
   <p:notesMasterIdLst>
-    <p:notesMasterId r:id="rId13"/>
+    <p:notesMasterId r:id="rId14"/>
   </p:notesMasterIdLst>
   <p:handoutMasterIdLst>
-    <p:handoutMasterId r:id="rId14"/>
+    <p:handoutMasterId r:id="rId15"/>
   </p:handoutMasterIdLst>
   <p:sldIdLst>
     <p:sldId id="617" r:id="rId5"/>
@@ -19,6 +19,7 @@
     <p:sldId id="329" r:id="rId10"/>
     <p:sldId id="314" r:id="rId11"/>
     <p:sldId id="616" r:id="rId12"/>
+    <p:sldId id="619" r:id="rId13"/>
   </p:sldIdLst>
   <p:sldSz cx="12188825" cy="6858000"/>
   <p:notesSz cx="7010400" cy="9296400"/>
@@ -262,7 +263,7 @@
           <a:p>
             <a:fld id="{0B842F42-2CE9-4E35-95C1-410DC08A50B1}" type="datetimeFigureOut">
               <a:rPr lang="en-US" smtClean="0"/>
-              <a:t>9/2/2021</a:t>
+              <a:t>9/24/2021</a:t>
             </a:fld>
             <a:endParaRPr lang="en-US"/>
           </a:p>
@@ -427,7 +428,7 @@
           <a:p>
             <a:fld id="{6F282904-F315-4730-8D91-37D99E141A6F}" type="datetimeFigureOut">
               <a:rPr lang="en-US" smtClean="0"/>
-              <a:t>9/2/2021</a:t>
+              <a:t>9/24/2021</a:t>
             </a:fld>
             <a:endParaRPr lang="en-US"/>
           </a:p>
@@ -10163,6 +10164,174 @@
 </p:sld>
 </file>
 
+<file path=ppt/slides/slide9.xml><?xml version="1.0" encoding="utf-8"?>
+<p:sld xmlns:a="http://schemas.openxmlformats.org/drawingml/2006/main" xmlns:r="http://schemas.openxmlformats.org/officeDocument/2006/relationships" xmlns:p="http://schemas.openxmlformats.org/presentationml/2006/main">
+  <p:cSld>
+    <p:spTree>
+      <p:nvGrpSpPr>
+        <p:cNvPr id="1" name=""/>
+        <p:cNvGrpSpPr/>
+        <p:nvPr/>
+      </p:nvGrpSpPr>
+      <p:grpSpPr>
+        <a:xfrm>
+          <a:off x="0" y="0"/>
+          <a:ext cx="0" cy="0"/>
+          <a:chOff x="0" y="0"/>
+          <a:chExt cx="0" cy="0"/>
+        </a:xfrm>
+      </p:grpSpPr>
+      <p:sp>
+        <p:nvSpPr>
+          <p:cNvPr id="2" name="Title 1">
+            <a:extLst>
+              <a:ext uri="{FF2B5EF4-FFF2-40B4-BE49-F238E27FC236}">
+                <a16:creationId xmlns:a16="http://schemas.microsoft.com/office/drawing/2014/main" id="{92FBE35E-77C5-46DD-9F5D-290B55BEC8BD}"/>
+              </a:ext>
+            </a:extLst>
+          </p:cNvPr>
+          <p:cNvSpPr>
+            <a:spLocks noGrp="1"/>
+          </p:cNvSpPr>
+          <p:nvPr>
+            <p:ph type="title"/>
+          </p:nvPr>
+        </p:nvSpPr>
+        <p:spPr/>
+        <p:txBody>
+          <a:bodyPr/>
+          <a:lstStyle/>
+          <a:p>
+            <a:r>
+              <a:rPr lang="en-US" dirty="0"/>
+              <a:t>The Importance of Naming</a:t>
+            </a:r>
+          </a:p>
+        </p:txBody>
+      </p:sp>
+      <p:sp>
+        <p:nvSpPr>
+          <p:cNvPr id="3" name="Content Placeholder 2">
+            <a:extLst>
+              <a:ext uri="{FF2B5EF4-FFF2-40B4-BE49-F238E27FC236}">
+                <a16:creationId xmlns:a16="http://schemas.microsoft.com/office/drawing/2014/main" id="{0570DD6F-C774-41C2-BFA4-30EE69373698}"/>
+              </a:ext>
+            </a:extLst>
+          </p:cNvPr>
+          <p:cNvSpPr>
+            <a:spLocks noGrp="1"/>
+          </p:cNvSpPr>
+          <p:nvPr>
+            <p:ph idx="1"/>
+          </p:nvPr>
+        </p:nvSpPr>
+        <p:spPr>
+          <a:xfrm>
+            <a:off x="365760" y="1231518"/>
+            <a:ext cx="11369809" cy="4047778"/>
+          </a:xfrm>
+        </p:spPr>
+        <p:txBody>
+          <a:bodyPr/>
+          <a:lstStyle/>
+          <a:p>
+            <a:r>
+              <a:rPr lang="en-US" dirty="0"/>
+              <a:t>Computing is rife with terminology that many consider harmful and exclusionary</a:t>
+            </a:r>
+          </a:p>
+          <a:p>
+            <a:pPr lvl="1"/>
+            <a:r>
+              <a:rPr lang="en-US" dirty="0"/>
+              <a:t>Examples include: whitelist/blacklist, master/slave, and master (standalone)</a:t>
+            </a:r>
+          </a:p>
+          <a:p>
+            <a:r>
+              <a:rPr lang="en-US" dirty="0"/>
+              <a:t>We support efforts to </a:t>
+            </a:r>
+            <a:r>
+              <a:rPr lang="en-US"/>
+              <a:t>replace such </a:t>
+            </a:r>
+            <a:r>
+              <a:rPr lang="en-US" dirty="0"/>
+              <a:t>language with more inclusive language</a:t>
+            </a:r>
+          </a:p>
+          <a:p>
+            <a:r>
+              <a:rPr lang="en-US" dirty="0"/>
+              <a:t>In this tutorial, we strive to use inclusive language</a:t>
+            </a:r>
+          </a:p>
+          <a:p>
+            <a:pPr lvl="1"/>
+            <a:r>
+              <a:rPr lang="en-US" dirty="0"/>
+              <a:t>Example: we use “main” for the default git branch, even where outside sources we reference may use “master”</a:t>
+            </a:r>
+          </a:p>
+          <a:p>
+            <a:r>
+              <a:rPr lang="en-US" dirty="0"/>
+              <a:t>If you note anything in our materials that you consider harmful or exclusionary, please bring it to our attention so we can change it</a:t>
+            </a:r>
+          </a:p>
+          <a:p>
+            <a:r>
+              <a:rPr lang="en-US" dirty="0"/>
+              <a:t>Additional information:</a:t>
+            </a:r>
+          </a:p>
+          <a:p>
+            <a:pPr lvl="1"/>
+            <a:r>
+              <a:rPr lang="en-US" dirty="0"/>
+              <a:t>The </a:t>
+            </a:r>
+            <a:r>
+              <a:rPr lang="en-US" dirty="0">
+                <a:hlinkClick r:id="rId2"/>
+              </a:rPr>
+              <a:t>Inclusive Naming Initiative</a:t>
+            </a:r>
+            <a:endParaRPr lang="en-US" dirty="0"/>
+          </a:p>
+          <a:p>
+            <a:pPr lvl="1"/>
+            <a:r>
+              <a:rPr lang="en-US" dirty="0"/>
+              <a:t>The BSSw.io </a:t>
+            </a:r>
+            <a:r>
+              <a:rPr lang="en-US" dirty="0">
+                <a:hlinkClick r:id="rId3"/>
+              </a:rPr>
+              <a:t>resource on inclusive naming</a:t>
+            </a:r>
+            <a:r>
+              <a:rPr lang="en-US" dirty="0"/>
+              <a:t> provides some additional context and links</a:t>
+            </a:r>
+          </a:p>
+        </p:txBody>
+      </p:sp>
+    </p:spTree>
+    <p:extLst>
+      <p:ext uri="{BB962C8B-B14F-4D97-AF65-F5344CB8AC3E}">
+        <p14:creationId xmlns:p14="http://schemas.microsoft.com/office/powerpoint/2010/main" val="3064435251"/>
+      </p:ext>
+    </p:extLst>
+  </p:cSld>
+  <p:clrMapOvr>
+    <a:masterClrMapping/>
+  </p:clrMapOvr>
+</p:sld>
+</file>
+
 <file path=ppt/theme/theme1.xml><?xml version="1.0" encoding="utf-8"?>
 <a:theme xmlns:a="http://schemas.openxmlformats.org/drawingml/2006/main" name="Presentations (Wide Screen)">
   <a:themeElements>
@@ -11076,21 +11245,6 @@
 </file>
 
 <file path=customXml/item1.xml><?xml version="1.0" encoding="utf-8"?>
-<p:properties xmlns:p="http://schemas.microsoft.com/office/2006/metadata/properties" xmlns:xsi="http://www.w3.org/2001/XMLSchema-instance" xmlns:pc="http://schemas.microsoft.com/office/infopath/2007/PartnerControls">
-  <documentManagement/>
-</p:properties>
-</file>
-
-<file path=customXml/item2.xml><?xml version="1.0" encoding="utf-8"?>
-<?mso-contentType ?>
-<FormTemplates xmlns="http://schemas.microsoft.com/sharepoint/v3/contenttype/forms">
-  <Display>DocumentLibraryForm</Display>
-  <Edit>DocumentLibraryForm</Edit>
-  <New>DocumentLibraryForm</New>
-</FormTemplates>
-</file>
-
-<file path=customXml/item3.xml><?xml version="1.0" encoding="utf-8"?>
 <ct:contentTypeSchema xmlns:ct="http://schemas.microsoft.com/office/2006/metadata/contentType" xmlns:ma="http://schemas.microsoft.com/office/2006/metadata/properties/metaAttributes" ct:_="" ma:_="" ma:contentTypeName="Document" ma:contentTypeID="0x010100565464437F680748A68B85EB6594EA7D" ma:contentTypeVersion="0" ma:contentTypeDescription="Create a new document." ma:contentTypeScope="" ma:versionID="fe3f4dd58d5914c51cfc6deaa8ad845c">
   <xsd:schema xmlns:xsd="http://www.w3.org/2001/XMLSchema" xmlns:p="http://schemas.microsoft.com/office/2006/metadata/properties" targetNamespace="http://schemas.microsoft.com/office/2006/metadata/properties" ma:root="true" ma:fieldsID="4aeb20c0e3442673af7ee10786458764">
     <xsd:element name="properties">
@@ -11139,17 +11293,32 @@
 </ct:contentTypeSchema>
 </file>
 
+<file path=customXml/item2.xml><?xml version="1.0" encoding="utf-8"?>
+<?mso-contentType ?>
+<FormTemplates xmlns="http://schemas.microsoft.com/sharepoint/v3/contenttype/forms">
+  <Display>DocumentLibraryForm</Display>
+  <Edit>DocumentLibraryForm</Edit>
+  <New>DocumentLibraryForm</New>
+</FormTemplates>
+</file>
+
+<file path=customXml/item3.xml><?xml version="1.0" encoding="utf-8"?>
+<p:properties xmlns:p="http://schemas.microsoft.com/office/2006/metadata/properties" xmlns:xsi="http://www.w3.org/2001/XMLSchema-instance" xmlns:pc="http://schemas.microsoft.com/office/infopath/2007/PartnerControls">
+  <documentManagement/>
+</p:properties>
+</file>
+
 <file path=customXml/itemProps1.xml><?xml version="1.0" encoding="utf-8"?>
-<ds:datastoreItem xmlns:ds="http://schemas.openxmlformats.org/officeDocument/2006/customXml" ds:itemID="{A50EC660-24D0-43A0-AE5E-E274115E726B}">
+<ds:datastoreItem xmlns:ds="http://schemas.openxmlformats.org/officeDocument/2006/customXml" ds:itemID="{E8DB7DEB-074E-4EE8-9B6E-FD277323109C}">
   <ds:schemaRefs>
+    <ds:schemaRef ds:uri="http://schemas.microsoft.com/office/2006/metadata/contentType"/>
+    <ds:schemaRef ds:uri="http://schemas.microsoft.com/office/2006/metadata/properties/metaAttributes"/>
+    <ds:schemaRef ds:uri="http://www.w3.org/2001/XMLSchema"/>
+    <ds:schemaRef ds:uri="http://schemas.microsoft.com/office/2006/metadata/properties"/>
+    <ds:schemaRef ds:uri="http://schemas.openxmlformats.org/package/2006/metadata/core-properties"/>
     <ds:schemaRef ds:uri="http://purl.org/dc/elements/1.1/"/>
-    <ds:schemaRef ds:uri="http://schemas.microsoft.com/office/2006/metadata/properties"/>
     <ds:schemaRef ds:uri="http://purl.org/dc/terms/"/>
-    <ds:schemaRef ds:uri="http://schemas.openxmlformats.org/package/2006/metadata/core-properties"/>
-    <ds:schemaRef ds:uri="http://schemas.microsoft.com/office/2006/documentManagement/types"/>
-    <ds:schemaRef ds:uri="http://www.w3.org/XML/1998/namespace"/>
-    <ds:schemaRef ds:uri="http://purl.org/dc/dcmitype/"/>
-    <ds:schemaRef ds:uri="http://schemas.microsoft.com/office/infopath/2007/PartnerControls"/>
+    <ds:schemaRef ds:uri="http://schemas.microsoft.com/office/internal/2005/internalDocumentation"/>
   </ds:schemaRefs>
 </ds:datastoreItem>
 </file>
@@ -11163,16 +11332,16 @@
 </file>
 
 <file path=customXml/itemProps3.xml><?xml version="1.0" encoding="utf-8"?>
-<ds:datastoreItem xmlns:ds="http://schemas.openxmlformats.org/officeDocument/2006/customXml" ds:itemID="{E8DB7DEB-074E-4EE8-9B6E-FD277323109C}">
+<ds:datastoreItem xmlns:ds="http://schemas.openxmlformats.org/officeDocument/2006/customXml" ds:itemID="{A50EC660-24D0-43A0-AE5E-E274115E726B}">
   <ds:schemaRefs>
-    <ds:schemaRef ds:uri="http://schemas.microsoft.com/office/2006/metadata/contentType"/>
-    <ds:schemaRef ds:uri="http://schemas.microsoft.com/office/2006/metadata/properties/metaAttributes"/>
-    <ds:schemaRef ds:uri="http://www.w3.org/2001/XMLSchema"/>
+    <ds:schemaRef ds:uri="http://purl.org/dc/elements/1.1/"/>
     <ds:schemaRef ds:uri="http://schemas.microsoft.com/office/2006/metadata/properties"/>
+    <ds:schemaRef ds:uri="http://purl.org/dc/terms/"/>
     <ds:schemaRef ds:uri="http://schemas.openxmlformats.org/package/2006/metadata/core-properties"/>
-    <ds:schemaRef ds:uri="http://purl.org/dc/elements/1.1/"/>
-    <ds:schemaRef ds:uri="http://purl.org/dc/terms/"/>
-    <ds:schemaRef ds:uri="http://schemas.microsoft.com/office/internal/2005/internalDocumentation"/>
+    <ds:schemaRef ds:uri="http://schemas.microsoft.com/office/2006/documentManagement/types"/>
+    <ds:schemaRef ds:uri="http://www.w3.org/XML/1998/namespace"/>
+    <ds:schemaRef ds:uri="http://purl.org/dc/dcmitype/"/>
+    <ds:schemaRef ds:uri="http://schemas.microsoft.com/office/infopath/2007/PartnerControls"/>
   </ds:schemaRefs>
 </ds:datastoreItem>
 </file>
--- a/intro.pptx
+++ b/intro.pptx
@@ -263,7 +263,7 @@
           <a:p>
             <a:fld id="{0B842F42-2CE9-4E35-95C1-410DC08A50B1}" type="datetimeFigureOut">
               <a:rPr lang="en-US" smtClean="0"/>
-              <a:t>9/24/2021</a:t>
+              <a:t>10/8/2021</a:t>
             </a:fld>
             <a:endParaRPr lang="en-US"/>
           </a:p>
@@ -428,7 +428,7 @@
           <a:p>
             <a:fld id="{6F282904-F315-4730-8D91-37D99E141A6F}" type="datetimeFigureOut">
               <a:rPr lang="en-US" smtClean="0"/>
-              <a:t>9/24/2021</a:t>
+              <a:t>10/8/2021</a:t>
             </a:fld>
             <a:endParaRPr lang="en-US"/>
           </a:p>
@@ -10044,7 +10044,7 @@
             </a:pPr>
             <a:r>
               <a:rPr lang="en-US" dirty="0"/>
-              <a:t>We learn too</a:t>
+              <a:t>We learn too!</a:t>
             </a:r>
           </a:p>
           <a:p>
@@ -10055,7 +10055,26 @@
             </a:pPr>
             <a:r>
               <a:rPr lang="en-US" dirty="0"/>
-              <a:t>Please use chat to ask questions at any time (and we’ll stop for questions as time permits)</a:t>
+              <a:t>Please use Zoom chat to ask questions at any time</a:t>
+            </a:r>
+          </a:p>
+          <a:p>
+            <a:pPr>
+              <a:spcBef>
+                <a:spcPts val="1800"/>
+              </a:spcBef>
+            </a:pPr>
+            <a:r>
+              <a:rPr lang="en-US" dirty="0"/>
+              <a:t>We will hang around in Zoom during breaks and lunch for </a:t>
+            </a:r>
+            <a:r>
+              <a:rPr lang="en-US" u="sng" dirty="0"/>
+              <a:t>live</a:t>
+            </a:r>
+            <a:r>
+              <a:rPr lang="en-US" dirty="0"/>
+              <a:t> Q&amp;A/discussions with anyone interested</a:t>
             </a:r>
           </a:p>
           <a:p>
@@ -10066,29 +10085,7 @@
             </a:pPr>
             <a:r>
               <a:rPr lang="en-US" dirty="0"/>
-              <a:t>We will answer in in the chat or verbally</a:t>
-            </a:r>
-          </a:p>
-          <a:p>
-            <a:pPr lvl="1">
-              <a:spcBef>
-                <a:spcPts val="400"/>
-              </a:spcBef>
-            </a:pPr>
-            <a:r>
-              <a:rPr lang="en-US" dirty="0"/>
-              <a:t>We will answer as many as we can</a:t>
-            </a:r>
-          </a:p>
-          <a:p>
-            <a:pPr lvl="2">
-              <a:spcBef>
-                <a:spcPts val="400"/>
-              </a:spcBef>
-            </a:pPr>
-            <a:r>
-              <a:rPr lang="en-US" dirty="0"/>
-              <a:t>If we don’t get to your question, follow up with us afterwards</a:t>
+              <a:t>Also during the hands-on session</a:t>
             </a:r>
           </a:p>
           <a:p>
@@ -10250,15 +10247,7 @@
           <a:p>
             <a:r>
               <a:rPr lang="en-US" dirty="0"/>
-              <a:t>We support efforts to </a:t>
-            </a:r>
-            <a:r>
-              <a:rPr lang="en-US"/>
-              <a:t>replace such </a:t>
-            </a:r>
-            <a:r>
-              <a:rPr lang="en-US" dirty="0"/>
-              <a:t>language with more inclusive language</a:t>
+              <a:t>We support efforts to replace such language with more inclusive language</a:t>
             </a:r>
           </a:p>
           <a:p>
@@ -10277,7 +10266,7 @@
           <a:p>
             <a:r>
               <a:rPr lang="en-US" dirty="0"/>
-              <a:t>If you note anything in our materials that you consider harmful or exclusionary, please bring it to our attention so we can change it</a:t>
+              <a:t>We welcome suggestions for further improvements in our tutorial</a:t>
             </a:r>
           </a:p>
           <a:p>
@@ -11245,6 +11234,21 @@
 </file>
 
 <file path=customXml/item1.xml><?xml version="1.0" encoding="utf-8"?>
+<p:properties xmlns:p="http://schemas.microsoft.com/office/2006/metadata/properties" xmlns:xsi="http://www.w3.org/2001/XMLSchema-instance" xmlns:pc="http://schemas.microsoft.com/office/infopath/2007/PartnerControls">
+  <documentManagement/>
+</p:properties>
+</file>
+
+<file path=customXml/item2.xml><?xml version="1.0" encoding="utf-8"?>
+<?mso-contentType ?>
+<FormTemplates xmlns="http://schemas.microsoft.com/sharepoint/v3/contenttype/forms">
+  <Display>DocumentLibraryForm</Display>
+  <Edit>DocumentLibraryForm</Edit>
+  <New>DocumentLibraryForm</New>
+</FormTemplates>
+</file>
+
+<file path=customXml/item3.xml><?xml version="1.0" encoding="utf-8"?>
 <ct:contentTypeSchema xmlns:ct="http://schemas.microsoft.com/office/2006/metadata/contentType" xmlns:ma="http://schemas.microsoft.com/office/2006/metadata/properties/metaAttributes" ct:_="" ma:_="" ma:contentTypeName="Document" ma:contentTypeID="0x010100565464437F680748A68B85EB6594EA7D" ma:contentTypeVersion="0" ma:contentTypeDescription="Create a new document." ma:contentTypeScope="" ma:versionID="fe3f4dd58d5914c51cfc6deaa8ad845c">
   <xsd:schema xmlns:xsd="http://www.w3.org/2001/XMLSchema" xmlns:p="http://schemas.microsoft.com/office/2006/metadata/properties" targetNamespace="http://schemas.microsoft.com/office/2006/metadata/properties" ma:root="true" ma:fieldsID="4aeb20c0e3442673af7ee10786458764">
     <xsd:element name="properties">
@@ -11293,32 +11297,17 @@
 </ct:contentTypeSchema>
 </file>
 
-<file path=customXml/item2.xml><?xml version="1.0" encoding="utf-8"?>
-<?mso-contentType ?>
-<FormTemplates xmlns="http://schemas.microsoft.com/sharepoint/v3/contenttype/forms">
-  <Display>DocumentLibraryForm</Display>
-  <Edit>DocumentLibraryForm</Edit>
-  <New>DocumentLibraryForm</New>
-</FormTemplates>
-</file>
-
-<file path=customXml/item3.xml><?xml version="1.0" encoding="utf-8"?>
-<p:properties xmlns:p="http://schemas.microsoft.com/office/2006/metadata/properties" xmlns:xsi="http://www.w3.org/2001/XMLSchema-instance" xmlns:pc="http://schemas.microsoft.com/office/infopath/2007/PartnerControls">
-  <documentManagement/>
-</p:properties>
-</file>
-
 <file path=customXml/itemProps1.xml><?xml version="1.0" encoding="utf-8"?>
-<ds:datastoreItem xmlns:ds="http://schemas.openxmlformats.org/officeDocument/2006/customXml" ds:itemID="{E8DB7DEB-074E-4EE8-9B6E-FD277323109C}">
+<ds:datastoreItem xmlns:ds="http://schemas.openxmlformats.org/officeDocument/2006/customXml" ds:itemID="{A50EC660-24D0-43A0-AE5E-E274115E726B}">
   <ds:schemaRefs>
-    <ds:schemaRef ds:uri="http://schemas.microsoft.com/office/2006/metadata/contentType"/>
-    <ds:schemaRef ds:uri="http://schemas.microsoft.com/office/2006/metadata/properties/metaAttributes"/>
-    <ds:schemaRef ds:uri="http://www.w3.org/2001/XMLSchema"/>
+    <ds:schemaRef ds:uri="http://purl.org/dc/elements/1.1/"/>
     <ds:schemaRef ds:uri="http://schemas.microsoft.com/office/2006/metadata/properties"/>
+    <ds:schemaRef ds:uri="http://purl.org/dc/terms/"/>
     <ds:schemaRef ds:uri="http://schemas.openxmlformats.org/package/2006/metadata/core-properties"/>
-    <ds:schemaRef ds:uri="http://purl.org/dc/elements/1.1/"/>
-    <ds:schemaRef ds:uri="http://purl.org/dc/terms/"/>
-    <ds:schemaRef ds:uri="http://schemas.microsoft.com/office/internal/2005/internalDocumentation"/>
+    <ds:schemaRef ds:uri="http://schemas.microsoft.com/office/2006/documentManagement/types"/>
+    <ds:schemaRef ds:uri="http://www.w3.org/XML/1998/namespace"/>
+    <ds:schemaRef ds:uri="http://purl.org/dc/dcmitype/"/>
+    <ds:schemaRef ds:uri="http://schemas.microsoft.com/office/infopath/2007/PartnerControls"/>
   </ds:schemaRefs>
 </ds:datastoreItem>
 </file>
@@ -11332,16 +11321,16 @@
 </file>
 
 <file path=customXml/itemProps3.xml><?xml version="1.0" encoding="utf-8"?>
-<ds:datastoreItem xmlns:ds="http://schemas.openxmlformats.org/officeDocument/2006/customXml" ds:itemID="{A50EC660-24D0-43A0-AE5E-E274115E726B}">
+<ds:datastoreItem xmlns:ds="http://schemas.openxmlformats.org/officeDocument/2006/customXml" ds:itemID="{E8DB7DEB-074E-4EE8-9B6E-FD277323109C}">
   <ds:schemaRefs>
+    <ds:schemaRef ds:uri="http://schemas.microsoft.com/office/2006/metadata/contentType"/>
+    <ds:schemaRef ds:uri="http://schemas.microsoft.com/office/2006/metadata/properties/metaAttributes"/>
+    <ds:schemaRef ds:uri="http://www.w3.org/2001/XMLSchema"/>
+    <ds:schemaRef ds:uri="http://schemas.microsoft.com/office/2006/metadata/properties"/>
+    <ds:schemaRef ds:uri="http://schemas.openxmlformats.org/package/2006/metadata/core-properties"/>
     <ds:schemaRef ds:uri="http://purl.org/dc/elements/1.1/"/>
-    <ds:schemaRef ds:uri="http://schemas.microsoft.com/office/2006/metadata/properties"/>
     <ds:schemaRef ds:uri="http://purl.org/dc/terms/"/>
-    <ds:schemaRef ds:uri="http://schemas.openxmlformats.org/package/2006/metadata/core-properties"/>
-    <ds:schemaRef ds:uri="http://schemas.microsoft.com/office/2006/documentManagement/types"/>
-    <ds:schemaRef ds:uri="http://www.w3.org/XML/1998/namespace"/>
-    <ds:schemaRef ds:uri="http://purl.org/dc/dcmitype/"/>
-    <ds:schemaRef ds:uri="http://schemas.microsoft.com/office/infopath/2007/PartnerControls"/>
+    <ds:schemaRef ds:uri="http://schemas.microsoft.com/office/internal/2005/internalDocumentation"/>
   </ds:schemaRefs>
 </ds:datastoreItem>
 </file>
--- a/intro.pptx
+++ b/intro.pptx
@@ -5,10 +5,10 @@
     <p:sldMasterId id="2147483935" r:id="rId4"/>
   </p:sldMasterIdLst>
   <p:notesMasterIdLst>
-    <p:notesMasterId r:id="rId14"/>
+    <p:notesMasterId r:id="rId15"/>
   </p:notesMasterIdLst>
   <p:handoutMasterIdLst>
-    <p:handoutMasterId r:id="rId15"/>
+    <p:handoutMasterId r:id="rId16"/>
   </p:handoutMasterIdLst>
   <p:sldIdLst>
     <p:sldId id="617" r:id="rId5"/>
@@ -17,9 +17,10 @@
     <p:sldId id="327" r:id="rId8"/>
     <p:sldId id="324" r:id="rId9"/>
     <p:sldId id="329" r:id="rId10"/>
-    <p:sldId id="314" r:id="rId11"/>
-    <p:sldId id="616" r:id="rId12"/>
-    <p:sldId id="619" r:id="rId13"/>
+    <p:sldId id="619" r:id="rId11"/>
+    <p:sldId id="620" r:id="rId12"/>
+    <p:sldId id="314" r:id="rId13"/>
+    <p:sldId id="616" r:id="rId14"/>
   </p:sldIdLst>
   <p:sldSz cx="12188825" cy="6858000"/>
   <p:notesSz cx="7010400" cy="9296400"/>
@@ -263,7 +264,7 @@
           <a:p>
             <a:fld id="{0B842F42-2CE9-4E35-95C1-410DC08A50B1}" type="datetimeFigureOut">
               <a:rPr lang="en-US" smtClean="0"/>
-              <a:t>10/8/2021</a:t>
+              <a:t>10/10/2021</a:t>
             </a:fld>
             <a:endParaRPr lang="en-US"/>
           </a:p>
@@ -428,7 +429,7 @@
           <a:p>
             <a:fld id="{6F282904-F315-4730-8D91-37D99E141A6F}" type="datetimeFigureOut">
               <a:rPr lang="en-US" smtClean="0"/>
-              <a:t>10/8/2021</a:t>
+              <a:t>10/10/2021</a:t>
             </a:fld>
             <a:endParaRPr lang="en-US"/>
           </a:p>
@@ -4209,6 +4210,228 @@
 </p:sld>
 </file>
 
+<file path=ppt/slides/slide10.xml><?xml version="1.0" encoding="utf-8"?>
+<p:sld xmlns:a="http://schemas.openxmlformats.org/drawingml/2006/main" xmlns:r="http://schemas.openxmlformats.org/officeDocument/2006/relationships" xmlns:p="http://schemas.openxmlformats.org/presentationml/2006/main">
+  <p:cSld>
+    <p:spTree>
+      <p:nvGrpSpPr>
+        <p:cNvPr id="1" name=""/>
+        <p:cNvGrpSpPr/>
+        <p:nvPr/>
+      </p:nvGrpSpPr>
+      <p:grpSpPr>
+        <a:xfrm>
+          <a:off x="0" y="0"/>
+          <a:ext cx="0" cy="0"/>
+          <a:chOff x="0" y="0"/>
+          <a:chExt cx="0" cy="0"/>
+        </a:xfrm>
+      </p:grpSpPr>
+      <p:sp>
+        <p:nvSpPr>
+          <p:cNvPr id="2" name="Title 1">
+            <a:extLst>
+              <a:ext uri="{FF2B5EF4-FFF2-40B4-BE49-F238E27FC236}">
+                <a16:creationId xmlns:a16="http://schemas.microsoft.com/office/drawing/2014/main" id="{88D7CFF0-36AC-4BF3-96D2-C6F302144850}"/>
+              </a:ext>
+            </a:extLst>
+          </p:cNvPr>
+          <p:cNvSpPr>
+            <a:spLocks noGrp="1"/>
+          </p:cNvSpPr>
+          <p:nvPr>
+            <p:ph type="title"/>
+          </p:nvPr>
+        </p:nvSpPr>
+        <p:spPr/>
+        <p:txBody>
+          <a:bodyPr/>
+          <a:lstStyle/>
+          <a:p>
+            <a:r>
+              <a:rPr lang="en-US" dirty="0"/>
+              <a:t>We Want to Interact with You!</a:t>
+            </a:r>
+          </a:p>
+        </p:txBody>
+      </p:sp>
+      <p:sp>
+        <p:nvSpPr>
+          <p:cNvPr id="3" name="Content Placeholder 2">
+            <a:extLst>
+              <a:ext uri="{FF2B5EF4-FFF2-40B4-BE49-F238E27FC236}">
+                <a16:creationId xmlns:a16="http://schemas.microsoft.com/office/drawing/2014/main" id="{AEFD04A9-5547-4AC6-89F3-E6EEC039A00D}"/>
+              </a:ext>
+            </a:extLst>
+          </p:cNvPr>
+          <p:cNvSpPr>
+            <a:spLocks noGrp="1"/>
+          </p:cNvSpPr>
+          <p:nvPr>
+            <p:ph idx="1"/>
+          </p:nvPr>
+        </p:nvSpPr>
+        <p:spPr>
+          <a:xfrm>
+            <a:off x="365760" y="919230"/>
+            <a:ext cx="11369809" cy="4047778"/>
+          </a:xfrm>
+        </p:spPr>
+        <p:txBody>
+          <a:bodyPr/>
+          <a:lstStyle/>
+          <a:p>
+            <a:pPr>
+              <a:spcBef>
+                <a:spcPts val="1800"/>
+              </a:spcBef>
+            </a:pPr>
+            <a:r>
+              <a:rPr lang="en-US" dirty="0"/>
+              <a:t>We find these tutorials most interesting and informative (for everyone) if you ask questions and share experiences!</a:t>
+            </a:r>
+          </a:p>
+          <a:p>
+            <a:pPr lvl="1">
+              <a:spcBef>
+                <a:spcPts val="400"/>
+              </a:spcBef>
+            </a:pPr>
+            <a:r>
+              <a:rPr lang="en-US" dirty="0"/>
+              <a:t>We learn too!</a:t>
+            </a:r>
+          </a:p>
+          <a:p>
+            <a:pPr>
+              <a:spcBef>
+                <a:spcPts val="1200"/>
+              </a:spcBef>
+            </a:pPr>
+            <a:r>
+              <a:rPr lang="en-US" dirty="0"/>
+              <a:t>Please use Zoom chat to ask questions at any time</a:t>
+            </a:r>
+          </a:p>
+          <a:p>
+            <a:pPr>
+              <a:spcBef>
+                <a:spcPts val="1200"/>
+              </a:spcBef>
+            </a:pPr>
+            <a:r>
+              <a:rPr lang="en-US" dirty="0"/>
+              <a:t>We will hang around in Zoom during breaks and lunch for </a:t>
+            </a:r>
+            <a:r>
+              <a:rPr lang="en-US" u="sng" dirty="0"/>
+              <a:t>live</a:t>
+            </a:r>
+            <a:r>
+              <a:rPr lang="en-US" dirty="0"/>
+              <a:t> Q&amp;A/discussions with anyone interested</a:t>
+            </a:r>
+          </a:p>
+          <a:p>
+            <a:pPr lvl="1">
+              <a:spcBef>
+                <a:spcPts val="400"/>
+              </a:spcBef>
+            </a:pPr>
+            <a:r>
+              <a:rPr lang="en-US" dirty="0"/>
+              <a:t>Also during the hands-on session</a:t>
+            </a:r>
+          </a:p>
+          <a:p>
+            <a:pPr>
+              <a:spcBef>
+                <a:spcPts val="1200"/>
+              </a:spcBef>
+            </a:pPr>
+            <a:r>
+              <a:rPr lang="en-US" dirty="0"/>
+              <a:t>If you work on the hands-on activities, we’ll be glad to provide feedback</a:t>
+            </a:r>
+          </a:p>
+          <a:p>
+            <a:pPr lvl="1">
+              <a:spcBef>
+                <a:spcPts val="400"/>
+              </a:spcBef>
+            </a:pPr>
+            <a:r>
+              <a:rPr lang="en-US" dirty="0"/>
+              <a:t>Submit a pull request and we’ll take a look</a:t>
+            </a:r>
+          </a:p>
+          <a:p>
+            <a:pPr>
+              <a:spcBef>
+                <a:spcPts val="1200"/>
+              </a:spcBef>
+            </a:pPr>
+            <a:r>
+              <a:rPr lang="en-US" dirty="0"/>
+              <a:t>After the tutorial email us at </a:t>
+            </a:r>
+            <a:r>
+              <a:rPr lang="en-US" dirty="0">
+                <a:hlinkClick r:id="rId2"/>
+              </a:rPr>
+              <a:t>bssw-tutorial@lists.mcs.anl.gov</a:t>
+            </a:r>
+            <a:endParaRPr lang="en-US" dirty="0"/>
+          </a:p>
+          <a:p>
+            <a:pPr lvl="1">
+              <a:spcBef>
+                <a:spcPts val="400"/>
+              </a:spcBef>
+            </a:pPr>
+            <a:r>
+              <a:rPr lang="en-US" dirty="0"/>
+              <a:t>With questions or feedback</a:t>
+            </a:r>
+          </a:p>
+          <a:p>
+            <a:pPr lvl="1"/>
+            <a:r>
+              <a:rPr lang="en-US" dirty="0"/>
+              <a:t>The list moderator will allow your messages to be posted</a:t>
+            </a:r>
+          </a:p>
+          <a:p>
+            <a:r>
+              <a:rPr lang="en-US" dirty="0"/>
+              <a:t>Refer to </a:t>
+            </a:r>
+            <a:r>
+              <a:rPr lang="en-US" dirty="0">
+                <a:hlinkClick r:id="rId3"/>
+              </a:rPr>
+              <a:t>bssw-tutorial.github.io</a:t>
+            </a:r>
+            <a:r>
+              <a:rPr lang="en-US" dirty="0"/>
+              <a:t> page for all tutorial materials</a:t>
+            </a:r>
+          </a:p>
+        </p:txBody>
+      </p:sp>
+    </p:spTree>
+    <p:extLst>
+      <p:ext uri="{BB962C8B-B14F-4D97-AF65-F5344CB8AC3E}">
+        <p14:creationId xmlns:p14="http://schemas.microsoft.com/office/powerpoint/2010/main" val="3695382487"/>
+      </p:ext>
+    </p:extLst>
+  </p:cSld>
+  <p:clrMapOvr>
+    <a:masterClrMapping/>
+  </p:clrMapOvr>
+</p:sld>
+</file>
+
 <file path=ppt/slides/slide2.xml><?xml version="1.0" encoding="utf-8"?>
 <p:sld xmlns:a="http://schemas.openxmlformats.org/drawingml/2006/main" xmlns:r="http://schemas.openxmlformats.org/officeDocument/2006/relationships" xmlns:p="http://schemas.openxmlformats.org/presentationml/2006/main">
   <p:cSld>
@@ -4307,17 +4530,11 @@
               <a:rPr lang="en-US" sz="1600" dirty="0">
                 <a:hlinkClick r:id="rId2"/>
               </a:rPr>
-              <a:t>Creative</a:t>
-            </a:r>
-            <a:r>
-              <a:rPr lang="en-US" sz="1600" dirty="0">
-                <a:hlinkClick r:id="rId3"/>
-              </a:rPr>
-              <a:t> Commons Attribution 4.0 International License</a:t>
+              <a:t>Creative Commons Attribution 4.0 International License </a:t>
             </a:r>
             <a:r>
               <a:rPr lang="en-US" sz="1600" dirty="0"/>
-              <a:t> (CC BY 4.0).</a:t>
+              <a:t>(CC BY 4.0).</a:t>
             </a:r>
           </a:p>
           <a:p>
@@ -4332,7 +4549,7 @@
             </a:r>
             <a:r>
               <a:rPr lang="en-US" sz="1600" b="1" dirty="0">
-                <a:hlinkClick r:id="rId4"/>
+                <a:hlinkClick r:id="rId3"/>
               </a:rPr>
               <a:t>10.6084/m9.figshare.16556628</a:t>
             </a:r>
@@ -4473,7 +4690,7 @@
           <p:nvPr/>
         </p:nvPicPr>
         <p:blipFill>
-          <a:blip r:embed="rId5">
+          <a:blip r:embed="rId4">
             <a:extLst>
               <a:ext uri="{28A0092B-C50C-407E-A947-70E740481C1C}">
                 <a14:useLocalDpi xmlns:a14="http://schemas.microsoft.com/office/drawing/2010/main" val="0"/>
@@ -5250,14 +5467,19 @@
             <p:ph type="title"/>
           </p:nvPr>
         </p:nvSpPr>
-        <p:spPr/>
+        <p:spPr>
+          <a:xfrm>
+            <a:off x="365759" y="411480"/>
+            <a:ext cx="11439459" cy="914400"/>
+          </a:xfrm>
+        </p:spPr>
         <p:txBody>
           <a:bodyPr/>
           <a:lstStyle/>
           <a:p>
             <a:r>
               <a:rPr lang="en-US" dirty="0"/>
-              <a:t>The IDEAS-ECP team works with the ECP community to improve developer productivity and software sustainability as key aspects of increasing overall scientific productivity</a:t>
+              <a:t>The IDEAS-ECP team works with the ECP community, and beyond, to improve developer productivity and software sustainability as key aspects of increasing overall scientific productivity</a:t>
             </a:r>
           </a:p>
         </p:txBody>
@@ -9805,6 +10027,352 @@
           <p:cNvPr id="2" name="Title 1">
             <a:extLst>
               <a:ext uri="{FF2B5EF4-FFF2-40B4-BE49-F238E27FC236}">
+                <a16:creationId xmlns:a16="http://schemas.microsoft.com/office/drawing/2014/main" id="{92FBE35E-77C5-46DD-9F5D-290B55BEC8BD}"/>
+              </a:ext>
+            </a:extLst>
+          </p:cNvPr>
+          <p:cNvSpPr>
+            <a:spLocks noGrp="1"/>
+          </p:cNvSpPr>
+          <p:nvPr>
+            <p:ph type="title"/>
+          </p:nvPr>
+        </p:nvSpPr>
+        <p:spPr/>
+        <p:txBody>
+          <a:bodyPr/>
+          <a:lstStyle/>
+          <a:p>
+            <a:r>
+              <a:rPr lang="en-US" dirty="0"/>
+              <a:t>The Importance of Naming</a:t>
+            </a:r>
+          </a:p>
+        </p:txBody>
+      </p:sp>
+      <p:sp>
+        <p:nvSpPr>
+          <p:cNvPr id="3" name="Content Placeholder 2">
+            <a:extLst>
+              <a:ext uri="{FF2B5EF4-FFF2-40B4-BE49-F238E27FC236}">
+                <a16:creationId xmlns:a16="http://schemas.microsoft.com/office/drawing/2014/main" id="{0570DD6F-C774-41C2-BFA4-30EE69373698}"/>
+              </a:ext>
+            </a:extLst>
+          </p:cNvPr>
+          <p:cNvSpPr>
+            <a:spLocks noGrp="1"/>
+          </p:cNvSpPr>
+          <p:nvPr>
+            <p:ph idx="1"/>
+          </p:nvPr>
+        </p:nvSpPr>
+        <p:spPr>
+          <a:xfrm>
+            <a:off x="365760" y="1231518"/>
+            <a:ext cx="11369809" cy="4047778"/>
+          </a:xfrm>
+        </p:spPr>
+        <p:txBody>
+          <a:bodyPr/>
+          <a:lstStyle/>
+          <a:p>
+            <a:r>
+              <a:rPr lang="en-US" dirty="0"/>
+              <a:t>Computing is rife with terminology that many consider harmful and exclusionary</a:t>
+            </a:r>
+          </a:p>
+          <a:p>
+            <a:pPr lvl="1"/>
+            <a:r>
+              <a:rPr lang="en-US" dirty="0"/>
+              <a:t>Examples include: whitelist/blacklist, master/slave, and master (standalone)</a:t>
+            </a:r>
+          </a:p>
+          <a:p>
+            <a:r>
+              <a:rPr lang="en-US" dirty="0"/>
+              <a:t>We support efforts to replace such language with more inclusive language</a:t>
+            </a:r>
+          </a:p>
+          <a:p>
+            <a:r>
+              <a:rPr lang="en-US" dirty="0"/>
+              <a:t>In this tutorial, we strive to use inclusive language</a:t>
+            </a:r>
+          </a:p>
+          <a:p>
+            <a:pPr lvl="1"/>
+            <a:r>
+              <a:rPr lang="en-US" dirty="0"/>
+              <a:t>Example: we use “main” for the default git branch, even where outside sources we reference may use “master”</a:t>
+            </a:r>
+          </a:p>
+          <a:p>
+            <a:r>
+              <a:rPr lang="en-US" dirty="0"/>
+              <a:t>We welcome suggestions for further improvements in our tutorial</a:t>
+            </a:r>
+          </a:p>
+          <a:p>
+            <a:r>
+              <a:rPr lang="en-US" dirty="0"/>
+              <a:t>Additional information:</a:t>
+            </a:r>
+          </a:p>
+          <a:p>
+            <a:pPr lvl="1"/>
+            <a:r>
+              <a:rPr lang="en-US" dirty="0"/>
+              <a:t>The </a:t>
+            </a:r>
+            <a:r>
+              <a:rPr lang="en-US" dirty="0">
+                <a:hlinkClick r:id="rId2"/>
+              </a:rPr>
+              <a:t>Inclusive Naming Initiative</a:t>
+            </a:r>
+            <a:endParaRPr lang="en-US" dirty="0"/>
+          </a:p>
+          <a:p>
+            <a:pPr lvl="1"/>
+            <a:r>
+              <a:rPr lang="en-US" dirty="0"/>
+              <a:t>The BSSw.io </a:t>
+            </a:r>
+            <a:r>
+              <a:rPr lang="en-US" dirty="0">
+                <a:hlinkClick r:id="rId3"/>
+              </a:rPr>
+              <a:t>resource on inclusive naming</a:t>
+            </a:r>
+            <a:r>
+              <a:rPr lang="en-US" dirty="0"/>
+              <a:t> provides some additional context and links</a:t>
+            </a:r>
+          </a:p>
+        </p:txBody>
+      </p:sp>
+    </p:spTree>
+    <p:extLst>
+      <p:ext uri="{BB962C8B-B14F-4D97-AF65-F5344CB8AC3E}">
+        <p14:creationId xmlns:p14="http://schemas.microsoft.com/office/powerpoint/2010/main" val="3064435251"/>
+      </p:ext>
+    </p:extLst>
+  </p:cSld>
+  <p:clrMapOvr>
+    <a:masterClrMapping/>
+  </p:clrMapOvr>
+</p:sld>
+</file>
+
+<file path=ppt/slides/slide8.xml><?xml version="1.0" encoding="utf-8"?>
+<p:sld xmlns:a="http://schemas.openxmlformats.org/drawingml/2006/main" xmlns:r="http://schemas.openxmlformats.org/officeDocument/2006/relationships" xmlns:p="http://schemas.openxmlformats.org/presentationml/2006/main">
+  <p:cSld>
+    <p:spTree>
+      <p:nvGrpSpPr>
+        <p:cNvPr id="1" name=""/>
+        <p:cNvGrpSpPr/>
+        <p:nvPr/>
+      </p:nvGrpSpPr>
+      <p:grpSpPr>
+        <a:xfrm>
+          <a:off x="0" y="0"/>
+          <a:ext cx="0" cy="0"/>
+          <a:chOff x="0" y="0"/>
+          <a:chExt cx="0" cy="0"/>
+        </a:xfrm>
+      </p:grpSpPr>
+      <p:sp>
+        <p:nvSpPr>
+          <p:cNvPr id="2" name="Title 1">
+            <a:extLst>
+              <a:ext uri="{FF2B5EF4-FFF2-40B4-BE49-F238E27FC236}">
+                <a16:creationId xmlns:a16="http://schemas.microsoft.com/office/drawing/2014/main" id="{290A2901-48B8-469D-BFD7-34B28CA8F61C}"/>
+              </a:ext>
+            </a:extLst>
+          </p:cNvPr>
+          <p:cNvSpPr>
+            <a:spLocks noGrp="1"/>
+          </p:cNvSpPr>
+          <p:nvPr>
+            <p:ph type="title"/>
+          </p:nvPr>
+        </p:nvSpPr>
+        <p:spPr/>
+        <p:txBody>
+          <a:bodyPr/>
+          <a:lstStyle/>
+          <a:p>
+            <a:r>
+              <a:rPr lang="en-US" dirty="0" err="1"/>
+              <a:t>BSSw</a:t>
+            </a:r>
+            <a:r>
+              <a:rPr lang="en-US" dirty="0"/>
+              <a:t> Tutorial Web Site</a:t>
+            </a:r>
+          </a:p>
+        </p:txBody>
+      </p:sp>
+      <p:sp>
+        <p:nvSpPr>
+          <p:cNvPr id="3" name="Content Placeholder 2">
+            <a:extLst>
+              <a:ext uri="{FF2B5EF4-FFF2-40B4-BE49-F238E27FC236}">
+                <a16:creationId xmlns:a16="http://schemas.microsoft.com/office/drawing/2014/main" id="{1C6E25F3-5A8B-478E-83F2-ED0BCAF1B015}"/>
+              </a:ext>
+            </a:extLst>
+          </p:cNvPr>
+          <p:cNvSpPr>
+            <a:spLocks noGrp="1"/>
+          </p:cNvSpPr>
+          <p:nvPr>
+            <p:ph idx="1"/>
+          </p:nvPr>
+        </p:nvSpPr>
+        <p:spPr>
+          <a:xfrm>
+            <a:off x="365760" y="1737360"/>
+            <a:ext cx="7453937" cy="4047778"/>
+          </a:xfrm>
+        </p:spPr>
+        <p:txBody>
+          <a:bodyPr/>
+          <a:lstStyle/>
+          <a:p>
+            <a:r>
+              <a:rPr lang="en-US" sz="2400" b="1" dirty="0">
+                <a:hlinkClick r:id="rId2"/>
+              </a:rPr>
+              <a:t>https://bssw-tutorial.github.io/</a:t>
+            </a:r>
+            <a:r>
+              <a:rPr lang="en-US" sz="2400" b="1" dirty="0"/>
+              <a:t> </a:t>
+            </a:r>
+            <a:r>
+              <a:rPr lang="en-US" sz="2400" dirty="0"/>
+              <a:t>is the one URL you need to find all of the resources for this tutorial</a:t>
+            </a:r>
+          </a:p>
+          <a:p>
+            <a:r>
+              <a:rPr lang="en-US" dirty="0"/>
+              <a:t>Each tutorial event has its own page</a:t>
+            </a:r>
+          </a:p>
+          <a:p>
+            <a:pPr lvl="1"/>
+            <a:r>
+              <a:rPr lang="en-US" dirty="0"/>
+              <a:t>We will backfill tutorials before 2021 as time permits</a:t>
+            </a:r>
+          </a:p>
+          <a:p>
+            <a:r>
+              <a:rPr lang="en-US" dirty="0"/>
+              <a:t>Each tutorial page is considered archival</a:t>
+            </a:r>
+          </a:p>
+          <a:p>
+            <a:pPr lvl="1"/>
+            <a:r>
+              <a:rPr lang="en-US" dirty="0"/>
+              <a:t>All of the materials used in that tutorial (or links to them)</a:t>
+            </a:r>
+          </a:p>
+          <a:p>
+            <a:pPr lvl="1"/>
+            <a:r>
+              <a:rPr lang="en-US" dirty="0"/>
+              <a:t>Materials may be updated if we find mistakes</a:t>
+            </a:r>
+          </a:p>
+        </p:txBody>
+      </p:sp>
+      <p:pic>
+        <p:nvPicPr>
+          <p:cNvPr id="6" name="Picture 5" descr="Graphical user interface, text&#10;&#10;Description automatically generated">
+            <a:extLst>
+              <a:ext uri="{FF2B5EF4-FFF2-40B4-BE49-F238E27FC236}">
+                <a16:creationId xmlns:a16="http://schemas.microsoft.com/office/drawing/2014/main" id="{B36C999D-A67A-4A27-A8A2-05E0A7E3AD25}"/>
+              </a:ext>
+            </a:extLst>
+          </p:cNvPr>
+          <p:cNvPicPr>
+            <a:picLocks noChangeAspect="1"/>
+          </p:cNvPicPr>
+          <p:nvPr/>
+        </p:nvPicPr>
+        <p:blipFill>
+          <a:blip r:embed="rId3" cstate="print">
+            <a:extLst>
+              <a:ext uri="{28A0092B-C50C-407E-A947-70E740481C1C}">
+                <a14:useLocalDpi xmlns:a14="http://schemas.microsoft.com/office/drawing/2010/main" val="0"/>
+              </a:ext>
+            </a:extLst>
+          </a:blip>
+          <a:stretch>
+            <a:fillRect/>
+          </a:stretch>
+        </p:blipFill>
+        <p:spPr>
+          <a:xfrm>
+            <a:off x="7819697" y="455350"/>
+            <a:ext cx="4089597" cy="5345008"/>
+          </a:xfrm>
+          <a:prstGeom prst="rect">
+            <a:avLst/>
+          </a:prstGeom>
+          <a:ln>
+            <a:solidFill>
+              <a:schemeClr val="tx1"/>
+            </a:solidFill>
+          </a:ln>
+          <a:effectLst>
+            <a:outerShdw blurRad="50800" dist="38100" dir="2700000" algn="tl" rotWithShape="0">
+              <a:prstClr val="black">
+                <a:alpha val="40000"/>
+              </a:prstClr>
+            </a:outerShdw>
+          </a:effectLst>
+        </p:spPr>
+      </p:pic>
+    </p:spTree>
+    <p:extLst>
+      <p:ext uri="{BB962C8B-B14F-4D97-AF65-F5344CB8AC3E}">
+        <p14:creationId xmlns:p14="http://schemas.microsoft.com/office/powerpoint/2010/main" val="1366987390"/>
+      </p:ext>
+    </p:extLst>
+  </p:cSld>
+  <p:clrMapOvr>
+    <a:masterClrMapping/>
+  </p:clrMapOvr>
+</p:sld>
+</file>
+
+<file path=ppt/slides/slide9.xml><?xml version="1.0" encoding="utf-8"?>
+<p:sld xmlns:a="http://schemas.openxmlformats.org/drawingml/2006/main" xmlns:r="http://schemas.openxmlformats.org/officeDocument/2006/relationships" xmlns:p="http://schemas.openxmlformats.org/presentationml/2006/main">
+  <p:cSld>
+    <p:spTree>
+      <p:nvGrpSpPr>
+        <p:cNvPr id="1" name=""/>
+        <p:cNvGrpSpPr/>
+        <p:nvPr/>
+      </p:nvGrpSpPr>
+      <p:grpSpPr>
+        <a:xfrm>
+          <a:off x="0" y="0"/>
+          <a:ext cx="0" cy="0"/>
+          <a:chOff x="0" y="0"/>
+          <a:chExt cx="0" cy="0"/>
+        </a:xfrm>
+      </p:grpSpPr>
+      <p:sp>
+        <p:nvSpPr>
+          <p:cNvPr id="2" name="Title 1">
+            <a:extLst>
+              <a:ext uri="{FF2B5EF4-FFF2-40B4-BE49-F238E27FC236}">
                 <a16:creationId xmlns:a16="http://schemas.microsoft.com/office/drawing/2014/main" id="{965012BA-8349-4F63-995A-190570787086}"/>
               </a:ext>
             </a:extLst>
@@ -9865,30 +10433,52 @@
           <a:p>
             <a:pPr>
               <a:spcBef>
-                <a:spcPts val="800"/>
+                <a:spcPts val="400"/>
               </a:spcBef>
             </a:pPr>
             <a:r>
               <a:rPr lang="en-US" sz="2000" dirty="0"/>
-              <a:t>You don’t need to understand the math/physics to do the exercises, or find them useful</a:t>
+              <a:t>You don’t need to understand the math/physics to do the exercises, or to find them useful</a:t>
             </a:r>
           </a:p>
           <a:p>
             <a:pPr marL="0" indent="0">
               <a:spcBef>
-                <a:spcPts val="3600"/>
+                <a:spcPts val="2400"/>
               </a:spcBef>
               <a:buNone/>
             </a:pPr>
             <a:r>
               <a:rPr lang="en-US" dirty="0"/>
-              <a:t>We have some time in the agenda for the hands-on activities, but feel free to continue to work on them outside of the tutorial.  We’ll give feedback on pull requests and issues filed (or email us, see next slide).</a:t>
+              <a:t>We have some time in the agenda for the hands-on activities</a:t>
+            </a:r>
+          </a:p>
+          <a:p>
+            <a:pPr>
+              <a:spcBef>
+                <a:spcPts val="400"/>
+              </a:spcBef>
+            </a:pPr>
+            <a:r>
+              <a:rPr lang="en-US" sz="2000" dirty="0"/>
+              <a:t>But feel free to start early (i.e. during breaks) and continue after the tutorial</a:t>
+            </a:r>
+          </a:p>
+          <a:p>
+            <a:pPr>
+              <a:spcBef>
+                <a:spcPts val="400"/>
+              </a:spcBef>
+            </a:pPr>
+            <a:r>
+              <a:rPr lang="en-US" sz="2000" dirty="0"/>
+              <a:t>We’ll give feedback on pull requests and issues filed (or email us, see next slide).</a:t>
             </a:r>
           </a:p>
           <a:p>
             <a:pPr marL="0" indent="0">
               <a:spcBef>
-                <a:spcPts val="3600"/>
+                <a:spcPts val="2400"/>
               </a:spcBef>
               <a:buNone/>
             </a:pPr>
@@ -9946,372 +10536,6 @@
     <p:extLst>
       <p:ext uri="{BB962C8B-B14F-4D97-AF65-F5344CB8AC3E}">
         <p14:creationId xmlns:p14="http://schemas.microsoft.com/office/powerpoint/2010/main" val="2187668164"/>
-      </p:ext>
-    </p:extLst>
-  </p:cSld>
-  <p:clrMapOvr>
-    <a:masterClrMapping/>
-  </p:clrMapOvr>
-</p:sld>
-</file>
-
-<file path=ppt/slides/slide8.xml><?xml version="1.0" encoding="utf-8"?>
-<p:sld xmlns:a="http://schemas.openxmlformats.org/drawingml/2006/main" xmlns:r="http://schemas.openxmlformats.org/officeDocument/2006/relationships" xmlns:p="http://schemas.openxmlformats.org/presentationml/2006/main">
-  <p:cSld>
-    <p:spTree>
-      <p:nvGrpSpPr>
-        <p:cNvPr id="1" name=""/>
-        <p:cNvGrpSpPr/>
-        <p:nvPr/>
-      </p:nvGrpSpPr>
-      <p:grpSpPr>
-        <a:xfrm>
-          <a:off x="0" y="0"/>
-          <a:ext cx="0" cy="0"/>
-          <a:chOff x="0" y="0"/>
-          <a:chExt cx="0" cy="0"/>
-        </a:xfrm>
-      </p:grpSpPr>
-      <p:sp>
-        <p:nvSpPr>
-          <p:cNvPr id="2" name="Title 1">
-            <a:extLst>
-              <a:ext uri="{FF2B5EF4-FFF2-40B4-BE49-F238E27FC236}">
-                <a16:creationId xmlns:a16="http://schemas.microsoft.com/office/drawing/2014/main" id="{88D7CFF0-36AC-4BF3-96D2-C6F302144850}"/>
-              </a:ext>
-            </a:extLst>
-          </p:cNvPr>
-          <p:cNvSpPr>
-            <a:spLocks noGrp="1"/>
-          </p:cNvSpPr>
-          <p:nvPr>
-            <p:ph type="title"/>
-          </p:nvPr>
-        </p:nvSpPr>
-        <p:spPr/>
-        <p:txBody>
-          <a:bodyPr/>
-          <a:lstStyle/>
-          <a:p>
-            <a:r>
-              <a:rPr lang="en-US" dirty="0"/>
-              <a:t>We Want to Interact with You!</a:t>
-            </a:r>
-          </a:p>
-        </p:txBody>
-      </p:sp>
-      <p:sp>
-        <p:nvSpPr>
-          <p:cNvPr id="3" name="Content Placeholder 2">
-            <a:extLst>
-              <a:ext uri="{FF2B5EF4-FFF2-40B4-BE49-F238E27FC236}">
-                <a16:creationId xmlns:a16="http://schemas.microsoft.com/office/drawing/2014/main" id="{AEFD04A9-5547-4AC6-89F3-E6EEC039A00D}"/>
-              </a:ext>
-            </a:extLst>
-          </p:cNvPr>
-          <p:cNvSpPr>
-            <a:spLocks noGrp="1"/>
-          </p:cNvSpPr>
-          <p:nvPr>
-            <p:ph idx="1"/>
-          </p:nvPr>
-        </p:nvSpPr>
-        <p:spPr>
-          <a:xfrm>
-            <a:off x="365760" y="1228229"/>
-            <a:ext cx="11369809" cy="4047778"/>
-          </a:xfrm>
-        </p:spPr>
-        <p:txBody>
-          <a:bodyPr/>
-          <a:lstStyle/>
-          <a:p>
-            <a:pPr>
-              <a:spcBef>
-                <a:spcPts val="1800"/>
-              </a:spcBef>
-            </a:pPr>
-            <a:r>
-              <a:rPr lang="en-US" dirty="0"/>
-              <a:t>We find these tutorials most interesting and informative (for everyone) if you ask questions and share experiences!</a:t>
-            </a:r>
-          </a:p>
-          <a:p>
-            <a:pPr lvl="1">
-              <a:spcBef>
-                <a:spcPts val="400"/>
-              </a:spcBef>
-            </a:pPr>
-            <a:r>
-              <a:rPr lang="en-US" dirty="0"/>
-              <a:t>We learn too!</a:t>
-            </a:r>
-          </a:p>
-          <a:p>
-            <a:pPr>
-              <a:spcBef>
-                <a:spcPts val="1800"/>
-              </a:spcBef>
-            </a:pPr>
-            <a:r>
-              <a:rPr lang="en-US" dirty="0"/>
-              <a:t>Please use Zoom chat to ask questions at any time</a:t>
-            </a:r>
-          </a:p>
-          <a:p>
-            <a:pPr>
-              <a:spcBef>
-                <a:spcPts val="1800"/>
-              </a:spcBef>
-            </a:pPr>
-            <a:r>
-              <a:rPr lang="en-US" dirty="0"/>
-              <a:t>We will hang around in Zoom during breaks and lunch for </a:t>
-            </a:r>
-            <a:r>
-              <a:rPr lang="en-US" u="sng" dirty="0"/>
-              <a:t>live</a:t>
-            </a:r>
-            <a:r>
-              <a:rPr lang="en-US" dirty="0"/>
-              <a:t> Q&amp;A/discussions with anyone interested</a:t>
-            </a:r>
-          </a:p>
-          <a:p>
-            <a:pPr lvl="1">
-              <a:spcBef>
-                <a:spcPts val="400"/>
-              </a:spcBef>
-            </a:pPr>
-            <a:r>
-              <a:rPr lang="en-US" dirty="0"/>
-              <a:t>Also during the hands-on session</a:t>
-            </a:r>
-          </a:p>
-          <a:p>
-            <a:pPr>
-              <a:spcBef>
-                <a:spcPts val="1800"/>
-              </a:spcBef>
-            </a:pPr>
-            <a:r>
-              <a:rPr lang="en-US" dirty="0"/>
-              <a:t>If you work on the hands-on activities, we’ll be glad to provide feedback</a:t>
-            </a:r>
-          </a:p>
-          <a:p>
-            <a:pPr lvl="1">
-              <a:spcBef>
-                <a:spcPts val="400"/>
-              </a:spcBef>
-            </a:pPr>
-            <a:r>
-              <a:rPr lang="en-US" dirty="0"/>
-              <a:t>Submit a pull request and we’ll take a look</a:t>
-            </a:r>
-          </a:p>
-          <a:p>
-            <a:pPr>
-              <a:spcBef>
-                <a:spcPts val="1800"/>
-              </a:spcBef>
-            </a:pPr>
-            <a:r>
-              <a:rPr lang="en-US" dirty="0"/>
-              <a:t>After the tutorial email us at </a:t>
-            </a:r>
-            <a:r>
-              <a:rPr lang="en-US" dirty="0">
-                <a:hlinkClick r:id="rId2"/>
-              </a:rPr>
-              <a:t>bssw-tutorial@lists.mcs.anl.gov</a:t>
-            </a:r>
-            <a:endParaRPr lang="en-US" dirty="0"/>
-          </a:p>
-          <a:p>
-            <a:pPr lvl="1">
-              <a:spcBef>
-                <a:spcPts val="400"/>
-              </a:spcBef>
-            </a:pPr>
-            <a:r>
-              <a:rPr lang="en-US" dirty="0"/>
-              <a:t>With questions or feedback</a:t>
-            </a:r>
-          </a:p>
-          <a:p>
-            <a:pPr lvl="1"/>
-            <a:r>
-              <a:rPr lang="en-US" dirty="0"/>
-              <a:t>The list moderator will allow your messages to be posted</a:t>
-            </a:r>
-          </a:p>
-        </p:txBody>
-      </p:sp>
-    </p:spTree>
-    <p:extLst>
-      <p:ext uri="{BB962C8B-B14F-4D97-AF65-F5344CB8AC3E}">
-        <p14:creationId xmlns:p14="http://schemas.microsoft.com/office/powerpoint/2010/main" val="3695382487"/>
-      </p:ext>
-    </p:extLst>
-  </p:cSld>
-  <p:clrMapOvr>
-    <a:masterClrMapping/>
-  </p:clrMapOvr>
-</p:sld>
-</file>
-
-<file path=ppt/slides/slide9.xml><?xml version="1.0" encoding="utf-8"?>
-<p:sld xmlns:a="http://schemas.openxmlformats.org/drawingml/2006/main" xmlns:r="http://schemas.openxmlformats.org/officeDocument/2006/relationships" xmlns:p="http://schemas.openxmlformats.org/presentationml/2006/main">
-  <p:cSld>
-    <p:spTree>
-      <p:nvGrpSpPr>
-        <p:cNvPr id="1" name=""/>
-        <p:cNvGrpSpPr/>
-        <p:nvPr/>
-      </p:nvGrpSpPr>
-      <p:grpSpPr>
-        <a:xfrm>
-          <a:off x="0" y="0"/>
-          <a:ext cx="0" cy="0"/>
-          <a:chOff x="0" y="0"/>
-          <a:chExt cx="0" cy="0"/>
-        </a:xfrm>
-      </p:grpSpPr>
-      <p:sp>
-        <p:nvSpPr>
-          <p:cNvPr id="2" name="Title 1">
-            <a:extLst>
-              <a:ext uri="{FF2B5EF4-FFF2-40B4-BE49-F238E27FC236}">
-                <a16:creationId xmlns:a16="http://schemas.microsoft.com/office/drawing/2014/main" id="{92FBE35E-77C5-46DD-9F5D-290B55BEC8BD}"/>
-              </a:ext>
-            </a:extLst>
-          </p:cNvPr>
-          <p:cNvSpPr>
-            <a:spLocks noGrp="1"/>
-          </p:cNvSpPr>
-          <p:nvPr>
-            <p:ph type="title"/>
-          </p:nvPr>
-        </p:nvSpPr>
-        <p:spPr/>
-        <p:txBody>
-          <a:bodyPr/>
-          <a:lstStyle/>
-          <a:p>
-            <a:r>
-              <a:rPr lang="en-US" dirty="0"/>
-              <a:t>The Importance of Naming</a:t>
-            </a:r>
-          </a:p>
-        </p:txBody>
-      </p:sp>
-      <p:sp>
-        <p:nvSpPr>
-          <p:cNvPr id="3" name="Content Placeholder 2">
-            <a:extLst>
-              <a:ext uri="{FF2B5EF4-FFF2-40B4-BE49-F238E27FC236}">
-                <a16:creationId xmlns:a16="http://schemas.microsoft.com/office/drawing/2014/main" id="{0570DD6F-C774-41C2-BFA4-30EE69373698}"/>
-              </a:ext>
-            </a:extLst>
-          </p:cNvPr>
-          <p:cNvSpPr>
-            <a:spLocks noGrp="1"/>
-          </p:cNvSpPr>
-          <p:nvPr>
-            <p:ph idx="1"/>
-          </p:nvPr>
-        </p:nvSpPr>
-        <p:spPr>
-          <a:xfrm>
-            <a:off x="365760" y="1231518"/>
-            <a:ext cx="11369809" cy="4047778"/>
-          </a:xfrm>
-        </p:spPr>
-        <p:txBody>
-          <a:bodyPr/>
-          <a:lstStyle/>
-          <a:p>
-            <a:r>
-              <a:rPr lang="en-US" dirty="0"/>
-              <a:t>Computing is rife with terminology that many consider harmful and exclusionary</a:t>
-            </a:r>
-          </a:p>
-          <a:p>
-            <a:pPr lvl="1"/>
-            <a:r>
-              <a:rPr lang="en-US" dirty="0"/>
-              <a:t>Examples include: whitelist/blacklist, master/slave, and master (standalone)</a:t>
-            </a:r>
-          </a:p>
-          <a:p>
-            <a:r>
-              <a:rPr lang="en-US" dirty="0"/>
-              <a:t>We support efforts to replace such language with more inclusive language</a:t>
-            </a:r>
-          </a:p>
-          <a:p>
-            <a:r>
-              <a:rPr lang="en-US" dirty="0"/>
-              <a:t>In this tutorial, we strive to use inclusive language</a:t>
-            </a:r>
-          </a:p>
-          <a:p>
-            <a:pPr lvl="1"/>
-            <a:r>
-              <a:rPr lang="en-US" dirty="0"/>
-              <a:t>Example: we use “main” for the default git branch, even where outside sources we reference may use “master”</a:t>
-            </a:r>
-          </a:p>
-          <a:p>
-            <a:r>
-              <a:rPr lang="en-US" dirty="0"/>
-              <a:t>We welcome suggestions for further improvements in our tutorial</a:t>
-            </a:r>
-          </a:p>
-          <a:p>
-            <a:r>
-              <a:rPr lang="en-US" dirty="0"/>
-              <a:t>Additional information:</a:t>
-            </a:r>
-          </a:p>
-          <a:p>
-            <a:pPr lvl="1"/>
-            <a:r>
-              <a:rPr lang="en-US" dirty="0"/>
-              <a:t>The </a:t>
-            </a:r>
-            <a:r>
-              <a:rPr lang="en-US" dirty="0">
-                <a:hlinkClick r:id="rId2"/>
-              </a:rPr>
-              <a:t>Inclusive Naming Initiative</a:t>
-            </a:r>
-            <a:endParaRPr lang="en-US" dirty="0"/>
-          </a:p>
-          <a:p>
-            <a:pPr lvl="1"/>
-            <a:r>
-              <a:rPr lang="en-US" dirty="0"/>
-              <a:t>The BSSw.io </a:t>
-            </a:r>
-            <a:r>
-              <a:rPr lang="en-US" dirty="0">
-                <a:hlinkClick r:id="rId3"/>
-              </a:rPr>
-              <a:t>resource on inclusive naming</a:t>
-            </a:r>
-            <a:r>
-              <a:rPr lang="en-US" dirty="0"/>
-              <a:t> provides some additional context and links</a:t>
-            </a:r>
-          </a:p>
-        </p:txBody>
-      </p:sp>
-    </p:spTree>
-    <p:extLst>
-      <p:ext uri="{BB962C8B-B14F-4D97-AF65-F5344CB8AC3E}">
-        <p14:creationId xmlns:p14="http://schemas.microsoft.com/office/powerpoint/2010/main" val="3064435251"/>
       </p:ext>
     </p:extLst>
   </p:cSld>

--- a/intro.pptx
+++ b/intro.pptx
@@ -5,10 +5,10 @@
     <p:sldMasterId id="2147483935" r:id="rId4"/>
   </p:sldMasterIdLst>
   <p:notesMasterIdLst>
-    <p:notesMasterId r:id="rId15"/>
+    <p:notesMasterId r:id="rId16"/>
   </p:notesMasterIdLst>
   <p:handoutMasterIdLst>
-    <p:handoutMasterId r:id="rId16"/>
+    <p:handoutMasterId r:id="rId17"/>
   </p:handoutMasterIdLst>
   <p:sldIdLst>
     <p:sldId id="617" r:id="rId5"/>
@@ -20,7 +20,8 @@
     <p:sldId id="619" r:id="rId11"/>
     <p:sldId id="620" r:id="rId12"/>
     <p:sldId id="314" r:id="rId13"/>
-    <p:sldId id="616" r:id="rId14"/>
+    <p:sldId id="622" r:id="rId14"/>
+    <p:sldId id="616" r:id="rId15"/>
   </p:sldIdLst>
   <p:sldSz cx="12188825" cy="6858000"/>
   <p:notesSz cx="7010400" cy="9296400"/>
@@ -264,7 +265,7 @@
           <a:p>
             <a:fld id="{0B842F42-2CE9-4E35-95C1-410DC08A50B1}" type="datetimeFigureOut">
               <a:rPr lang="en-US" smtClean="0"/>
-              <a:t>10/10/2021</a:t>
+              <a:t>10/11/2021</a:t>
             </a:fld>
             <a:endParaRPr lang="en-US"/>
           </a:p>
@@ -429,7 +430,7 @@
           <a:p>
             <a:fld id="{6F282904-F315-4730-8D91-37D99E141A6F}" type="datetimeFigureOut">
               <a:rPr lang="en-US" smtClean="0"/>
-              <a:t>10/10/2021</a:t>
+              <a:t>10/11/2021</a:t>
             </a:fld>
             <a:endParaRPr lang="en-US"/>
           </a:p>
@@ -4211,6 +4212,157 @@
 </file>
 
 <file path=ppt/slides/slide10.xml><?xml version="1.0" encoding="utf-8"?>
+<p:sld xmlns:a="http://schemas.openxmlformats.org/drawingml/2006/main" xmlns:r="http://schemas.openxmlformats.org/officeDocument/2006/relationships" xmlns:p="http://schemas.openxmlformats.org/presentationml/2006/main">
+  <p:cSld>
+    <p:spTree>
+      <p:nvGrpSpPr>
+        <p:cNvPr id="1" name=""/>
+        <p:cNvGrpSpPr/>
+        <p:nvPr/>
+      </p:nvGrpSpPr>
+      <p:grpSpPr>
+        <a:xfrm>
+          <a:off x="0" y="0"/>
+          <a:ext cx="0" cy="0"/>
+          <a:chOff x="0" y="0"/>
+          <a:chExt cx="0" cy="0"/>
+        </a:xfrm>
+      </p:grpSpPr>
+      <p:sp>
+        <p:nvSpPr>
+          <p:cNvPr id="2" name="Title 1">
+            <a:extLst>
+              <a:ext uri="{FF2B5EF4-FFF2-40B4-BE49-F238E27FC236}">
+                <a16:creationId xmlns:a16="http://schemas.microsoft.com/office/drawing/2014/main" id="{7E57752C-4E2B-4E58-8726-8BAC8610FAC7}"/>
+              </a:ext>
+            </a:extLst>
+          </p:cNvPr>
+          <p:cNvSpPr>
+            <a:spLocks noGrp="1"/>
+          </p:cNvSpPr>
+          <p:nvPr>
+            <p:ph type="title"/>
+          </p:nvPr>
+        </p:nvSpPr>
+        <p:spPr/>
+        <p:txBody>
+          <a:bodyPr/>
+          <a:lstStyle/>
+          <a:p>
+            <a:r>
+              <a:rPr lang="en-US" dirty="0"/>
+              <a:t>Explaining Slide 2</a:t>
+            </a:r>
+          </a:p>
+        </p:txBody>
+      </p:sp>
+      <p:sp>
+        <p:nvSpPr>
+          <p:cNvPr id="3" name="Content Placeholder 2">
+            <a:extLst>
+              <a:ext uri="{FF2B5EF4-FFF2-40B4-BE49-F238E27FC236}">
+                <a16:creationId xmlns:a16="http://schemas.microsoft.com/office/drawing/2014/main" id="{9A010E9D-1983-429B-A89D-EBF4829E152F}"/>
+              </a:ext>
+            </a:extLst>
+          </p:cNvPr>
+          <p:cNvSpPr>
+            <a:spLocks noGrp="1"/>
+          </p:cNvSpPr>
+          <p:nvPr>
+            <p:ph idx="1"/>
+          </p:nvPr>
+        </p:nvSpPr>
+        <p:spPr>
+          <a:xfrm>
+            <a:off x="365760" y="1049985"/>
+            <a:ext cx="11369809" cy="4047778"/>
+          </a:xfrm>
+        </p:spPr>
+        <p:txBody>
+          <a:bodyPr/>
+          <a:lstStyle/>
+          <a:p>
+            <a:r>
+              <a:rPr lang="en-US" dirty="0"/>
+              <a:t>Slide 2 in all of our presentations contains the license, citation, and acknowledgements for the tutorial</a:t>
+            </a:r>
+          </a:p>
+          <a:p>
+            <a:r>
+              <a:rPr lang="en-US" dirty="0"/>
+              <a:t>(Software) best practice to make your license and preferred citation(s) easily finable</a:t>
+            </a:r>
+          </a:p>
+          <a:p>
+            <a:r>
+              <a:rPr lang="en-US" dirty="0"/>
+              <a:t>Sponsor acknowledgements rarely hurt!</a:t>
+            </a:r>
+          </a:p>
+        </p:txBody>
+      </p:sp>
+      <p:pic>
+        <p:nvPicPr>
+          <p:cNvPr id="5" name="Picture 4" descr="Text, letter&#10;&#10;Description automatically generated">
+            <a:extLst>
+              <a:ext uri="{FF2B5EF4-FFF2-40B4-BE49-F238E27FC236}">
+                <a16:creationId xmlns:a16="http://schemas.microsoft.com/office/drawing/2014/main" id="{22D90CE1-3CF5-4211-AEA5-0280F6866EDC}"/>
+              </a:ext>
+            </a:extLst>
+          </p:cNvPr>
+          <p:cNvPicPr>
+            <a:picLocks noChangeAspect="1"/>
+          </p:cNvPicPr>
+          <p:nvPr/>
+        </p:nvPicPr>
+        <p:blipFill>
+          <a:blip r:embed="rId2" cstate="print">
+            <a:extLst>
+              <a:ext uri="{28A0092B-C50C-407E-A947-70E740481C1C}">
+                <a14:useLocalDpi xmlns:a14="http://schemas.microsoft.com/office/drawing/2010/main" val="0"/>
+              </a:ext>
+            </a:extLst>
+          </a:blip>
+          <a:stretch>
+            <a:fillRect/>
+          </a:stretch>
+        </p:blipFill>
+        <p:spPr>
+          <a:xfrm>
+            <a:off x="3599267" y="3166700"/>
+            <a:ext cx="4990290" cy="2807038"/>
+          </a:xfrm>
+          <a:prstGeom prst="rect">
+            <a:avLst/>
+          </a:prstGeom>
+          <a:ln>
+            <a:solidFill>
+              <a:schemeClr val="tx1"/>
+            </a:solidFill>
+          </a:ln>
+          <a:effectLst>
+            <a:outerShdw blurRad="50800" dist="38100" dir="2700000" algn="tl" rotWithShape="0">
+              <a:prstClr val="black">
+                <a:alpha val="40000"/>
+              </a:prstClr>
+            </a:outerShdw>
+          </a:effectLst>
+        </p:spPr>
+      </p:pic>
+    </p:spTree>
+    <p:extLst>
+      <p:ext uri="{BB962C8B-B14F-4D97-AF65-F5344CB8AC3E}">
+        <p14:creationId xmlns:p14="http://schemas.microsoft.com/office/powerpoint/2010/main" val="2504672246"/>
+      </p:ext>
+    </p:extLst>
+  </p:cSld>
+  <p:clrMapOvr>
+    <a:masterClrMapping/>
+  </p:clrMapOvr>
+</p:sld>
+</file>
+
+<file path=ppt/slides/slide11.xml><?xml version="1.0" encoding="utf-8"?>
 <p:sld xmlns:a="http://schemas.openxmlformats.org/drawingml/2006/main" xmlns:r="http://schemas.openxmlformats.org/officeDocument/2006/relationships" xmlns:p="http://schemas.openxmlformats.org/presentationml/2006/main">
   <p:cSld>
     <p:spTree>
@@ -11458,21 +11610,6 @@
 </file>
 
 <file path=customXml/item1.xml><?xml version="1.0" encoding="utf-8"?>
-<p:properties xmlns:p="http://schemas.microsoft.com/office/2006/metadata/properties" xmlns:xsi="http://www.w3.org/2001/XMLSchema-instance" xmlns:pc="http://schemas.microsoft.com/office/infopath/2007/PartnerControls">
-  <documentManagement/>
-</p:properties>
-</file>
-
-<file path=customXml/item2.xml><?xml version="1.0" encoding="utf-8"?>
-<?mso-contentType ?>
-<FormTemplates xmlns="http://schemas.microsoft.com/sharepoint/v3/contenttype/forms">
-  <Display>DocumentLibraryForm</Display>
-  <Edit>DocumentLibraryForm</Edit>
-  <New>DocumentLibraryForm</New>
-</FormTemplates>
-</file>
-
-<file path=customXml/item3.xml><?xml version="1.0" encoding="utf-8"?>
 <ct:contentTypeSchema xmlns:ct="http://schemas.microsoft.com/office/2006/metadata/contentType" xmlns:ma="http://schemas.microsoft.com/office/2006/metadata/properties/metaAttributes" ct:_="" ma:_="" ma:contentTypeName="Document" ma:contentTypeID="0x010100565464437F680748A68B85EB6594EA7D" ma:contentTypeVersion="0" ma:contentTypeDescription="Create a new document." ma:contentTypeScope="" ma:versionID="fe3f4dd58d5914c51cfc6deaa8ad845c">
   <xsd:schema xmlns:xsd="http://www.w3.org/2001/XMLSchema" xmlns:p="http://schemas.microsoft.com/office/2006/metadata/properties" targetNamespace="http://schemas.microsoft.com/office/2006/metadata/properties" ma:root="true" ma:fieldsID="4aeb20c0e3442673af7ee10786458764">
     <xsd:element name="properties">
@@ -11521,17 +11658,32 @@
 </ct:contentTypeSchema>
 </file>
 
+<file path=customXml/item2.xml><?xml version="1.0" encoding="utf-8"?>
+<?mso-contentType ?>
+<FormTemplates xmlns="http://schemas.microsoft.com/sharepoint/v3/contenttype/forms">
+  <Display>DocumentLibraryForm</Display>
+  <Edit>DocumentLibraryForm</Edit>
+  <New>DocumentLibraryForm</New>
+</FormTemplates>
+</file>
+
+<file path=customXml/item3.xml><?xml version="1.0" encoding="utf-8"?>
+<p:properties xmlns:p="http://schemas.microsoft.com/office/2006/metadata/properties" xmlns:xsi="http://www.w3.org/2001/XMLSchema-instance" xmlns:pc="http://schemas.microsoft.com/office/infopath/2007/PartnerControls">
+  <documentManagement/>
+</p:properties>
+</file>
+
 <file path=customXml/itemProps1.xml><?xml version="1.0" encoding="utf-8"?>
-<ds:datastoreItem xmlns:ds="http://schemas.openxmlformats.org/officeDocument/2006/customXml" ds:itemID="{A50EC660-24D0-43A0-AE5E-E274115E726B}">
+<ds:datastoreItem xmlns:ds="http://schemas.openxmlformats.org/officeDocument/2006/customXml" ds:itemID="{E8DB7DEB-074E-4EE8-9B6E-FD277323109C}">
   <ds:schemaRefs>
+    <ds:schemaRef ds:uri="http://schemas.microsoft.com/office/2006/metadata/contentType"/>
+    <ds:schemaRef ds:uri="http://schemas.microsoft.com/office/2006/metadata/properties/metaAttributes"/>
+    <ds:schemaRef ds:uri="http://www.w3.org/2001/XMLSchema"/>
+    <ds:schemaRef ds:uri="http://schemas.microsoft.com/office/2006/metadata/properties"/>
+    <ds:schemaRef ds:uri="http://schemas.openxmlformats.org/package/2006/metadata/core-properties"/>
     <ds:schemaRef ds:uri="http://purl.org/dc/elements/1.1/"/>
-    <ds:schemaRef ds:uri="http://schemas.microsoft.com/office/2006/metadata/properties"/>
     <ds:schemaRef ds:uri="http://purl.org/dc/terms/"/>
-    <ds:schemaRef ds:uri="http://schemas.openxmlformats.org/package/2006/metadata/core-properties"/>
-    <ds:schemaRef ds:uri="http://schemas.microsoft.com/office/2006/documentManagement/types"/>
-    <ds:schemaRef ds:uri="http://www.w3.org/XML/1998/namespace"/>
-    <ds:schemaRef ds:uri="http://purl.org/dc/dcmitype/"/>
-    <ds:schemaRef ds:uri="http://schemas.microsoft.com/office/infopath/2007/PartnerControls"/>
+    <ds:schemaRef ds:uri="http://schemas.microsoft.com/office/internal/2005/internalDocumentation"/>
   </ds:schemaRefs>
 </ds:datastoreItem>
 </file>
@@ -11545,16 +11697,16 @@
 </file>
 
 <file path=customXml/itemProps3.xml><?xml version="1.0" encoding="utf-8"?>
-<ds:datastoreItem xmlns:ds="http://schemas.openxmlformats.org/officeDocument/2006/customXml" ds:itemID="{E8DB7DEB-074E-4EE8-9B6E-FD277323109C}">
+<ds:datastoreItem xmlns:ds="http://schemas.openxmlformats.org/officeDocument/2006/customXml" ds:itemID="{A50EC660-24D0-43A0-AE5E-E274115E726B}">
   <ds:schemaRefs>
-    <ds:schemaRef ds:uri="http://schemas.microsoft.com/office/2006/metadata/contentType"/>
-    <ds:schemaRef ds:uri="http://schemas.microsoft.com/office/2006/metadata/properties/metaAttributes"/>
-    <ds:schemaRef ds:uri="http://www.w3.org/2001/XMLSchema"/>
+    <ds:schemaRef ds:uri="http://purl.org/dc/elements/1.1/"/>
     <ds:schemaRef ds:uri="http://schemas.microsoft.com/office/2006/metadata/properties"/>
+    <ds:schemaRef ds:uri="http://purl.org/dc/terms/"/>
     <ds:schemaRef ds:uri="http://schemas.openxmlformats.org/package/2006/metadata/core-properties"/>
-    <ds:schemaRef ds:uri="http://purl.org/dc/elements/1.1/"/>
-    <ds:schemaRef ds:uri="http://purl.org/dc/terms/"/>
-    <ds:schemaRef ds:uri="http://schemas.microsoft.com/office/internal/2005/internalDocumentation"/>
+    <ds:schemaRef ds:uri="http://schemas.microsoft.com/office/2006/documentManagement/types"/>
+    <ds:schemaRef ds:uri="http://www.w3.org/XML/1998/namespace"/>
+    <ds:schemaRef ds:uri="http://purl.org/dc/dcmitype/"/>
+    <ds:schemaRef ds:uri="http://schemas.microsoft.com/office/infopath/2007/PartnerControls"/>
   </ds:schemaRefs>
 </ds:datastoreItem>
 </file>
--- a/intro.pptx
+++ b/intro.pptx
@@ -265,7 +265,7 @@
           <a:p>
             <a:fld id="{0B842F42-2CE9-4E35-95C1-410DC08A50B1}" type="datetimeFigureOut">
               <a:rPr lang="en-US" smtClean="0"/>
-              <a:t>10/11/2021</a:t>
+              <a:t>11/14/2021</a:t>
             </a:fld>
             <a:endParaRPr lang="en-US"/>
           </a:p>
@@ -430,7 +430,7 @@
           <a:p>
             <a:fld id="{6F282904-F315-4730-8D91-37D99E141A6F}" type="datetimeFigureOut">
               <a:rPr lang="en-US" smtClean="0"/>
-              <a:t>10/11/2021</a:t>
+              <a:t>11/14/2021</a:t>
             </a:fld>
             <a:endParaRPr lang="en-US"/>
           </a:p>
@@ -4115,7 +4115,7 @@
         </p:nvSpPr>
         <p:spPr>
           <a:xfrm>
-            <a:off x="3177632" y="2085962"/>
+            <a:off x="3177632" y="1959498"/>
             <a:ext cx="5329441" cy="2855300"/>
           </a:xfrm>
         </p:spPr>
@@ -4126,6 +4126,12 @@
             <a:r>
               <a:rPr lang="en-US" dirty="0"/>
               <a:t>David E. Bernholdt, Anshu Dubey, Patricia A. Grubel, Rinku K. Gupta, and Gregory R. Watson</a:t>
+            </a:r>
+          </a:p>
+          <a:p>
+            <a:r>
+              <a:rPr lang="en-US" dirty="0"/>
+              <a:t>with help from David M. Rogers</a:t>
             </a:r>
           </a:p>
           <a:p>
@@ -4980,12 +4986,19 @@
               </a:spcBef>
             </a:pPr>
             <a:r>
-              <a:rPr lang="en-US"/>
-              <a:t>Greg Watson, </a:t>
-            </a:r>
-            <a:r>
               <a:rPr lang="en-US" dirty="0"/>
-              <a:t>ORNL</a:t>
+              <a:t>Greg Watson, ORNL</a:t>
+            </a:r>
+          </a:p>
+          <a:p>
+            <a:pPr>
+              <a:spcBef>
+                <a:spcPts val="1000"/>
+              </a:spcBef>
+            </a:pPr>
+            <a:r>
+              <a:rPr lang="en-US" dirty="0"/>
+              <a:t>David Rogers, ORNL (helper)</a:t>
             </a:r>
           </a:p>
           <a:p>
@@ -5050,7 +5063,7 @@
         </p:nvGrpSpPr>
         <p:grpSpPr>
           <a:xfrm>
-            <a:off x="9529477" y="1280696"/>
+            <a:off x="8411923" y="1272139"/>
             <a:ext cx="1009507" cy="1851663"/>
             <a:chOff x="9969639" y="348151"/>
             <a:chExt cx="1009507" cy="1851663"/>
@@ -5158,7 +5171,7 @@
         </p:nvGrpSpPr>
         <p:grpSpPr>
           <a:xfrm>
-            <a:off x="7248749" y="1280696"/>
+            <a:off x="6176267" y="1272139"/>
             <a:ext cx="954107" cy="1805497"/>
             <a:chOff x="6614147" y="1346049"/>
             <a:chExt cx="954107" cy="1805497"/>
@@ -5266,7 +5279,7 @@
         </p:nvGrpSpPr>
         <p:grpSpPr>
           <a:xfrm>
-            <a:off x="8361413" y="1280696"/>
+            <a:off x="7266395" y="1272139"/>
             <a:ext cx="1009507" cy="1851663"/>
             <a:chOff x="8066531" y="1374891"/>
             <a:chExt cx="1009507" cy="1851663"/>
@@ -5373,7 +5386,7 @@
         </p:nvGrpSpPr>
         <p:grpSpPr>
           <a:xfrm>
-            <a:off x="10697542" y="1280696"/>
+            <a:off x="9557451" y="1272139"/>
             <a:ext cx="1038027" cy="1804941"/>
             <a:chOff x="9222950" y="1485878"/>
             <a:chExt cx="1038027" cy="1804941"/>
@@ -5468,10 +5481,10 @@
       </p:grpSp>
       <p:grpSp>
         <p:nvGrpSpPr>
-          <p:cNvPr id="22" name="Group 21">
+          <p:cNvPr id="25" name="Group 24">
             <a:extLst>
               <a:ext uri="{FF2B5EF4-FFF2-40B4-BE49-F238E27FC236}">
-                <a16:creationId xmlns:a16="http://schemas.microsoft.com/office/drawing/2014/main" id="{AC0154FC-1792-44D9-937F-1BB2AF5C68CA}"/>
+                <a16:creationId xmlns:a16="http://schemas.microsoft.com/office/drawing/2014/main" id="{FD2361BF-58F3-4573-9CE4-721C246BFE7C}"/>
               </a:ext>
             </a:extLst>
           </p:cNvPr>
@@ -5480,18 +5493,18 @@
         </p:nvGrpSpPr>
         <p:grpSpPr>
           <a:xfrm>
-            <a:off x="6052165" y="1280696"/>
-            <a:ext cx="1038027" cy="1797939"/>
-            <a:chOff x="4187619" y="4211394"/>
-            <a:chExt cx="1038027" cy="1797939"/>
+            <a:off x="10731498" y="1272139"/>
+            <a:ext cx="1005403" cy="1805497"/>
+            <a:chOff x="10526802" y="1346049"/>
+            <a:chExt cx="1005403" cy="1805497"/>
           </a:xfrm>
         </p:grpSpPr>
         <p:pic>
           <p:nvPicPr>
-            <p:cNvPr id="23" name="Picture 22" descr="A person wearing glasses&#10;&#10;Description automatically generated with low confidence">
+            <p:cNvPr id="26" name="Picture 25" descr="A person wearing glasses&#10;&#10;Description automatically generated with medium confidence">
               <a:extLst>
                 <a:ext uri="{FF2B5EF4-FFF2-40B4-BE49-F238E27FC236}">
-                  <a16:creationId xmlns:a16="http://schemas.microsoft.com/office/drawing/2014/main" id="{74A97466-69A1-4AB0-8DE7-4A617C2B9D52}"/>
+                  <a16:creationId xmlns:a16="http://schemas.microsoft.com/office/drawing/2014/main" id="{0290A57B-E35C-4248-B037-1FE71E333FC2}"/>
                 </a:ext>
               </a:extLst>
             </p:cNvPr>
@@ -5501,20 +5514,20 @@
             <p:nvPr/>
           </p:nvPicPr>
           <p:blipFill rotWithShape="1">
-            <a:blip r:embed="rId7" cstate="print">
+            <a:blip r:embed="rId7">
               <a:extLst>
                 <a:ext uri="{28A0092B-C50C-407E-A947-70E740481C1C}">
                   <a14:useLocalDpi xmlns:a14="http://schemas.microsoft.com/office/drawing/2010/main" val="0"/>
                 </a:ext>
               </a:extLst>
             </a:blip>
-            <a:srcRect l="8053" t="854" r="5947" b="-854"/>
+            <a:srcRect l="12970" r="9695"/>
             <a:stretch/>
           </p:blipFill>
           <p:spPr>
             <a:xfrm>
-              <a:off x="4187619" y="4211394"/>
-              <a:ext cx="1038027" cy="1207008"/>
+              <a:off x="10562794" y="1346049"/>
+              <a:ext cx="933420" cy="1207008"/>
             </a:xfrm>
             <a:prstGeom prst="rect">
               <a:avLst/>
@@ -5523,10 +5536,10 @@
         </p:pic>
         <p:sp>
           <p:nvSpPr>
-            <p:cNvPr id="24" name="TextBox 23">
+            <p:cNvPr id="27" name="TextBox 26">
               <a:extLst>
                 <a:ext uri="{FF2B5EF4-FFF2-40B4-BE49-F238E27FC236}">
-                  <a16:creationId xmlns:a16="http://schemas.microsoft.com/office/drawing/2014/main" id="{B27114CE-9182-4B73-8E67-9E088169590C}"/>
+                  <a16:creationId xmlns:a16="http://schemas.microsoft.com/office/drawing/2014/main" id="{85C0C0CD-2B3D-4C6F-8251-6E60BB082C39}"/>
                 </a:ext>
               </a:extLst>
             </p:cNvPr>
@@ -5535,8 +5548,8 @@
           </p:nvSpPr>
           <p:spPr>
             <a:xfrm>
-              <a:off x="4268051" y="5418402"/>
-              <a:ext cx="877163" cy="590931"/>
+              <a:off x="10526802" y="2560615"/>
+              <a:ext cx="1005403" cy="590931"/>
             </a:xfrm>
             <a:prstGeom prst="rect">
               <a:avLst/>
@@ -5556,7 +5569,114 @@
               </a:pPr>
               <a:r>
                 <a:rPr lang="en-US" dirty="0"/>
-                <a:t>David</a:t>
+                <a:t>David R</a:t>
+              </a:r>
+            </a:p>
+            <a:p>
+              <a:pPr algn="ctr">
+                <a:lnSpc>
+                  <a:spcPct val="90000"/>
+                </a:lnSpc>
+              </a:pPr>
+              <a:r>
+                <a:rPr lang="en-US" i="1" dirty="0"/>
+                <a:t>he/him</a:t>
+              </a:r>
+            </a:p>
+          </p:txBody>
+        </p:sp>
+      </p:grpSp>
+      <p:grpSp>
+        <p:nvGrpSpPr>
+          <p:cNvPr id="34" name="Group 33">
+            <a:extLst>
+              <a:ext uri="{FF2B5EF4-FFF2-40B4-BE49-F238E27FC236}">
+                <a16:creationId xmlns:a16="http://schemas.microsoft.com/office/drawing/2014/main" id="{359F422B-AF99-4858-B201-47AE77456C4A}"/>
+              </a:ext>
+            </a:extLst>
+          </p:cNvPr>
+          <p:cNvGrpSpPr/>
+          <p:nvPr/>
+        </p:nvGrpSpPr>
+        <p:grpSpPr>
+          <a:xfrm>
+            <a:off x="5002219" y="1272139"/>
+            <a:ext cx="1038027" cy="1796940"/>
+            <a:chOff x="2690082" y="4212393"/>
+            <a:chExt cx="1038027" cy="1796940"/>
+          </a:xfrm>
+        </p:grpSpPr>
+        <p:pic>
+          <p:nvPicPr>
+            <p:cNvPr id="35" name="Picture 34" descr="A person wearing glasses&#10;&#10;Description automatically generated with low confidence">
+              <a:extLst>
+                <a:ext uri="{FF2B5EF4-FFF2-40B4-BE49-F238E27FC236}">
+                  <a16:creationId xmlns:a16="http://schemas.microsoft.com/office/drawing/2014/main" id="{D809B8C1-AFB2-4B94-B717-7027630549BD}"/>
+                </a:ext>
+              </a:extLst>
+            </p:cNvPr>
+            <p:cNvPicPr>
+              <a:picLocks noChangeAspect="1"/>
+            </p:cNvPicPr>
+            <p:nvPr/>
+          </p:nvPicPr>
+          <p:blipFill rotWithShape="1">
+            <a:blip r:embed="rId8" cstate="print">
+              <a:extLst>
+                <a:ext uri="{28A0092B-C50C-407E-A947-70E740481C1C}">
+                  <a14:useLocalDpi xmlns:a14="http://schemas.microsoft.com/office/drawing/2010/main" val="0"/>
+                </a:ext>
+              </a:extLst>
+            </a:blip>
+            <a:srcRect l="8053" t="854" r="5947" b="-854"/>
+            <a:stretch/>
+          </p:blipFill>
+          <p:spPr>
+            <a:xfrm>
+              <a:off x="2690082" y="4212393"/>
+              <a:ext cx="1038027" cy="1207008"/>
+            </a:xfrm>
+            <a:prstGeom prst="rect">
+              <a:avLst/>
+            </a:prstGeom>
+          </p:spPr>
+        </p:pic>
+        <p:sp>
+          <p:nvSpPr>
+            <p:cNvPr id="36" name="TextBox 35">
+              <a:extLst>
+                <a:ext uri="{FF2B5EF4-FFF2-40B4-BE49-F238E27FC236}">
+                  <a16:creationId xmlns:a16="http://schemas.microsoft.com/office/drawing/2014/main" id="{1237A6AA-6D17-4974-9231-D4E17B28F74A}"/>
+                </a:ext>
+              </a:extLst>
+            </p:cNvPr>
+            <p:cNvSpPr txBox="1"/>
+            <p:nvPr/>
+          </p:nvSpPr>
+          <p:spPr>
+            <a:xfrm>
+              <a:off x="2712806" y="5418402"/>
+              <a:ext cx="992579" cy="590931"/>
+            </a:xfrm>
+            <a:prstGeom prst="rect">
+              <a:avLst/>
+            </a:prstGeom>
+            <a:noFill/>
+          </p:spPr>
+          <p:txBody>
+            <a:bodyPr wrap="none" rtlCol="0">
+              <a:spAutoFit/>
+            </a:bodyPr>
+            <a:lstStyle/>
+            <a:p>
+              <a:pPr algn="ctr">
+                <a:lnSpc>
+                  <a:spcPct val="90000"/>
+                </a:lnSpc>
+              </a:pPr>
+              <a:r>
+                <a:rPr lang="en-US" dirty="0"/>
+                <a:t>David B</a:t>
               </a:r>
             </a:p>
             <a:p>
@@ -11610,6 +11730,21 @@
 </file>
 
 <file path=customXml/item1.xml><?xml version="1.0" encoding="utf-8"?>
+<p:properties xmlns:p="http://schemas.microsoft.com/office/2006/metadata/properties" xmlns:xsi="http://www.w3.org/2001/XMLSchema-instance" xmlns:pc="http://schemas.microsoft.com/office/infopath/2007/PartnerControls">
+  <documentManagement/>
+</p:properties>
+</file>
+
+<file path=customXml/item2.xml><?xml version="1.0" encoding="utf-8"?>
+<?mso-contentType ?>
+<FormTemplates xmlns="http://schemas.microsoft.com/sharepoint/v3/contenttype/forms">
+  <Display>DocumentLibraryForm</Display>
+  <Edit>DocumentLibraryForm</Edit>
+  <New>DocumentLibraryForm</New>
+</FormTemplates>
+</file>
+
+<file path=customXml/item3.xml><?xml version="1.0" encoding="utf-8"?>
 <ct:contentTypeSchema xmlns:ct="http://schemas.microsoft.com/office/2006/metadata/contentType" xmlns:ma="http://schemas.microsoft.com/office/2006/metadata/properties/metaAttributes" ct:_="" ma:_="" ma:contentTypeName="Document" ma:contentTypeID="0x010100565464437F680748A68B85EB6594EA7D" ma:contentTypeVersion="0" ma:contentTypeDescription="Create a new document." ma:contentTypeScope="" ma:versionID="fe3f4dd58d5914c51cfc6deaa8ad845c">
   <xsd:schema xmlns:xsd="http://www.w3.org/2001/XMLSchema" xmlns:p="http://schemas.microsoft.com/office/2006/metadata/properties" targetNamespace="http://schemas.microsoft.com/office/2006/metadata/properties" ma:root="true" ma:fieldsID="4aeb20c0e3442673af7ee10786458764">
     <xsd:element name="properties">
@@ -11658,32 +11793,17 @@
 </ct:contentTypeSchema>
 </file>
 
-<file path=customXml/item2.xml><?xml version="1.0" encoding="utf-8"?>
-<?mso-contentType ?>
-<FormTemplates xmlns="http://schemas.microsoft.com/sharepoint/v3/contenttype/forms">
-  <Display>DocumentLibraryForm</Display>
-  <Edit>DocumentLibraryForm</Edit>
-  <New>DocumentLibraryForm</New>
-</FormTemplates>
-</file>
-
-<file path=customXml/item3.xml><?xml version="1.0" encoding="utf-8"?>
-<p:properties xmlns:p="http://schemas.microsoft.com/office/2006/metadata/properties" xmlns:xsi="http://www.w3.org/2001/XMLSchema-instance" xmlns:pc="http://schemas.microsoft.com/office/infopath/2007/PartnerControls">
-  <documentManagement/>
-</p:properties>
-</file>
-
 <file path=customXml/itemProps1.xml><?xml version="1.0" encoding="utf-8"?>
-<ds:datastoreItem xmlns:ds="http://schemas.openxmlformats.org/officeDocument/2006/customXml" ds:itemID="{E8DB7DEB-074E-4EE8-9B6E-FD277323109C}">
+<ds:datastoreItem xmlns:ds="http://schemas.openxmlformats.org/officeDocument/2006/customXml" ds:itemID="{A50EC660-24D0-43A0-AE5E-E274115E726B}">
   <ds:schemaRefs>
-    <ds:schemaRef ds:uri="http://schemas.microsoft.com/office/2006/metadata/contentType"/>
-    <ds:schemaRef ds:uri="http://schemas.microsoft.com/office/2006/metadata/properties/metaAttributes"/>
-    <ds:schemaRef ds:uri="http://www.w3.org/2001/XMLSchema"/>
+    <ds:schemaRef ds:uri="http://purl.org/dc/elements/1.1/"/>
     <ds:schemaRef ds:uri="http://schemas.microsoft.com/office/2006/metadata/properties"/>
+    <ds:schemaRef ds:uri="http://purl.org/dc/terms/"/>
     <ds:schemaRef ds:uri="http://schemas.openxmlformats.org/package/2006/metadata/core-properties"/>
-    <ds:schemaRef ds:uri="http://purl.org/dc/elements/1.1/"/>
-    <ds:schemaRef ds:uri="http://purl.org/dc/terms/"/>
-    <ds:schemaRef ds:uri="http://schemas.microsoft.com/office/internal/2005/internalDocumentation"/>
+    <ds:schemaRef ds:uri="http://schemas.microsoft.com/office/2006/documentManagement/types"/>
+    <ds:schemaRef ds:uri="http://www.w3.org/XML/1998/namespace"/>
+    <ds:schemaRef ds:uri="http://purl.org/dc/dcmitype/"/>
+    <ds:schemaRef ds:uri="http://schemas.microsoft.com/office/infopath/2007/PartnerControls"/>
   </ds:schemaRefs>
 </ds:datastoreItem>
 </file>
@@ -11697,16 +11817,16 @@
 </file>
 
 <file path=customXml/itemProps3.xml><?xml version="1.0" encoding="utf-8"?>
-<ds:datastoreItem xmlns:ds="http://schemas.openxmlformats.org/officeDocument/2006/customXml" ds:itemID="{A50EC660-24D0-43A0-AE5E-E274115E726B}">
+<ds:datastoreItem xmlns:ds="http://schemas.openxmlformats.org/officeDocument/2006/customXml" ds:itemID="{E8DB7DEB-074E-4EE8-9B6E-FD277323109C}">
   <ds:schemaRefs>
+    <ds:schemaRef ds:uri="http://schemas.microsoft.com/office/2006/metadata/contentType"/>
+    <ds:schemaRef ds:uri="http://schemas.microsoft.com/office/2006/metadata/properties/metaAttributes"/>
+    <ds:schemaRef ds:uri="http://www.w3.org/2001/XMLSchema"/>
+    <ds:schemaRef ds:uri="http://schemas.microsoft.com/office/2006/metadata/properties"/>
+    <ds:schemaRef ds:uri="http://schemas.openxmlformats.org/package/2006/metadata/core-properties"/>
     <ds:schemaRef ds:uri="http://purl.org/dc/elements/1.1/"/>
-    <ds:schemaRef ds:uri="http://schemas.microsoft.com/office/2006/metadata/properties"/>
     <ds:schemaRef ds:uri="http://purl.org/dc/terms/"/>
-    <ds:schemaRef ds:uri="http://schemas.openxmlformats.org/package/2006/metadata/core-properties"/>
-    <ds:schemaRef ds:uri="http://schemas.microsoft.com/office/2006/documentManagement/types"/>
-    <ds:schemaRef ds:uri="http://www.w3.org/XML/1998/namespace"/>
-    <ds:schemaRef ds:uri="http://purl.org/dc/dcmitype/"/>
-    <ds:schemaRef ds:uri="http://schemas.microsoft.com/office/infopath/2007/PartnerControls"/>
+    <ds:schemaRef ds:uri="http://schemas.microsoft.com/office/internal/2005/internalDocumentation"/>
   </ds:schemaRefs>
 </ds:datastoreItem>
 </file>
--- a/intro.pptx
+++ b/intro.pptx
@@ -12,7 +12,7 @@
   </p:handoutMasterIdLst>
   <p:sldIdLst>
     <p:sldId id="617" r:id="rId5"/>
-    <p:sldId id="618" r:id="rId6"/>
+    <p:sldId id="320" r:id="rId6"/>
     <p:sldId id="308" r:id="rId7"/>
     <p:sldId id="327" r:id="rId8"/>
     <p:sldId id="324" r:id="rId9"/>
@@ -265,7 +265,7 @@
           <a:p>
             <a:fld id="{0B842F42-2CE9-4E35-95C1-410DC08A50B1}" type="datetimeFigureOut">
               <a:rPr lang="en-US" smtClean="0"/>
-              <a:t>11/14/2021</a:t>
+              <a:t>3/25/2022</a:t>
             </a:fld>
             <a:endParaRPr lang="en-US"/>
           </a:p>
@@ -430,7 +430,7 @@
           <a:p>
             <a:fld id="{6F282904-F315-4730-8D91-37D99E141A6F}" type="datetimeFigureOut">
               <a:rPr lang="en-US" smtClean="0"/>
-              <a:t>11/14/2021</a:t>
+              <a:t>3/25/2022</a:t>
             </a:fld>
             <a:endParaRPr lang="en-US"/>
           </a:p>
@@ -4116,7 +4116,7 @@
         <p:spPr>
           <a:xfrm>
             <a:off x="3177632" y="1959498"/>
-            <a:ext cx="5329441" cy="2855300"/>
+            <a:ext cx="5732904" cy="2855300"/>
           </a:xfrm>
         </p:spPr>
         <p:txBody>
@@ -4125,19 +4125,19 @@
           <a:p>
             <a:r>
               <a:rPr lang="en-US" dirty="0"/>
-              <a:t>David E. Bernholdt, Anshu Dubey, Patricia A. Grubel, Rinku K. Gupta, and Gregory R. Watson</a:t>
+              <a:t>David E. Bernholdt, Patricia A. Grubel, Rinku K. Gupta, and David M. Rogers</a:t>
             </a:r>
           </a:p>
           <a:p>
             <a:r>
               <a:rPr lang="en-US" dirty="0"/>
-              <a:t>with help from David M. Rogers</a:t>
+              <a:t>with help from Anshu Dubey and Gregory R. Watson</a:t>
             </a:r>
           </a:p>
           <a:p>
             <a:r>
               <a:rPr lang="en-US" dirty="0"/>
-              <a:t>SC21</a:t>
+              <a:t>Improving Scientific Software 2022</a:t>
             </a:r>
           </a:p>
           <a:p>
@@ -4452,7 +4452,7 @@
           <a:p>
             <a:pPr lvl="1">
               <a:spcBef>
-                <a:spcPts val="400"/>
+                <a:spcPts val="200"/>
               </a:spcBef>
             </a:pPr>
             <a:r>
@@ -4479,26 +4479,7 @@
             </a:pPr>
             <a:r>
               <a:rPr lang="en-US" dirty="0"/>
-              <a:t>We will hang around in Zoom during breaks and lunch for </a:t>
-            </a:r>
-            <a:r>
-              <a:rPr lang="en-US" u="sng" dirty="0"/>
-              <a:t>live</a:t>
-            </a:r>
-            <a:r>
-              <a:rPr lang="en-US" dirty="0"/>
-              <a:t> Q&amp;A/discussions with anyone interested</a:t>
-            </a:r>
-          </a:p>
-          <a:p>
-            <a:pPr lvl="1">
-              <a:spcBef>
-                <a:spcPts val="400"/>
-              </a:spcBef>
-            </a:pPr>
-            <a:r>
-              <a:rPr lang="en-US" dirty="0"/>
-              <a:t>Also during the hands-on session</a:t>
+              <a:t>We will hang around in Zoom during the break for live Q&amp;A/discussions</a:t>
             </a:r>
           </a:p>
           <a:p>
@@ -4509,18 +4490,26 @@
             </a:pPr>
             <a:r>
               <a:rPr lang="en-US" dirty="0"/>
-              <a:t>If you work on the hands-on activities, we’ll be glad to provide feedback</a:t>
+              <a:t>We have an optional session this afternoon specifically for more interaction </a:t>
             </a:r>
           </a:p>
           <a:p>
             <a:pPr lvl="1">
               <a:spcBef>
-                <a:spcPts val="400"/>
+                <a:spcPts val="200"/>
               </a:spcBef>
             </a:pPr>
             <a:r>
               <a:rPr lang="en-US" dirty="0"/>
-              <a:t>Submit a pull request and we’ll take a look</a:t>
+              <a:t>Can do hands-on activities, Q&amp;A about the presentations, or broader discussion of </a:t>
+            </a:r>
+            <a:r>
+              <a:rPr lang="en-US" dirty="0" err="1"/>
+              <a:t>sw</a:t>
+            </a:r>
+            <a:r>
+              <a:rPr lang="en-US" dirty="0"/>
+              <a:t> dev.</a:t>
             </a:r>
           </a:p>
           <a:p>
@@ -4531,6 +4520,28 @@
             </a:pPr>
             <a:r>
               <a:rPr lang="en-US" dirty="0"/>
+              <a:t>If you work on the hands-on activities, we’ll be glad to provide feedback</a:t>
+            </a:r>
+          </a:p>
+          <a:p>
+            <a:pPr lvl="1">
+              <a:spcBef>
+                <a:spcPts val="200"/>
+              </a:spcBef>
+            </a:pPr>
+            <a:r>
+              <a:rPr lang="en-US" dirty="0"/>
+              <a:t>Submit a pull request and we’ll take a look</a:t>
+            </a:r>
+          </a:p>
+          <a:p>
+            <a:pPr>
+              <a:spcBef>
+                <a:spcPts val="1200"/>
+              </a:spcBef>
+            </a:pPr>
+            <a:r>
+              <a:rPr lang="en-US" dirty="0"/>
               <a:t>After the tutorial email us at </a:t>
             </a:r>
             <a:r>
@@ -4544,7 +4555,7 @@
           <a:p>
             <a:pPr lvl="1">
               <a:spcBef>
-                <a:spcPts val="400"/>
+                <a:spcPts val="200"/>
               </a:spcBef>
             </a:pPr>
             <a:r>
@@ -4688,11 +4699,17 @@
               <a:rPr lang="en-US" sz="1600" dirty="0">
                 <a:hlinkClick r:id="rId2"/>
               </a:rPr>
-              <a:t>Creative Commons Attribution 4.0 International License </a:t>
+              <a:t>Creative</a:t>
+            </a:r>
+            <a:r>
+              <a:rPr lang="en-US" sz="1600" dirty="0">
+                <a:hlinkClick r:id="rId3"/>
+              </a:rPr>
+              <a:t> Commons Attribution 4.0 International License</a:t>
             </a:r>
             <a:r>
               <a:rPr lang="en-US" sz="1600" dirty="0"/>
-              <a:t>(CC BY 4.0).</a:t>
+              <a:t> (CC BY 4.0).</a:t>
             </a:r>
           </a:p>
           <a:p>
@@ -4703,15 +4720,21 @@
             </a:pPr>
             <a:r>
               <a:rPr lang="en-US" sz="1600" b="1" dirty="0"/>
-              <a:t>The requested citation the overall tutorial is: David E. Bernholdt, Anshu Dubey, Patricia A. Grubel, Rinku K. Gupta, and Gregory R. Watson, Better Scientific Software tutorial, in the International Conference for High-Performance Computing, Networking, Storage, and Analysis (SC21), St. Louis, MO, USA and online, 2021. DOI: </a:t>
+              <a:t>The requested citation the overall tutorial is: David E. Bernholdt, Patricia A. Grubel, Rinku K. Gupta, and David M. Rogers, Better Scientific Software tutorial, in Improving Scientific Software conference, online, 2022. DOI: </a:t>
             </a:r>
             <a:r>
               <a:rPr lang="en-US" sz="1600" b="1" dirty="0">
-                <a:hlinkClick r:id="rId3"/>
+                <a:hlinkClick r:id="rId4"/>
               </a:rPr>
-              <a:t>10.6084/m9.figshare.16556628</a:t>
-            </a:r>
-            <a:endParaRPr lang="en-US" sz="1600" b="1" dirty="0"/>
+              <a:t>10.6084/m9.figshare</a:t>
+            </a:r>
+            <a:r>
+              <a:rPr lang="en-US" sz="1600" b="1">
+                <a:hlinkClick r:id="rId4"/>
+              </a:rPr>
+              <a:t>.19416767</a:t>
+            </a:r>
+            <a:endParaRPr lang="en-US" sz="1600" b="1"/>
           </a:p>
           <a:p>
             <a:pPr>
@@ -4848,7 +4871,7 @@
           <p:nvPr/>
         </p:nvPicPr>
         <p:blipFill>
-          <a:blip r:embed="rId4">
+          <a:blip r:embed="rId5">
             <a:extLst>
               <a:ext uri="{28A0092B-C50C-407E-A947-70E740481C1C}">
                 <a14:useLocalDpi xmlns:a14="http://schemas.microsoft.com/office/drawing/2010/main" val="0"/>
@@ -4883,7 +4906,7 @@
     </p:spTree>
     <p:extLst>
       <p:ext uri="{BB962C8B-B14F-4D97-AF65-F5344CB8AC3E}">
-        <p14:creationId xmlns:p14="http://schemas.microsoft.com/office/powerpoint/2010/main" val="1004129188"/>
+        <p14:creationId xmlns:p14="http://schemas.microsoft.com/office/powerpoint/2010/main" val="978726433"/>
       </p:ext>
     </p:extLst>
   </p:cSld>
@@ -4954,7 +4977,7 @@
             </a:pPr>
             <a:r>
               <a:rPr lang="en-US" dirty="0"/>
-              <a:t>Anshu Dubey, ANL</a:t>
+              <a:t>Patricia Grubel, LANL</a:t>
             </a:r>
           </a:p>
           <a:p>
@@ -4965,7 +4988,7 @@
             </a:pPr>
             <a:r>
               <a:rPr lang="en-US" dirty="0"/>
-              <a:t>Patricia Grubel, LANL</a:t>
+              <a:t>Rinku Gupta, ANL</a:t>
             </a:r>
           </a:p>
           <a:p>
@@ -4976,7 +4999,7 @@
             </a:pPr>
             <a:r>
               <a:rPr lang="en-US" dirty="0"/>
-              <a:t>Rinku Gupta, ANL</a:t>
+              <a:t>David Rogers, ORNL </a:t>
             </a:r>
           </a:p>
           <a:p>
@@ -4987,7 +5010,7 @@
             </a:pPr>
             <a:r>
               <a:rPr lang="en-US" dirty="0"/>
-              <a:t>Greg Watson, ORNL</a:t>
+              <a:t>Anshu Dubey, ANL (helper)</a:t>
             </a:r>
           </a:p>
           <a:p>
@@ -4998,7 +5021,7 @@
             </a:pPr>
             <a:r>
               <a:rPr lang="en-US" dirty="0"/>
-              <a:t>David Rogers, ORNL (helper)</a:t>
+              <a:t>Greg Watson, ORNL (helper)</a:t>
             </a:r>
           </a:p>
           <a:p>
@@ -5063,7 +5086,7 @@
         </p:nvGrpSpPr>
         <p:grpSpPr>
           <a:xfrm>
-            <a:off x="8411923" y="1272139"/>
+            <a:off x="7293243" y="1233230"/>
             <a:ext cx="1009507" cy="1851663"/>
             <a:chOff x="9969639" y="348151"/>
             <a:chExt cx="1009507" cy="1851663"/>
@@ -5171,7 +5194,7 @@
         </p:nvGrpSpPr>
         <p:grpSpPr>
           <a:xfrm>
-            <a:off x="6176267" y="1272139"/>
+            <a:off x="9551643" y="1233230"/>
             <a:ext cx="954107" cy="1805497"/>
             <a:chOff x="6614147" y="1346049"/>
             <a:chExt cx="954107" cy="1805497"/>
@@ -5279,7 +5302,7 @@
         </p:nvGrpSpPr>
         <p:grpSpPr>
           <a:xfrm>
-            <a:off x="7266395" y="1272139"/>
+            <a:off x="6161991" y="1233230"/>
             <a:ext cx="1009507" cy="1851663"/>
             <a:chOff x="8066531" y="1374891"/>
             <a:chExt cx="1009507" cy="1851663"/>
@@ -5386,7 +5409,7 @@
         </p:nvGrpSpPr>
         <p:grpSpPr>
           <a:xfrm>
-            <a:off x="9557451" y="1272139"/>
+            <a:off x="10627494" y="1233230"/>
             <a:ext cx="1038027" cy="1804941"/>
             <a:chOff x="9222950" y="1485878"/>
             <a:chExt cx="1038027" cy="1804941"/>
@@ -5493,7 +5516,7 @@
         </p:nvGrpSpPr>
         <p:grpSpPr>
           <a:xfrm>
-            <a:off x="10731498" y="1272139"/>
+            <a:off x="8424495" y="1233230"/>
             <a:ext cx="1005403" cy="1805497"/>
             <a:chOff x="10526802" y="1346049"/>
             <a:chExt cx="1005403" cy="1805497"/>
@@ -5600,7 +5623,7 @@
         </p:nvGrpSpPr>
         <p:grpSpPr>
           <a:xfrm>
-            <a:off x="5002219" y="1272139"/>
+            <a:off x="5002219" y="1233230"/>
             <a:ext cx="1038027" cy="1796940"/>
             <a:chOff x="2690082" y="4212393"/>
             <a:chExt cx="1038027" cy="1796940"/>
@@ -10687,7 +10710,7 @@
         <p:spPr>
           <a:xfrm>
             <a:off x="365761" y="1012149"/>
-            <a:ext cx="6211614" cy="4047778"/>
+            <a:ext cx="5908579" cy="4047778"/>
           </a:xfrm>
         </p:spPr>
         <p:txBody>
@@ -10722,29 +10745,7 @@
             </a:pPr>
             <a:r>
               <a:rPr lang="en-US" dirty="0"/>
-              <a:t>We have some time in the agenda for the hands-on activities</a:t>
-            </a:r>
-          </a:p>
-          <a:p>
-            <a:pPr>
-              <a:spcBef>
-                <a:spcPts val="400"/>
-              </a:spcBef>
-            </a:pPr>
-            <a:r>
-              <a:rPr lang="en-US" sz="2000" dirty="0"/>
-              <a:t>But feel free to start early (i.e. during breaks) and continue after the tutorial</a:t>
-            </a:r>
-          </a:p>
-          <a:p>
-            <a:pPr>
-              <a:spcBef>
-                <a:spcPts val="400"/>
-              </a:spcBef>
-            </a:pPr>
-            <a:r>
-              <a:rPr lang="en-US" sz="2000" dirty="0"/>
-              <a:t>We’ll give feedback on pull requests and issues filed (or email us, see next slide).</a:t>
+              <a:t>We have time this afternoon which we can use for hands-on activities (optional)</a:t>
             </a:r>
           </a:p>
           <a:p>
@@ -10755,23 +10756,9 @@
               <a:buNone/>
             </a:pPr>
             <a:r>
-              <a:rPr lang="en-US" b="1" dirty="0"/>
-              <a:t>Instructions on the tutorial web site: </a:t>
-            </a:r>
-            <a:r>
-              <a:rPr lang="en-US" sz="2400" b="1" dirty="0">
-                <a:hlinkClick r:id="rId2"/>
-              </a:rPr>
-              <a:t>https://bssw-tutorial.github.io/</a:t>
-            </a:r>
-            <a:br>
-              <a:rPr lang="en-US" sz="2400" b="1" dirty="0"/>
-            </a:br>
-            <a:r>
-              <a:rPr lang="en-US" sz="2400" dirty="0"/>
-              <a:t>and click the link for today’s tutorial</a:t>
-            </a:r>
-            <a:endParaRPr lang="en-US" sz="2800" dirty="0"/>
+              <a:rPr lang="en-US" dirty="0"/>
+              <a:t>You can also work the hands-on activities on your own and email us if you have questions</a:t>
+            </a:r>
           </a:p>
         </p:txBody>
       </p:sp>
@@ -10790,7 +10777,7 @@
           <p:nvPr/>
         </p:nvPicPr>
         <p:blipFill rotWithShape="1">
-          <a:blip r:embed="rId3"/>
+          <a:blip r:embed="rId2"/>
           <a:srcRect l="8639" t="17307" r="21360" b="13562"/>
           <a:stretch/>
         </p:blipFill>
@@ -10804,6 +10791,61 @@
           </a:prstGeom>
         </p:spPr>
       </p:pic>
+      <p:sp>
+        <p:nvSpPr>
+          <p:cNvPr id="6" name="TextBox 5">
+            <a:extLst>
+              <a:ext uri="{FF2B5EF4-FFF2-40B4-BE49-F238E27FC236}">
+                <a16:creationId xmlns:a16="http://schemas.microsoft.com/office/drawing/2014/main" id="{08ACE962-21E3-4495-AC2B-FD3C060F40BA}"/>
+              </a:ext>
+            </a:extLst>
+          </p:cNvPr>
+          <p:cNvSpPr txBox="1"/>
+          <p:nvPr/>
+        </p:nvSpPr>
+        <p:spPr>
+          <a:xfrm>
+            <a:off x="6577375" y="4464696"/>
+            <a:ext cx="5496386" cy="1200329"/>
+          </a:xfrm>
+          <a:prstGeom prst="rect">
+            <a:avLst/>
+          </a:prstGeom>
+          <a:noFill/>
+        </p:spPr>
+        <p:txBody>
+          <a:bodyPr wrap="square">
+            <a:spAutoFit/>
+          </a:bodyPr>
+          <a:lstStyle/>
+          <a:p>
+            <a:pPr marL="0" indent="0">
+              <a:spcBef>
+                <a:spcPts val="2400"/>
+              </a:spcBef>
+              <a:buNone/>
+            </a:pPr>
+            <a:r>
+              <a:rPr lang="en-US" sz="2400" b="1" dirty="0"/>
+              <a:t>Instructions on the tutorial web site: </a:t>
+            </a:r>
+            <a:r>
+              <a:rPr lang="en-US" sz="2400" b="1" dirty="0">
+                <a:hlinkClick r:id="rId3"/>
+              </a:rPr>
+              <a:t>https://bssw-tutorial.github.io/</a:t>
+            </a:r>
+            <a:br>
+              <a:rPr lang="en-US" sz="2400" b="1" dirty="0"/>
+            </a:br>
+            <a:r>
+              <a:rPr lang="en-US" sz="2400" dirty="0"/>
+              <a:t>and click the link for today’s tutorial</a:t>
+            </a:r>
+            <a:endParaRPr lang="en-US" sz="2800" dirty="0"/>
+          </a:p>
+        </p:txBody>
+      </p:sp>
     </p:spTree>
     <p:extLst>
       <p:ext uri="{BB962C8B-B14F-4D97-AF65-F5344CB8AC3E}">
@@ -11736,15 +11778,6 @@
 </file>
 
 <file path=customXml/item2.xml><?xml version="1.0" encoding="utf-8"?>
-<?mso-contentType ?>
-<FormTemplates xmlns="http://schemas.microsoft.com/sharepoint/v3/contenttype/forms">
-  <Display>DocumentLibraryForm</Display>
-  <Edit>DocumentLibraryForm</Edit>
-  <New>DocumentLibraryForm</New>
-</FormTemplates>
-</file>
-
-<file path=customXml/item3.xml><?xml version="1.0" encoding="utf-8"?>
 <ct:contentTypeSchema xmlns:ct="http://schemas.microsoft.com/office/2006/metadata/contentType" xmlns:ma="http://schemas.microsoft.com/office/2006/metadata/properties/metaAttributes" ct:_="" ma:_="" ma:contentTypeName="Document" ma:contentTypeID="0x010100565464437F680748A68B85EB6594EA7D" ma:contentTypeVersion="0" ma:contentTypeDescription="Create a new document." ma:contentTypeScope="" ma:versionID="fe3f4dd58d5914c51cfc6deaa8ad845c">
   <xsd:schema xmlns:xsd="http://www.w3.org/2001/XMLSchema" xmlns:p="http://schemas.microsoft.com/office/2006/metadata/properties" targetNamespace="http://schemas.microsoft.com/office/2006/metadata/properties" ma:root="true" ma:fieldsID="4aeb20c0e3442673af7ee10786458764">
     <xsd:element name="properties">
@@ -11793,6 +11826,15 @@
 </ct:contentTypeSchema>
 </file>
 
+<file path=customXml/item3.xml><?xml version="1.0" encoding="utf-8"?>
+<?mso-contentType ?>
+<FormTemplates xmlns="http://schemas.microsoft.com/sharepoint/v3/contenttype/forms">
+  <Display>DocumentLibraryForm</Display>
+  <Edit>DocumentLibraryForm</Edit>
+  <New>DocumentLibraryForm</New>
+</FormTemplates>
+</file>
+
 <file path=customXml/itemProps1.xml><?xml version="1.0" encoding="utf-8"?>
 <ds:datastoreItem xmlns:ds="http://schemas.openxmlformats.org/officeDocument/2006/customXml" ds:itemID="{A50EC660-24D0-43A0-AE5E-E274115E726B}">
   <ds:schemaRefs>
@@ -11809,14 +11851,6 @@
 </file>
 
 <file path=customXml/itemProps2.xml><?xml version="1.0" encoding="utf-8"?>
-<ds:datastoreItem xmlns:ds="http://schemas.openxmlformats.org/officeDocument/2006/customXml" ds:itemID="{19E20559-B232-4371-8690-E3D8007EDB82}">
-  <ds:schemaRefs>
-    <ds:schemaRef ds:uri="http://schemas.microsoft.com/sharepoint/v3/contenttype/forms"/>
-  </ds:schemaRefs>
-</ds:datastoreItem>
-</file>
-
-<file path=customXml/itemProps3.xml><?xml version="1.0" encoding="utf-8"?>
 <ds:datastoreItem xmlns:ds="http://schemas.openxmlformats.org/officeDocument/2006/customXml" ds:itemID="{E8DB7DEB-074E-4EE8-9B6E-FD277323109C}">
   <ds:schemaRefs>
     <ds:schemaRef ds:uri="http://schemas.microsoft.com/office/2006/metadata/contentType"/>
@@ -11829,4 +11863,12 @@
     <ds:schemaRef ds:uri="http://schemas.microsoft.com/office/internal/2005/internalDocumentation"/>
   </ds:schemaRefs>
 </ds:datastoreItem>
+</file>
+
+<file path=customXml/itemProps3.xml><?xml version="1.0" encoding="utf-8"?>
+<ds:datastoreItem xmlns:ds="http://schemas.openxmlformats.org/officeDocument/2006/customXml" ds:itemID="{19E20559-B232-4371-8690-E3D8007EDB82}">
+  <ds:schemaRefs>
+    <ds:schemaRef ds:uri="http://schemas.microsoft.com/sharepoint/v3/contenttype/forms"/>
+  </ds:schemaRefs>
+</ds:datastoreItem>
 </file>
--- a/intro.pptx
+++ b/intro.pptx
@@ -12,14 +12,14 @@
   </p:handoutMasterIdLst>
   <p:sldIdLst>
     <p:sldId id="617" r:id="rId5"/>
-    <p:sldId id="320" r:id="rId6"/>
+    <p:sldId id="623" r:id="rId6"/>
     <p:sldId id="308" r:id="rId7"/>
     <p:sldId id="327" r:id="rId8"/>
     <p:sldId id="324" r:id="rId9"/>
     <p:sldId id="329" r:id="rId10"/>
     <p:sldId id="619" r:id="rId11"/>
     <p:sldId id="620" r:id="rId12"/>
-    <p:sldId id="314" r:id="rId13"/>
+    <p:sldId id="624" r:id="rId13"/>
     <p:sldId id="622" r:id="rId14"/>
     <p:sldId id="616" r:id="rId15"/>
   </p:sldIdLst>
@@ -265,7 +265,7 @@
           <a:p>
             <a:fld id="{0B842F42-2CE9-4E35-95C1-410DC08A50B1}" type="datetimeFigureOut">
               <a:rPr lang="en-US" smtClean="0"/>
-              <a:t>3/25/2022</a:t>
+              <a:t>4/17/2022</a:t>
             </a:fld>
             <a:endParaRPr lang="en-US"/>
           </a:p>
@@ -430,7 +430,7 @@
           <a:p>
             <a:fld id="{6F282904-F315-4730-8D91-37D99E141A6F}" type="datetimeFigureOut">
               <a:rPr lang="en-US" smtClean="0"/>
-              <a:t>3/25/2022</a:t>
+              <a:t>4/17/2022</a:t>
             </a:fld>
             <a:endParaRPr lang="en-US"/>
           </a:p>
@@ -695,6 +695,122 @@
     </a:lvl9pPr>
   </p:notesStyle>
 </p:notesMaster>
+</file>
+
+<file path=ppt/notesSlides/notesSlide1.xml><?xml version="1.0" encoding="utf-8"?>
+<p:notes xmlns:a="http://schemas.openxmlformats.org/drawingml/2006/main" xmlns:r="http://schemas.openxmlformats.org/officeDocument/2006/relationships" xmlns:p="http://schemas.openxmlformats.org/presentationml/2006/main">
+  <p:cSld>
+    <p:spTree>
+      <p:nvGrpSpPr>
+        <p:cNvPr id="1" name=""/>
+        <p:cNvGrpSpPr/>
+        <p:nvPr/>
+      </p:nvGrpSpPr>
+      <p:grpSpPr>
+        <a:xfrm>
+          <a:off x="0" y="0"/>
+          <a:ext cx="0" cy="0"/>
+          <a:chOff x="0" y="0"/>
+          <a:chExt cx="0" cy="0"/>
+        </a:xfrm>
+      </p:grpSpPr>
+      <p:sp>
+        <p:nvSpPr>
+          <p:cNvPr id="2" name="Slide Image Placeholder 1"/>
+          <p:cNvSpPr>
+            <a:spLocks noGrp="1" noRot="1" noChangeAspect="1"/>
+          </p:cNvSpPr>
+          <p:nvPr>
+            <p:ph type="sldImg"/>
+          </p:nvPr>
+        </p:nvSpPr>
+        <p:spPr/>
+      </p:sp>
+      <p:sp>
+        <p:nvSpPr>
+          <p:cNvPr id="3" name="Notes Placeholder 2"/>
+          <p:cNvSpPr>
+            <a:spLocks noGrp="1"/>
+          </p:cNvSpPr>
+          <p:nvPr>
+            <p:ph type="body" idx="1"/>
+          </p:nvPr>
+        </p:nvSpPr>
+        <p:spPr/>
+        <p:txBody>
+          <a:bodyPr/>
+          <a:lstStyle/>
+          <a:p>
+            <a:pPr marL="0" marR="0" lvl="0" indent="0" algn="l" defTabSz="914400" rtl="0" eaLnBrk="1" fontAlgn="auto" latinLnBrk="0" hangingPunct="1">
+              <a:lnSpc>
+                <a:spcPct val="100000"/>
+              </a:lnSpc>
+              <a:spcBef>
+                <a:spcPts val="0"/>
+              </a:spcBef>
+              <a:spcAft>
+                <a:spcPts val="0"/>
+              </a:spcAft>
+              <a:buClrTx/>
+              <a:buSzTx/>
+              <a:buFontTx/>
+              <a:buNone/>
+              <a:tabLst/>
+              <a:defRPr/>
+            </a:pPr>
+            <a:r>
+              <a:rPr lang="en-US" dirty="0"/>
+              <a:t>Variant for hands-on </a:t>
+            </a:r>
+            <a:r>
+              <a:rPr lang="en-US" b="1" i="1" dirty="0"/>
+              <a:t>not</a:t>
+            </a:r>
+            <a:r>
+              <a:rPr lang="en-US" b="0" i="0" dirty="0"/>
+              <a:t> being</a:t>
+            </a:r>
+            <a:r>
+              <a:rPr lang="en-US" dirty="0"/>
+              <a:t> part of the agenda.</a:t>
+            </a:r>
+          </a:p>
+        </p:txBody>
+      </p:sp>
+      <p:sp>
+        <p:nvSpPr>
+          <p:cNvPr id="4" name="Slide Number Placeholder 3"/>
+          <p:cNvSpPr>
+            <a:spLocks noGrp="1"/>
+          </p:cNvSpPr>
+          <p:nvPr>
+            <p:ph type="sldNum" sz="quarter" idx="5"/>
+          </p:nvPr>
+        </p:nvSpPr>
+        <p:spPr/>
+        <p:txBody>
+          <a:bodyPr/>
+          <a:lstStyle/>
+          <a:p>
+            <a:fld id="{54E672D7-8E2D-4611-973D-F4591A707C34}" type="slidenum">
+              <a:rPr lang="en-US" smtClean="0"/>
+              <a:t>9</a:t>
+            </a:fld>
+            <a:endParaRPr lang="en-US"/>
+          </a:p>
+        </p:txBody>
+      </p:sp>
+    </p:spTree>
+    <p:extLst>
+      <p:ext uri="{BB962C8B-B14F-4D97-AF65-F5344CB8AC3E}">
+        <p14:creationId xmlns:p14="http://schemas.microsoft.com/office/powerpoint/2010/main" val="2725185440"/>
+      </p:ext>
+    </p:extLst>
+  </p:cSld>
+  <p:clrMapOvr>
+    <a:masterClrMapping/>
+  </p:clrMapOvr>
+</p:notes>
 </file>
 
 <file path=ppt/slideLayouts/slideLayout1.xml><?xml version="1.0" encoding="utf-8"?>
@@ -4078,7 +4194,7 @@
         <p:spPr>
           <a:xfrm>
             <a:off x="3177633" y="503144"/>
-            <a:ext cx="7057341" cy="1030930"/>
+            <a:ext cx="8369032" cy="1030930"/>
           </a:xfrm>
         </p:spPr>
         <p:txBody>
@@ -4092,7 +4208,7 @@
             </a:pPr>
             <a:r>
               <a:rPr lang="en-US" dirty="0"/>
-              <a:t>Better Scientific Software tutorial</a:t>
+              <a:t>Developing a Testing and Continuous Integration Strategy for your Team tutorial</a:t>
             </a:r>
           </a:p>
         </p:txBody>
@@ -4125,19 +4241,13 @@
           <a:p>
             <a:r>
               <a:rPr lang="en-US" dirty="0"/>
-              <a:t>David E. Bernholdt, Patricia A. Grubel, Rinku K. Gupta, and David M. Rogers</a:t>
+              <a:t>Gregory R. Watson, and David M. Rogers</a:t>
             </a:r>
           </a:p>
           <a:p>
             <a:r>
               <a:rPr lang="en-US" dirty="0"/>
-              <a:t>with help from Anshu Dubey and Gregory R. Watson</a:t>
-            </a:r>
-          </a:p>
-          <a:p>
-            <a:r>
-              <a:rPr lang="en-US" dirty="0"/>
-              <a:t>Improving Scientific Software 2022</a:t>
+              <a:t>Exascale Computing Project Annual Meeting 2022</a:t>
             </a:r>
           </a:p>
           <a:p>
@@ -4479,47 +4589,6 @@
             </a:pPr>
             <a:r>
               <a:rPr lang="en-US" dirty="0"/>
-              <a:t>We will hang around in Zoom during the break for live Q&amp;A/discussions</a:t>
-            </a:r>
-          </a:p>
-          <a:p>
-            <a:pPr>
-              <a:spcBef>
-                <a:spcPts val="1200"/>
-              </a:spcBef>
-            </a:pPr>
-            <a:r>
-              <a:rPr lang="en-US" dirty="0"/>
-              <a:t>We have an optional session this afternoon specifically for more interaction </a:t>
-            </a:r>
-          </a:p>
-          <a:p>
-            <a:pPr lvl="1">
-              <a:spcBef>
-                <a:spcPts val="200"/>
-              </a:spcBef>
-            </a:pPr>
-            <a:r>
-              <a:rPr lang="en-US" dirty="0"/>
-              <a:t>Can do hands-on activities, Q&amp;A about the presentations, or broader discussion of </a:t>
-            </a:r>
-            <a:r>
-              <a:rPr lang="en-US" dirty="0" err="1"/>
-              <a:t>sw</a:t>
-            </a:r>
-            <a:r>
-              <a:rPr lang="en-US" dirty="0"/>
-              <a:t> dev.</a:t>
-            </a:r>
-          </a:p>
-          <a:p>
-            <a:pPr>
-              <a:spcBef>
-                <a:spcPts val="1200"/>
-              </a:spcBef>
-            </a:pPr>
-            <a:r>
-              <a:rPr lang="en-US" dirty="0"/>
               <a:t>If you work on the hands-on activities, we’ll be glad to provide feedback</a:t>
             </a:r>
           </a:p>
@@ -4720,21 +4789,23 @@
             </a:pPr>
             <a:r>
               <a:rPr lang="en-US" sz="1600" b="1" dirty="0"/>
-              <a:t>The requested citation the overall tutorial is: David E. Bernholdt, Patricia A. Grubel, Rinku K. Gupta, and David M. Rogers, Better Scientific Software tutorial, in Improving Scientific Software conference, online, 2022. DOI: </a:t>
+              <a:t>The requested citation the overall tutorial is: Gregory R. Watson and David M. </a:t>
+            </a:r>
+            <a:r>
+              <a:rPr lang="en-US" sz="1600" b="1"/>
+              <a:t>Rogers, </a:t>
+            </a:r>
+            <a:r>
+              <a:rPr lang="en-US" sz="1600" b="1" dirty="0"/>
+              <a:t>Developing a Testing and Continuous Integration Strategy for your Team tutorial, in Exascale Computing Project Annual Meeting, online, 2022. DOI: </a:t>
             </a:r>
             <a:r>
               <a:rPr lang="en-US" sz="1600" b="1" dirty="0">
                 <a:hlinkClick r:id="rId4"/>
               </a:rPr>
-              <a:t>10.6084/m9.figshare</a:t>
-            </a:r>
-            <a:r>
-              <a:rPr lang="en-US" sz="1600" b="1">
-                <a:hlinkClick r:id="rId4"/>
-              </a:rPr>
-              <a:t>.19416767</a:t>
-            </a:r>
-            <a:endParaRPr lang="en-US" sz="1600" b="1"/>
+              <a:t>10.6084/m9.figshare.19608927</a:t>
+            </a:r>
+            <a:endParaRPr lang="en-US" sz="1600" b="1" dirty="0"/>
           </a:p>
           <a:p>
             <a:pPr>
@@ -4906,7 +4977,7 @@
     </p:spTree>
     <p:extLst>
       <p:ext uri="{BB962C8B-B14F-4D97-AF65-F5344CB8AC3E}">
-        <p14:creationId xmlns:p14="http://schemas.microsoft.com/office/powerpoint/2010/main" val="978726433"/>
+        <p14:creationId xmlns:p14="http://schemas.microsoft.com/office/powerpoint/2010/main" val="3522437012"/>
       </p:ext>
     </p:extLst>
   </p:cSld>
@@ -4966,7 +5037,7 @@
             </a:pPr>
             <a:r>
               <a:rPr lang="en-US" dirty="0"/>
-              <a:t>David Bernholdt, ORNL</a:t>
+              <a:t>David Rogers, ORNL </a:t>
             </a:r>
           </a:p>
           <a:p>
@@ -4977,70 +5048,8 @@
             </a:pPr>
             <a:r>
               <a:rPr lang="en-US" dirty="0"/>
-              <a:t>Patricia Grubel, LANL</a:t>
-            </a:r>
-          </a:p>
-          <a:p>
-            <a:pPr>
-              <a:spcBef>
-                <a:spcPts val="1000"/>
-              </a:spcBef>
-            </a:pPr>
-            <a:r>
-              <a:rPr lang="en-US" dirty="0"/>
-              <a:t>Rinku Gupta, ANL</a:t>
-            </a:r>
-          </a:p>
-          <a:p>
-            <a:pPr>
-              <a:spcBef>
-                <a:spcPts val="1000"/>
-              </a:spcBef>
-            </a:pPr>
-            <a:r>
-              <a:rPr lang="en-US" dirty="0"/>
-              <a:t>David Rogers, ORNL </a:t>
-            </a:r>
-          </a:p>
-          <a:p>
-            <a:pPr>
-              <a:spcBef>
-                <a:spcPts val="1000"/>
-              </a:spcBef>
-            </a:pPr>
-            <a:r>
-              <a:rPr lang="en-US" dirty="0"/>
-              <a:t>Anshu Dubey, ANL (helper)</a:t>
-            </a:r>
-          </a:p>
-          <a:p>
-            <a:pPr>
-              <a:spcBef>
-                <a:spcPts val="1000"/>
-              </a:spcBef>
-            </a:pPr>
-            <a:r>
-              <a:rPr lang="en-US" dirty="0"/>
-              <a:t>Greg Watson, ORNL (helper)</a:t>
-            </a:r>
-          </a:p>
-          <a:p>
-            <a:pPr>
-              <a:spcBef>
-                <a:spcPts val="3200"/>
-              </a:spcBef>
-            </a:pPr>
-            <a:r>
-              <a:rPr lang="en-US" dirty="0"/>
-              <a:t>Member of the IDEAS Productivity Project: </a:t>
-            </a:r>
-            <a:r>
-              <a:rPr lang="en-US" dirty="0">
-                <a:hlinkClick r:id="rId2"/>
-              </a:rPr>
-              <a:t>http://ideas-productivity.org</a:t>
-            </a:r>
-            <a:endParaRPr lang="en-US" dirty="0"/>
+              <a:t>Greg Watson, ORNL</a:t>
+            </a:r>
           </a:p>
         </p:txBody>
       </p:sp>
@@ -5074,329 +5083,6 @@
       </p:sp>
       <p:grpSp>
         <p:nvGrpSpPr>
-          <p:cNvPr id="29" name="Group 28">
-            <a:extLst>
-              <a:ext uri="{FF2B5EF4-FFF2-40B4-BE49-F238E27FC236}">
-                <a16:creationId xmlns:a16="http://schemas.microsoft.com/office/drawing/2014/main" id="{AEA9B660-4676-44D8-A2B3-DB4056FB58AF}"/>
-              </a:ext>
-            </a:extLst>
-          </p:cNvPr>
-          <p:cNvGrpSpPr/>
-          <p:nvPr/>
-        </p:nvGrpSpPr>
-        <p:grpSpPr>
-          <a:xfrm>
-            <a:off x="7293243" y="1233230"/>
-            <a:ext cx="1009507" cy="1851663"/>
-            <a:chOff x="9969639" y="348151"/>
-            <a:chExt cx="1009507" cy="1851663"/>
-          </a:xfrm>
-        </p:grpSpPr>
-        <p:pic>
-          <p:nvPicPr>
-            <p:cNvPr id="30" name="Picture 29">
-              <a:extLst>
-                <a:ext uri="{FF2B5EF4-FFF2-40B4-BE49-F238E27FC236}">
-                  <a16:creationId xmlns:a16="http://schemas.microsoft.com/office/drawing/2014/main" id="{F75C7EBE-5CAD-4934-BD6F-F088C111E39E}"/>
-                </a:ext>
-              </a:extLst>
-            </p:cNvPr>
-            <p:cNvPicPr>
-              <a:picLocks noChangeAspect="1"/>
-            </p:cNvPicPr>
-            <p:nvPr/>
-          </p:nvPicPr>
-          <p:blipFill>
-            <a:blip r:embed="rId3" cstate="print">
-              <a:extLst>
-                <a:ext uri="{28A0092B-C50C-407E-A947-70E740481C1C}">
-                  <a14:useLocalDpi xmlns:a14="http://schemas.microsoft.com/office/drawing/2010/main" val="0"/>
-                </a:ext>
-              </a:extLst>
-            </a:blip>
-            <a:stretch>
-              <a:fillRect/>
-            </a:stretch>
-          </p:blipFill>
-          <p:spPr>
-            <a:xfrm>
-              <a:off x="10007683" y="348151"/>
-              <a:ext cx="933420" cy="1207008"/>
-            </a:xfrm>
-            <a:prstGeom prst="rect">
-              <a:avLst/>
-            </a:prstGeom>
-          </p:spPr>
-        </p:pic>
-        <p:sp>
-          <p:nvSpPr>
-            <p:cNvPr id="31" name="TextBox 30">
-              <a:extLst>
-                <a:ext uri="{FF2B5EF4-FFF2-40B4-BE49-F238E27FC236}">
-                  <a16:creationId xmlns:a16="http://schemas.microsoft.com/office/drawing/2014/main" id="{2EE8A150-86D2-4EE0-9C2A-5FCD3E0CD887}"/>
-                </a:ext>
-              </a:extLst>
-            </p:cNvPr>
-            <p:cNvSpPr txBox="1"/>
-            <p:nvPr/>
-          </p:nvSpPr>
-          <p:spPr>
-            <a:xfrm>
-              <a:off x="9969639" y="1516550"/>
-              <a:ext cx="1009507" cy="683264"/>
-            </a:xfrm>
-            <a:prstGeom prst="rect">
-              <a:avLst/>
-            </a:prstGeom>
-            <a:noFill/>
-          </p:spPr>
-          <p:txBody>
-            <a:bodyPr wrap="none" lIns="118872" tIns="91440" rIns="118872" bIns="91440" rtlCol="0" anchor="ctr" anchorCtr="0">
-              <a:spAutoFit/>
-            </a:bodyPr>
-            <a:lstStyle/>
-            <a:p>
-              <a:pPr algn="ctr">
-                <a:lnSpc>
-                  <a:spcPct val="90000"/>
-                </a:lnSpc>
-              </a:pPr>
-              <a:r>
-                <a:rPr lang="en-US" dirty="0"/>
-                <a:t>Rinku</a:t>
-              </a:r>
-            </a:p>
-            <a:p>
-              <a:pPr algn="ctr">
-                <a:lnSpc>
-                  <a:spcPct val="90000"/>
-                </a:lnSpc>
-              </a:pPr>
-              <a:r>
-                <a:rPr lang="en-US" i="1" dirty="0"/>
-                <a:t>she/her</a:t>
-              </a:r>
-            </a:p>
-          </p:txBody>
-        </p:sp>
-      </p:grpSp>
-      <p:grpSp>
-        <p:nvGrpSpPr>
-          <p:cNvPr id="38" name="Group 37">
-            <a:extLst>
-              <a:ext uri="{FF2B5EF4-FFF2-40B4-BE49-F238E27FC236}">
-                <a16:creationId xmlns:a16="http://schemas.microsoft.com/office/drawing/2014/main" id="{96A37841-302F-439F-AD4A-BC6CBFC45875}"/>
-              </a:ext>
-            </a:extLst>
-          </p:cNvPr>
-          <p:cNvGrpSpPr/>
-          <p:nvPr/>
-        </p:nvGrpSpPr>
-        <p:grpSpPr>
-          <a:xfrm>
-            <a:off x="9551643" y="1233230"/>
-            <a:ext cx="954107" cy="1805497"/>
-            <a:chOff x="6614147" y="1346049"/>
-            <a:chExt cx="954107" cy="1805497"/>
-          </a:xfrm>
-        </p:grpSpPr>
-        <p:sp>
-          <p:nvSpPr>
-            <p:cNvPr id="39" name="TextBox 38">
-              <a:extLst>
-                <a:ext uri="{FF2B5EF4-FFF2-40B4-BE49-F238E27FC236}">
-                  <a16:creationId xmlns:a16="http://schemas.microsoft.com/office/drawing/2014/main" id="{91F59643-0E31-44F1-933A-708480356A41}"/>
-                </a:ext>
-              </a:extLst>
-            </p:cNvPr>
-            <p:cNvSpPr txBox="1"/>
-            <p:nvPr/>
-          </p:nvSpPr>
-          <p:spPr>
-            <a:xfrm>
-              <a:off x="6614147" y="2560615"/>
-              <a:ext cx="954107" cy="590931"/>
-            </a:xfrm>
-            <a:prstGeom prst="rect">
-              <a:avLst/>
-            </a:prstGeom>
-            <a:noFill/>
-          </p:spPr>
-          <p:txBody>
-            <a:bodyPr wrap="none" rtlCol="0">
-              <a:spAutoFit/>
-            </a:bodyPr>
-            <a:lstStyle/>
-            <a:p>
-              <a:pPr algn="ctr">
-                <a:lnSpc>
-                  <a:spcPct val="90000"/>
-                </a:lnSpc>
-              </a:pPr>
-              <a:r>
-                <a:rPr lang="en-US" dirty="0"/>
-                <a:t>Anshu</a:t>
-              </a:r>
-            </a:p>
-            <a:p>
-              <a:pPr algn="ctr">
-                <a:lnSpc>
-                  <a:spcPct val="90000"/>
-                </a:lnSpc>
-              </a:pPr>
-              <a:r>
-                <a:rPr lang="en-US" i="1" dirty="0"/>
-                <a:t>she/her</a:t>
-              </a:r>
-            </a:p>
-          </p:txBody>
-        </p:sp>
-        <p:pic>
-          <p:nvPicPr>
-            <p:cNvPr id="40" name="Picture 39" descr="A person smiling for the camera&#10;&#10;Description automatically generated with low confidence">
-              <a:extLst>
-                <a:ext uri="{FF2B5EF4-FFF2-40B4-BE49-F238E27FC236}">
-                  <a16:creationId xmlns:a16="http://schemas.microsoft.com/office/drawing/2014/main" id="{2C075EF2-F4FE-439A-833F-BF0C5FE074B6}"/>
-                </a:ext>
-              </a:extLst>
-            </p:cNvPr>
-            <p:cNvPicPr>
-              <a:picLocks noChangeAspect="1"/>
-            </p:cNvPicPr>
-            <p:nvPr/>
-          </p:nvPicPr>
-          <p:blipFill>
-            <a:blip r:embed="rId4" cstate="print">
-              <a:extLst>
-                <a:ext uri="{28A0092B-C50C-407E-A947-70E740481C1C}">
-                  <a14:useLocalDpi xmlns:a14="http://schemas.microsoft.com/office/drawing/2010/main" val="0"/>
-                </a:ext>
-              </a:extLst>
-            </a:blip>
-            <a:stretch>
-              <a:fillRect/>
-            </a:stretch>
-          </p:blipFill>
-          <p:spPr>
-            <a:xfrm>
-              <a:off x="6632063" y="1346049"/>
-              <a:ext cx="918273" cy="1207008"/>
-            </a:xfrm>
-            <a:prstGeom prst="rect">
-              <a:avLst/>
-            </a:prstGeom>
-          </p:spPr>
-        </p:pic>
-      </p:grpSp>
-      <p:grpSp>
-        <p:nvGrpSpPr>
-          <p:cNvPr id="16" name="Group 15">
-            <a:extLst>
-              <a:ext uri="{FF2B5EF4-FFF2-40B4-BE49-F238E27FC236}">
-                <a16:creationId xmlns:a16="http://schemas.microsoft.com/office/drawing/2014/main" id="{8C07134C-7A25-436A-AB24-A1977D460825}"/>
-              </a:ext>
-            </a:extLst>
-          </p:cNvPr>
-          <p:cNvGrpSpPr/>
-          <p:nvPr/>
-        </p:nvGrpSpPr>
-        <p:grpSpPr>
-          <a:xfrm>
-            <a:off x="6161991" y="1233230"/>
-            <a:ext cx="1009507" cy="1851663"/>
-            <a:chOff x="8066531" y="1374891"/>
-            <a:chExt cx="1009507" cy="1851663"/>
-          </a:xfrm>
-        </p:grpSpPr>
-        <p:pic>
-          <p:nvPicPr>
-            <p:cNvPr id="17" name="Picture 16">
-              <a:extLst>
-                <a:ext uri="{FF2B5EF4-FFF2-40B4-BE49-F238E27FC236}">
-                  <a16:creationId xmlns:a16="http://schemas.microsoft.com/office/drawing/2014/main" id="{012B26D9-B6CB-4AD3-B584-CC648A130C99}"/>
-                </a:ext>
-              </a:extLst>
-            </p:cNvPr>
-            <p:cNvPicPr>
-              <a:picLocks noChangeAspect="1"/>
-            </p:cNvPicPr>
-            <p:nvPr/>
-          </p:nvPicPr>
-          <p:blipFill rotWithShape="1">
-            <a:blip r:embed="rId5" cstate="print">
-              <a:extLst>
-                <a:ext uri="{28A0092B-C50C-407E-A947-70E740481C1C}">
-                  <a14:useLocalDpi xmlns:a14="http://schemas.microsoft.com/office/drawing/2010/main" val="0"/>
-                </a:ext>
-              </a:extLst>
-            </a:blip>
-            <a:srcRect l="4859" r="10127"/>
-            <a:stretch/>
-          </p:blipFill>
-          <p:spPr>
-            <a:xfrm>
-              <a:off x="8088482" y="1374891"/>
-              <a:ext cx="965606" cy="1207008"/>
-            </a:xfrm>
-            <a:prstGeom prst="rect">
-              <a:avLst/>
-            </a:prstGeom>
-          </p:spPr>
-        </p:pic>
-        <p:sp>
-          <p:nvSpPr>
-            <p:cNvPr id="18" name="TextBox 17">
-              <a:extLst>
-                <a:ext uri="{FF2B5EF4-FFF2-40B4-BE49-F238E27FC236}">
-                  <a16:creationId xmlns:a16="http://schemas.microsoft.com/office/drawing/2014/main" id="{DCFE3231-5366-424B-823E-44823ED415DC}"/>
-                </a:ext>
-              </a:extLst>
-            </p:cNvPr>
-            <p:cNvSpPr txBox="1"/>
-            <p:nvPr/>
-          </p:nvSpPr>
-          <p:spPr>
-            <a:xfrm>
-              <a:off x="8066531" y="2543290"/>
-              <a:ext cx="1009507" cy="683264"/>
-            </a:xfrm>
-            <a:prstGeom prst="rect">
-              <a:avLst/>
-            </a:prstGeom>
-            <a:noFill/>
-          </p:spPr>
-          <p:txBody>
-            <a:bodyPr wrap="none" lIns="118872" tIns="91440" rIns="118872" bIns="91440" rtlCol="0" anchor="ctr" anchorCtr="0">
-              <a:spAutoFit/>
-            </a:bodyPr>
-            <a:lstStyle/>
-            <a:p>
-              <a:pPr algn="l">
-                <a:lnSpc>
-                  <a:spcPct val="90000"/>
-                </a:lnSpc>
-              </a:pPr>
-              <a:r>
-                <a:rPr lang="en-US" dirty="0"/>
-                <a:t>Patricia</a:t>
-              </a:r>
-            </a:p>
-            <a:p>
-              <a:pPr algn="l">
-                <a:lnSpc>
-                  <a:spcPct val="90000"/>
-                </a:lnSpc>
-              </a:pPr>
-              <a:r>
-                <a:rPr lang="en-US" i="1" dirty="0"/>
-                <a:t>she/her</a:t>
-              </a:r>
-            </a:p>
-          </p:txBody>
-        </p:sp>
-      </p:grpSp>
-      <p:grpSp>
-        <p:nvGrpSpPr>
           <p:cNvPr id="19" name="Group 18">
             <a:extLst>
               <a:ext uri="{FF2B5EF4-FFF2-40B4-BE49-F238E27FC236}">
@@ -5409,7 +5095,7 @@
         </p:nvGrpSpPr>
         <p:grpSpPr>
           <a:xfrm>
-            <a:off x="10627494" y="1233230"/>
+            <a:off x="6187929" y="1233230"/>
             <a:ext cx="1038027" cy="1804941"/>
             <a:chOff x="9222950" y="1485878"/>
             <a:chExt cx="1038027" cy="1804941"/>
@@ -5430,7 +5116,7 @@
             <p:nvPr/>
           </p:nvPicPr>
           <p:blipFill rotWithShape="1">
-            <a:blip r:embed="rId6">
+            <a:blip r:embed="rId2">
               <a:extLst>
                 <a:ext uri="{28A0092B-C50C-407E-A947-70E740481C1C}">
                   <a14:useLocalDpi xmlns:a14="http://schemas.microsoft.com/office/drawing/2010/main" val="0"/>
@@ -5516,7 +5202,7 @@
         </p:nvGrpSpPr>
         <p:grpSpPr>
           <a:xfrm>
-            <a:off x="8424495" y="1233230"/>
+            <a:off x="5094814" y="1233230"/>
             <a:ext cx="1005403" cy="1805497"/>
             <a:chOff x="10526802" y="1346049"/>
             <a:chExt cx="1005403" cy="1805497"/>
@@ -5537,7 +5223,7 @@
             <p:nvPr/>
           </p:nvPicPr>
           <p:blipFill rotWithShape="1">
-            <a:blip r:embed="rId7">
+            <a:blip r:embed="rId3">
               <a:extLst>
                 <a:ext uri="{28A0092B-C50C-407E-A947-70E740481C1C}">
                   <a14:useLocalDpi xmlns:a14="http://schemas.microsoft.com/office/drawing/2010/main" val="0"/>
@@ -5609,113 +5295,55 @@
           </p:txBody>
         </p:sp>
       </p:grpSp>
-      <p:grpSp>
-        <p:nvGrpSpPr>
-          <p:cNvPr id="34" name="Group 33">
+      <p:sp>
+        <p:nvSpPr>
+          <p:cNvPr id="23" name="TextBox 22">
             <a:extLst>
               <a:ext uri="{FF2B5EF4-FFF2-40B4-BE49-F238E27FC236}">
-                <a16:creationId xmlns:a16="http://schemas.microsoft.com/office/drawing/2014/main" id="{359F422B-AF99-4858-B201-47AE77456C4A}"/>
+                <a16:creationId xmlns:a16="http://schemas.microsoft.com/office/drawing/2014/main" id="{6423DDC1-6F70-4CBA-BC5B-223EF0DF9E0E}"/>
               </a:ext>
             </a:extLst>
           </p:cNvPr>
-          <p:cNvGrpSpPr/>
+          <p:cNvSpPr txBox="1"/>
           <p:nvPr/>
-        </p:nvGrpSpPr>
-        <p:grpSpPr>
+        </p:nvSpPr>
+        <p:spPr>
           <a:xfrm>
-            <a:off x="5002219" y="1233230"/>
-            <a:ext cx="1038027" cy="1796940"/>
-            <a:chOff x="2690082" y="4212393"/>
-            <a:chExt cx="1038027" cy="1796940"/>
+            <a:off x="363096" y="4186797"/>
+            <a:ext cx="9878184" cy="461665"/>
           </a:xfrm>
-        </p:grpSpPr>
-        <p:pic>
-          <p:nvPicPr>
-            <p:cNvPr id="35" name="Picture 34" descr="A person wearing glasses&#10;&#10;Description automatically generated with low confidence">
-              <a:extLst>
-                <a:ext uri="{FF2B5EF4-FFF2-40B4-BE49-F238E27FC236}">
-                  <a16:creationId xmlns:a16="http://schemas.microsoft.com/office/drawing/2014/main" id="{D809B8C1-AFB2-4B94-B717-7027630549BD}"/>
-                </a:ext>
-              </a:extLst>
-            </p:cNvPr>
-            <p:cNvPicPr>
-              <a:picLocks noChangeAspect="1"/>
-            </p:cNvPicPr>
-            <p:nvPr/>
-          </p:nvPicPr>
-          <p:blipFill rotWithShape="1">
-            <a:blip r:embed="rId8" cstate="print">
-              <a:extLst>
-                <a:ext uri="{28A0092B-C50C-407E-A947-70E740481C1C}">
-                  <a14:useLocalDpi xmlns:a14="http://schemas.microsoft.com/office/drawing/2010/main" val="0"/>
-                </a:ext>
-              </a:extLst>
-            </a:blip>
-            <a:srcRect l="8053" t="854" r="5947" b="-854"/>
-            <a:stretch/>
-          </p:blipFill>
-          <p:spPr>
-            <a:xfrm>
-              <a:off x="2690082" y="4212393"/>
-              <a:ext cx="1038027" cy="1207008"/>
-            </a:xfrm>
-            <a:prstGeom prst="rect">
-              <a:avLst/>
-            </a:prstGeom>
-          </p:spPr>
-        </p:pic>
-        <p:sp>
-          <p:nvSpPr>
-            <p:cNvPr id="36" name="TextBox 35">
-              <a:extLst>
-                <a:ext uri="{FF2B5EF4-FFF2-40B4-BE49-F238E27FC236}">
-                  <a16:creationId xmlns:a16="http://schemas.microsoft.com/office/drawing/2014/main" id="{1237A6AA-6D17-4974-9231-D4E17B28F74A}"/>
-                </a:ext>
-              </a:extLst>
-            </p:cNvPr>
-            <p:cNvSpPr txBox="1"/>
-            <p:nvPr/>
-          </p:nvSpPr>
-          <p:spPr>
-            <a:xfrm>
-              <a:off x="2712806" y="5418402"/>
-              <a:ext cx="992579" cy="590931"/>
-            </a:xfrm>
-            <a:prstGeom prst="rect">
-              <a:avLst/>
-            </a:prstGeom>
-            <a:noFill/>
-          </p:spPr>
-          <p:txBody>
-            <a:bodyPr wrap="none" rtlCol="0">
-              <a:spAutoFit/>
-            </a:bodyPr>
-            <a:lstStyle/>
-            <a:p>
-              <a:pPr algn="ctr">
-                <a:lnSpc>
-                  <a:spcPct val="90000"/>
-                </a:lnSpc>
-              </a:pPr>
-              <a:r>
-                <a:rPr lang="en-US" dirty="0"/>
-                <a:t>David B</a:t>
-              </a:r>
-            </a:p>
-            <a:p>
-              <a:pPr algn="ctr">
-                <a:lnSpc>
-                  <a:spcPct val="90000"/>
-                </a:lnSpc>
-              </a:pPr>
-              <a:r>
-                <a:rPr lang="en-US" i="1" dirty="0"/>
-                <a:t>he/him</a:t>
-              </a:r>
-            </a:p>
-          </p:txBody>
-        </p:sp>
-      </p:grpSp>
+          <a:prstGeom prst="rect">
+            <a:avLst/>
+          </a:prstGeom>
+          <a:noFill/>
+        </p:spPr>
+        <p:txBody>
+          <a:bodyPr wrap="square">
+            <a:spAutoFit/>
+          </a:bodyPr>
+          <a:lstStyle/>
+          <a:p>
+            <a:pPr marL="227013" indent="-227013">
+              <a:spcBef>
+                <a:spcPts val="3200"/>
+              </a:spcBef>
+              <a:buFont typeface="Arial" panose="020B0604020202020204" pitchFamily="34" charset="0"/>
+              <a:buChar char="•"/>
+            </a:pPr>
+            <a:r>
+              <a:rPr lang="en-US" sz="2400" dirty="0"/>
+              <a:t>Member of the IDEAS Productivity Project: </a:t>
+            </a:r>
+            <a:r>
+              <a:rPr lang="en-US" sz="2400" dirty="0">
+                <a:hlinkClick r:id="rId4"/>
+              </a:rPr>
+              <a:t>http://ideas-productivity.org</a:t>
+            </a:r>
+            <a:endParaRPr lang="en-US" sz="2400" dirty="0"/>
+          </a:p>
+        </p:txBody>
+      </p:sp>
     </p:spTree>
     <p:extLst>
       <p:ext uri="{BB962C8B-B14F-4D97-AF65-F5344CB8AC3E}">
@@ -10710,7 +10338,7 @@
         <p:spPr>
           <a:xfrm>
             <a:off x="365761" y="1012149"/>
-            <a:ext cx="5908579" cy="4047778"/>
+            <a:ext cx="6211614" cy="4047778"/>
           </a:xfrm>
         </p:spPr>
         <p:txBody>
@@ -10728,37 +10356,51 @@
           <a:p>
             <a:pPr>
               <a:spcBef>
-                <a:spcPts val="400"/>
+                <a:spcPts val="800"/>
               </a:spcBef>
             </a:pPr>
             <a:r>
               <a:rPr lang="en-US" sz="2000" dirty="0"/>
-              <a:t>You don’t need to understand the math/physics to do the exercises, or to find them useful</a:t>
+              <a:t>You don’t need to understand the math/physics to do the exercises, or find them useful</a:t>
             </a:r>
           </a:p>
           <a:p>
             <a:pPr marL="0" indent="0">
               <a:spcBef>
-                <a:spcPts val="2400"/>
+                <a:spcPts val="3600"/>
               </a:spcBef>
               <a:buNone/>
             </a:pPr>
             <a:r>
               <a:rPr lang="en-US" dirty="0"/>
-              <a:t>We have time this afternoon which we can use for hands-on activities (optional)</a:t>
+              <a:t>We do not have time in the agenda for the hands-on activities, but feel free to work on them outside of the tutorial.  We’ll give feedback on pull requests and issues filed (or email us, see next slide).</a:t>
             </a:r>
           </a:p>
           <a:p>
             <a:pPr marL="0" indent="0">
               <a:spcBef>
-                <a:spcPts val="2400"/>
+                <a:spcPts val="3600"/>
               </a:spcBef>
               <a:buNone/>
             </a:pPr>
             <a:r>
-              <a:rPr lang="en-US" dirty="0"/>
-              <a:t>You can also work the hands-on activities on your own and email us if you have questions</a:t>
-            </a:r>
+              <a:rPr lang="en-US" b="1" dirty="0"/>
+              <a:t>Instructions on the tutorial web site: </a:t>
+            </a:r>
+            <a:r>
+              <a:rPr lang="en-US" sz="2400" b="1" dirty="0">
+                <a:hlinkClick r:id="rId3"/>
+              </a:rPr>
+              <a:t>https://bssw-tutorial.github.io/</a:t>
+            </a:r>
+            <a:br>
+              <a:rPr lang="en-US" sz="2400" b="1" dirty="0"/>
+            </a:br>
+            <a:r>
+              <a:rPr lang="en-US" sz="2400" dirty="0"/>
+              <a:t>and click the link for today’s tutorial</a:t>
+            </a:r>
+            <a:endParaRPr lang="en-US" sz="2800" dirty="0"/>
           </a:p>
         </p:txBody>
       </p:sp>
@@ -10777,7 +10419,7 @@
           <p:nvPr/>
         </p:nvPicPr>
         <p:blipFill rotWithShape="1">
-          <a:blip r:embed="rId2"/>
+          <a:blip r:embed="rId4"/>
           <a:srcRect l="8639" t="17307" r="21360" b="13562"/>
           <a:stretch/>
         </p:blipFill>
@@ -10791,65 +10433,10 @@
           </a:prstGeom>
         </p:spPr>
       </p:pic>
-      <p:sp>
-        <p:nvSpPr>
-          <p:cNvPr id="6" name="TextBox 5">
-            <a:extLst>
-              <a:ext uri="{FF2B5EF4-FFF2-40B4-BE49-F238E27FC236}">
-                <a16:creationId xmlns:a16="http://schemas.microsoft.com/office/drawing/2014/main" id="{08ACE962-21E3-4495-AC2B-FD3C060F40BA}"/>
-              </a:ext>
-            </a:extLst>
-          </p:cNvPr>
-          <p:cNvSpPr txBox="1"/>
-          <p:nvPr/>
-        </p:nvSpPr>
-        <p:spPr>
-          <a:xfrm>
-            <a:off x="6577375" y="4464696"/>
-            <a:ext cx="5496386" cy="1200329"/>
-          </a:xfrm>
-          <a:prstGeom prst="rect">
-            <a:avLst/>
-          </a:prstGeom>
-          <a:noFill/>
-        </p:spPr>
-        <p:txBody>
-          <a:bodyPr wrap="square">
-            <a:spAutoFit/>
-          </a:bodyPr>
-          <a:lstStyle/>
-          <a:p>
-            <a:pPr marL="0" indent="0">
-              <a:spcBef>
-                <a:spcPts val="2400"/>
-              </a:spcBef>
-              <a:buNone/>
-            </a:pPr>
-            <a:r>
-              <a:rPr lang="en-US" sz="2400" b="1" dirty="0"/>
-              <a:t>Instructions on the tutorial web site: </a:t>
-            </a:r>
-            <a:r>
-              <a:rPr lang="en-US" sz="2400" b="1" dirty="0">
-                <a:hlinkClick r:id="rId3"/>
-              </a:rPr>
-              <a:t>https://bssw-tutorial.github.io/</a:t>
-            </a:r>
-            <a:br>
-              <a:rPr lang="en-US" sz="2400" b="1" dirty="0"/>
-            </a:br>
-            <a:r>
-              <a:rPr lang="en-US" sz="2400" dirty="0"/>
-              <a:t>and click the link for today’s tutorial</a:t>
-            </a:r>
-            <a:endParaRPr lang="en-US" sz="2800" dirty="0"/>
-          </a:p>
-        </p:txBody>
-      </p:sp>
     </p:spTree>
     <p:extLst>
       <p:ext uri="{BB962C8B-B14F-4D97-AF65-F5344CB8AC3E}">
-        <p14:creationId xmlns:p14="http://schemas.microsoft.com/office/powerpoint/2010/main" val="2187668164"/>
+        <p14:creationId xmlns:p14="http://schemas.microsoft.com/office/powerpoint/2010/main" val="1665072123"/>
       </p:ext>
     </p:extLst>
   </p:cSld>
@@ -11772,9 +11359,12 @@
 </file>
 
 <file path=customXml/item1.xml><?xml version="1.0" encoding="utf-8"?>
-<p:properties xmlns:p="http://schemas.microsoft.com/office/2006/metadata/properties" xmlns:xsi="http://www.w3.org/2001/XMLSchema-instance" xmlns:pc="http://schemas.microsoft.com/office/infopath/2007/PartnerControls">
-  <documentManagement/>
-</p:properties>
+<?mso-contentType ?>
+<FormTemplates xmlns="http://schemas.microsoft.com/sharepoint/v3/contenttype/forms">
+  <Display>DocumentLibraryForm</Display>
+  <Edit>DocumentLibraryForm</Edit>
+  <New>DocumentLibraryForm</New>
+</FormTemplates>
 </file>
 
 <file path=customXml/item2.xml><?xml version="1.0" encoding="utf-8"?>
@@ -11827,25 +11417,15 @@
 </file>
 
 <file path=customXml/item3.xml><?xml version="1.0" encoding="utf-8"?>
-<?mso-contentType ?>
-<FormTemplates xmlns="http://schemas.microsoft.com/sharepoint/v3/contenttype/forms">
-  <Display>DocumentLibraryForm</Display>
-  <Edit>DocumentLibraryForm</Edit>
-  <New>DocumentLibraryForm</New>
-</FormTemplates>
+<p:properties xmlns:p="http://schemas.microsoft.com/office/2006/metadata/properties" xmlns:xsi="http://www.w3.org/2001/XMLSchema-instance" xmlns:pc="http://schemas.microsoft.com/office/infopath/2007/PartnerControls">
+  <documentManagement/>
+</p:properties>
 </file>
 
 <file path=customXml/itemProps1.xml><?xml version="1.0" encoding="utf-8"?>
-<ds:datastoreItem xmlns:ds="http://schemas.openxmlformats.org/officeDocument/2006/customXml" ds:itemID="{A50EC660-24D0-43A0-AE5E-E274115E726B}">
+<ds:datastoreItem xmlns:ds="http://schemas.openxmlformats.org/officeDocument/2006/customXml" ds:itemID="{19E20559-B232-4371-8690-E3D8007EDB82}">
   <ds:schemaRefs>
-    <ds:schemaRef ds:uri="http://purl.org/dc/elements/1.1/"/>
-    <ds:schemaRef ds:uri="http://schemas.microsoft.com/office/2006/metadata/properties"/>
-    <ds:schemaRef ds:uri="http://purl.org/dc/terms/"/>
-    <ds:schemaRef ds:uri="http://schemas.openxmlformats.org/package/2006/metadata/core-properties"/>
-    <ds:schemaRef ds:uri="http://schemas.microsoft.com/office/2006/documentManagement/types"/>
-    <ds:schemaRef ds:uri="http://www.w3.org/XML/1998/namespace"/>
-    <ds:schemaRef ds:uri="http://purl.org/dc/dcmitype/"/>
-    <ds:schemaRef ds:uri="http://schemas.microsoft.com/office/infopath/2007/PartnerControls"/>
+    <ds:schemaRef ds:uri="http://schemas.microsoft.com/sharepoint/v3/contenttype/forms"/>
   </ds:schemaRefs>
 </ds:datastoreItem>
 </file>
@@ -11866,9 +11446,16 @@
 </file>
 
 <file path=customXml/itemProps3.xml><?xml version="1.0" encoding="utf-8"?>
-<ds:datastoreItem xmlns:ds="http://schemas.openxmlformats.org/officeDocument/2006/customXml" ds:itemID="{19E20559-B232-4371-8690-E3D8007EDB82}">
+<ds:datastoreItem xmlns:ds="http://schemas.openxmlformats.org/officeDocument/2006/customXml" ds:itemID="{A50EC660-24D0-43A0-AE5E-E274115E726B}">
   <ds:schemaRefs>
-    <ds:schemaRef ds:uri="http://schemas.microsoft.com/sharepoint/v3/contenttype/forms"/>
+    <ds:schemaRef ds:uri="http://purl.org/dc/elements/1.1/"/>
+    <ds:schemaRef ds:uri="http://schemas.microsoft.com/office/2006/metadata/properties"/>
+    <ds:schemaRef ds:uri="http://purl.org/dc/terms/"/>
+    <ds:schemaRef ds:uri="http://schemas.openxmlformats.org/package/2006/metadata/core-properties"/>
+    <ds:schemaRef ds:uri="http://schemas.microsoft.com/office/2006/documentManagement/types"/>
+    <ds:schemaRef ds:uri="http://www.w3.org/XML/1998/namespace"/>
+    <ds:schemaRef ds:uri="http://purl.org/dc/dcmitype/"/>
+    <ds:schemaRef ds:uri="http://schemas.microsoft.com/office/infopath/2007/PartnerControls"/>
   </ds:schemaRefs>
 </ds:datastoreItem>
 </file>
--- a/intro.pptx
+++ b/intro.pptx
@@ -265,7 +265,7 @@
           <a:p>
             <a:fld id="{0B842F42-2CE9-4E35-95C1-410DC08A50B1}" type="datetimeFigureOut">
               <a:rPr lang="en-US" smtClean="0"/>
-              <a:t>4/17/2022</a:t>
+              <a:t>5/2/22</a:t>
             </a:fld>
             <a:endParaRPr lang="en-US"/>
           </a:p>
@@ -430,7 +430,7 @@
           <a:p>
             <a:fld id="{6F282904-F315-4730-8D91-37D99E141A6F}" type="datetimeFigureOut">
               <a:rPr lang="en-US" smtClean="0"/>
-              <a:t>4/17/2022</a:t>
+              <a:t>5/2/22</a:t>
             </a:fld>
             <a:endParaRPr lang="en-US"/>
           </a:p>
@@ -4406,8 +4406,13 @@
           <a:p>
             <a:r>
               <a:rPr lang="en-US" dirty="0"/>
-              <a:t>(Software) best practice to make your license and preferred citation(s) easily finable</a:t>
-            </a:r>
+              <a:t>(Software) best practice to make your license and preferred citation(s) </a:t>
+            </a:r>
+            <a:r>
+              <a:rPr lang="en-US"/>
+              <a:t>easily findable</a:t>
+            </a:r>
+            <a:endParaRPr lang="en-US" dirty="0"/>
           </a:p>
           <a:p>
             <a:r>
@@ -11368,6 +11373,12 @@
 </file>
 
 <file path=customXml/item2.xml><?xml version="1.0" encoding="utf-8"?>
+<p:properties xmlns:p="http://schemas.microsoft.com/office/2006/metadata/properties" xmlns:xsi="http://www.w3.org/2001/XMLSchema-instance" xmlns:pc="http://schemas.microsoft.com/office/infopath/2007/PartnerControls">
+  <documentManagement/>
+</p:properties>
+</file>
+
+<file path=customXml/item3.xml><?xml version="1.0" encoding="utf-8"?>
 <ct:contentTypeSchema xmlns:ct="http://schemas.microsoft.com/office/2006/metadata/contentType" xmlns:ma="http://schemas.microsoft.com/office/2006/metadata/properties/metaAttributes" ct:_="" ma:_="" ma:contentTypeName="Document" ma:contentTypeID="0x010100565464437F680748A68B85EB6594EA7D" ma:contentTypeVersion="0" ma:contentTypeDescription="Create a new document." ma:contentTypeScope="" ma:versionID="fe3f4dd58d5914c51cfc6deaa8ad845c">
   <xsd:schema xmlns:xsd="http://www.w3.org/2001/XMLSchema" xmlns:p="http://schemas.microsoft.com/office/2006/metadata/properties" targetNamespace="http://schemas.microsoft.com/office/2006/metadata/properties" ma:root="true" ma:fieldsID="4aeb20c0e3442673af7ee10786458764">
     <xsd:element name="properties">
@@ -11416,12 +11427,6 @@
 </ct:contentTypeSchema>
 </file>
 
-<file path=customXml/item3.xml><?xml version="1.0" encoding="utf-8"?>
-<p:properties xmlns:p="http://schemas.microsoft.com/office/2006/metadata/properties" xmlns:xsi="http://www.w3.org/2001/XMLSchema-instance" xmlns:pc="http://schemas.microsoft.com/office/infopath/2007/PartnerControls">
-  <documentManagement/>
-</p:properties>
-</file>
-
 <file path=customXml/itemProps1.xml><?xml version="1.0" encoding="utf-8"?>
 <ds:datastoreItem xmlns:ds="http://schemas.openxmlformats.org/officeDocument/2006/customXml" ds:itemID="{19E20559-B232-4371-8690-E3D8007EDB82}">
   <ds:schemaRefs>
@@ -11431,6 +11436,21 @@
 </file>
 
 <file path=customXml/itemProps2.xml><?xml version="1.0" encoding="utf-8"?>
+<ds:datastoreItem xmlns:ds="http://schemas.openxmlformats.org/officeDocument/2006/customXml" ds:itemID="{A50EC660-24D0-43A0-AE5E-E274115E726B}">
+  <ds:schemaRefs>
+    <ds:schemaRef ds:uri="http://purl.org/dc/elements/1.1/"/>
+    <ds:schemaRef ds:uri="http://schemas.microsoft.com/office/2006/metadata/properties"/>
+    <ds:schemaRef ds:uri="http://purl.org/dc/terms/"/>
+    <ds:schemaRef ds:uri="http://schemas.openxmlformats.org/package/2006/metadata/core-properties"/>
+    <ds:schemaRef ds:uri="http://schemas.microsoft.com/office/2006/documentManagement/types"/>
+    <ds:schemaRef ds:uri="http://www.w3.org/XML/1998/namespace"/>
+    <ds:schemaRef ds:uri="http://purl.org/dc/dcmitype/"/>
+    <ds:schemaRef ds:uri="http://schemas.microsoft.com/office/infopath/2007/PartnerControls"/>
+  </ds:schemaRefs>
+</ds:datastoreItem>
+</file>
+
+<file path=customXml/itemProps3.xml><?xml version="1.0" encoding="utf-8"?>
 <ds:datastoreItem xmlns:ds="http://schemas.openxmlformats.org/officeDocument/2006/customXml" ds:itemID="{E8DB7DEB-074E-4EE8-9B6E-FD277323109C}">
   <ds:schemaRefs>
     <ds:schemaRef ds:uri="http://schemas.microsoft.com/office/2006/metadata/contentType"/>
@@ -11443,19 +11463,4 @@
     <ds:schemaRef ds:uri="http://schemas.microsoft.com/office/internal/2005/internalDocumentation"/>
   </ds:schemaRefs>
 </ds:datastoreItem>
-</file>
-
-<file path=customXml/itemProps3.xml><?xml version="1.0" encoding="utf-8"?>
-<ds:datastoreItem xmlns:ds="http://schemas.openxmlformats.org/officeDocument/2006/customXml" ds:itemID="{A50EC660-24D0-43A0-AE5E-E274115E726B}">
-  <ds:schemaRefs>
-    <ds:schemaRef ds:uri="http://purl.org/dc/elements/1.1/"/>
-    <ds:schemaRef ds:uri="http://schemas.microsoft.com/office/2006/metadata/properties"/>
-    <ds:schemaRef ds:uri="http://purl.org/dc/terms/"/>
-    <ds:schemaRef ds:uri="http://schemas.openxmlformats.org/package/2006/metadata/core-properties"/>
-    <ds:schemaRef ds:uri="http://schemas.microsoft.com/office/2006/documentManagement/types"/>
-    <ds:schemaRef ds:uri="http://www.w3.org/XML/1998/namespace"/>
-    <ds:schemaRef ds:uri="http://purl.org/dc/dcmitype/"/>
-    <ds:schemaRef ds:uri="http://schemas.microsoft.com/office/infopath/2007/PartnerControls"/>
-  </ds:schemaRefs>
-</ds:datastoreItem>
 </file>
--- a/intro.pptx
+++ b/intro.pptx
@@ -265,7 +265,7 @@
           <a:p>
             <a:fld id="{0B842F42-2CE9-4E35-95C1-410DC08A50B1}" type="datetimeFigureOut">
               <a:rPr lang="en-US" smtClean="0"/>
-              <a:t>4/17/2022</a:t>
+              <a:t>5/6/2022</a:t>
             </a:fld>
             <a:endParaRPr lang="en-US"/>
           </a:p>
@@ -430,7 +430,7 @@
           <a:p>
             <a:fld id="{6F282904-F315-4730-8D91-37D99E141A6F}" type="datetimeFigureOut">
               <a:rPr lang="en-US" smtClean="0"/>
-              <a:t>4/17/2022</a:t>
+              <a:t>5/6/2022</a:t>
             </a:fld>
             <a:endParaRPr lang="en-US"/>
           </a:p>
@@ -5309,8 +5309,8 @@
         </p:nvSpPr>
         <p:spPr>
           <a:xfrm>
-            <a:off x="363096" y="4186797"/>
-            <a:ext cx="9878184" cy="461665"/>
+            <a:off x="363095" y="4186797"/>
+            <a:ext cx="10123321" cy="461665"/>
           </a:xfrm>
           <a:prstGeom prst="rect">
             <a:avLst/>
@@ -5332,7 +5332,7 @@
             </a:pPr>
             <a:r>
               <a:rPr lang="en-US" sz="2400" dirty="0"/>
-              <a:t>Member of the IDEAS Productivity Project: </a:t>
+              <a:t>Members of the IDEAS Productivity Project: </a:t>
             </a:r>
             <a:r>
               <a:rPr lang="en-US" sz="2400" dirty="0">
@@ -11359,15 +11359,6 @@
 </file>
 
 <file path=customXml/item1.xml><?xml version="1.0" encoding="utf-8"?>
-<?mso-contentType ?>
-<FormTemplates xmlns="http://schemas.microsoft.com/sharepoint/v3/contenttype/forms">
-  <Display>DocumentLibraryForm</Display>
-  <Edit>DocumentLibraryForm</Edit>
-  <New>DocumentLibraryForm</New>
-</FormTemplates>
-</file>
-
-<file path=customXml/item2.xml><?xml version="1.0" encoding="utf-8"?>
 <ct:contentTypeSchema xmlns:ct="http://schemas.microsoft.com/office/2006/metadata/contentType" xmlns:ma="http://schemas.microsoft.com/office/2006/metadata/properties/metaAttributes" ct:_="" ma:_="" ma:contentTypeName="Document" ma:contentTypeID="0x010100565464437F680748A68B85EB6594EA7D" ma:contentTypeVersion="0" ma:contentTypeDescription="Create a new document." ma:contentTypeScope="" ma:versionID="fe3f4dd58d5914c51cfc6deaa8ad845c">
   <xsd:schema xmlns:xsd="http://www.w3.org/2001/XMLSchema" xmlns:p="http://schemas.microsoft.com/office/2006/metadata/properties" targetNamespace="http://schemas.microsoft.com/office/2006/metadata/properties" ma:root="true" ma:fieldsID="4aeb20c0e3442673af7ee10786458764">
     <xsd:element name="properties">
@@ -11416,6 +11407,15 @@
 </ct:contentTypeSchema>
 </file>
 
+<file path=customXml/item2.xml><?xml version="1.0" encoding="utf-8"?>
+<?mso-contentType ?>
+<FormTemplates xmlns="http://schemas.microsoft.com/sharepoint/v3/contenttype/forms">
+  <Display>DocumentLibraryForm</Display>
+  <Edit>DocumentLibraryForm</Edit>
+  <New>DocumentLibraryForm</New>
+</FormTemplates>
+</file>
+
 <file path=customXml/item3.xml><?xml version="1.0" encoding="utf-8"?>
 <p:properties xmlns:p="http://schemas.microsoft.com/office/2006/metadata/properties" xmlns:xsi="http://www.w3.org/2001/XMLSchema-instance" xmlns:pc="http://schemas.microsoft.com/office/infopath/2007/PartnerControls">
   <documentManagement/>
@@ -11423,14 +11423,6 @@
 </file>
 
 <file path=customXml/itemProps1.xml><?xml version="1.0" encoding="utf-8"?>
-<ds:datastoreItem xmlns:ds="http://schemas.openxmlformats.org/officeDocument/2006/customXml" ds:itemID="{19E20559-B232-4371-8690-E3D8007EDB82}">
-  <ds:schemaRefs>
-    <ds:schemaRef ds:uri="http://schemas.microsoft.com/sharepoint/v3/contenttype/forms"/>
-  </ds:schemaRefs>
-</ds:datastoreItem>
-</file>
-
-<file path=customXml/itemProps2.xml><?xml version="1.0" encoding="utf-8"?>
 <ds:datastoreItem xmlns:ds="http://schemas.openxmlformats.org/officeDocument/2006/customXml" ds:itemID="{E8DB7DEB-074E-4EE8-9B6E-FD277323109C}">
   <ds:schemaRefs>
     <ds:schemaRef ds:uri="http://schemas.microsoft.com/office/2006/metadata/contentType"/>
@@ -11441,6 +11433,14 @@
     <ds:schemaRef ds:uri="http://purl.org/dc/elements/1.1/"/>
     <ds:schemaRef ds:uri="http://purl.org/dc/terms/"/>
     <ds:schemaRef ds:uri="http://schemas.microsoft.com/office/internal/2005/internalDocumentation"/>
+  </ds:schemaRefs>
+</ds:datastoreItem>
+</file>
+
+<file path=customXml/itemProps2.xml><?xml version="1.0" encoding="utf-8"?>
+<ds:datastoreItem xmlns:ds="http://schemas.openxmlformats.org/officeDocument/2006/customXml" ds:itemID="{19E20559-B232-4371-8690-E3D8007EDB82}">
+  <ds:schemaRefs>
+    <ds:schemaRef ds:uri="http://schemas.microsoft.com/sharepoint/v3/contenttype/forms"/>
   </ds:schemaRefs>
 </ds:datastoreItem>
 </file>

--- a/intro.pptx
+++ b/intro.pptx
@@ -12,16 +12,16 @@
   </p:handoutMasterIdLst>
   <p:sldIdLst>
     <p:sldId id="617" r:id="rId5"/>
-    <p:sldId id="623" r:id="rId6"/>
+    <p:sldId id="320" r:id="rId6"/>
     <p:sldId id="308" r:id="rId7"/>
     <p:sldId id="327" r:id="rId8"/>
     <p:sldId id="324" r:id="rId9"/>
     <p:sldId id="329" r:id="rId10"/>
     <p:sldId id="619" r:id="rId11"/>
     <p:sldId id="620" r:id="rId12"/>
-    <p:sldId id="624" r:id="rId13"/>
-    <p:sldId id="622" r:id="rId14"/>
-    <p:sldId id="616" r:id="rId15"/>
+    <p:sldId id="622" r:id="rId13"/>
+    <p:sldId id="315" r:id="rId14"/>
+    <p:sldId id="626" r:id="rId15"/>
   </p:sldIdLst>
   <p:sldSz cx="12188825" cy="6858000"/>
   <p:notesSz cx="7010400" cy="9296400"/>
@@ -265,7 +265,7 @@
           <a:p>
             <a:fld id="{0B842F42-2CE9-4E35-95C1-410DC08A50B1}" type="datetimeFigureOut">
               <a:rPr lang="en-US" smtClean="0"/>
-              <a:t>5/6/2022</a:t>
+              <a:t>5/17/22</a:t>
             </a:fld>
             <a:endParaRPr lang="en-US"/>
           </a:p>
@@ -430,7 +430,7 @@
           <a:p>
             <a:fld id="{6F282904-F315-4730-8D91-37D99E141A6F}" type="datetimeFigureOut">
               <a:rPr lang="en-US" smtClean="0"/>
-              <a:t>5/6/2022</a:t>
+              <a:t>5/17/22</a:t>
             </a:fld>
             <a:endParaRPr lang="en-US"/>
           </a:p>
@@ -741,38 +741,9 @@
           <a:bodyPr/>
           <a:lstStyle/>
           <a:p>
-            <a:pPr marL="0" marR="0" lvl="0" indent="0" algn="l" defTabSz="914400" rtl="0" eaLnBrk="1" fontAlgn="auto" latinLnBrk="0" hangingPunct="1">
-              <a:lnSpc>
-                <a:spcPct val="100000"/>
-              </a:lnSpc>
-              <a:spcBef>
-                <a:spcPts val="0"/>
-              </a:spcBef>
-              <a:spcAft>
-                <a:spcPts val="0"/>
-              </a:spcAft>
-              <a:buClrTx/>
-              <a:buSzTx/>
-              <a:buFontTx/>
-              <a:buNone/>
-              <a:tabLst/>
-              <a:defRPr/>
-            </a:pPr>
             <a:r>
               <a:rPr lang="en-US" dirty="0"/>
-              <a:t>Variant for hands-on </a:t>
-            </a:r>
-            <a:r>
-              <a:rPr lang="en-US" b="1" i="1" dirty="0"/>
-              <a:t>not</a:t>
-            </a:r>
-            <a:r>
-              <a:rPr lang="en-US" b="0" i="0" dirty="0"/>
-              <a:t> being</a:t>
-            </a:r>
-            <a:r>
-              <a:rPr lang="en-US" dirty="0"/>
-              <a:t> part of the agenda.</a:t>
+              <a:t>Variant for hands-on being part of the agenda.</a:t>
             </a:r>
           </a:p>
         </p:txBody>
@@ -794,7 +765,7 @@
           <a:p>
             <a:fld id="{54E672D7-8E2D-4611-973D-F4591A707C34}" type="slidenum">
               <a:rPr lang="en-US" smtClean="0"/>
-              <a:t>9</a:t>
+              <a:t>10</a:t>
             </a:fld>
             <a:endParaRPr lang="en-US"/>
           </a:p>
@@ -803,7 +774,7 @@
     </p:spTree>
     <p:extLst>
       <p:ext uri="{BB962C8B-B14F-4D97-AF65-F5344CB8AC3E}">
-        <p14:creationId xmlns:p14="http://schemas.microsoft.com/office/powerpoint/2010/main" val="2725185440"/>
+        <p14:creationId xmlns:p14="http://schemas.microsoft.com/office/powerpoint/2010/main" val="547864804"/>
       </p:ext>
     </p:extLst>
   </p:cSld>
@@ -4208,7 +4179,7 @@
             </a:pPr>
             <a:r>
               <a:rPr lang="en-US" dirty="0"/>
-              <a:t>Developing a Testing and Continuous Integration Strategy for your Team tutorial</a:t>
+              <a:t>Better Scientific Software</a:t>
             </a:r>
           </a:p>
         </p:txBody>
@@ -4232,7 +4203,7 @@
         <p:spPr>
           <a:xfrm>
             <a:off x="3177632" y="1959498"/>
-            <a:ext cx="5732904" cy="2855300"/>
+            <a:ext cx="6777898" cy="2855300"/>
           </a:xfrm>
         </p:spPr>
         <p:txBody>
@@ -4240,14 +4211,18 @@
           <a:lstStyle/>
           <a:p>
             <a:r>
+              <a:rPr lang="en-US" dirty="0" err="1"/>
+              <a:t>Anshu</a:t>
+            </a:r>
+            <a:r>
               <a:rPr lang="en-US" dirty="0"/>
-              <a:t>Gregory R. Watson, and David M. Rogers</a:t>
+              <a:t> Dubey and Gregory R. Watson, </a:t>
             </a:r>
           </a:p>
           <a:p>
             <a:r>
               <a:rPr lang="en-US" dirty="0"/>
-              <a:t>Exascale Computing Project Annual Meeting 2022</a:t>
+              <a:t>Better Scientific Software tutorial @ ISC 2022</a:t>
             </a:r>
           </a:p>
           <a:p>
@@ -4349,7 +4324,7 @@
           <p:cNvPr id="2" name="Title 1">
             <a:extLst>
               <a:ext uri="{FF2B5EF4-FFF2-40B4-BE49-F238E27FC236}">
-                <a16:creationId xmlns:a16="http://schemas.microsoft.com/office/drawing/2014/main" id="{7E57752C-4E2B-4E58-8726-8BAC8610FAC7}"/>
+                <a16:creationId xmlns:a16="http://schemas.microsoft.com/office/drawing/2014/main" id="{965012BA-8349-4F63-995A-190570787086}"/>
               </a:ext>
             </a:extLst>
           </p:cNvPr>
@@ -4367,7 +4342,7 @@
           <a:p>
             <a:r>
               <a:rPr lang="en-US" dirty="0"/>
-              <a:t>Explaining Slide 2</a:t>
+              <a:t>Hands-On Activities</a:t>
             </a:r>
           </a:p>
         </p:txBody>
@@ -4377,7 +4352,7 @@
           <p:cNvPr id="3" name="Content Placeholder 2">
             <a:extLst>
               <a:ext uri="{FF2B5EF4-FFF2-40B4-BE49-F238E27FC236}">
-                <a16:creationId xmlns:a16="http://schemas.microsoft.com/office/drawing/2014/main" id="{9A010E9D-1983-429B-A89D-EBF4829E152F}"/>
+                <a16:creationId xmlns:a16="http://schemas.microsoft.com/office/drawing/2014/main" id="{0F20C93A-8687-4A10-A3FB-77446A44FBAB}"/>
               </a:ext>
             </a:extLst>
           </p:cNvPr>
@@ -4390,39 +4365,79 @@
         </p:nvSpPr>
         <p:spPr>
           <a:xfrm>
-            <a:off x="365760" y="1049985"/>
-            <a:ext cx="11369809" cy="4047778"/>
+            <a:off x="365761" y="1012149"/>
+            <a:ext cx="6211614" cy="4047778"/>
           </a:xfrm>
         </p:spPr>
         <p:txBody>
           <a:bodyPr/>
           <a:lstStyle/>
           <a:p>
+            <a:pPr marL="0" indent="0">
+              <a:buNone/>
+            </a:pPr>
             <a:r>
               <a:rPr lang="en-US" dirty="0"/>
-              <a:t>Slide 2 in all of our presentations contains the license, citation, and acknowledgements for the tutorial</a:t>
-            </a:r>
-          </a:p>
-          <a:p>
+              <a:t>We have created a simple example to give you some (optional) hands-on experience with some of the concepts in this tutorial</a:t>
+            </a:r>
+          </a:p>
+          <a:p>
+            <a:pPr>
+              <a:spcBef>
+                <a:spcPts val="800"/>
+              </a:spcBef>
+            </a:pPr>
+            <a:r>
+              <a:rPr lang="en-US" sz="2000" dirty="0"/>
+              <a:t>You don’t need to understand the math/physics to do the exercises, or find them useful</a:t>
+            </a:r>
+          </a:p>
+          <a:p>
+            <a:pPr marL="0" indent="0">
+              <a:spcBef>
+                <a:spcPts val="3600"/>
+              </a:spcBef>
+              <a:buNone/>
+            </a:pPr>
             <a:r>
               <a:rPr lang="en-US" dirty="0"/>
-              <a:t>(Software) best practice to make your license and preferred citation(s) easily finable</a:t>
-            </a:r>
-          </a:p>
-          <a:p>
-            <a:r>
-              <a:rPr lang="en-US" dirty="0"/>
-              <a:t>Sponsor acknowledgements rarely hurt!</a:t>
-            </a:r>
+              <a:t>We do not have much time in the agenda for the hands-on activities, but feel free to continue to work on them outside of the tutorial.  We’ll give feedback on pull requests and issues filed (or email us, see next slide).</a:t>
+            </a:r>
+          </a:p>
+          <a:p>
+            <a:pPr marL="0" indent="0">
+              <a:spcBef>
+                <a:spcPts val="3600"/>
+              </a:spcBef>
+              <a:buNone/>
+            </a:pPr>
+            <a:r>
+              <a:rPr lang="en-US" b="1" dirty="0"/>
+              <a:t>Instructions on the tutorial web site: </a:t>
+            </a:r>
+            <a:r>
+              <a:rPr lang="en-US" sz="2400" b="1" dirty="0">
+                <a:hlinkClick r:id="rId3"/>
+              </a:rPr>
+              <a:t>https://bssw-tutorial.github.io/</a:t>
+            </a:r>
+            <a:br>
+              <a:rPr lang="en-US" sz="2400" b="1" dirty="0"/>
+            </a:br>
+            <a:r>
+              <a:rPr lang="en-US" sz="2400" dirty="0"/>
+              <a:t>and click the link for today’s tutorial</a:t>
+            </a:r>
+            <a:endParaRPr lang="en-US" sz="2800" dirty="0"/>
           </a:p>
         </p:txBody>
       </p:sp>
       <p:pic>
         <p:nvPicPr>
-          <p:cNvPr id="5" name="Picture 4" descr="Text, letter&#10;&#10;Description automatically generated">
+          <p:cNvPr id="4" name="Picture 3">
             <a:extLst>
               <a:ext uri="{FF2B5EF4-FFF2-40B4-BE49-F238E27FC236}">
-                <a16:creationId xmlns:a16="http://schemas.microsoft.com/office/drawing/2014/main" id="{22D90CE1-3CF5-4211-AEA5-0280F6866EDC}"/>
+                <a16:creationId xmlns:a16="http://schemas.microsoft.com/office/drawing/2014/main" id="{B9D05DF5-DD70-4892-B1EC-CCD1C9DC6DD4}"/>
               </a:ext>
             </a:extLst>
           </p:cNvPr>
@@ -4431,44 +4446,25 @@
           </p:cNvPicPr>
           <p:nvPr/>
         </p:nvPicPr>
-        <p:blipFill>
-          <a:blip r:embed="rId2" cstate="print">
-            <a:extLst>
-              <a:ext uri="{28A0092B-C50C-407E-A947-70E740481C1C}">
-                <a14:useLocalDpi xmlns:a14="http://schemas.microsoft.com/office/drawing/2010/main" val="0"/>
-              </a:ext>
-            </a:extLst>
-          </a:blip>
-          <a:stretch>
-            <a:fillRect/>
-          </a:stretch>
+        <p:blipFill rotWithShape="1">
+          <a:blip r:embed="rId4"/>
+          <a:srcRect l="8639" t="17307" r="21360" b="13562"/>
+          <a:stretch/>
         </p:blipFill>
         <p:spPr>
           <a:xfrm>
-            <a:off x="3599267" y="3166700"/>
-            <a:ext cx="4990290" cy="2807038"/>
+            <a:off x="6728716" y="1146154"/>
+            <a:ext cx="5120640" cy="2863018"/>
           </a:xfrm>
           <a:prstGeom prst="rect">
             <a:avLst/>
           </a:prstGeom>
-          <a:ln>
-            <a:solidFill>
-              <a:schemeClr val="tx1"/>
-            </a:solidFill>
-          </a:ln>
-          <a:effectLst>
-            <a:outerShdw blurRad="50800" dist="38100" dir="2700000" algn="tl" rotWithShape="0">
-              <a:prstClr val="black">
-                <a:alpha val="40000"/>
-              </a:prstClr>
-            </a:outerShdw>
-          </a:effectLst>
         </p:spPr>
       </p:pic>
     </p:spTree>
     <p:extLst>
       <p:ext uri="{BB962C8B-B14F-4D97-AF65-F5344CB8AC3E}">
-        <p14:creationId xmlns:p14="http://schemas.microsoft.com/office/powerpoint/2010/main" val="2504672246"/>
+        <p14:creationId xmlns:p14="http://schemas.microsoft.com/office/powerpoint/2010/main" val="2645602955"/>
       </p:ext>
     </p:extLst>
   </p:cSld>
@@ -4562,7 +4558,7 @@
           <a:p>
             <a:pPr lvl="1">
               <a:spcBef>
-                <a:spcPts val="200"/>
+                <a:spcPts val="400"/>
               </a:spcBef>
             </a:pPr>
             <a:r>
@@ -4578,7 +4574,18 @@
             </a:pPr>
             <a:r>
               <a:rPr lang="en-US" dirty="0"/>
-              <a:t>Please use Zoom chat to ask questions at any time</a:t>
+              <a:t>If you work on the hands-on activities, we’ll be glad to provide feedback</a:t>
+            </a:r>
+          </a:p>
+          <a:p>
+            <a:pPr lvl="1">
+              <a:spcBef>
+                <a:spcPts val="400"/>
+              </a:spcBef>
+            </a:pPr>
+            <a:r>
+              <a:rPr lang="en-US" dirty="0"/>
+              <a:t>Submit a pull request and we’ll take a look</a:t>
             </a:r>
           </a:p>
           <a:p>
@@ -4589,28 +4596,6 @@
             </a:pPr>
             <a:r>
               <a:rPr lang="en-US" dirty="0"/>
-              <a:t>If you work on the hands-on activities, we’ll be glad to provide feedback</a:t>
-            </a:r>
-          </a:p>
-          <a:p>
-            <a:pPr lvl="1">
-              <a:spcBef>
-                <a:spcPts val="200"/>
-              </a:spcBef>
-            </a:pPr>
-            <a:r>
-              <a:rPr lang="en-US" dirty="0"/>
-              <a:t>Submit a pull request and we’ll take a look</a:t>
-            </a:r>
-          </a:p>
-          <a:p>
-            <a:pPr>
-              <a:spcBef>
-                <a:spcPts val="1200"/>
-              </a:spcBef>
-            </a:pPr>
-            <a:r>
-              <a:rPr lang="en-US" dirty="0"/>
               <a:t>After the tutorial email us at </a:t>
             </a:r>
             <a:r>
@@ -4624,7 +4609,7 @@
           <a:p>
             <a:pPr lvl="1">
               <a:spcBef>
-                <a:spcPts val="200"/>
+                <a:spcPts val="400"/>
               </a:spcBef>
             </a:pPr>
             <a:r>
@@ -4660,7 +4645,7 @@
     </p:spTree>
     <p:extLst>
       <p:ext uri="{BB962C8B-B14F-4D97-AF65-F5344CB8AC3E}">
-        <p14:creationId xmlns:p14="http://schemas.microsoft.com/office/powerpoint/2010/main" val="3695382487"/>
+        <p14:creationId xmlns:p14="http://schemas.microsoft.com/office/powerpoint/2010/main" val="3909084522"/>
       </p:ext>
     </p:extLst>
   </p:cSld>
@@ -4789,23 +4774,16 @@
             </a:pPr>
             <a:r>
               <a:rPr lang="en-US" sz="1600" b="1" dirty="0"/>
-              <a:t>The requested citation the overall tutorial is: Gregory R. Watson and David M. </a:t>
-            </a:r>
-            <a:r>
-              <a:rPr lang="en-US" sz="1600" b="1"/>
-              <a:t>Rogers, </a:t>
+              <a:t>The requested citation the overall tutorial is: </a:t>
+            </a:r>
+            <a:r>
+              <a:rPr lang="en-US" sz="1600" b="1" dirty="0" err="1"/>
+              <a:t>Anshu</a:t>
             </a:r>
             <a:r>
               <a:rPr lang="en-US" sz="1600" b="1" dirty="0"/>
-              <a:t>Developing a Testing and Continuous Integration Strategy for your Team tutorial, in Exascale Computing Project Annual Meeting, online, 2022. DOI: </a:t>
-            </a:r>
-            <a:r>
-              <a:rPr lang="en-US" sz="1600" b="1" dirty="0">
-                <a:hlinkClick r:id="rId4"/>
-              </a:rPr>
-              <a:t>10.6084/m9.figshare.19608927</a:t>
-            </a:r>
-            <a:endParaRPr lang="en-US" sz="1600" b="1" dirty="0"/>
+              <a:t> Dubey and Gregory R. Watson, Better Scientific Software Tutorial, in ISC High Performance, 2022, Hamburg Germany. DOI: 10.6084/m9.figshare.19781752</a:t>
+            </a:r>
           </a:p>
           <a:p>
             <a:pPr>
@@ -4823,7 +4801,7 @@
             </a:r>
             <a:r>
               <a:rPr lang="en-US" sz="1600" dirty="0"/>
-              <a:t>, in Better Scientific Software tutorial…</a:t>
+              <a:t>, in Better Scientific Software tutorial, ISC, 2022 …</a:t>
             </a:r>
           </a:p>
           <a:p>
@@ -4942,7 +4920,7 @@
           <p:nvPr/>
         </p:nvPicPr>
         <p:blipFill>
-          <a:blip r:embed="rId5">
+          <a:blip r:embed="rId4">
             <a:extLst>
               <a:ext uri="{28A0092B-C50C-407E-A947-70E740481C1C}">
                 <a14:useLocalDpi xmlns:a14="http://schemas.microsoft.com/office/drawing/2010/main" val="0"/>
@@ -4977,7 +4955,7 @@
     </p:spTree>
     <p:extLst>
       <p:ext uri="{BB962C8B-B14F-4D97-AF65-F5344CB8AC3E}">
-        <p14:creationId xmlns:p14="http://schemas.microsoft.com/office/powerpoint/2010/main" val="3522437012"/>
+        <p14:creationId xmlns:p14="http://schemas.microsoft.com/office/powerpoint/2010/main" val="1013042433"/>
       </p:ext>
     </p:extLst>
   </p:cSld>
@@ -5036,8 +5014,12 @@
               </a:spcBef>
             </a:pPr>
             <a:r>
+              <a:rPr lang="en-US" dirty="0" err="1"/>
+              <a:t>Anshu</a:t>
+            </a:r>
+            <a:r>
               <a:rPr lang="en-US" dirty="0"/>
-              <a:t>David Rogers, ORNL </a:t>
+              <a:t> Dubey, ANL</a:t>
             </a:r>
           </a:p>
           <a:p>
@@ -5188,113 +5170,6 @@
           </p:txBody>
         </p:sp>
       </p:grpSp>
-      <p:grpSp>
-        <p:nvGrpSpPr>
-          <p:cNvPr id="25" name="Group 24">
-            <a:extLst>
-              <a:ext uri="{FF2B5EF4-FFF2-40B4-BE49-F238E27FC236}">
-                <a16:creationId xmlns:a16="http://schemas.microsoft.com/office/drawing/2014/main" id="{FD2361BF-58F3-4573-9CE4-721C246BFE7C}"/>
-              </a:ext>
-            </a:extLst>
-          </p:cNvPr>
-          <p:cNvGrpSpPr/>
-          <p:nvPr/>
-        </p:nvGrpSpPr>
-        <p:grpSpPr>
-          <a:xfrm>
-            <a:off x="5094814" y="1233230"/>
-            <a:ext cx="1005403" cy="1805497"/>
-            <a:chOff x="10526802" y="1346049"/>
-            <a:chExt cx="1005403" cy="1805497"/>
-          </a:xfrm>
-        </p:grpSpPr>
-        <p:pic>
-          <p:nvPicPr>
-            <p:cNvPr id="26" name="Picture 25" descr="A person wearing glasses&#10;&#10;Description automatically generated with medium confidence">
-              <a:extLst>
-                <a:ext uri="{FF2B5EF4-FFF2-40B4-BE49-F238E27FC236}">
-                  <a16:creationId xmlns:a16="http://schemas.microsoft.com/office/drawing/2014/main" id="{0290A57B-E35C-4248-B037-1FE71E333FC2}"/>
-                </a:ext>
-              </a:extLst>
-            </p:cNvPr>
-            <p:cNvPicPr>
-              <a:picLocks noChangeAspect="1"/>
-            </p:cNvPicPr>
-            <p:nvPr/>
-          </p:nvPicPr>
-          <p:blipFill rotWithShape="1">
-            <a:blip r:embed="rId3">
-              <a:extLst>
-                <a:ext uri="{28A0092B-C50C-407E-A947-70E740481C1C}">
-                  <a14:useLocalDpi xmlns:a14="http://schemas.microsoft.com/office/drawing/2010/main" val="0"/>
-                </a:ext>
-              </a:extLst>
-            </a:blip>
-            <a:srcRect l="12970" r="9695"/>
-            <a:stretch/>
-          </p:blipFill>
-          <p:spPr>
-            <a:xfrm>
-              <a:off x="10562794" y="1346049"/>
-              <a:ext cx="933420" cy="1207008"/>
-            </a:xfrm>
-            <a:prstGeom prst="rect">
-              <a:avLst/>
-            </a:prstGeom>
-          </p:spPr>
-        </p:pic>
-        <p:sp>
-          <p:nvSpPr>
-            <p:cNvPr id="27" name="TextBox 26">
-              <a:extLst>
-                <a:ext uri="{FF2B5EF4-FFF2-40B4-BE49-F238E27FC236}">
-                  <a16:creationId xmlns:a16="http://schemas.microsoft.com/office/drawing/2014/main" id="{85C0C0CD-2B3D-4C6F-8251-6E60BB082C39}"/>
-                </a:ext>
-              </a:extLst>
-            </p:cNvPr>
-            <p:cNvSpPr txBox="1"/>
-            <p:nvPr/>
-          </p:nvSpPr>
-          <p:spPr>
-            <a:xfrm>
-              <a:off x="10526802" y="2560615"/>
-              <a:ext cx="1005403" cy="590931"/>
-            </a:xfrm>
-            <a:prstGeom prst="rect">
-              <a:avLst/>
-            </a:prstGeom>
-            <a:noFill/>
-          </p:spPr>
-          <p:txBody>
-            <a:bodyPr wrap="none" rtlCol="0">
-              <a:spAutoFit/>
-            </a:bodyPr>
-            <a:lstStyle/>
-            <a:p>
-              <a:pPr algn="ctr">
-                <a:lnSpc>
-                  <a:spcPct val="90000"/>
-                </a:lnSpc>
-              </a:pPr>
-              <a:r>
-                <a:rPr lang="en-US" dirty="0"/>
-                <a:t>David R</a:t>
-              </a:r>
-            </a:p>
-            <a:p>
-              <a:pPr algn="ctr">
-                <a:lnSpc>
-                  <a:spcPct val="90000"/>
-                </a:lnSpc>
-              </a:pPr>
-              <a:r>
-                <a:rPr lang="en-US" i="1" dirty="0"/>
-                <a:t>he/him</a:t>
-              </a:r>
-            </a:p>
-          </p:txBody>
-        </p:sp>
-      </p:grpSp>
       <p:sp>
         <p:nvSpPr>
           <p:cNvPr id="23" name="TextBox 22">
@@ -5336,11 +5211,98 @@
             </a:r>
             <a:r>
               <a:rPr lang="en-US" sz="2400" dirty="0">
-                <a:hlinkClick r:id="rId4"/>
+                <a:hlinkClick r:id="rId3"/>
               </a:rPr>
               <a:t>http://ideas-productivity.org</a:t>
             </a:r>
             <a:endParaRPr lang="en-US" sz="2400" dirty="0"/>
+          </a:p>
+        </p:txBody>
+      </p:sp>
+      <p:pic>
+        <p:nvPicPr>
+          <p:cNvPr id="5" name="Picture 4">
+            <a:extLst>
+              <a:ext uri="{FF2B5EF4-FFF2-40B4-BE49-F238E27FC236}">
+                <a16:creationId xmlns:a16="http://schemas.microsoft.com/office/drawing/2014/main" id="{6CC8798C-054E-37C8-6C39-64AA002F0A79}"/>
+              </a:ext>
+            </a:extLst>
+          </p:cNvPr>
+          <p:cNvPicPr>
+            <a:picLocks noChangeAspect="1"/>
+          </p:cNvPicPr>
+          <p:nvPr/>
+        </p:nvPicPr>
+        <p:blipFill rotWithShape="1">
+          <a:blip r:embed="rId4">
+            <a:extLst>
+              <a:ext uri="{28A0092B-C50C-407E-A947-70E740481C1C}">
+                <a14:useLocalDpi xmlns:a14="http://schemas.microsoft.com/office/drawing/2010/main" val="0"/>
+              </a:ext>
+            </a:extLst>
+          </a:blip>
+          <a:srcRect t="-1" b="21904"/>
+          <a:stretch/>
+        </p:blipFill>
+        <p:spPr>
+          <a:xfrm>
+            <a:off x="4929524" y="1233228"/>
+            <a:ext cx="1157986" cy="1188720"/>
+          </a:xfrm>
+          <a:prstGeom prst="rect">
+            <a:avLst/>
+          </a:prstGeom>
+        </p:spPr>
+      </p:pic>
+      <p:sp>
+        <p:nvSpPr>
+          <p:cNvPr id="13" name="TextBox 12">
+            <a:extLst>
+              <a:ext uri="{FF2B5EF4-FFF2-40B4-BE49-F238E27FC236}">
+                <a16:creationId xmlns:a16="http://schemas.microsoft.com/office/drawing/2014/main" id="{F7244D04-A37E-FA33-716C-7A01F0FF1A4E}"/>
+              </a:ext>
+            </a:extLst>
+          </p:cNvPr>
+          <p:cNvSpPr txBox="1"/>
+          <p:nvPr/>
+        </p:nvSpPr>
+        <p:spPr>
+          <a:xfrm>
+            <a:off x="4947701" y="2394747"/>
+            <a:ext cx="954108" cy="590931"/>
+          </a:xfrm>
+          <a:prstGeom prst="rect">
+            <a:avLst/>
+          </a:prstGeom>
+          <a:noFill/>
+        </p:spPr>
+        <p:txBody>
+          <a:bodyPr wrap="none" rtlCol="0">
+            <a:spAutoFit/>
+          </a:bodyPr>
+          <a:lstStyle/>
+          <a:p>
+            <a:pPr algn="ctr">
+              <a:lnSpc>
+                <a:spcPct val="90000"/>
+              </a:lnSpc>
+            </a:pPr>
+            <a:r>
+              <a:rPr lang="en-US" dirty="0" err="1"/>
+              <a:t>Anshu</a:t>
+            </a:r>
+            <a:endParaRPr lang="en-US" dirty="0"/>
+          </a:p>
+          <a:p>
+            <a:pPr algn="ctr">
+              <a:lnSpc>
+                <a:spcPct val="90000"/>
+              </a:lnSpc>
+            </a:pPr>
+            <a:r>
+              <a:rPr lang="en-US" i="1" dirty="0"/>
+              <a:t>she/her</a:t>
+            </a:r>
           </a:p>
         </p:txBody>
       </p:sp>
@@ -10296,7 +10258,7 @@
           <p:cNvPr id="2" name="Title 1">
             <a:extLst>
               <a:ext uri="{FF2B5EF4-FFF2-40B4-BE49-F238E27FC236}">
-                <a16:creationId xmlns:a16="http://schemas.microsoft.com/office/drawing/2014/main" id="{965012BA-8349-4F63-995A-190570787086}"/>
+                <a16:creationId xmlns:a16="http://schemas.microsoft.com/office/drawing/2014/main" id="{7E57752C-4E2B-4E58-8726-8BAC8610FAC7}"/>
               </a:ext>
             </a:extLst>
           </p:cNvPr>
@@ -10314,7 +10276,7 @@
           <a:p>
             <a:r>
               <a:rPr lang="en-US" dirty="0"/>
-              <a:t>Hands-On Activities</a:t>
+              <a:t>Explaining Slide 2</a:t>
             </a:r>
           </a:p>
         </p:txBody>
@@ -10324,7 +10286,7 @@
           <p:cNvPr id="3" name="Content Placeholder 2">
             <a:extLst>
               <a:ext uri="{FF2B5EF4-FFF2-40B4-BE49-F238E27FC236}">
-                <a16:creationId xmlns:a16="http://schemas.microsoft.com/office/drawing/2014/main" id="{0F20C93A-8687-4A10-A3FB-77446A44FBAB}"/>
+                <a16:creationId xmlns:a16="http://schemas.microsoft.com/office/drawing/2014/main" id="{9A010E9D-1983-429B-A89D-EBF4829E152F}"/>
               </a:ext>
             </a:extLst>
           </p:cNvPr>
@@ -10337,79 +10299,39 @@
         </p:nvSpPr>
         <p:spPr>
           <a:xfrm>
-            <a:off x="365761" y="1012149"/>
-            <a:ext cx="6211614" cy="4047778"/>
+            <a:off x="365760" y="1049985"/>
+            <a:ext cx="11369809" cy="4047778"/>
           </a:xfrm>
         </p:spPr>
         <p:txBody>
           <a:bodyPr/>
           <a:lstStyle/>
           <a:p>
-            <a:pPr marL="0" indent="0">
-              <a:buNone/>
-            </a:pPr>
             <a:r>
               <a:rPr lang="en-US" dirty="0"/>
-              <a:t>We have created a simple example to give you some (optional) hands-on experience with some of the concepts in this tutorial</a:t>
-            </a:r>
-          </a:p>
-          <a:p>
-            <a:pPr>
-              <a:spcBef>
-                <a:spcPts val="800"/>
-              </a:spcBef>
-            </a:pPr>
-            <a:r>
-              <a:rPr lang="en-US" sz="2000" dirty="0"/>
-              <a:t>You don’t need to understand the math/physics to do the exercises, or find them useful</a:t>
-            </a:r>
-          </a:p>
-          <a:p>
-            <a:pPr marL="0" indent="0">
-              <a:spcBef>
-                <a:spcPts val="3600"/>
-              </a:spcBef>
-              <a:buNone/>
-            </a:pPr>
+              <a:t>Slide 2 in all of our presentations contains the license, citation, and acknowledgements for the tutorial</a:t>
+            </a:r>
+          </a:p>
+          <a:p>
             <a:r>
               <a:rPr lang="en-US" dirty="0"/>
-              <a:t>We do not have time in the agenda for the hands-on activities, but feel free to work on them outside of the tutorial.  We’ll give feedback on pull requests and issues filed (or email us, see next slide).</a:t>
-            </a:r>
-          </a:p>
-          <a:p>
-            <a:pPr marL="0" indent="0">
-              <a:spcBef>
-                <a:spcPts val="3600"/>
-              </a:spcBef>
-              <a:buNone/>
-            </a:pPr>
-            <a:r>
-              <a:rPr lang="en-US" b="1" dirty="0"/>
-              <a:t>Instructions on the tutorial web site: </a:t>
-            </a:r>
-            <a:r>
-              <a:rPr lang="en-US" sz="2400" b="1" dirty="0">
-                <a:hlinkClick r:id="rId3"/>
-              </a:rPr>
-              <a:t>https://bssw-tutorial.github.io/</a:t>
-            </a:r>
-            <a:br>
-              <a:rPr lang="en-US" sz="2400" b="1" dirty="0"/>
-            </a:br>
-            <a:r>
-              <a:rPr lang="en-US" sz="2400" dirty="0"/>
-              <a:t>and click the link for today’s tutorial</a:t>
-            </a:r>
-            <a:endParaRPr lang="en-US" sz="2800" dirty="0"/>
+              <a:t>(Software) best practice to make your license and preferred citation(s) easily finable</a:t>
+            </a:r>
+          </a:p>
+          <a:p>
+            <a:r>
+              <a:rPr lang="en-US" dirty="0"/>
+              <a:t>Sponsor acknowledgements rarely hurt!</a:t>
+            </a:r>
           </a:p>
         </p:txBody>
       </p:sp>
       <p:pic>
         <p:nvPicPr>
-          <p:cNvPr id="4" name="Picture 3">
+          <p:cNvPr id="5" name="Picture 4" descr="Text, letter&#10;&#10;Description automatically generated">
             <a:extLst>
               <a:ext uri="{FF2B5EF4-FFF2-40B4-BE49-F238E27FC236}">
-                <a16:creationId xmlns:a16="http://schemas.microsoft.com/office/drawing/2014/main" id="{B9D05DF5-DD70-4892-B1EC-CCD1C9DC6DD4}"/>
+                <a16:creationId xmlns:a16="http://schemas.microsoft.com/office/drawing/2014/main" id="{22D90CE1-3CF5-4211-AEA5-0280F6866EDC}"/>
               </a:ext>
             </a:extLst>
           </p:cNvPr>
@@ -10418,25 +10340,44 @@
           </p:cNvPicPr>
           <p:nvPr/>
         </p:nvPicPr>
-        <p:blipFill rotWithShape="1">
-          <a:blip r:embed="rId4"/>
-          <a:srcRect l="8639" t="17307" r="21360" b="13562"/>
-          <a:stretch/>
+        <p:blipFill>
+          <a:blip r:embed="rId2" cstate="print">
+            <a:extLst>
+              <a:ext uri="{28A0092B-C50C-407E-A947-70E740481C1C}">
+                <a14:useLocalDpi xmlns:a14="http://schemas.microsoft.com/office/drawing/2010/main" val="0"/>
+              </a:ext>
+            </a:extLst>
+          </a:blip>
+          <a:stretch>
+            <a:fillRect/>
+          </a:stretch>
         </p:blipFill>
         <p:spPr>
           <a:xfrm>
-            <a:off x="6728716" y="1146154"/>
-            <a:ext cx="5120640" cy="2863018"/>
+            <a:off x="3599267" y="3166700"/>
+            <a:ext cx="4990290" cy="2807038"/>
           </a:xfrm>
           <a:prstGeom prst="rect">
             <a:avLst/>
           </a:prstGeom>
+          <a:ln>
+            <a:solidFill>
+              <a:schemeClr val="tx1"/>
+            </a:solidFill>
+          </a:ln>
+          <a:effectLst>
+            <a:outerShdw blurRad="50800" dist="38100" dir="2700000" algn="tl" rotWithShape="0">
+              <a:prstClr val="black">
+                <a:alpha val="40000"/>
+              </a:prstClr>
+            </a:outerShdw>
+          </a:effectLst>
         </p:spPr>
       </p:pic>
     </p:spTree>
     <p:extLst>
       <p:ext uri="{BB962C8B-B14F-4D97-AF65-F5344CB8AC3E}">
-        <p14:creationId xmlns:p14="http://schemas.microsoft.com/office/powerpoint/2010/main" val="1665072123"/>
+        <p14:creationId xmlns:p14="http://schemas.microsoft.com/office/powerpoint/2010/main" val="2504672246"/>
       </p:ext>
     </p:extLst>
   </p:cSld>
@@ -11359,6 +11300,21 @@
 </file>
 
 <file path=customXml/item1.xml><?xml version="1.0" encoding="utf-8"?>
+<p:properties xmlns:p="http://schemas.microsoft.com/office/2006/metadata/properties" xmlns:xsi="http://www.w3.org/2001/XMLSchema-instance" xmlns:pc="http://schemas.microsoft.com/office/infopath/2007/PartnerControls">
+  <documentManagement/>
+</p:properties>
+</file>
+
+<file path=customXml/item2.xml><?xml version="1.0" encoding="utf-8"?>
+<?mso-contentType ?>
+<FormTemplates xmlns="http://schemas.microsoft.com/sharepoint/v3/contenttype/forms">
+  <Display>DocumentLibraryForm</Display>
+  <Edit>DocumentLibraryForm</Edit>
+  <New>DocumentLibraryForm</New>
+</FormTemplates>
+</file>
+
+<file path=customXml/item3.xml><?xml version="1.0" encoding="utf-8"?>
 <ct:contentTypeSchema xmlns:ct="http://schemas.microsoft.com/office/2006/metadata/contentType" xmlns:ma="http://schemas.microsoft.com/office/2006/metadata/properties/metaAttributes" ct:_="" ma:_="" ma:contentTypeName="Document" ma:contentTypeID="0x010100565464437F680748A68B85EB6594EA7D" ma:contentTypeVersion="0" ma:contentTypeDescription="Create a new document." ma:contentTypeScope="" ma:versionID="fe3f4dd58d5914c51cfc6deaa8ad845c">
   <xsd:schema xmlns:xsd="http://www.w3.org/2001/XMLSchema" xmlns:p="http://schemas.microsoft.com/office/2006/metadata/properties" targetNamespace="http://schemas.microsoft.com/office/2006/metadata/properties" ma:root="true" ma:fieldsID="4aeb20c0e3442673af7ee10786458764">
     <xsd:element name="properties">
@@ -11407,32 +11363,17 @@
 </ct:contentTypeSchema>
 </file>
 
-<file path=customXml/item2.xml><?xml version="1.0" encoding="utf-8"?>
-<?mso-contentType ?>
-<FormTemplates xmlns="http://schemas.microsoft.com/sharepoint/v3/contenttype/forms">
-  <Display>DocumentLibraryForm</Display>
-  <Edit>DocumentLibraryForm</Edit>
-  <New>DocumentLibraryForm</New>
-</FormTemplates>
-</file>
-
-<file path=customXml/item3.xml><?xml version="1.0" encoding="utf-8"?>
-<p:properties xmlns:p="http://schemas.microsoft.com/office/2006/metadata/properties" xmlns:xsi="http://www.w3.org/2001/XMLSchema-instance" xmlns:pc="http://schemas.microsoft.com/office/infopath/2007/PartnerControls">
-  <documentManagement/>
-</p:properties>
-</file>
-
 <file path=customXml/itemProps1.xml><?xml version="1.0" encoding="utf-8"?>
-<ds:datastoreItem xmlns:ds="http://schemas.openxmlformats.org/officeDocument/2006/customXml" ds:itemID="{E8DB7DEB-074E-4EE8-9B6E-FD277323109C}">
+<ds:datastoreItem xmlns:ds="http://schemas.openxmlformats.org/officeDocument/2006/customXml" ds:itemID="{A50EC660-24D0-43A0-AE5E-E274115E726B}">
   <ds:schemaRefs>
-    <ds:schemaRef ds:uri="http://schemas.microsoft.com/office/2006/metadata/contentType"/>
-    <ds:schemaRef ds:uri="http://schemas.microsoft.com/office/2006/metadata/properties/metaAttributes"/>
-    <ds:schemaRef ds:uri="http://www.w3.org/2001/XMLSchema"/>
+    <ds:schemaRef ds:uri="http://purl.org/dc/elements/1.1/"/>
     <ds:schemaRef ds:uri="http://schemas.microsoft.com/office/2006/metadata/properties"/>
+    <ds:schemaRef ds:uri="http://purl.org/dc/terms/"/>
     <ds:schemaRef ds:uri="http://schemas.openxmlformats.org/package/2006/metadata/core-properties"/>
-    <ds:schemaRef ds:uri="http://purl.org/dc/elements/1.1/"/>
-    <ds:schemaRef ds:uri="http://purl.org/dc/terms/"/>
-    <ds:schemaRef ds:uri="http://schemas.microsoft.com/office/internal/2005/internalDocumentation"/>
+    <ds:schemaRef ds:uri="http://schemas.microsoft.com/office/2006/documentManagement/types"/>
+    <ds:schemaRef ds:uri="http://www.w3.org/XML/1998/namespace"/>
+    <ds:schemaRef ds:uri="http://purl.org/dc/dcmitype/"/>
+    <ds:schemaRef ds:uri="http://schemas.microsoft.com/office/infopath/2007/PartnerControls"/>
   </ds:schemaRefs>
 </ds:datastoreItem>
 </file>
@@ -11446,16 +11387,16 @@
 </file>
 
 <file path=customXml/itemProps3.xml><?xml version="1.0" encoding="utf-8"?>
-<ds:datastoreItem xmlns:ds="http://schemas.openxmlformats.org/officeDocument/2006/customXml" ds:itemID="{A50EC660-24D0-43A0-AE5E-E274115E726B}">
+<ds:datastoreItem xmlns:ds="http://schemas.openxmlformats.org/officeDocument/2006/customXml" ds:itemID="{E8DB7DEB-074E-4EE8-9B6E-FD277323109C}">
   <ds:schemaRefs>
+    <ds:schemaRef ds:uri="http://schemas.microsoft.com/office/2006/metadata/contentType"/>
+    <ds:schemaRef ds:uri="http://schemas.microsoft.com/office/2006/metadata/properties/metaAttributes"/>
+    <ds:schemaRef ds:uri="http://www.w3.org/2001/XMLSchema"/>
+    <ds:schemaRef ds:uri="http://schemas.microsoft.com/office/2006/metadata/properties"/>
+    <ds:schemaRef ds:uri="http://schemas.openxmlformats.org/package/2006/metadata/core-properties"/>
     <ds:schemaRef ds:uri="http://purl.org/dc/elements/1.1/"/>
-    <ds:schemaRef ds:uri="http://schemas.microsoft.com/office/2006/metadata/properties"/>
     <ds:schemaRef ds:uri="http://purl.org/dc/terms/"/>
-    <ds:schemaRef ds:uri="http://schemas.openxmlformats.org/package/2006/metadata/core-properties"/>
-    <ds:schemaRef ds:uri="http://schemas.microsoft.com/office/2006/documentManagement/types"/>
-    <ds:schemaRef ds:uri="http://www.w3.org/XML/1998/namespace"/>
-    <ds:schemaRef ds:uri="http://purl.org/dc/dcmitype/"/>
-    <ds:schemaRef ds:uri="http://schemas.microsoft.com/office/infopath/2007/PartnerControls"/>
+    <ds:schemaRef ds:uri="http://schemas.microsoft.com/office/internal/2005/internalDocumentation"/>
   </ds:schemaRefs>
 </ds:datastoreItem>
 </file>
--- a/intro.pptx
+++ b/intro.pptx
@@ -5,10 +5,10 @@
     <p:sldMasterId id="2147483935" r:id="rId4"/>
   </p:sldMasterIdLst>
   <p:notesMasterIdLst>
-    <p:notesMasterId r:id="rId16"/>
+    <p:notesMasterId r:id="rId17"/>
   </p:notesMasterIdLst>
   <p:handoutMasterIdLst>
-    <p:handoutMasterId r:id="rId17"/>
+    <p:handoutMasterId r:id="rId18"/>
   </p:handoutMasterIdLst>
   <p:sldIdLst>
     <p:sldId id="617" r:id="rId5"/>
@@ -22,6 +22,7 @@
     <p:sldId id="622" r:id="rId13"/>
     <p:sldId id="315" r:id="rId14"/>
     <p:sldId id="626" r:id="rId15"/>
+    <p:sldId id="261" r:id="rId16"/>
   </p:sldIdLst>
   <p:sldSz cx="12188825" cy="6858000"/>
   <p:notesSz cx="7010400" cy="9296400"/>
@@ -265,7 +266,7 @@
           <a:p>
             <a:fld id="{0B842F42-2CE9-4E35-95C1-410DC08A50B1}" type="datetimeFigureOut">
               <a:rPr lang="en-US" smtClean="0"/>
-              <a:t>5/17/22</a:t>
+              <a:t>5/18/22</a:t>
             </a:fld>
             <a:endParaRPr lang="en-US"/>
           </a:p>
@@ -430,7 +431,7 @@
           <a:p>
             <a:fld id="{6F282904-F315-4730-8D91-37D99E141A6F}" type="datetimeFigureOut">
               <a:rPr lang="en-US" smtClean="0"/>
-              <a:t>5/17/22</a:t>
+              <a:t>5/18/22</a:t>
             </a:fld>
             <a:endParaRPr lang="en-US"/>
           </a:p>
@@ -4646,6 +4647,985 @@
     <p:extLst>
       <p:ext uri="{BB962C8B-B14F-4D97-AF65-F5344CB8AC3E}">
         <p14:creationId xmlns:p14="http://schemas.microsoft.com/office/powerpoint/2010/main" val="3909084522"/>
+      </p:ext>
+    </p:extLst>
+  </p:cSld>
+  <p:clrMapOvr>
+    <a:masterClrMapping/>
+  </p:clrMapOvr>
+</p:sld>
+</file>
+
+<file path=ppt/slides/slide12.xml><?xml version="1.0" encoding="utf-8"?>
+<p:sld xmlns:a="http://schemas.openxmlformats.org/drawingml/2006/main" xmlns:r="http://schemas.openxmlformats.org/officeDocument/2006/relationships" xmlns:p="http://schemas.openxmlformats.org/presentationml/2006/main">
+  <p:cSld>
+    <p:spTree>
+      <p:nvGrpSpPr>
+        <p:cNvPr id="1" name=""/>
+        <p:cNvGrpSpPr/>
+        <p:nvPr/>
+      </p:nvGrpSpPr>
+      <p:grpSpPr>
+        <a:xfrm>
+          <a:off x="0" y="0"/>
+          <a:ext cx="0" cy="0"/>
+          <a:chOff x="0" y="0"/>
+          <a:chExt cx="0" cy="0"/>
+        </a:xfrm>
+      </p:grpSpPr>
+      <p:sp>
+        <p:nvSpPr>
+          <p:cNvPr id="2" name="Title 1">
+            <a:extLst>
+              <a:ext uri="{FF2B5EF4-FFF2-40B4-BE49-F238E27FC236}">
+                <a16:creationId xmlns:a16="http://schemas.microsoft.com/office/drawing/2014/main" id="{1D6756EE-C2D9-4E52-B0B6-3C831FD6A565}"/>
+              </a:ext>
+            </a:extLst>
+          </p:cNvPr>
+          <p:cNvSpPr>
+            <a:spLocks noGrp="1"/>
+          </p:cNvSpPr>
+          <p:nvPr>
+            <p:ph type="title"/>
+          </p:nvPr>
+        </p:nvSpPr>
+        <p:spPr>
+          <a:xfrm>
+            <a:off x="408175" y="160020"/>
+            <a:ext cx="11372473" cy="914400"/>
+          </a:xfrm>
+        </p:spPr>
+        <p:txBody>
+          <a:bodyPr/>
+          <a:lstStyle/>
+          <a:p>
+            <a:r>
+              <a:rPr lang="en-US" dirty="0"/>
+              <a:t>Agenda </a:t>
+            </a:r>
+          </a:p>
+        </p:txBody>
+      </p:sp>
+      <p:graphicFrame>
+        <p:nvGraphicFramePr>
+          <p:cNvPr id="6" name="Table 6">
+            <a:extLst>
+              <a:ext uri="{FF2B5EF4-FFF2-40B4-BE49-F238E27FC236}">
+                <a16:creationId xmlns:a16="http://schemas.microsoft.com/office/drawing/2014/main" id="{99D13FB2-5BF8-4AC0-A13D-ECB8E230F5BC}"/>
+              </a:ext>
+            </a:extLst>
+          </p:cNvPr>
+          <p:cNvGraphicFramePr>
+            <a:graphicFrameLocks noGrp="1"/>
+          </p:cNvGraphicFramePr>
+          <p:nvPr>
+            <p:ph idx="1"/>
+            <p:extLst>
+              <p:ext uri="{D42A27DB-BD31-4B8C-83A1-F6EECF244321}">
+                <p14:modId xmlns:p14="http://schemas.microsoft.com/office/powerpoint/2010/main" val="383297985"/>
+              </p:ext>
+            </p:extLst>
+          </p:nvPr>
+        </p:nvGraphicFramePr>
+        <p:xfrm>
+          <a:off x="365759" y="836121"/>
+          <a:ext cx="11372473" cy="5242560"/>
+        </p:xfrm>
+        <a:graphic>
+          <a:graphicData uri="http://schemas.openxmlformats.org/drawingml/2006/table">
+            <a:tbl>
+              <a:tblPr firstRow="1" bandRow="1">
+                <a:tableStyleId>{5C22544A-7EE6-4342-B048-85BDC9FD1C3A}</a:tableStyleId>
+              </a:tblPr>
+              <a:tblGrid>
+                <a:gridCol w="1475653">
+                  <a:extLst>
+                    <a:ext uri="{9D8B030D-6E8A-4147-A177-3AD203B41FA5}">
+                      <a16:colId xmlns:a16="http://schemas.microsoft.com/office/drawing/2014/main" val="41390910"/>
+                    </a:ext>
+                  </a:extLst>
+                </a:gridCol>
+                <a:gridCol w="1059443">
+                  <a:extLst>
+                    <a:ext uri="{9D8B030D-6E8A-4147-A177-3AD203B41FA5}">
+                      <a16:colId xmlns:a16="http://schemas.microsoft.com/office/drawing/2014/main" val="2968622667"/>
+                    </a:ext>
+                  </a:extLst>
+                </a:gridCol>
+                <a:gridCol w="5757567">
+                  <a:extLst>
+                    <a:ext uri="{9D8B030D-6E8A-4147-A177-3AD203B41FA5}">
+                      <a16:colId xmlns:a16="http://schemas.microsoft.com/office/drawing/2014/main" val="1261297711"/>
+                    </a:ext>
+                  </a:extLst>
+                </a:gridCol>
+                <a:gridCol w="3079810">
+                  <a:extLst>
+                    <a:ext uri="{9D8B030D-6E8A-4147-A177-3AD203B41FA5}">
+                      <a16:colId xmlns:a16="http://schemas.microsoft.com/office/drawing/2014/main" val="3622604584"/>
+                    </a:ext>
+                  </a:extLst>
+                </a:gridCol>
+              </a:tblGrid>
+              <a:tr h="676863">
+                <a:tc>
+                  <a:txBody>
+                    <a:bodyPr/>
+                    <a:lstStyle/>
+                    <a:p>
+                      <a:pPr algn="r"/>
+                      <a:r>
+                        <a:rPr lang="en-US" sz="1800" dirty="0">
+                          <a:effectLst/>
+                        </a:rPr>
+                        <a:t>Time (CEST)</a:t>
+                      </a:r>
+                    </a:p>
+                  </a:txBody>
+                  <a:tcPr marL="114300" marR="114300" marT="76200" marB="76200" anchor="ctr"/>
+                </a:tc>
+                <a:tc>
+                  <a:txBody>
+                    <a:bodyPr/>
+                    <a:lstStyle/>
+                    <a:p>
+                      <a:pPr algn="r"/>
+                      <a:r>
+                        <a:rPr lang="en-US" sz="1800" dirty="0">
+                          <a:effectLst/>
+                        </a:rPr>
+                        <a:t>Module</a:t>
+                      </a:r>
+                    </a:p>
+                  </a:txBody>
+                  <a:tcPr marL="114300" marR="114300" marT="76200" marB="76200" anchor="ctr"/>
+                </a:tc>
+                <a:tc>
+                  <a:txBody>
+                    <a:bodyPr/>
+                    <a:lstStyle/>
+                    <a:p>
+                      <a:r>
+                        <a:rPr lang="en-US" sz="1800" dirty="0">
+                          <a:effectLst/>
+                        </a:rPr>
+                        <a:t>Title</a:t>
+                      </a:r>
+                    </a:p>
+                  </a:txBody>
+                  <a:tcPr marL="114300" marR="114300" marT="76200" marB="76200" anchor="ctr"/>
+                </a:tc>
+                <a:tc>
+                  <a:txBody>
+                    <a:bodyPr/>
+                    <a:lstStyle/>
+                    <a:p>
+                      <a:r>
+                        <a:rPr lang="en-US" sz="1800" dirty="0">
+                          <a:effectLst/>
+                        </a:rPr>
+                        <a:t>Presenter</a:t>
+                      </a:r>
+                    </a:p>
+                  </a:txBody>
+                  <a:tcPr marL="114300" marR="114300" marT="76200" marB="76200" anchor="ctr"/>
+                </a:tc>
+                <a:extLst>
+                  <a:ext uri="{0D108BD9-81ED-4DB2-BD59-A6C34878D82A}">
+                    <a16:rowId xmlns:a16="http://schemas.microsoft.com/office/drawing/2014/main" val="2098024418"/>
+                  </a:ext>
+                </a:extLst>
+              </a:tr>
+              <a:tr h="412004">
+                <a:tc>
+                  <a:txBody>
+                    <a:bodyPr/>
+                    <a:lstStyle/>
+                    <a:p>
+                      <a:pPr algn="r"/>
+                      <a:r>
+                        <a:rPr lang="en-US" sz="1800" dirty="0">
+                          <a:effectLst/>
+                        </a:rPr>
+                        <a:t>2:00 PM</a:t>
+                      </a:r>
+                    </a:p>
+                  </a:txBody>
+                  <a:tcPr marL="114300" marR="114300" marT="76200" marB="76200" anchor="ctr"/>
+                </a:tc>
+                <a:tc>
+                  <a:txBody>
+                    <a:bodyPr/>
+                    <a:lstStyle/>
+                    <a:p>
+                      <a:pPr algn="r"/>
+                      <a:r>
+                        <a:rPr lang="en-US" sz="1800">
+                          <a:effectLst/>
+                        </a:rPr>
+                        <a:t>0</a:t>
+                      </a:r>
+                    </a:p>
+                  </a:txBody>
+                  <a:tcPr marL="114300" marR="114300" marT="76200" marB="76200" anchor="ctr"/>
+                </a:tc>
+                <a:tc>
+                  <a:txBody>
+                    <a:bodyPr/>
+                    <a:lstStyle/>
+                    <a:p>
+                      <a:r>
+                        <a:rPr lang="en-US" sz="1800">
+                          <a:effectLst/>
+                        </a:rPr>
+                        <a:t>Introduction and Setup</a:t>
+                      </a:r>
+                    </a:p>
+                  </a:txBody>
+                  <a:tcPr marL="114300" marR="114300" marT="76200" marB="76200" anchor="ctr"/>
+                </a:tc>
+                <a:tc>
+                  <a:txBody>
+                    <a:bodyPr/>
+                    <a:lstStyle/>
+                    <a:p>
+                      <a:r>
+                        <a:rPr lang="en-US" sz="1800" dirty="0" err="1">
+                          <a:effectLst/>
+                        </a:rPr>
+                        <a:t>Anshu</a:t>
+                      </a:r>
+                      <a:r>
+                        <a:rPr lang="en-US" sz="1800" dirty="0">
+                          <a:effectLst/>
+                        </a:rPr>
+                        <a:t> Dubey(ANL)</a:t>
+                      </a:r>
+                    </a:p>
+                  </a:txBody>
+                  <a:tcPr marL="114300" marR="114300" marT="76200" marB="76200" anchor="ctr"/>
+                </a:tc>
+                <a:extLst>
+                  <a:ext uri="{0D108BD9-81ED-4DB2-BD59-A6C34878D82A}">
+                    <a16:rowId xmlns:a16="http://schemas.microsoft.com/office/drawing/2014/main" val="1735798684"/>
+                  </a:ext>
+                </a:extLst>
+              </a:tr>
+              <a:tr h="676863">
+                <a:tc>
+                  <a:txBody>
+                    <a:bodyPr/>
+                    <a:lstStyle/>
+                    <a:p>
+                      <a:pPr algn="r"/>
+                      <a:r>
+                        <a:rPr lang="en-US" sz="1800" dirty="0">
+                          <a:effectLst/>
+                        </a:rPr>
+                        <a:t>2:10 PM</a:t>
+                      </a:r>
+                    </a:p>
+                  </a:txBody>
+                  <a:tcPr marL="114300" marR="114300" marT="76200" marB="76200" anchor="ctr"/>
+                </a:tc>
+                <a:tc>
+                  <a:txBody>
+                    <a:bodyPr/>
+                    <a:lstStyle/>
+                    <a:p>
+                      <a:pPr algn="r"/>
+                      <a:r>
+                        <a:rPr lang="en-US" sz="1800">
+                          <a:effectLst/>
+                        </a:rPr>
+                        <a:t>1</a:t>
+                      </a:r>
+                    </a:p>
+                  </a:txBody>
+                  <a:tcPr marL="114300" marR="114300" marT="76200" marB="76200" anchor="ctr"/>
+                </a:tc>
+                <a:tc>
+                  <a:txBody>
+                    <a:bodyPr/>
+                    <a:lstStyle/>
+                    <a:p>
+                      <a:r>
+                        <a:rPr lang="en-US" sz="1800" dirty="0">
+                          <a:effectLst/>
+                        </a:rPr>
+                        <a:t>Motivation and Overview of Best Practices in HPC Software Development</a:t>
+                      </a:r>
+                    </a:p>
+                  </a:txBody>
+                  <a:tcPr marL="114300" marR="114300" marT="76200" marB="76200" anchor="ctr"/>
+                </a:tc>
+                <a:tc>
+                  <a:txBody>
+                    <a:bodyPr/>
+                    <a:lstStyle/>
+                    <a:p>
+                      <a:r>
+                        <a:rPr lang="en-US" sz="1800" dirty="0" err="1">
+                          <a:effectLst/>
+                        </a:rPr>
+                        <a:t>Anshu</a:t>
+                      </a:r>
+                      <a:r>
+                        <a:rPr lang="en-US" sz="1800" dirty="0">
+                          <a:effectLst/>
+                        </a:rPr>
+                        <a:t> Dubey(ANL)</a:t>
+                      </a:r>
+                    </a:p>
+                  </a:txBody>
+                  <a:tcPr marL="114300" marR="114300" marT="76200" marB="76200" anchor="ctr"/>
+                </a:tc>
+                <a:extLst>
+                  <a:ext uri="{0D108BD9-81ED-4DB2-BD59-A6C34878D82A}">
+                    <a16:rowId xmlns:a16="http://schemas.microsoft.com/office/drawing/2014/main" val="4095277928"/>
+                  </a:ext>
+                </a:extLst>
+              </a:tr>
+              <a:tr h="412004">
+                <a:tc>
+                  <a:txBody>
+                    <a:bodyPr/>
+                    <a:lstStyle/>
+                    <a:p>
+                      <a:pPr algn="r"/>
+                      <a:r>
+                        <a:rPr lang="en-US" sz="1800" dirty="0">
+                          <a:effectLst/>
+                        </a:rPr>
+                        <a:t>2:30 PM</a:t>
+                      </a:r>
+                    </a:p>
+                  </a:txBody>
+                  <a:tcPr marL="114300" marR="114300" marT="76200" marB="76200" anchor="ctr"/>
+                </a:tc>
+                <a:tc>
+                  <a:txBody>
+                    <a:bodyPr/>
+                    <a:lstStyle/>
+                    <a:p>
+                      <a:pPr algn="r"/>
+                      <a:r>
+                        <a:rPr lang="en-US" sz="1800">
+                          <a:effectLst/>
+                        </a:rPr>
+                        <a:t>2</a:t>
+                      </a:r>
+                    </a:p>
+                  </a:txBody>
+                  <a:tcPr marL="114300" marR="114300" marT="76200" marB="76200" anchor="ctr"/>
+                </a:tc>
+                <a:tc>
+                  <a:txBody>
+                    <a:bodyPr/>
+                    <a:lstStyle/>
+                    <a:p>
+                      <a:r>
+                        <a:rPr lang="en-US" sz="1800">
+                          <a:effectLst/>
+                        </a:rPr>
+                        <a:t>Agile Methodologies</a:t>
+                      </a:r>
+                    </a:p>
+                  </a:txBody>
+                  <a:tcPr marL="114300" marR="114300" marT="76200" marB="76200" anchor="ctr"/>
+                </a:tc>
+                <a:tc>
+                  <a:txBody>
+                    <a:bodyPr/>
+                    <a:lstStyle/>
+                    <a:p>
+                      <a:r>
+                        <a:rPr lang="en-US" sz="1800" dirty="0">
+                          <a:effectLst/>
+                        </a:rPr>
+                        <a:t>Greg Watson (ORNL)</a:t>
+                      </a:r>
+                    </a:p>
+                  </a:txBody>
+                  <a:tcPr marL="114300" marR="114300" marT="76200" marB="76200" anchor="ctr"/>
+                </a:tc>
+                <a:extLst>
+                  <a:ext uri="{0D108BD9-81ED-4DB2-BD59-A6C34878D82A}">
+                    <a16:rowId xmlns:a16="http://schemas.microsoft.com/office/drawing/2014/main" val="763903436"/>
+                  </a:ext>
+                </a:extLst>
+              </a:tr>
+              <a:tr h="412004">
+                <a:tc>
+                  <a:txBody>
+                    <a:bodyPr/>
+                    <a:lstStyle/>
+                    <a:p>
+                      <a:pPr algn="r"/>
+                      <a:r>
+                        <a:rPr lang="en-US" sz="1800" dirty="0">
+                          <a:effectLst/>
+                        </a:rPr>
+                        <a:t>3:00 PM</a:t>
+                      </a:r>
+                    </a:p>
+                  </a:txBody>
+                  <a:tcPr marL="114300" marR="114300" marT="76200" marB="76200" anchor="ctr"/>
+                </a:tc>
+                <a:tc>
+                  <a:txBody>
+                    <a:bodyPr/>
+                    <a:lstStyle/>
+                    <a:p>
+                      <a:pPr algn="r"/>
+                      <a:r>
+                        <a:rPr lang="en-US" sz="1800" dirty="0">
+                          <a:effectLst/>
+                        </a:rPr>
+                        <a:t>3</a:t>
+                      </a:r>
+                    </a:p>
+                  </a:txBody>
+                  <a:tcPr marL="114300" marR="114300" marT="76200" marB="76200" anchor="ctr"/>
+                </a:tc>
+                <a:tc>
+                  <a:txBody>
+                    <a:bodyPr/>
+                    <a:lstStyle/>
+                    <a:p>
+                      <a:r>
+                        <a:rPr lang="en-US" sz="1800" i="0" dirty="0">
+                          <a:effectLst/>
+                        </a:rPr>
+                        <a:t>Git Workflows</a:t>
+                      </a:r>
+                    </a:p>
+                  </a:txBody>
+                  <a:tcPr marL="114300" marR="114300" marT="76200" marB="76200" anchor="ctr"/>
+                </a:tc>
+                <a:tc>
+                  <a:txBody>
+                    <a:bodyPr/>
+                    <a:lstStyle/>
+                    <a:p>
+                      <a:r>
+                        <a:rPr lang="en-US" sz="1800" dirty="0">
+                          <a:effectLst/>
+                        </a:rPr>
+                        <a:t>Greg Watson (ORNL)</a:t>
+                      </a:r>
+                    </a:p>
+                  </a:txBody>
+                  <a:tcPr marL="114300" marR="114300" marT="76200" marB="76200" anchor="ctr"/>
+                </a:tc>
+                <a:extLst>
+                  <a:ext uri="{0D108BD9-81ED-4DB2-BD59-A6C34878D82A}">
+                    <a16:rowId xmlns:a16="http://schemas.microsoft.com/office/drawing/2014/main" val="1954771440"/>
+                  </a:ext>
+                </a:extLst>
+              </a:tr>
+              <a:tr h="412004">
+                <a:tc>
+                  <a:txBody>
+                    <a:bodyPr/>
+                    <a:lstStyle/>
+                    <a:p>
+                      <a:pPr algn="r"/>
+                      <a:r>
+                        <a:rPr lang="en-US" sz="1800" dirty="0">
+                          <a:effectLst/>
+                        </a:rPr>
+                        <a:t>3:30 PM</a:t>
+                      </a:r>
+                    </a:p>
+                  </a:txBody>
+                  <a:tcPr marL="114300" marR="114300" marT="76200" marB="76200" anchor="ctr"/>
+                </a:tc>
+                <a:tc>
+                  <a:txBody>
+                    <a:bodyPr/>
+                    <a:lstStyle/>
+                    <a:p>
+                      <a:pPr algn="r"/>
+                      <a:r>
+                        <a:rPr lang="en-US" sz="1800" dirty="0">
+                          <a:effectLst/>
+                        </a:rPr>
+                        <a:t>4</a:t>
+                      </a:r>
+                    </a:p>
+                  </a:txBody>
+                  <a:tcPr marL="114300" marR="114300" marT="76200" marB="76200" anchor="ctr"/>
+                </a:tc>
+                <a:tc>
+                  <a:txBody>
+                    <a:bodyPr/>
+                    <a:lstStyle/>
+                    <a:p>
+                      <a:r>
+                        <a:rPr lang="en-US" sz="1800" dirty="0">
+                          <a:effectLst/>
+                        </a:rPr>
+                        <a:t>Software Design</a:t>
+                      </a:r>
+                    </a:p>
+                  </a:txBody>
+                  <a:tcPr marL="114300" marR="114300" marT="76200" marB="76200" anchor="ctr"/>
+                </a:tc>
+                <a:tc>
+                  <a:txBody>
+                    <a:bodyPr/>
+                    <a:lstStyle/>
+                    <a:p>
+                      <a:pPr marL="0" marR="0" lvl="0" indent="0" algn="l" defTabSz="914400" rtl="0" eaLnBrk="1" fontAlgn="auto" latinLnBrk="0" hangingPunct="1">
+                        <a:lnSpc>
+                          <a:spcPct val="100000"/>
+                        </a:lnSpc>
+                        <a:spcBef>
+                          <a:spcPts val="0"/>
+                        </a:spcBef>
+                        <a:spcAft>
+                          <a:spcPts val="0"/>
+                        </a:spcAft>
+                        <a:buClrTx/>
+                        <a:buSzTx/>
+                        <a:buFontTx/>
+                        <a:buNone/>
+                        <a:tabLst/>
+                        <a:defRPr/>
+                      </a:pPr>
+                      <a:r>
+                        <a:rPr lang="en-US" sz="1800" dirty="0" err="1">
+                          <a:effectLst/>
+                        </a:rPr>
+                        <a:t>Anshu</a:t>
+                      </a:r>
+                      <a:r>
+                        <a:rPr lang="en-US" sz="1800" dirty="0">
+                          <a:effectLst/>
+                        </a:rPr>
+                        <a:t> Dubey (ANL)</a:t>
+                      </a:r>
+                    </a:p>
+                  </a:txBody>
+                  <a:tcPr marL="114300" marR="114300" marT="76200" marB="76200" anchor="ctr"/>
+                </a:tc>
+                <a:extLst>
+                  <a:ext uri="{0D108BD9-81ED-4DB2-BD59-A6C34878D82A}">
+                    <a16:rowId xmlns:a16="http://schemas.microsoft.com/office/drawing/2014/main" val="746396693"/>
+                  </a:ext>
+                </a:extLst>
+              </a:tr>
+              <a:tr h="412004">
+                <a:tc>
+                  <a:txBody>
+                    <a:bodyPr/>
+                    <a:lstStyle/>
+                    <a:p>
+                      <a:pPr algn="r"/>
+                      <a:r>
+                        <a:rPr lang="en-US" sz="1800" dirty="0">
+                          <a:effectLst/>
+                        </a:rPr>
+                        <a:t>4:00 PM</a:t>
+                      </a:r>
+                    </a:p>
+                  </a:txBody>
+                  <a:tcPr marL="114300" marR="114300" marT="76200" marB="76200" anchor="ctr"/>
+                </a:tc>
+                <a:tc>
+                  <a:txBody>
+                    <a:bodyPr/>
+                    <a:lstStyle/>
+                    <a:p>
+                      <a:pPr algn="r"/>
+                      <a:endParaRPr lang="en-US" sz="1800" dirty="0">
+                        <a:effectLst/>
+                      </a:endParaRPr>
+                    </a:p>
+                  </a:txBody>
+                  <a:tcPr marL="114300" marR="114300" marT="76200" marB="76200" anchor="ctr"/>
+                </a:tc>
+                <a:tc>
+                  <a:txBody>
+                    <a:bodyPr/>
+                    <a:lstStyle/>
+                    <a:p>
+                      <a:r>
+                        <a:rPr lang="en-US" sz="1800" i="1" dirty="0">
+                          <a:effectLst/>
+                        </a:rPr>
+                        <a:t>Break</a:t>
+                      </a:r>
+                    </a:p>
+                  </a:txBody>
+                  <a:tcPr marL="114300" marR="114300" marT="76200" marB="76200" anchor="ctr"/>
+                </a:tc>
+                <a:tc>
+                  <a:txBody>
+                    <a:bodyPr/>
+                    <a:lstStyle/>
+                    <a:p>
+                      <a:endParaRPr lang="en-US" sz="1800" dirty="0">
+                        <a:effectLst/>
+                      </a:endParaRPr>
+                    </a:p>
+                  </a:txBody>
+                  <a:tcPr marL="114300" marR="114300" marT="76200" marB="76200" anchor="ctr"/>
+                </a:tc>
+                <a:extLst>
+                  <a:ext uri="{0D108BD9-81ED-4DB2-BD59-A6C34878D82A}">
+                    <a16:rowId xmlns:a16="http://schemas.microsoft.com/office/drawing/2014/main" val="1592907298"/>
+                  </a:ext>
+                </a:extLst>
+              </a:tr>
+              <a:tr h="412004">
+                <a:tc>
+                  <a:txBody>
+                    <a:bodyPr/>
+                    <a:lstStyle/>
+                    <a:p>
+                      <a:pPr algn="r"/>
+                      <a:r>
+                        <a:rPr lang="en-US" sz="1800" dirty="0">
+                          <a:effectLst/>
+                        </a:rPr>
+                        <a:t>4:30 PM</a:t>
+                      </a:r>
+                    </a:p>
+                  </a:txBody>
+                  <a:tcPr marL="114300" marR="114300" marT="76200" marB="76200" anchor="ctr"/>
+                </a:tc>
+                <a:tc>
+                  <a:txBody>
+                    <a:bodyPr/>
+                    <a:lstStyle/>
+                    <a:p>
+                      <a:pPr algn="r"/>
+                      <a:r>
+                        <a:rPr lang="en-US" sz="1800" dirty="0">
+                          <a:effectLst/>
+                        </a:rPr>
+                        <a:t>5</a:t>
+                      </a:r>
+                    </a:p>
+                  </a:txBody>
+                  <a:tcPr marL="114300" marR="114300" marT="76200" marB="76200" anchor="ctr"/>
+                </a:tc>
+                <a:tc>
+                  <a:txBody>
+                    <a:bodyPr/>
+                    <a:lstStyle/>
+                    <a:p>
+                      <a:r>
+                        <a:rPr lang="en-US" sz="1800" dirty="0">
+                          <a:effectLst/>
+                        </a:rPr>
+                        <a:t>Reproducibility</a:t>
+                      </a:r>
+                    </a:p>
+                  </a:txBody>
+                  <a:tcPr marL="114300" marR="114300" marT="76200" marB="76200" anchor="ctr"/>
+                </a:tc>
+                <a:tc>
+                  <a:txBody>
+                    <a:bodyPr/>
+                    <a:lstStyle/>
+                    <a:p>
+                      <a:r>
+                        <a:rPr lang="en-US" sz="1800" dirty="0">
+                          <a:effectLst/>
+                        </a:rPr>
+                        <a:t>Greg Watson(ORNL)</a:t>
+                      </a:r>
+                    </a:p>
+                  </a:txBody>
+                  <a:tcPr marL="114300" marR="114300" marT="76200" marB="76200" anchor="ctr"/>
+                </a:tc>
+                <a:extLst>
+                  <a:ext uri="{0D108BD9-81ED-4DB2-BD59-A6C34878D82A}">
+                    <a16:rowId xmlns:a16="http://schemas.microsoft.com/office/drawing/2014/main" val="110245607"/>
+                  </a:ext>
+                </a:extLst>
+              </a:tr>
+              <a:tr h="412004">
+                <a:tc>
+                  <a:txBody>
+                    <a:bodyPr/>
+                    <a:lstStyle/>
+                    <a:p>
+                      <a:pPr algn="r"/>
+                      <a:r>
+                        <a:rPr lang="en-US" sz="1800" dirty="0">
+                          <a:effectLst/>
+                        </a:rPr>
+                        <a:t>5:00 PM</a:t>
+                      </a:r>
+                    </a:p>
+                  </a:txBody>
+                  <a:tcPr marL="114300" marR="114300" marT="76200" marB="76200" anchor="ctr"/>
+                </a:tc>
+                <a:tc>
+                  <a:txBody>
+                    <a:bodyPr/>
+                    <a:lstStyle/>
+                    <a:p>
+                      <a:pPr algn="r"/>
+                      <a:r>
+                        <a:rPr lang="en-US" sz="1800" dirty="0">
+                          <a:effectLst/>
+                        </a:rPr>
+                        <a:t>6</a:t>
+                      </a:r>
+                    </a:p>
+                  </a:txBody>
+                  <a:tcPr marL="114300" marR="114300" marT="76200" marB="76200" anchor="ctr"/>
+                </a:tc>
+                <a:tc>
+                  <a:txBody>
+                    <a:bodyPr/>
+                    <a:lstStyle/>
+                    <a:p>
+                      <a:r>
+                        <a:rPr lang="en-US" sz="1800" dirty="0">
+                          <a:effectLst/>
+                        </a:rPr>
+                        <a:t>Software Testing</a:t>
+                      </a:r>
+                    </a:p>
+                  </a:txBody>
+                  <a:tcPr marL="114300" marR="114300" marT="76200" marB="76200" anchor="ctr"/>
+                </a:tc>
+                <a:tc>
+                  <a:txBody>
+                    <a:bodyPr/>
+                    <a:lstStyle/>
+                    <a:p>
+                      <a:r>
+                        <a:rPr lang="en-US" sz="1800" dirty="0">
+                          <a:effectLst/>
+                        </a:rPr>
+                        <a:t>Greg Watson (ORNL)</a:t>
+                      </a:r>
+                    </a:p>
+                  </a:txBody>
+                  <a:tcPr marL="114300" marR="114300" marT="76200" marB="76200" anchor="ctr"/>
+                </a:tc>
+                <a:extLst>
+                  <a:ext uri="{0D108BD9-81ED-4DB2-BD59-A6C34878D82A}">
+                    <a16:rowId xmlns:a16="http://schemas.microsoft.com/office/drawing/2014/main" val="1951011699"/>
+                  </a:ext>
+                </a:extLst>
+              </a:tr>
+              <a:tr h="412004">
+                <a:tc>
+                  <a:txBody>
+                    <a:bodyPr/>
+                    <a:lstStyle/>
+                    <a:p>
+                      <a:pPr algn="r"/>
+                      <a:r>
+                        <a:rPr lang="en-US" sz="1800" dirty="0">
+                          <a:effectLst/>
+                        </a:rPr>
+                        <a:t>5:40 PM</a:t>
+                      </a:r>
+                    </a:p>
+                  </a:txBody>
+                  <a:tcPr marL="114300" marR="114300" marT="76200" marB="76200" anchor="ctr"/>
+                </a:tc>
+                <a:tc>
+                  <a:txBody>
+                    <a:bodyPr/>
+                    <a:lstStyle/>
+                    <a:p>
+                      <a:pPr algn="r"/>
+                      <a:r>
+                        <a:rPr lang="en-US" sz="1800" dirty="0">
+                          <a:effectLst/>
+                        </a:rPr>
+                        <a:t>7</a:t>
+                      </a:r>
+                    </a:p>
+                  </a:txBody>
+                  <a:tcPr marL="114300" marR="114300" marT="76200" marB="76200" anchor="ctr"/>
+                </a:tc>
+                <a:tc>
+                  <a:txBody>
+                    <a:bodyPr/>
+                    <a:lstStyle/>
+                    <a:p>
+                      <a:r>
+                        <a:rPr lang="en-US" sz="1800" dirty="0">
+                          <a:effectLst/>
+                        </a:rPr>
+                        <a:t>Summary</a:t>
+                      </a:r>
+                    </a:p>
+                  </a:txBody>
+                  <a:tcPr marL="114300" marR="114300" marT="76200" marB="76200" anchor="ctr"/>
+                </a:tc>
+                <a:tc>
+                  <a:txBody>
+                    <a:bodyPr/>
+                    <a:lstStyle/>
+                    <a:p>
+                      <a:r>
+                        <a:rPr lang="en-US" sz="1800" dirty="0" err="1">
+                          <a:effectLst/>
+                        </a:rPr>
+                        <a:t>Anshu</a:t>
+                      </a:r>
+                      <a:r>
+                        <a:rPr lang="en-US" sz="1800" dirty="0">
+                          <a:effectLst/>
+                        </a:rPr>
+                        <a:t> Dubey (ANL)</a:t>
+                      </a:r>
+                    </a:p>
+                  </a:txBody>
+                  <a:tcPr marL="114300" marR="114300" marT="76200" marB="76200" anchor="ctr"/>
+                </a:tc>
+                <a:extLst>
+                  <a:ext uri="{0D108BD9-81ED-4DB2-BD59-A6C34878D82A}">
+                    <a16:rowId xmlns:a16="http://schemas.microsoft.com/office/drawing/2014/main" val="2677893716"/>
+                  </a:ext>
+                </a:extLst>
+              </a:tr>
+              <a:tr h="412004">
+                <a:tc>
+                  <a:txBody>
+                    <a:bodyPr/>
+                    <a:lstStyle/>
+                    <a:p>
+                      <a:pPr algn="r"/>
+                      <a:r>
+                        <a:rPr lang="en-US" sz="1800">
+                          <a:effectLst/>
+                        </a:rPr>
+                        <a:t>5:50 </a:t>
+                      </a:r>
+                      <a:r>
+                        <a:rPr lang="en-US" sz="1800" dirty="0">
+                          <a:effectLst/>
+                        </a:rPr>
+                        <a:t>PM</a:t>
+                      </a:r>
+                    </a:p>
+                  </a:txBody>
+                  <a:tcPr marL="114300" marR="114300" marT="76200" marB="76200" anchor="ctr"/>
+                </a:tc>
+                <a:tc>
+                  <a:txBody>
+                    <a:bodyPr/>
+                    <a:lstStyle/>
+                    <a:p>
+                      <a:pPr algn="r"/>
+                      <a:endParaRPr lang="en-US" sz="1800" dirty="0">
+                        <a:effectLst/>
+                      </a:endParaRPr>
+                    </a:p>
+                  </a:txBody>
+                  <a:tcPr marL="114300" marR="114300" marT="76200" marB="76200" anchor="ctr"/>
+                </a:tc>
+                <a:tc>
+                  <a:txBody>
+                    <a:bodyPr/>
+                    <a:lstStyle/>
+                    <a:p>
+                      <a:r>
+                        <a:rPr lang="en-US" sz="1800" i="1">
+                          <a:effectLst/>
+                        </a:rPr>
+                        <a:t>Q</a:t>
+                      </a:r>
+                      <a:r>
+                        <a:rPr lang="en-US" sz="1800" i="1" dirty="0">
+                          <a:effectLst/>
+                        </a:rPr>
+                        <a:t>&amp;A</a:t>
+                      </a:r>
+                      <a:endParaRPr lang="en-US" sz="1800" dirty="0">
+                        <a:effectLst/>
+                      </a:endParaRPr>
+                    </a:p>
+                  </a:txBody>
+                  <a:tcPr marL="114300" marR="114300" marT="76200" marB="76200" anchor="ctr"/>
+                </a:tc>
+                <a:tc>
+                  <a:txBody>
+                    <a:bodyPr/>
+                    <a:lstStyle/>
+                    <a:p>
+                      <a:endParaRPr lang="en-US" sz="1800" dirty="0"/>
+                    </a:p>
+                  </a:txBody>
+                  <a:tcPr/>
+                </a:tc>
+                <a:extLst>
+                  <a:ext uri="{0D108BD9-81ED-4DB2-BD59-A6C34878D82A}">
+                    <a16:rowId xmlns:a16="http://schemas.microsoft.com/office/drawing/2014/main" val="1485688880"/>
+                  </a:ext>
+                </a:extLst>
+              </a:tr>
+            </a:tbl>
+          </a:graphicData>
+        </a:graphic>
+      </p:graphicFrame>
+      <p:sp>
+        <p:nvSpPr>
+          <p:cNvPr id="9" name="TextBox 8">
+            <a:extLst>
+              <a:ext uri="{FF2B5EF4-FFF2-40B4-BE49-F238E27FC236}">
+                <a16:creationId xmlns:a16="http://schemas.microsoft.com/office/drawing/2014/main" id="{2C67F121-FA5A-4323-B777-FC3438185944}"/>
+              </a:ext>
+            </a:extLst>
+          </p:cNvPr>
+          <p:cNvSpPr txBox="1"/>
+          <p:nvPr/>
+        </p:nvSpPr>
+        <p:spPr>
+          <a:xfrm>
+            <a:off x="4537710" y="45720"/>
+            <a:ext cx="7651115" cy="646331"/>
+          </a:xfrm>
+          <a:prstGeom prst="rect">
+            <a:avLst/>
+          </a:prstGeom>
+          <a:noFill/>
+        </p:spPr>
+        <p:txBody>
+          <a:bodyPr wrap="square">
+            <a:spAutoFit/>
+          </a:bodyPr>
+          <a:lstStyle/>
+          <a:p>
+            <a:pPr algn="l"/>
+            <a:r>
+              <a:rPr lang="en-US" dirty="0"/>
+              <a:t>The agenda is also available on the tutorial web page.  Visit </a:t>
+            </a:r>
+            <a:r>
+              <a:rPr lang="en-US" b="1" dirty="0">
+                <a:hlinkClick r:id="rId2"/>
+              </a:rPr>
+              <a:t>https://bssw-tutorial.github.io</a:t>
+            </a:r>
+            <a:r>
+              <a:rPr lang="en-US" b="1" dirty="0"/>
+              <a:t> </a:t>
+            </a:r>
+            <a:r>
+              <a:rPr lang="en-US" dirty="0"/>
+              <a:t>and click on the link for today’s tutorial</a:t>
+            </a:r>
+          </a:p>
+        </p:txBody>
+      </p:sp>
+    </p:spTree>
+    <p:extLst>
+      <p:ext uri="{BB962C8B-B14F-4D97-AF65-F5344CB8AC3E}">
+        <p14:creationId xmlns:p14="http://schemas.microsoft.com/office/powerpoint/2010/main" val="2448329568"/>
       </p:ext>
     </p:extLst>
   </p:cSld>
@@ -11300,18 +12280,18 @@
 </file>
 
 <file path=customXml/item1.xml><?xml version="1.0" encoding="utf-8"?>
-<p:properties xmlns:p="http://schemas.microsoft.com/office/2006/metadata/properties" xmlns:xsi="http://www.w3.org/2001/XMLSchema-instance" xmlns:pc="http://schemas.microsoft.com/office/infopath/2007/PartnerControls">
-  <documentManagement/>
-</p:properties>
-</file>
-
-<file path=customXml/item2.xml><?xml version="1.0" encoding="utf-8"?>
 <?mso-contentType ?>
 <FormTemplates xmlns="http://schemas.microsoft.com/sharepoint/v3/contenttype/forms">
   <Display>DocumentLibraryForm</Display>
   <Edit>DocumentLibraryForm</Edit>
   <New>DocumentLibraryForm</New>
 </FormTemplates>
+</file>
+
+<file path=customXml/item2.xml><?xml version="1.0" encoding="utf-8"?>
+<p:properties xmlns:p="http://schemas.microsoft.com/office/2006/metadata/properties" xmlns:xsi="http://www.w3.org/2001/XMLSchema-instance" xmlns:pc="http://schemas.microsoft.com/office/infopath/2007/PartnerControls">
+  <documentManagement/>
+</p:properties>
 </file>
 
 <file path=customXml/item3.xml><?xml version="1.0" encoding="utf-8"?>
@@ -11364,6 +12344,14 @@
 </file>
 
 <file path=customXml/itemProps1.xml><?xml version="1.0" encoding="utf-8"?>
+<ds:datastoreItem xmlns:ds="http://schemas.openxmlformats.org/officeDocument/2006/customXml" ds:itemID="{19E20559-B232-4371-8690-E3D8007EDB82}">
+  <ds:schemaRefs>
+    <ds:schemaRef ds:uri="http://schemas.microsoft.com/sharepoint/v3/contenttype/forms"/>
+  </ds:schemaRefs>
+</ds:datastoreItem>
+</file>
+
+<file path=customXml/itemProps2.xml><?xml version="1.0" encoding="utf-8"?>
 <ds:datastoreItem xmlns:ds="http://schemas.openxmlformats.org/officeDocument/2006/customXml" ds:itemID="{A50EC660-24D0-43A0-AE5E-E274115E726B}">
   <ds:schemaRefs>
     <ds:schemaRef ds:uri="http://purl.org/dc/elements/1.1/"/>
@@ -11374,14 +12362,6 @@
     <ds:schemaRef ds:uri="http://www.w3.org/XML/1998/namespace"/>
     <ds:schemaRef ds:uri="http://purl.org/dc/dcmitype/"/>
     <ds:schemaRef ds:uri="http://schemas.microsoft.com/office/infopath/2007/PartnerControls"/>
-  </ds:schemaRefs>
-</ds:datastoreItem>
-</file>
-
-<file path=customXml/itemProps2.xml><?xml version="1.0" encoding="utf-8"?>
-<ds:datastoreItem xmlns:ds="http://schemas.openxmlformats.org/officeDocument/2006/customXml" ds:itemID="{19E20559-B232-4371-8690-E3D8007EDB82}">
-  <ds:schemaRefs>
-    <ds:schemaRef ds:uri="http://schemas.microsoft.com/sharepoint/v3/contenttype/forms"/>
   </ds:schemaRefs>
 </ds:datastoreItem>
 </file>

--- a/intro.pptx
+++ b/intro.pptx
@@ -266,7 +266,7 @@
           <a:p>
             <a:fld id="{0B842F42-2CE9-4E35-95C1-410DC08A50B1}" type="datetimeFigureOut">
               <a:rPr lang="en-US" smtClean="0"/>
-              <a:t>5/18/22</a:t>
+              <a:t>5/19/2022</a:t>
             </a:fld>
             <a:endParaRPr lang="en-US"/>
           </a:p>
@@ -431,7 +431,7 @@
           <a:p>
             <a:fld id="{6F282904-F315-4730-8D91-37D99E141A6F}" type="datetimeFigureOut">
               <a:rPr lang="en-US" smtClean="0"/>
-              <a:t>5/18/22</a:t>
+              <a:t>5/19/2022</a:t>
             </a:fld>
             <a:endParaRPr lang="en-US"/>
           </a:p>
@@ -4722,14 +4722,14 @@
             <p:ph idx="1"/>
             <p:extLst>
               <p:ext uri="{D42A27DB-BD31-4B8C-83A1-F6EECF244321}">
-                <p14:modId xmlns:p14="http://schemas.microsoft.com/office/powerpoint/2010/main" val="383297985"/>
+                <p14:modId xmlns:p14="http://schemas.microsoft.com/office/powerpoint/2010/main" val="2316698016"/>
               </p:ext>
             </p:extLst>
           </p:nvPr>
         </p:nvGraphicFramePr>
         <p:xfrm>
           <a:off x="365759" y="836121"/>
-          <a:ext cx="11372473" cy="5242560"/>
+          <a:ext cx="11372473" cy="5943600"/>
         </p:xfrm>
         <a:graphic>
           <a:graphicData uri="http://schemas.openxmlformats.org/drawingml/2006/table">
@@ -4844,7 +4844,7 @@
                     <a:p>
                       <a:pPr algn="r"/>
                       <a:r>
-                        <a:rPr lang="en-US" sz="1800" dirty="0">
+                        <a:rPr lang="en-US">
                           <a:effectLst/>
                         </a:rPr>
                         <a:t>2:00 PM</a:t>
@@ -4860,7 +4860,7 @@
                     <a:p>
                       <a:pPr algn="r"/>
                       <a:r>
-                        <a:rPr lang="en-US" sz="1800">
+                        <a:rPr lang="en-US">
                           <a:effectLst/>
                         </a:rPr>
                         <a:t>0</a:t>
@@ -4875,7 +4875,7 @@
                     <a:lstStyle/>
                     <a:p>
                       <a:r>
-                        <a:rPr lang="en-US" sz="1800">
+                        <a:rPr lang="en-US">
                           <a:effectLst/>
                         </a:rPr>
                         <a:t>Introduction and Setup</a:t>
@@ -4890,16 +4890,10 @@
                     <a:lstStyle/>
                     <a:p>
                       <a:r>
-                        <a:rPr lang="en-US" sz="1800" dirty="0" err="1">
+                        <a:rPr lang="en-US">
                           <a:effectLst/>
                         </a:rPr>
-                        <a:t>Anshu</a:t>
-                      </a:r>
-                      <a:r>
-                        <a:rPr lang="en-US" sz="1800" dirty="0">
-                          <a:effectLst/>
-                        </a:rPr>
-                        <a:t> Dubey(ANL)</a:t>
+                        <a:t>Anshu Dubey (ANL)</a:t>
                       </a:r>
                     </a:p>
                   </a:txBody>
@@ -4919,7 +4913,7 @@
                     <a:p>
                       <a:pPr algn="r"/>
                       <a:r>
-                        <a:rPr lang="en-US" sz="1800" dirty="0">
+                        <a:rPr lang="en-US">
                           <a:effectLst/>
                         </a:rPr>
                         <a:t>2:10 PM</a:t>
@@ -4935,7 +4929,7 @@
                     <a:p>
                       <a:pPr algn="r"/>
                       <a:r>
-                        <a:rPr lang="en-US" sz="1800">
+                        <a:rPr lang="en-US">
                           <a:effectLst/>
                         </a:rPr>
                         <a:t>1</a:t>
@@ -4950,7 +4944,7 @@
                     <a:lstStyle/>
                     <a:p>
                       <a:r>
-                        <a:rPr lang="en-US" sz="1800" dirty="0">
+                        <a:rPr lang="en-US">
                           <a:effectLst/>
                         </a:rPr>
                         <a:t>Motivation and Overview of Best Practices in HPC Software Development</a:t>
@@ -4965,16 +4959,10 @@
                     <a:lstStyle/>
                     <a:p>
                       <a:r>
-                        <a:rPr lang="en-US" sz="1800" dirty="0" err="1">
+                        <a:rPr lang="en-US">
                           <a:effectLst/>
                         </a:rPr>
-                        <a:t>Anshu</a:t>
-                      </a:r>
-                      <a:r>
-                        <a:rPr lang="en-US" sz="1800" dirty="0">
-                          <a:effectLst/>
-                        </a:rPr>
-                        <a:t> Dubey(ANL)</a:t>
+                        <a:t>Anshu Dubey (ANL)</a:t>
                       </a:r>
                     </a:p>
                   </a:txBody>
@@ -4994,7 +4982,7 @@
                     <a:p>
                       <a:pPr algn="r"/>
                       <a:r>
-                        <a:rPr lang="en-US" sz="1800" dirty="0">
+                        <a:rPr lang="en-US">
                           <a:effectLst/>
                         </a:rPr>
                         <a:t>2:30 PM</a:t>
@@ -5010,7 +4998,7 @@
                     <a:p>
                       <a:pPr algn="r"/>
                       <a:r>
-                        <a:rPr lang="en-US" sz="1800">
+                        <a:rPr lang="en-US">
                           <a:effectLst/>
                         </a:rPr>
                         <a:t>2</a:t>
@@ -5025,7 +5013,7 @@
                     <a:lstStyle/>
                     <a:p>
                       <a:r>
-                        <a:rPr lang="en-US" sz="1800">
+                        <a:rPr lang="en-US">
                           <a:effectLst/>
                         </a:rPr>
                         <a:t>Agile Methodologies</a:t>
@@ -5040,10 +5028,10 @@
                     <a:lstStyle/>
                     <a:p>
                       <a:r>
-                        <a:rPr lang="en-US" sz="1800" dirty="0">
+                        <a:rPr lang="en-US">
                           <a:effectLst/>
                         </a:rPr>
-                        <a:t>Greg Watson (ORNL)</a:t>
+                        <a:t>Gregory R. Watson (ORNL)</a:t>
                       </a:r>
                     </a:p>
                   </a:txBody>
@@ -5063,7 +5051,7 @@
                     <a:p>
                       <a:pPr algn="r"/>
                       <a:r>
-                        <a:rPr lang="en-US" sz="1800" dirty="0">
+                        <a:rPr lang="en-US">
                           <a:effectLst/>
                         </a:rPr>
                         <a:t>3:00 PM</a:t>
@@ -5079,7 +5067,7 @@
                     <a:p>
                       <a:pPr algn="r"/>
                       <a:r>
-                        <a:rPr lang="en-US" sz="1800" dirty="0">
+                        <a:rPr lang="en-US">
                           <a:effectLst/>
                         </a:rPr>
                         <a:t>3</a:t>
@@ -5094,7 +5082,7 @@
                     <a:lstStyle/>
                     <a:p>
                       <a:r>
-                        <a:rPr lang="en-US" sz="1800" i="0" dirty="0">
+                        <a:rPr lang="en-US">
                           <a:effectLst/>
                         </a:rPr>
                         <a:t>Git Workflows</a:t>
@@ -5109,10 +5097,10 @@
                     <a:lstStyle/>
                     <a:p>
                       <a:r>
-                        <a:rPr lang="en-US" sz="1800" dirty="0">
+                        <a:rPr lang="en-US">
                           <a:effectLst/>
                         </a:rPr>
-                        <a:t>Greg Watson (ORNL)</a:t>
+                        <a:t>Gregory R. Watson (ORNL)</a:t>
                       </a:r>
                     </a:p>
                   </a:txBody>
@@ -5132,7 +5120,7 @@
                     <a:p>
                       <a:pPr algn="r"/>
                       <a:r>
-                        <a:rPr lang="en-US" sz="1800" dirty="0">
+                        <a:rPr lang="en-US">
                           <a:effectLst/>
                         </a:rPr>
                         <a:t>3:30 PM</a:t>
@@ -5148,7 +5136,7 @@
                     <a:p>
                       <a:pPr algn="r"/>
                       <a:r>
-                        <a:rPr lang="en-US" sz="1800" dirty="0">
+                        <a:rPr lang="en-US">
                           <a:effectLst/>
                         </a:rPr>
                         <a:t>4</a:t>
@@ -5163,10 +5151,10 @@
                     <a:lstStyle/>
                     <a:p>
                       <a:r>
-                        <a:rPr lang="en-US" sz="1800" dirty="0">
+                        <a:rPr lang="en-US">
                           <a:effectLst/>
                         </a:rPr>
-                        <a:t>Software Design</a:t>
+                        <a:t>Scientific Software Design</a:t>
                       </a:r>
                     </a:p>
                   </a:txBody>
@@ -5177,34 +5165,11 @@
                     <a:bodyPr/>
                     <a:lstStyle/>
                     <a:p>
-                      <a:pPr marL="0" marR="0" lvl="0" indent="0" algn="l" defTabSz="914400" rtl="0" eaLnBrk="1" fontAlgn="auto" latinLnBrk="0" hangingPunct="1">
-                        <a:lnSpc>
-                          <a:spcPct val="100000"/>
-                        </a:lnSpc>
-                        <a:spcBef>
-                          <a:spcPts val="0"/>
-                        </a:spcBef>
-                        <a:spcAft>
-                          <a:spcPts val="0"/>
-                        </a:spcAft>
-                        <a:buClrTx/>
-                        <a:buSzTx/>
-                        <a:buFontTx/>
-                        <a:buNone/>
-                        <a:tabLst/>
-                        <a:defRPr/>
-                      </a:pPr>
                       <a:r>
-                        <a:rPr lang="en-US" sz="1800" dirty="0" err="1">
+                        <a:rPr lang="en-US">
                           <a:effectLst/>
                         </a:rPr>
-                        <a:t>Anshu</a:t>
-                      </a:r>
-                      <a:r>
-                        <a:rPr lang="en-US" sz="1800" dirty="0">
-                          <a:effectLst/>
-                        </a:rPr>
-                        <a:t> Dubey (ANL)</a:t>
+                        <a:t>Anshu Dubey (ANL)</a:t>
                       </a:r>
                     </a:p>
                   </a:txBody>
@@ -5224,7 +5189,7 @@
                     <a:p>
                       <a:pPr algn="r"/>
                       <a:r>
-                        <a:rPr lang="en-US" sz="1800" dirty="0">
+                        <a:rPr lang="en-US">
                           <a:effectLst/>
                         </a:rPr>
                         <a:t>4:00 PM</a:t>
@@ -5239,7 +5204,7 @@
                     <a:lstStyle/>
                     <a:p>
                       <a:pPr algn="r"/>
-                      <a:endParaRPr lang="en-US" sz="1800" dirty="0">
+                      <a:endParaRPr lang="en-US">
                         <a:effectLst/>
                       </a:endParaRPr>
                     </a:p>
@@ -5252,11 +5217,14 @@
                     <a:lstStyle/>
                     <a:p>
                       <a:r>
-                        <a:rPr lang="en-US" sz="1800" i="1" dirty="0">
+                        <a:rPr lang="en-US" i="1">
                           <a:effectLst/>
                         </a:rPr>
                         <a:t>Break</a:t>
                       </a:r>
+                      <a:endParaRPr lang="en-US">
+                        <a:effectLst/>
+                      </a:endParaRPr>
                     </a:p>
                   </a:txBody>
                   <a:tcPr marL="114300" marR="114300" marT="76200" marB="76200" anchor="ctr"/>
@@ -5266,7 +5234,7 @@
                     <a:bodyPr/>
                     <a:lstStyle/>
                     <a:p>
-                      <a:endParaRPr lang="en-US" sz="1800" dirty="0">
+                      <a:endParaRPr lang="en-US">
                         <a:effectLst/>
                       </a:endParaRPr>
                     </a:p>
@@ -5287,7 +5255,7 @@
                     <a:p>
                       <a:pPr algn="r"/>
                       <a:r>
-                        <a:rPr lang="en-US" sz="1800" dirty="0">
+                        <a:rPr lang="en-US">
                           <a:effectLst/>
                         </a:rPr>
                         <a:t>4:30 PM</a:t>
@@ -5303,7 +5271,7 @@
                     <a:p>
                       <a:pPr algn="r"/>
                       <a:r>
-                        <a:rPr lang="en-US" sz="1800" dirty="0">
+                        <a:rPr lang="en-US">
                           <a:effectLst/>
                         </a:rPr>
                         <a:t>5</a:t>
@@ -5318,10 +5286,10 @@
                     <a:lstStyle/>
                     <a:p>
                       <a:r>
-                        <a:rPr lang="en-US" sz="1800" dirty="0">
+                        <a:rPr lang="en-US">
                           <a:effectLst/>
                         </a:rPr>
-                        <a:t>Reproducibility</a:t>
+                        <a:t>Improving Reproducibility Through Better Software Practices</a:t>
                       </a:r>
                     </a:p>
                   </a:txBody>
@@ -5333,10 +5301,10 @@
                     <a:lstStyle/>
                     <a:p>
                       <a:r>
-                        <a:rPr lang="en-US" sz="1800" dirty="0">
+                        <a:rPr lang="en-US">
                           <a:effectLst/>
                         </a:rPr>
-                        <a:t>Greg Watson(ORNL)</a:t>
+                        <a:t>Gregory R. Watson (ORNL)</a:t>
                       </a:r>
                     </a:p>
                   </a:txBody>
@@ -5356,7 +5324,7 @@
                     <a:p>
                       <a:pPr algn="r"/>
                       <a:r>
-                        <a:rPr lang="en-US" sz="1800" dirty="0">
+                        <a:rPr lang="en-US">
                           <a:effectLst/>
                         </a:rPr>
                         <a:t>5:00 PM</a:t>
@@ -5372,7 +5340,7 @@
                     <a:p>
                       <a:pPr algn="r"/>
                       <a:r>
-                        <a:rPr lang="en-US" sz="1800" dirty="0">
+                        <a:rPr lang="en-US">
                           <a:effectLst/>
                         </a:rPr>
                         <a:t>6</a:t>
@@ -5387,10 +5355,10 @@
                     <a:lstStyle/>
                     <a:p>
                       <a:r>
-                        <a:rPr lang="en-US" sz="1800" dirty="0">
+                        <a:rPr lang="en-US">
                           <a:effectLst/>
                         </a:rPr>
-                        <a:t>Software Testing</a:t>
+                        <a:t>Software Testing Introduction</a:t>
                       </a:r>
                     </a:p>
                   </a:txBody>
@@ -5402,10 +5370,10 @@
                     <a:lstStyle/>
                     <a:p>
                       <a:r>
-                        <a:rPr lang="en-US" sz="1800" dirty="0">
+                        <a:rPr lang="en-US">
                           <a:effectLst/>
                         </a:rPr>
-                        <a:t>Greg Watson (ORNL)</a:t>
+                        <a:t>Gregory R. Watson (ORNL)</a:t>
                       </a:r>
                     </a:p>
                   </a:txBody>
@@ -5425,10 +5393,10 @@
                     <a:p>
                       <a:pPr algn="r"/>
                       <a:r>
-                        <a:rPr lang="en-US" sz="1800" dirty="0">
+                        <a:rPr lang="en-US">
                           <a:effectLst/>
                         </a:rPr>
-                        <a:t>5:40 PM</a:t>
+                        <a:t>5:20 PM</a:t>
                       </a:r>
                     </a:p>
                   </a:txBody>
@@ -5441,7 +5409,7 @@
                     <a:p>
                       <a:pPr algn="r"/>
                       <a:r>
-                        <a:rPr lang="en-US" sz="1800" dirty="0">
+                        <a:rPr lang="en-US">
                           <a:effectLst/>
                         </a:rPr>
                         <a:t>7</a:t>
@@ -5456,10 +5424,10 @@
                     <a:lstStyle/>
                     <a:p>
                       <a:r>
-                        <a:rPr lang="en-US" sz="1800" dirty="0">
+                        <a:rPr lang="en-US">
                           <a:effectLst/>
                         </a:rPr>
-                        <a:t>Summary</a:t>
+                        <a:t>Continuous Integration</a:t>
                       </a:r>
                     </a:p>
                   </a:txBody>
@@ -5471,16 +5439,10 @@
                     <a:lstStyle/>
                     <a:p>
                       <a:r>
-                        <a:rPr lang="en-US" sz="1800" dirty="0" err="1">
+                        <a:rPr lang="en-US">
                           <a:effectLst/>
                         </a:rPr>
-                        <a:t>Anshu</a:t>
-                      </a:r>
-                      <a:r>
-                        <a:rPr lang="en-US" sz="1800" dirty="0">
-                          <a:effectLst/>
-                        </a:rPr>
-                        <a:t> Dubey (ANL)</a:t>
+                        <a:t>Gregory R. Watson (ORNL)</a:t>
                       </a:r>
                     </a:p>
                   </a:txBody>
@@ -5500,16 +5462,10 @@
                     <a:p>
                       <a:pPr algn="r"/>
                       <a:r>
-                        <a:rPr lang="en-US" sz="1800">
+                        <a:rPr lang="en-US" dirty="0">
                           <a:effectLst/>
                         </a:rPr>
-                        <a:t>5:50 </a:t>
-                      </a:r>
-                      <a:r>
-                        <a:rPr lang="en-US" sz="1800" dirty="0">
-                          <a:effectLst/>
-                        </a:rPr>
-                        <a:t>PM</a:t>
+                        <a:t>5:40 PM</a:t>
                       </a:r>
                     </a:p>
                   </a:txBody>
@@ -5521,7 +5477,76 @@
                     <a:lstStyle/>
                     <a:p>
                       <a:pPr algn="r"/>
-                      <a:endParaRPr lang="en-US" sz="1800" dirty="0">
+                      <a:r>
+                        <a:rPr lang="en-US">
+                          <a:effectLst/>
+                        </a:rPr>
+                        <a:t>8</a:t>
+                      </a:r>
+                    </a:p>
+                  </a:txBody>
+                  <a:tcPr marL="114300" marR="114300" marT="76200" marB="76200" anchor="ctr"/>
+                </a:tc>
+                <a:tc>
+                  <a:txBody>
+                    <a:bodyPr/>
+                    <a:lstStyle/>
+                    <a:p>
+                      <a:r>
+                        <a:rPr lang="en-US">
+                          <a:effectLst/>
+                        </a:rPr>
+                        <a:t>Summary</a:t>
+                      </a:r>
+                    </a:p>
+                  </a:txBody>
+                  <a:tcPr marL="114300" marR="114300" marT="76200" marB="76200" anchor="ctr"/>
+                </a:tc>
+                <a:tc>
+                  <a:txBody>
+                    <a:bodyPr/>
+                    <a:lstStyle/>
+                    <a:p>
+                      <a:r>
+                        <a:rPr lang="en-US" dirty="0">
+                          <a:effectLst/>
+                        </a:rPr>
+                        <a:t>Anshu Dubey (ANL)</a:t>
+                      </a:r>
+                    </a:p>
+                  </a:txBody>
+                  <a:tcPr marL="114300" marR="114300" marT="76200" marB="76200" anchor="ctr"/>
+                </a:tc>
+                <a:extLst>
+                  <a:ext uri="{0D108BD9-81ED-4DB2-BD59-A6C34878D82A}">
+                    <a16:rowId xmlns:a16="http://schemas.microsoft.com/office/drawing/2014/main" val="1485688880"/>
+                  </a:ext>
+                </a:extLst>
+              </a:tr>
+              <a:tr h="412004">
+                <a:tc>
+                  <a:txBody>
+                    <a:bodyPr/>
+                    <a:lstStyle/>
+                    <a:p>
+                      <a:pPr algn="r"/>
+                      <a:r>
+                        <a:rPr lang="en-US" dirty="0">
+                          <a:effectLst/>
+                        </a:rPr>
+                        <a:t>6:00 PM</a:t>
+                      </a:r>
+                    </a:p>
+                  </a:txBody>
+                  <a:tcPr marL="114300" marR="114300" marT="76200" marB="76200" anchor="ctr"/>
+                </a:tc>
+                <a:tc>
+                  <a:txBody>
+                    <a:bodyPr/>
+                    <a:lstStyle/>
+                    <a:p>
+                      <a:pPr algn="r"/>
+                      <a:endParaRPr lang="en-US">
                         <a:effectLst/>
                       </a:endParaRPr>
                     </a:p>
@@ -5534,18 +5559,12 @@
                     <a:lstStyle/>
                     <a:p>
                       <a:r>
-                        <a:rPr lang="en-US" sz="1800" i="1">
+                        <a:rPr lang="en-US" i="1" dirty="0">
                           <a:effectLst/>
                         </a:rPr>
-                        <a:t>Q</a:t>
+                        <a:t>Adjourn</a:t>
                       </a:r>
-                      <a:r>
-                        <a:rPr lang="en-US" sz="1800" i="1" dirty="0">
-                          <a:effectLst/>
-                        </a:rPr>
-                        <a:t>&amp;A</a:t>
-                      </a:r>
-                      <a:endParaRPr lang="en-US" sz="1800" dirty="0">
+                      <a:endParaRPr lang="en-US" dirty="0">
                         <a:effectLst/>
                       </a:endParaRPr>
                     </a:p>
@@ -5557,14 +5576,16 @@
                     <a:bodyPr/>
                     <a:lstStyle/>
                     <a:p>
-                      <a:endParaRPr lang="en-US" sz="1800" dirty="0"/>
+                      <a:endParaRPr lang="en-US" dirty="0">
+                        <a:effectLst/>
+                      </a:endParaRPr>
                     </a:p>
                   </a:txBody>
-                  <a:tcPr/>
+                  <a:tcPr marL="114300" marR="114300" marT="76200" marB="76200" anchor="ctr"/>
                 </a:tc>
                 <a:extLst>
                   <a:ext uri="{0D108BD9-81ED-4DB2-BD59-A6C34878D82A}">
-                    <a16:rowId xmlns:a16="http://schemas.microsoft.com/office/drawing/2014/main" val="1485688880"/>
+                    <a16:rowId xmlns:a16="http://schemas.microsoft.com/office/drawing/2014/main" val="1079961533"/>
                   </a:ext>
                 </a:extLst>
               </a:tr>
@@ -6214,7 +6235,7 @@
           <p:nvPr/>
         </p:nvPicPr>
         <p:blipFill rotWithShape="1">
-          <a:blip r:embed="rId4">
+          <a:blip r:embed="rId4" cstate="print">
             <a:extLst>
               <a:ext uri="{28A0092B-C50C-407E-A947-70E740481C1C}">
                 <a14:useLocalDpi xmlns:a14="http://schemas.microsoft.com/office/drawing/2010/main" val="0"/>
@@ -12280,21 +12301,6 @@
 </file>
 
 <file path=customXml/item1.xml><?xml version="1.0" encoding="utf-8"?>
-<?mso-contentType ?>
-<FormTemplates xmlns="http://schemas.microsoft.com/sharepoint/v3/contenttype/forms">
-  <Display>DocumentLibraryForm</Display>
-  <Edit>DocumentLibraryForm</Edit>
-  <New>DocumentLibraryForm</New>
-</FormTemplates>
-</file>
-
-<file path=customXml/item2.xml><?xml version="1.0" encoding="utf-8"?>
-<p:properties xmlns:p="http://schemas.microsoft.com/office/2006/metadata/properties" xmlns:xsi="http://www.w3.org/2001/XMLSchema-instance" xmlns:pc="http://schemas.microsoft.com/office/infopath/2007/PartnerControls">
-  <documentManagement/>
-</p:properties>
-</file>
-
-<file path=customXml/item3.xml><?xml version="1.0" encoding="utf-8"?>
 <ct:contentTypeSchema xmlns:ct="http://schemas.microsoft.com/office/2006/metadata/contentType" xmlns:ma="http://schemas.microsoft.com/office/2006/metadata/properties/metaAttributes" ct:_="" ma:_="" ma:contentTypeName="Document" ma:contentTypeID="0x010100565464437F680748A68B85EB6594EA7D" ma:contentTypeVersion="0" ma:contentTypeDescription="Create a new document." ma:contentTypeScope="" ma:versionID="fe3f4dd58d5914c51cfc6deaa8ad845c">
   <xsd:schema xmlns:xsd="http://www.w3.org/2001/XMLSchema" xmlns:p="http://schemas.microsoft.com/office/2006/metadata/properties" targetNamespace="http://schemas.microsoft.com/office/2006/metadata/properties" ma:root="true" ma:fieldsID="4aeb20c0e3442673af7ee10786458764">
     <xsd:element name="properties">
@@ -12343,10 +12349,32 @@
 </ct:contentTypeSchema>
 </file>
 
+<file path=customXml/item2.xml><?xml version="1.0" encoding="utf-8"?>
+<p:properties xmlns:p="http://schemas.microsoft.com/office/2006/metadata/properties" xmlns:xsi="http://www.w3.org/2001/XMLSchema-instance" xmlns:pc="http://schemas.microsoft.com/office/infopath/2007/PartnerControls">
+  <documentManagement/>
+</p:properties>
+</file>
+
+<file path=customXml/item3.xml><?xml version="1.0" encoding="utf-8"?>
+<?mso-contentType ?>
+<FormTemplates xmlns="http://schemas.microsoft.com/sharepoint/v3/contenttype/forms">
+  <Display>DocumentLibraryForm</Display>
+  <Edit>DocumentLibraryForm</Edit>
+  <New>DocumentLibraryForm</New>
+</FormTemplates>
+</file>
+
 <file path=customXml/itemProps1.xml><?xml version="1.0" encoding="utf-8"?>
-<ds:datastoreItem xmlns:ds="http://schemas.openxmlformats.org/officeDocument/2006/customXml" ds:itemID="{19E20559-B232-4371-8690-E3D8007EDB82}">
+<ds:datastoreItem xmlns:ds="http://schemas.openxmlformats.org/officeDocument/2006/customXml" ds:itemID="{E8DB7DEB-074E-4EE8-9B6E-FD277323109C}">
   <ds:schemaRefs>
-    <ds:schemaRef ds:uri="http://schemas.microsoft.com/sharepoint/v3/contenttype/forms"/>
+    <ds:schemaRef ds:uri="http://schemas.microsoft.com/office/2006/metadata/contentType"/>
+    <ds:schemaRef ds:uri="http://schemas.microsoft.com/office/2006/metadata/properties/metaAttributes"/>
+    <ds:schemaRef ds:uri="http://www.w3.org/2001/XMLSchema"/>
+    <ds:schemaRef ds:uri="http://schemas.microsoft.com/office/2006/metadata/properties"/>
+    <ds:schemaRef ds:uri="http://schemas.openxmlformats.org/package/2006/metadata/core-properties"/>
+    <ds:schemaRef ds:uri="http://purl.org/dc/elements/1.1/"/>
+    <ds:schemaRef ds:uri="http://purl.org/dc/terms/"/>
+    <ds:schemaRef ds:uri="http://schemas.microsoft.com/office/internal/2005/internalDocumentation"/>
   </ds:schemaRefs>
 </ds:datastoreItem>
 </file>
@@ -12367,16 +12395,9 @@
 </file>
 
 <file path=customXml/itemProps3.xml><?xml version="1.0" encoding="utf-8"?>
-<ds:datastoreItem xmlns:ds="http://schemas.openxmlformats.org/officeDocument/2006/customXml" ds:itemID="{E8DB7DEB-074E-4EE8-9B6E-FD277323109C}">
+<ds:datastoreItem xmlns:ds="http://schemas.openxmlformats.org/officeDocument/2006/customXml" ds:itemID="{19E20559-B232-4371-8690-E3D8007EDB82}">
   <ds:schemaRefs>
-    <ds:schemaRef ds:uri="http://schemas.microsoft.com/office/2006/metadata/contentType"/>
-    <ds:schemaRef ds:uri="http://schemas.microsoft.com/office/2006/metadata/properties/metaAttributes"/>
-    <ds:schemaRef ds:uri="http://www.w3.org/2001/XMLSchema"/>
-    <ds:schemaRef ds:uri="http://schemas.microsoft.com/office/2006/metadata/properties"/>
-    <ds:schemaRef ds:uri="http://schemas.openxmlformats.org/package/2006/metadata/core-properties"/>
-    <ds:schemaRef ds:uri="http://purl.org/dc/elements/1.1/"/>
-    <ds:schemaRef ds:uri="http://purl.org/dc/terms/"/>
-    <ds:schemaRef ds:uri="http://schemas.microsoft.com/office/internal/2005/internalDocumentation"/>
+    <ds:schemaRef ds:uri="http://schemas.microsoft.com/sharepoint/v3/contenttype/forms"/>
   </ds:schemaRefs>
 </ds:datastoreItem>
 </file>
--- a/intro.pptx
+++ b/intro.pptx
@@ -5,10 +5,10 @@
     <p:sldMasterId id="2147483935" r:id="rId4"/>
   </p:sldMasterIdLst>
   <p:notesMasterIdLst>
-    <p:notesMasterId r:id="rId17"/>
+    <p:notesMasterId r:id="rId16"/>
   </p:notesMasterIdLst>
   <p:handoutMasterIdLst>
-    <p:handoutMasterId r:id="rId18"/>
+    <p:handoutMasterId r:id="rId17"/>
   </p:handoutMasterIdLst>
   <p:sldIdLst>
     <p:sldId id="617" r:id="rId5"/>
@@ -20,9 +20,8 @@
     <p:sldId id="619" r:id="rId11"/>
     <p:sldId id="620" r:id="rId12"/>
     <p:sldId id="622" r:id="rId13"/>
-    <p:sldId id="315" r:id="rId14"/>
-    <p:sldId id="626" r:id="rId15"/>
-    <p:sldId id="261" r:id="rId16"/>
+    <p:sldId id="626" r:id="rId14"/>
+    <p:sldId id="261" r:id="rId15"/>
   </p:sldIdLst>
   <p:sldSz cx="12188825" cy="6858000"/>
   <p:notesSz cx="7010400" cy="9296400"/>
@@ -266,7 +265,7 @@
           <a:p>
             <a:fld id="{0B842F42-2CE9-4E35-95C1-410DC08A50B1}" type="datetimeFigureOut">
               <a:rPr lang="en-US" smtClean="0"/>
-              <a:t>5/19/2022</a:t>
+              <a:t>2/1/2023</a:t>
             </a:fld>
             <a:endParaRPr lang="en-US"/>
           </a:p>
@@ -431,7 +430,7 @@
           <a:p>
             <a:fld id="{6F282904-F315-4730-8D91-37D99E141A6F}" type="datetimeFigureOut">
               <a:rPr lang="en-US" smtClean="0"/>
-              <a:t>5/19/2022</a:t>
+              <a:t>2/1/2023</a:t>
             </a:fld>
             <a:endParaRPr lang="en-US"/>
           </a:p>
@@ -696,93 +695,6 @@
     </a:lvl9pPr>
   </p:notesStyle>
 </p:notesMaster>
-</file>
-
-<file path=ppt/notesSlides/notesSlide1.xml><?xml version="1.0" encoding="utf-8"?>
-<p:notes xmlns:a="http://schemas.openxmlformats.org/drawingml/2006/main" xmlns:r="http://schemas.openxmlformats.org/officeDocument/2006/relationships" xmlns:p="http://schemas.openxmlformats.org/presentationml/2006/main">
-  <p:cSld>
-    <p:spTree>
-      <p:nvGrpSpPr>
-        <p:cNvPr id="1" name=""/>
-        <p:cNvGrpSpPr/>
-        <p:nvPr/>
-      </p:nvGrpSpPr>
-      <p:grpSpPr>
-        <a:xfrm>
-          <a:off x="0" y="0"/>
-          <a:ext cx="0" cy="0"/>
-          <a:chOff x="0" y="0"/>
-          <a:chExt cx="0" cy="0"/>
-        </a:xfrm>
-      </p:grpSpPr>
-      <p:sp>
-        <p:nvSpPr>
-          <p:cNvPr id="2" name="Slide Image Placeholder 1"/>
-          <p:cNvSpPr>
-            <a:spLocks noGrp="1" noRot="1" noChangeAspect="1"/>
-          </p:cNvSpPr>
-          <p:nvPr>
-            <p:ph type="sldImg"/>
-          </p:nvPr>
-        </p:nvSpPr>
-        <p:spPr/>
-      </p:sp>
-      <p:sp>
-        <p:nvSpPr>
-          <p:cNvPr id="3" name="Notes Placeholder 2"/>
-          <p:cNvSpPr>
-            <a:spLocks noGrp="1"/>
-          </p:cNvSpPr>
-          <p:nvPr>
-            <p:ph type="body" idx="1"/>
-          </p:nvPr>
-        </p:nvSpPr>
-        <p:spPr/>
-        <p:txBody>
-          <a:bodyPr/>
-          <a:lstStyle/>
-          <a:p>
-            <a:r>
-              <a:rPr lang="en-US" dirty="0"/>
-              <a:t>Variant for hands-on being part of the agenda.</a:t>
-            </a:r>
-          </a:p>
-        </p:txBody>
-      </p:sp>
-      <p:sp>
-        <p:nvSpPr>
-          <p:cNvPr id="4" name="Slide Number Placeholder 3"/>
-          <p:cNvSpPr>
-            <a:spLocks noGrp="1"/>
-          </p:cNvSpPr>
-          <p:nvPr>
-            <p:ph type="sldNum" sz="quarter" idx="5"/>
-          </p:nvPr>
-        </p:nvSpPr>
-        <p:spPr/>
-        <p:txBody>
-          <a:bodyPr/>
-          <a:lstStyle/>
-          <a:p>
-            <a:fld id="{54E672D7-8E2D-4611-973D-F4591A707C34}" type="slidenum">
-              <a:rPr lang="en-US" smtClean="0"/>
-              <a:t>10</a:t>
-            </a:fld>
-            <a:endParaRPr lang="en-US"/>
-          </a:p>
-        </p:txBody>
-      </p:sp>
-    </p:spTree>
-    <p:extLst>
-      <p:ext uri="{BB962C8B-B14F-4D97-AF65-F5344CB8AC3E}">
-        <p14:creationId xmlns:p14="http://schemas.microsoft.com/office/powerpoint/2010/main" val="547864804"/>
-      </p:ext>
-    </p:extLst>
-  </p:cSld>
-  <p:clrMapOvr>
-    <a:masterClrMapping/>
-  </p:clrMapOvr>
-</p:notes>
 </file>
 
 <file path=ppt/slideLayouts/slideLayout1.xml><?xml version="1.0" encoding="utf-8"?>
@@ -4165,8 +4077,8 @@
         </p:nvSpPr>
         <p:spPr>
           <a:xfrm>
-            <a:off x="3177633" y="503144"/>
-            <a:ext cx="8369032" cy="1030930"/>
+            <a:off x="3177632" y="724124"/>
+            <a:ext cx="8846727" cy="1030930"/>
           </a:xfrm>
         </p:spPr>
         <p:txBody>
@@ -4180,7 +4092,7 @@
             </a:pPr>
             <a:r>
               <a:rPr lang="en-US" dirty="0"/>
-              <a:t>Better Scientific Software</a:t>
+              <a:t>Software Practices for Better Science: Testing, Reproducibility, and Documentation</a:t>
             </a:r>
           </a:p>
         </p:txBody>
@@ -4212,21 +4124,21 @@
           <a:lstStyle/>
           <a:p>
             <a:r>
-              <a:rPr lang="en-US" dirty="0" err="1"/>
-              <a:t>Anshu</a:t>
-            </a:r>
-            <a:r>
               <a:rPr lang="en-US" dirty="0"/>
-              <a:t> Dubey and Gregory R. Watson, </a:t>
-            </a:r>
-          </a:p>
-          <a:p>
-            <a:r>
-              <a:rPr lang="en-US" dirty="0"/>
-              <a:t>Better Scientific Software tutorial @ ISC 2022</a:t>
-            </a:r>
-          </a:p>
-          <a:p>
+              <a:t>David E. Bernholdt, David M. Rogers, and Gregory R. Watson, </a:t>
+            </a:r>
+          </a:p>
+          <a:p>
+            <a:r>
+              <a:rPr lang="en-US" b="0" i="0" dirty="0">
+                <a:solidFill>
+                  <a:srgbClr val="111111"/>
+                </a:solidFill>
+                <a:effectLst/>
+                <a:latin typeface="-apple-system"/>
+              </a:rPr>
+              <a:t>Exascale Computing Project Tutorial Days</a:t>
+            </a:r>
             <a:endParaRPr lang="en-US" dirty="0"/>
           </a:p>
         </p:txBody>
@@ -4325,178 +4237,6 @@
           <p:cNvPr id="2" name="Title 1">
             <a:extLst>
               <a:ext uri="{FF2B5EF4-FFF2-40B4-BE49-F238E27FC236}">
-                <a16:creationId xmlns:a16="http://schemas.microsoft.com/office/drawing/2014/main" id="{965012BA-8349-4F63-995A-190570787086}"/>
-              </a:ext>
-            </a:extLst>
-          </p:cNvPr>
-          <p:cNvSpPr>
-            <a:spLocks noGrp="1"/>
-          </p:cNvSpPr>
-          <p:nvPr>
-            <p:ph type="title"/>
-          </p:nvPr>
-        </p:nvSpPr>
-        <p:spPr/>
-        <p:txBody>
-          <a:bodyPr/>
-          <a:lstStyle/>
-          <a:p>
-            <a:r>
-              <a:rPr lang="en-US" dirty="0"/>
-              <a:t>Hands-On Activities</a:t>
-            </a:r>
-          </a:p>
-        </p:txBody>
-      </p:sp>
-      <p:sp>
-        <p:nvSpPr>
-          <p:cNvPr id="3" name="Content Placeholder 2">
-            <a:extLst>
-              <a:ext uri="{FF2B5EF4-FFF2-40B4-BE49-F238E27FC236}">
-                <a16:creationId xmlns:a16="http://schemas.microsoft.com/office/drawing/2014/main" id="{0F20C93A-8687-4A10-A3FB-77446A44FBAB}"/>
-              </a:ext>
-            </a:extLst>
-          </p:cNvPr>
-          <p:cNvSpPr>
-            <a:spLocks noGrp="1"/>
-          </p:cNvSpPr>
-          <p:nvPr>
-            <p:ph idx="1"/>
-          </p:nvPr>
-        </p:nvSpPr>
-        <p:spPr>
-          <a:xfrm>
-            <a:off x="365761" y="1012149"/>
-            <a:ext cx="6211614" cy="4047778"/>
-          </a:xfrm>
-        </p:spPr>
-        <p:txBody>
-          <a:bodyPr/>
-          <a:lstStyle/>
-          <a:p>
-            <a:pPr marL="0" indent="0">
-              <a:buNone/>
-            </a:pPr>
-            <a:r>
-              <a:rPr lang="en-US" dirty="0"/>
-              <a:t>We have created a simple example to give you some (optional) hands-on experience with some of the concepts in this tutorial</a:t>
-            </a:r>
-          </a:p>
-          <a:p>
-            <a:pPr>
-              <a:spcBef>
-                <a:spcPts val="800"/>
-              </a:spcBef>
-            </a:pPr>
-            <a:r>
-              <a:rPr lang="en-US" sz="2000" dirty="0"/>
-              <a:t>You don’t need to understand the math/physics to do the exercises, or find them useful</a:t>
-            </a:r>
-          </a:p>
-          <a:p>
-            <a:pPr marL="0" indent="0">
-              <a:spcBef>
-                <a:spcPts val="3600"/>
-              </a:spcBef>
-              <a:buNone/>
-            </a:pPr>
-            <a:r>
-              <a:rPr lang="en-US" dirty="0"/>
-              <a:t>We do not have much time in the agenda for the hands-on activities, but feel free to continue to work on them outside of the tutorial.  We’ll give feedback on pull requests and issues filed (or email us, see next slide).</a:t>
-            </a:r>
-          </a:p>
-          <a:p>
-            <a:pPr marL="0" indent="0">
-              <a:spcBef>
-                <a:spcPts val="3600"/>
-              </a:spcBef>
-              <a:buNone/>
-            </a:pPr>
-            <a:r>
-              <a:rPr lang="en-US" b="1" dirty="0"/>
-              <a:t>Instructions on the tutorial web site: </a:t>
-            </a:r>
-            <a:r>
-              <a:rPr lang="en-US" sz="2400" b="1" dirty="0">
-                <a:hlinkClick r:id="rId3"/>
-              </a:rPr>
-              <a:t>https://bssw-tutorial.github.io/</a:t>
-            </a:r>
-            <a:br>
-              <a:rPr lang="en-US" sz="2400" b="1" dirty="0"/>
-            </a:br>
-            <a:r>
-              <a:rPr lang="en-US" sz="2400" dirty="0"/>
-              <a:t>and click the link for today’s tutorial</a:t>
-            </a:r>
-            <a:endParaRPr lang="en-US" sz="2800" dirty="0"/>
-          </a:p>
-        </p:txBody>
-      </p:sp>
-      <p:pic>
-        <p:nvPicPr>
-          <p:cNvPr id="4" name="Picture 3">
-            <a:extLst>
-              <a:ext uri="{FF2B5EF4-FFF2-40B4-BE49-F238E27FC236}">
-                <a16:creationId xmlns:a16="http://schemas.microsoft.com/office/drawing/2014/main" id="{B9D05DF5-DD70-4892-B1EC-CCD1C9DC6DD4}"/>
-              </a:ext>
-            </a:extLst>
-          </p:cNvPr>
-          <p:cNvPicPr>
-            <a:picLocks noChangeAspect="1"/>
-          </p:cNvPicPr>
-          <p:nvPr/>
-        </p:nvPicPr>
-        <p:blipFill rotWithShape="1">
-          <a:blip r:embed="rId4"/>
-          <a:srcRect l="8639" t="17307" r="21360" b="13562"/>
-          <a:stretch/>
-        </p:blipFill>
-        <p:spPr>
-          <a:xfrm>
-            <a:off x="6728716" y="1146154"/>
-            <a:ext cx="5120640" cy="2863018"/>
-          </a:xfrm>
-          <a:prstGeom prst="rect">
-            <a:avLst/>
-          </a:prstGeom>
-        </p:spPr>
-      </p:pic>
-    </p:spTree>
-    <p:extLst>
-      <p:ext uri="{BB962C8B-B14F-4D97-AF65-F5344CB8AC3E}">
-        <p14:creationId xmlns:p14="http://schemas.microsoft.com/office/powerpoint/2010/main" val="2645602955"/>
-      </p:ext>
-    </p:extLst>
-  </p:cSld>
-  <p:clrMapOvr>
-    <a:masterClrMapping/>
-  </p:clrMapOvr>
-</p:sld>
-</file>
-
-<file path=ppt/slides/slide11.xml><?xml version="1.0" encoding="utf-8"?>
-<p:sld xmlns:a="http://schemas.openxmlformats.org/drawingml/2006/main" xmlns:r="http://schemas.openxmlformats.org/officeDocument/2006/relationships" xmlns:p="http://schemas.openxmlformats.org/presentationml/2006/main">
-  <p:cSld>
-    <p:spTree>
-      <p:nvGrpSpPr>
-        <p:cNvPr id="1" name=""/>
-        <p:cNvGrpSpPr/>
-        <p:nvPr/>
-      </p:nvGrpSpPr>
-      <p:grpSpPr>
-        <a:xfrm>
-          <a:off x="0" y="0"/>
-          <a:ext cx="0" cy="0"/>
-          <a:chOff x="0" y="0"/>
-          <a:chExt cx="0" cy="0"/>
-        </a:xfrm>
-      </p:grpSpPr>
-      <p:sp>
-        <p:nvSpPr>
-          <p:cNvPr id="2" name="Title 1">
-            <a:extLst>
-              <a:ext uri="{FF2B5EF4-FFF2-40B4-BE49-F238E27FC236}">
                 <a16:creationId xmlns:a16="http://schemas.microsoft.com/office/drawing/2014/main" id="{88D7CFF0-36AC-4BF3-96D2-C6F302144850}"/>
               </a:ext>
             </a:extLst>
@@ -4575,8 +4315,15 @@
             </a:pPr>
             <a:r>
               <a:rPr lang="en-US" dirty="0"/>
-              <a:t>If you work on the hands-on activities, we’ll be glad to provide feedback</a:t>
-            </a:r>
+              <a:t>After the tutorial email us at </a:t>
+            </a:r>
+            <a:r>
+              <a:rPr lang="en-US" dirty="0">
+                <a:hlinkClick r:id="rId2"/>
+              </a:rPr>
+              <a:t>bssw-tutorial@lists.mcs.anl.gov</a:t>
+            </a:r>
+            <a:endParaRPr lang="en-US" dirty="0"/>
           </a:p>
           <a:p>
             <a:pPr lvl="1">
@@ -4586,35 +4333,6 @@
             </a:pPr>
             <a:r>
               <a:rPr lang="en-US" dirty="0"/>
-              <a:t>Submit a pull request and we’ll take a look</a:t>
-            </a:r>
-          </a:p>
-          <a:p>
-            <a:pPr>
-              <a:spcBef>
-                <a:spcPts val="1200"/>
-              </a:spcBef>
-            </a:pPr>
-            <a:r>
-              <a:rPr lang="en-US" dirty="0"/>
-              <a:t>After the tutorial email us at </a:t>
-            </a:r>
-            <a:r>
-              <a:rPr lang="en-US" dirty="0">
-                <a:hlinkClick r:id="rId2"/>
-              </a:rPr>
-              <a:t>bssw-tutorial@lists.mcs.anl.gov</a:t>
-            </a:r>
-            <a:endParaRPr lang="en-US" dirty="0"/>
-          </a:p>
-          <a:p>
-            <a:pPr lvl="1">
-              <a:spcBef>
-                <a:spcPts val="400"/>
-              </a:spcBef>
-            </a:pPr>
-            <a:r>
-              <a:rPr lang="en-US" dirty="0"/>
               <a:t>With questions or feedback</a:t>
             </a:r>
           </a:p>
@@ -4640,6 +4358,85 @@
               <a:rPr lang="en-US" dirty="0"/>
               <a:t> page for all tutorial materials</a:t>
             </a:r>
+          </a:p>
+          <a:p>
+            <a:pPr marL="0" indent="0">
+              <a:spcBef>
+                <a:spcPts val="3600"/>
+              </a:spcBef>
+              <a:buNone/>
+            </a:pPr>
+            <a:r>
+              <a:rPr lang="en-US" sz="2800" b="1" dirty="0"/>
+              <a:t>Related Events: ECP Community </a:t>
+            </a:r>
+            <a:r>
+              <a:rPr lang="en-US" sz="2800" b="1" dirty="0" err="1"/>
+              <a:t>BoF</a:t>
+            </a:r>
+            <a:r>
+              <a:rPr lang="en-US" sz="2800" b="1" dirty="0"/>
+              <a:t> Days</a:t>
+            </a:r>
+          </a:p>
+          <a:p>
+            <a:pPr algn="l">
+              <a:buFont typeface="Arial" panose="020B0604020202020204" pitchFamily="34" charset="0"/>
+              <a:buChar char="•"/>
+            </a:pPr>
+            <a:r>
+              <a:rPr lang="en-US" b="0" i="0" u="sng" dirty="0">
+                <a:solidFill>
+                  <a:srgbClr val="111111"/>
+                </a:solidFill>
+                <a:effectLst/>
+                <a:latin typeface="+mn-lt"/>
+                <a:hlinkClick r:id="rId4"/>
+              </a:rPr>
+              <a:t>Sharing Your Software Sustainability, Productivity, and Quality Experience through BSSw.io</a:t>
+            </a:r>
+            <a:endParaRPr lang="en-US" b="0" i="0" dirty="0">
+              <a:solidFill>
+                <a:srgbClr val="111111"/>
+              </a:solidFill>
+              <a:effectLst/>
+              <a:latin typeface="+mn-lt"/>
+            </a:endParaRPr>
+          </a:p>
+          <a:p>
+            <a:pPr algn="l">
+              <a:buFont typeface="Arial" panose="020B0604020202020204" pitchFamily="34" charset="0"/>
+              <a:buChar char="•"/>
+            </a:pPr>
+            <a:r>
+              <a:rPr lang="en-US" b="0" i="0" u="none" strike="noStrike" dirty="0" err="1">
+                <a:solidFill>
+                  <a:srgbClr val="2A7AE2"/>
+                </a:solidFill>
+                <a:effectLst/>
+                <a:latin typeface="+mn-lt"/>
+                <a:hlinkClick r:id="rId5"/>
+              </a:rPr>
+              <a:t>BSSw</a:t>
+            </a:r>
+            <a:r>
+              <a:rPr lang="en-US" b="0" i="0" u="none" strike="noStrike" dirty="0">
+                <a:solidFill>
+                  <a:srgbClr val="2A7AE2"/>
+                </a:solidFill>
+                <a:effectLst/>
+                <a:latin typeface="+mn-lt"/>
+                <a:hlinkClick r:id="rId5"/>
+              </a:rPr>
+              <a:t> Fellowship</a:t>
+            </a:r>
+            <a:endParaRPr lang="en-US" b="0" i="0" dirty="0">
+              <a:solidFill>
+                <a:srgbClr val="111111"/>
+              </a:solidFill>
+              <a:effectLst/>
+              <a:latin typeface="+mn-lt"/>
+            </a:endParaRPr>
           </a:p>
         </p:txBody>
       </p:sp>
@@ -4656,7 +4453,7 @@
 </p:sld>
 </file>
 
-<file path=ppt/slides/slide12.xml><?xml version="1.0" encoding="utf-8"?>
+<file path=ppt/slides/slide11.xml><?xml version="1.0" encoding="utf-8"?>
 <p:sld xmlns:a="http://schemas.openxmlformats.org/drawingml/2006/main" xmlns:r="http://schemas.openxmlformats.org/officeDocument/2006/relationships" xmlns:p="http://schemas.openxmlformats.org/presentationml/2006/main">
   <p:cSld>
     <p:spTree>
@@ -4722,14 +4519,14 @@
             <p:ph idx="1"/>
             <p:extLst>
               <p:ext uri="{D42A27DB-BD31-4B8C-83A1-F6EECF244321}">
-                <p14:modId xmlns:p14="http://schemas.microsoft.com/office/powerpoint/2010/main" val="2316698016"/>
+                <p14:modId xmlns:p14="http://schemas.microsoft.com/office/powerpoint/2010/main" val="1435102374"/>
               </p:ext>
             </p:extLst>
           </p:nvPr>
         </p:nvGraphicFramePr>
         <p:xfrm>
-          <a:off x="365759" y="836121"/>
-          <a:ext cx="11372473" cy="5943600"/>
+          <a:off x="365758" y="836121"/>
+          <a:ext cx="11372473" cy="3952146"/>
         </p:xfrm>
         <a:graphic>
           <a:graphicData uri="http://schemas.openxmlformats.org/drawingml/2006/table">
@@ -4738,28 +4535,21 @@
                 <a:tableStyleId>{5C22544A-7EE6-4342-B048-85BDC9FD1C3A}</a:tableStyleId>
               </a:tblPr>
               <a:tblGrid>
-                <a:gridCol w="1475653">
+                <a:gridCol w="1627245">
                   <a:extLst>
                     <a:ext uri="{9D8B030D-6E8A-4147-A177-3AD203B41FA5}">
                       <a16:colId xmlns:a16="http://schemas.microsoft.com/office/drawing/2014/main" val="41390910"/>
                     </a:ext>
                   </a:extLst>
                 </a:gridCol>
-                <a:gridCol w="1059443">
-                  <a:extLst>
-                    <a:ext uri="{9D8B030D-6E8A-4147-A177-3AD203B41FA5}">
-                      <a16:colId xmlns:a16="http://schemas.microsoft.com/office/drawing/2014/main" val="2968622667"/>
-                    </a:ext>
-                  </a:extLst>
-                </a:gridCol>
-                <a:gridCol w="5757567">
+                <a:gridCol w="6587117">
                   <a:extLst>
                     <a:ext uri="{9D8B030D-6E8A-4147-A177-3AD203B41FA5}">
                       <a16:colId xmlns:a16="http://schemas.microsoft.com/office/drawing/2014/main" val="1261297711"/>
                     </a:ext>
                   </a:extLst>
                 </a:gridCol>
-                <a:gridCol w="3079810">
+                <a:gridCol w="3158111">
                   <a:extLst>
                     <a:ext uri="{9D8B030D-6E8A-4147-A177-3AD203B41FA5}">
                       <a16:colId xmlns:a16="http://schemas.microsoft.com/office/drawing/2014/main" val="3622604584"/>
@@ -4778,23 +4568,7 @@
                         <a:rPr lang="en-US" sz="1800" dirty="0">
                           <a:effectLst/>
                         </a:rPr>
-                        <a:t>Time (CEST)</a:t>
-                      </a:r>
-                    </a:p>
-                  </a:txBody>
-                  <a:tcPr marL="114300" marR="114300" marT="76200" marB="76200" anchor="ctr"/>
-                </a:tc>
-                <a:tc>
-                  <a:txBody>
-                    <a:bodyPr/>
-                    <a:lstStyle/>
-                    <a:p>
-                      <a:pPr algn="r"/>
-                      <a:r>
-                        <a:rPr lang="en-US" sz="1800" dirty="0">
-                          <a:effectLst/>
-                        </a:rPr>
-                        <a:t>Module</a:t>
+                        <a:t>Time (EST)</a:t>
                       </a:r>
                     </a:p>
                   </a:txBody>
@@ -4836,75 +4610,6 @@
                   </a:ext>
                 </a:extLst>
               </a:tr>
-              <a:tr h="412004">
-                <a:tc>
-                  <a:txBody>
-                    <a:bodyPr/>
-                    <a:lstStyle/>
-                    <a:p>
-                      <a:pPr algn="r"/>
-                      <a:r>
-                        <a:rPr lang="en-US">
-                          <a:effectLst/>
-                        </a:rPr>
-                        <a:t>2:00 PM</a:t>
-                      </a:r>
-                    </a:p>
-                  </a:txBody>
-                  <a:tcPr marL="114300" marR="114300" marT="76200" marB="76200" anchor="ctr"/>
-                </a:tc>
-                <a:tc>
-                  <a:txBody>
-                    <a:bodyPr/>
-                    <a:lstStyle/>
-                    <a:p>
-                      <a:pPr algn="r"/>
-                      <a:r>
-                        <a:rPr lang="en-US">
-                          <a:effectLst/>
-                        </a:rPr>
-                        <a:t>0</a:t>
-                      </a:r>
-                    </a:p>
-                  </a:txBody>
-                  <a:tcPr marL="114300" marR="114300" marT="76200" marB="76200" anchor="ctr"/>
-                </a:tc>
-                <a:tc>
-                  <a:txBody>
-                    <a:bodyPr/>
-                    <a:lstStyle/>
-                    <a:p>
-                      <a:r>
-                        <a:rPr lang="en-US">
-                          <a:effectLst/>
-                        </a:rPr>
-                        <a:t>Introduction and Setup</a:t>
-                      </a:r>
-                    </a:p>
-                  </a:txBody>
-                  <a:tcPr marL="114300" marR="114300" marT="76200" marB="76200" anchor="ctr"/>
-                </a:tc>
-                <a:tc>
-                  <a:txBody>
-                    <a:bodyPr/>
-                    <a:lstStyle/>
-                    <a:p>
-                      <a:r>
-                        <a:rPr lang="en-US">
-                          <a:effectLst/>
-                        </a:rPr>
-                        <a:t>Anshu Dubey (ANL)</a:t>
-                      </a:r>
-                    </a:p>
-                  </a:txBody>
-                  <a:tcPr marL="114300" marR="114300" marT="76200" marB="76200" anchor="ctr"/>
-                </a:tc>
-                <a:extLst>
-                  <a:ext uri="{0D108BD9-81ED-4DB2-BD59-A6C34878D82A}">
-                    <a16:rowId xmlns:a16="http://schemas.microsoft.com/office/drawing/2014/main" val="1735798684"/>
-                  </a:ext>
-                </a:extLst>
-              </a:tr>
               <a:tr h="676863">
                 <a:tc>
                   <a:txBody>
@@ -4916,27 +4621,11 @@
                         <a:rPr lang="en-US">
                           <a:effectLst/>
                         </a:rPr>
-                        <a:t>2:10 PM</a:t>
+                        <a:t>3:00 PM</a:t>
                       </a:r>
                     </a:p>
                   </a:txBody>
-                  <a:tcPr marL="114300" marR="114300" marT="76200" marB="76200" anchor="ctr"/>
-                </a:tc>
-                <a:tc>
-                  <a:txBody>
-                    <a:bodyPr/>
-                    <a:lstStyle/>
-                    <a:p>
-                      <a:pPr algn="r"/>
-                      <a:r>
-                        <a:rPr lang="en-US">
-                          <a:effectLst/>
-                        </a:rPr>
-                        <a:t>1</a:t>
-                      </a:r>
-                    </a:p>
-                  </a:txBody>
-                  <a:tcPr marL="114300" marR="114300" marT="76200" marB="76200" anchor="ctr"/>
+                  <a:tcPr marL="142875" marR="142875" marT="95250" marB="95250" anchor="ctr"/>
                 </a:tc>
                 <a:tc>
                   <a:txBody>
@@ -4944,14 +4633,14 @@
                     <a:lstStyle/>
                     <a:p>
                       <a:r>
-                        <a:rPr lang="en-US">
+                        <a:rPr lang="en-US" dirty="0">
                           <a:effectLst/>
                         </a:rPr>
-                        <a:t>Motivation and Overview of Best Practices in HPC Software Development</a:t>
+                        <a:t>Introduction</a:t>
                       </a:r>
                     </a:p>
                   </a:txBody>
-                  <a:tcPr marL="114300" marR="114300" marT="76200" marB="76200" anchor="ctr"/>
+                  <a:tcPr marL="142875" marR="142875" marT="95250" marB="95250" anchor="ctr"/>
                 </a:tc>
                 <a:tc>
                   <a:txBody>
@@ -4959,14 +4648,14 @@
                     <a:lstStyle/>
                     <a:p>
                       <a:r>
-                        <a:rPr lang="en-US">
+                        <a:rPr lang="en-US" dirty="0">
                           <a:effectLst/>
                         </a:rPr>
-                        <a:t>Anshu Dubey (ANL)</a:t>
+                        <a:t>David E. Bernholdt (ORNL)</a:t>
                       </a:r>
                     </a:p>
                   </a:txBody>
-                  <a:tcPr marL="114300" marR="114300" marT="76200" marB="76200" anchor="ctr"/>
+                  <a:tcPr marL="142875" marR="142875" marT="95250" marB="95250" anchor="ctr"/>
                 </a:tc>
                 <a:extLst>
                   <a:ext uri="{0D108BD9-81ED-4DB2-BD59-A6C34878D82A}">
@@ -4985,27 +4674,11 @@
                         <a:rPr lang="en-US">
                           <a:effectLst/>
                         </a:rPr>
-                        <a:t>2:30 PM</a:t>
+                        <a:t>3:05 PM</a:t>
                       </a:r>
                     </a:p>
                   </a:txBody>
-                  <a:tcPr marL="114300" marR="114300" marT="76200" marB="76200" anchor="ctr"/>
-                </a:tc>
-                <a:tc>
-                  <a:txBody>
-                    <a:bodyPr/>
-                    <a:lstStyle/>
-                    <a:p>
-                      <a:pPr algn="r"/>
-                      <a:r>
-                        <a:rPr lang="en-US">
-                          <a:effectLst/>
-                        </a:rPr>
-                        <a:t>2</a:t>
-                      </a:r>
-                    </a:p>
-                  </a:txBody>
-                  <a:tcPr marL="114300" marR="114300" marT="76200" marB="76200" anchor="ctr"/>
+                  <a:tcPr marL="142875" marR="142875" marT="95250" marB="95250" anchor="ctr"/>
                 </a:tc>
                 <a:tc>
                   <a:txBody>
@@ -5016,11 +4689,11 @@
                         <a:rPr lang="en-US">
                           <a:effectLst/>
                         </a:rPr>
-                        <a:t>Agile Methodologies</a:t>
+                        <a:t>Software Testing and Verification</a:t>
                       </a:r>
                     </a:p>
                   </a:txBody>
-                  <a:tcPr marL="114300" marR="114300" marT="76200" marB="76200" anchor="ctr"/>
+                  <a:tcPr marL="142875" marR="142875" marT="95250" marB="95250" anchor="ctr"/>
                 </a:tc>
                 <a:tc>
                   <a:txBody>
@@ -5031,11 +4704,11 @@
                         <a:rPr lang="en-US">
                           <a:effectLst/>
                         </a:rPr>
-                        <a:t>Gregory R. Watson (ORNL)</a:t>
+                        <a:t>David M. Rogers (ORNL)</a:t>
                       </a:r>
                     </a:p>
                   </a:txBody>
-                  <a:tcPr marL="114300" marR="114300" marT="76200" marB="76200" anchor="ctr"/>
+                  <a:tcPr marL="142875" marR="142875" marT="95250" marB="95250" anchor="ctr"/>
                 </a:tc>
                 <a:extLst>
                   <a:ext uri="{0D108BD9-81ED-4DB2-BD59-A6C34878D82A}">
@@ -5054,27 +4727,11 @@
                         <a:rPr lang="en-US">
                           <a:effectLst/>
                         </a:rPr>
-                        <a:t>3:00 PM</a:t>
+                        <a:t>4:00 PM</a:t>
                       </a:r>
                     </a:p>
                   </a:txBody>
-                  <a:tcPr marL="114300" marR="114300" marT="76200" marB="76200" anchor="ctr"/>
-                </a:tc>
-                <a:tc>
-                  <a:txBody>
-                    <a:bodyPr/>
-                    <a:lstStyle/>
-                    <a:p>
-                      <a:pPr algn="r"/>
-                      <a:r>
-                        <a:rPr lang="en-US">
-                          <a:effectLst/>
-                        </a:rPr>
-                        <a:t>3</a:t>
-                      </a:r>
-                    </a:p>
-                  </a:txBody>
-                  <a:tcPr marL="114300" marR="114300" marT="76200" marB="76200" anchor="ctr"/>
+                  <a:tcPr marL="142875" marR="142875" marT="95250" marB="95250" anchor="ctr"/>
                 </a:tc>
                 <a:tc>
                   <a:txBody>
@@ -5082,29 +4739,29 @@
                     <a:lstStyle/>
                     <a:p>
                       <a:r>
-                        <a:rPr lang="en-US">
+                        <a:rPr lang="en-US" i="1">
                           <a:effectLst/>
                         </a:rPr>
-                        <a:t>Git Workflows</a:t>
+                        <a:t>Break</a:t>
                       </a:r>
+                      <a:endParaRPr lang="en-US">
+                        <a:effectLst/>
+                      </a:endParaRPr>
                     </a:p>
                   </a:txBody>
-                  <a:tcPr marL="114300" marR="114300" marT="76200" marB="76200" anchor="ctr"/>
+                  <a:tcPr marL="142875" marR="142875" marT="95250" marB="95250" anchor="ctr"/>
                 </a:tc>
                 <a:tc>
                   <a:txBody>
                     <a:bodyPr/>
                     <a:lstStyle/>
                     <a:p>
-                      <a:r>
-                        <a:rPr lang="en-US">
-                          <a:effectLst/>
-                        </a:rPr>
-                        <a:t>Gregory R. Watson (ORNL)</a:t>
-                      </a:r>
+                      <a:endParaRPr lang="en-US" dirty="0">
+                        <a:effectLst/>
+                      </a:endParaRPr>
                     </a:p>
                   </a:txBody>
-                  <a:tcPr marL="114300" marR="114300" marT="76200" marB="76200" anchor="ctr"/>
+                  <a:tcPr marL="142875" marR="142875" marT="95250" marB="95250" anchor="ctr"/>
                 </a:tc>
                 <a:extLst>
                   <a:ext uri="{0D108BD9-81ED-4DB2-BD59-A6C34878D82A}">
@@ -5123,27 +4780,11 @@
                         <a:rPr lang="en-US">
                           <a:effectLst/>
                         </a:rPr>
-                        <a:t>3:30 PM</a:t>
+                        <a:t>4:15 PM</a:t>
                       </a:r>
                     </a:p>
                   </a:txBody>
-                  <a:tcPr marL="114300" marR="114300" marT="76200" marB="76200" anchor="ctr"/>
-                </a:tc>
-                <a:tc>
-                  <a:txBody>
-                    <a:bodyPr/>
-                    <a:lstStyle/>
-                    <a:p>
-                      <a:pPr algn="r"/>
-                      <a:r>
-                        <a:rPr lang="en-US">
-                          <a:effectLst/>
-                        </a:rPr>
-                        <a:t>4</a:t>
-                      </a:r>
-                    </a:p>
-                  </a:txBody>
-                  <a:tcPr marL="114300" marR="114300" marT="76200" marB="76200" anchor="ctr"/>
+                  <a:tcPr marL="142875" marR="142875" marT="95250" marB="95250" anchor="ctr"/>
                 </a:tc>
                 <a:tc>
                   <a:txBody>
@@ -5154,11 +4795,11 @@
                         <a:rPr lang="en-US">
                           <a:effectLst/>
                         </a:rPr>
-                        <a:t>Scientific Software Design</a:t>
+                        <a:t>Improving Reproducibility Through Better Software Practices</a:t>
                       </a:r>
                     </a:p>
                   </a:txBody>
-                  <a:tcPr marL="114300" marR="114300" marT="76200" marB="76200" anchor="ctr"/>
+                  <a:tcPr marL="142875" marR="142875" marT="95250" marB="95250" anchor="ctr"/>
                 </a:tc>
                 <a:tc>
                   <a:txBody>
@@ -5169,11 +4810,11 @@
                         <a:rPr lang="en-US">
                           <a:effectLst/>
                         </a:rPr>
-                        <a:t>Anshu Dubey (ANL)</a:t>
+                        <a:t>Gregory R. Watson (ORNL)</a:t>
                       </a:r>
                     </a:p>
                   </a:txBody>
-                  <a:tcPr marL="114300" marR="114300" marT="76200" marB="76200" anchor="ctr"/>
+                  <a:tcPr marL="142875" marR="142875" marT="95250" marB="95250" anchor="ctr"/>
                 </a:tc>
                 <a:extLst>
                   <a:ext uri="{0D108BD9-81ED-4DB2-BD59-A6C34878D82A}">
@@ -5192,24 +4833,11 @@
                         <a:rPr lang="en-US">
                           <a:effectLst/>
                         </a:rPr>
-                        <a:t>4:00 PM</a:t>
+                        <a:t>5:15 PM</a:t>
                       </a:r>
                     </a:p>
                   </a:txBody>
-                  <a:tcPr marL="114300" marR="114300" marT="76200" marB="76200" anchor="ctr"/>
-                </a:tc>
-                <a:tc>
-                  <a:txBody>
-                    <a:bodyPr/>
-                    <a:lstStyle/>
-                    <a:p>
-                      <a:pPr algn="r"/>
-                      <a:endParaRPr lang="en-US">
-                        <a:effectLst/>
-                      </a:endParaRPr>
-                    </a:p>
-                  </a:txBody>
-                  <a:tcPr marL="114300" marR="114300" marT="76200" marB="76200" anchor="ctr"/>
+                  <a:tcPr marL="142875" marR="142875" marT="95250" marB="95250" anchor="ctr"/>
                 </a:tc>
                 <a:tc>
                   <a:txBody>
@@ -5217,29 +4845,29 @@
                     <a:lstStyle/>
                     <a:p>
                       <a:r>
-                        <a:rPr lang="en-US" i="1">
+                        <a:rPr lang="en-US">
                           <a:effectLst/>
                         </a:rPr>
-                        <a:t>Break</a:t>
+                        <a:t>Lab Notebooks for Computational Mathematics, Sciences, &amp; Engineering</a:t>
                       </a:r>
-                      <a:endParaRPr lang="en-US">
-                        <a:effectLst/>
-                      </a:endParaRPr>
                     </a:p>
                   </a:txBody>
-                  <a:tcPr marL="114300" marR="114300" marT="76200" marB="76200" anchor="ctr"/>
+                  <a:tcPr marL="142875" marR="142875" marT="95250" marB="95250" anchor="ctr"/>
                 </a:tc>
                 <a:tc>
                   <a:txBody>
                     <a:bodyPr/>
                     <a:lstStyle/>
                     <a:p>
-                      <a:endParaRPr lang="en-US">
-                        <a:effectLst/>
-                      </a:endParaRPr>
+                      <a:r>
+                        <a:rPr lang="en-US">
+                          <a:effectLst/>
+                        </a:rPr>
+                        <a:t>David E. Bernholdt (ORNL)</a:t>
+                      </a:r>
                     </a:p>
                   </a:txBody>
-                  <a:tcPr marL="114300" marR="114300" marT="76200" marB="76200" anchor="ctr"/>
+                  <a:tcPr marL="142875" marR="142875" marT="95250" marB="95250" anchor="ctr"/>
                 </a:tc>
                 <a:extLst>
                   <a:ext uri="{0D108BD9-81ED-4DB2-BD59-A6C34878D82A}">
@@ -5258,27 +4886,11 @@
                         <a:rPr lang="en-US">
                           <a:effectLst/>
                         </a:rPr>
-                        <a:t>4:30 PM</a:t>
+                        <a:t>6:15 PM</a:t>
                       </a:r>
                     </a:p>
                   </a:txBody>
-                  <a:tcPr marL="114300" marR="114300" marT="76200" marB="76200" anchor="ctr"/>
-                </a:tc>
-                <a:tc>
-                  <a:txBody>
-                    <a:bodyPr/>
-                    <a:lstStyle/>
-                    <a:p>
-                      <a:pPr algn="r"/>
-                      <a:r>
-                        <a:rPr lang="en-US">
-                          <a:effectLst/>
-                        </a:rPr>
-                        <a:t>5</a:t>
-                      </a:r>
-                    </a:p>
-                  </a:txBody>
-                  <a:tcPr marL="114300" marR="114300" marT="76200" marB="76200" anchor="ctr"/>
+                  <a:tcPr marL="142875" marR="142875" marT="95250" marB="95250" anchor="ctr"/>
                 </a:tc>
                 <a:tc>
                   <a:txBody>
@@ -5286,306 +4898,31 @@
                     <a:lstStyle/>
                     <a:p>
                       <a:r>
-                        <a:rPr lang="en-US">
+                        <a:rPr lang="en-US" i="1">
                           <a:effectLst/>
                         </a:rPr>
-                        <a:t>Improving Reproducibility Through Better Software Practices</a:t>
+                        <a:t>Adjourn</a:t>
                       </a:r>
+                      <a:endParaRPr lang="en-US">
+                        <a:effectLst/>
+                      </a:endParaRPr>
                     </a:p>
                   </a:txBody>
-                  <a:tcPr marL="114300" marR="114300" marT="76200" marB="76200" anchor="ctr"/>
+                  <a:tcPr marL="142875" marR="142875" marT="95250" marB="95250" anchor="ctr"/>
                 </a:tc>
                 <a:tc>
                   <a:txBody>
                     <a:bodyPr/>
                     <a:lstStyle/>
                     <a:p>
-                      <a:r>
-                        <a:rPr lang="en-US">
-                          <a:effectLst/>
-                        </a:rPr>
-                        <a:t>Gregory R. Watson (ORNL)</a:t>
-                      </a:r>
+                      <a:endParaRPr lang="en-US" dirty="0"/>
                     </a:p>
                   </a:txBody>
-                  <a:tcPr marL="114300" marR="114300" marT="76200" marB="76200" anchor="ctr"/>
+                  <a:tcPr/>
                 </a:tc>
                 <a:extLst>
                   <a:ext uri="{0D108BD9-81ED-4DB2-BD59-A6C34878D82A}">
                     <a16:rowId xmlns:a16="http://schemas.microsoft.com/office/drawing/2014/main" val="110245607"/>
-                  </a:ext>
-                </a:extLst>
-              </a:tr>
-              <a:tr h="412004">
-                <a:tc>
-                  <a:txBody>
-                    <a:bodyPr/>
-                    <a:lstStyle/>
-                    <a:p>
-                      <a:pPr algn="r"/>
-                      <a:r>
-                        <a:rPr lang="en-US">
-                          <a:effectLst/>
-                        </a:rPr>
-                        <a:t>5:00 PM</a:t>
-                      </a:r>
-                    </a:p>
-                  </a:txBody>
-                  <a:tcPr marL="114300" marR="114300" marT="76200" marB="76200" anchor="ctr"/>
-                </a:tc>
-                <a:tc>
-                  <a:txBody>
-                    <a:bodyPr/>
-                    <a:lstStyle/>
-                    <a:p>
-                      <a:pPr algn="r"/>
-                      <a:r>
-                        <a:rPr lang="en-US">
-                          <a:effectLst/>
-                        </a:rPr>
-                        <a:t>6</a:t>
-                      </a:r>
-                    </a:p>
-                  </a:txBody>
-                  <a:tcPr marL="114300" marR="114300" marT="76200" marB="76200" anchor="ctr"/>
-                </a:tc>
-                <a:tc>
-                  <a:txBody>
-                    <a:bodyPr/>
-                    <a:lstStyle/>
-                    <a:p>
-                      <a:r>
-                        <a:rPr lang="en-US">
-                          <a:effectLst/>
-                        </a:rPr>
-                        <a:t>Software Testing Introduction</a:t>
-                      </a:r>
-                    </a:p>
-                  </a:txBody>
-                  <a:tcPr marL="114300" marR="114300" marT="76200" marB="76200" anchor="ctr"/>
-                </a:tc>
-                <a:tc>
-                  <a:txBody>
-                    <a:bodyPr/>
-                    <a:lstStyle/>
-                    <a:p>
-                      <a:r>
-                        <a:rPr lang="en-US">
-                          <a:effectLst/>
-                        </a:rPr>
-                        <a:t>Gregory R. Watson (ORNL)</a:t>
-                      </a:r>
-                    </a:p>
-                  </a:txBody>
-                  <a:tcPr marL="114300" marR="114300" marT="76200" marB="76200" anchor="ctr"/>
-                </a:tc>
-                <a:extLst>
-                  <a:ext uri="{0D108BD9-81ED-4DB2-BD59-A6C34878D82A}">
-                    <a16:rowId xmlns:a16="http://schemas.microsoft.com/office/drawing/2014/main" val="1951011699"/>
-                  </a:ext>
-                </a:extLst>
-              </a:tr>
-              <a:tr h="412004">
-                <a:tc>
-                  <a:txBody>
-                    <a:bodyPr/>
-                    <a:lstStyle/>
-                    <a:p>
-                      <a:pPr algn="r"/>
-                      <a:r>
-                        <a:rPr lang="en-US">
-                          <a:effectLst/>
-                        </a:rPr>
-                        <a:t>5:20 PM</a:t>
-                      </a:r>
-                    </a:p>
-                  </a:txBody>
-                  <a:tcPr marL="114300" marR="114300" marT="76200" marB="76200" anchor="ctr"/>
-                </a:tc>
-                <a:tc>
-                  <a:txBody>
-                    <a:bodyPr/>
-                    <a:lstStyle/>
-                    <a:p>
-                      <a:pPr algn="r"/>
-                      <a:r>
-                        <a:rPr lang="en-US">
-                          <a:effectLst/>
-                        </a:rPr>
-                        <a:t>7</a:t>
-                      </a:r>
-                    </a:p>
-                  </a:txBody>
-                  <a:tcPr marL="114300" marR="114300" marT="76200" marB="76200" anchor="ctr"/>
-                </a:tc>
-                <a:tc>
-                  <a:txBody>
-                    <a:bodyPr/>
-                    <a:lstStyle/>
-                    <a:p>
-                      <a:r>
-                        <a:rPr lang="en-US">
-                          <a:effectLst/>
-                        </a:rPr>
-                        <a:t>Continuous Integration</a:t>
-                      </a:r>
-                    </a:p>
-                  </a:txBody>
-                  <a:tcPr marL="114300" marR="114300" marT="76200" marB="76200" anchor="ctr"/>
-                </a:tc>
-                <a:tc>
-                  <a:txBody>
-                    <a:bodyPr/>
-                    <a:lstStyle/>
-                    <a:p>
-                      <a:r>
-                        <a:rPr lang="en-US">
-                          <a:effectLst/>
-                        </a:rPr>
-                        <a:t>Gregory R. Watson (ORNL)</a:t>
-                      </a:r>
-                    </a:p>
-                  </a:txBody>
-                  <a:tcPr marL="114300" marR="114300" marT="76200" marB="76200" anchor="ctr"/>
-                </a:tc>
-                <a:extLst>
-                  <a:ext uri="{0D108BD9-81ED-4DB2-BD59-A6C34878D82A}">
-                    <a16:rowId xmlns:a16="http://schemas.microsoft.com/office/drawing/2014/main" val="2677893716"/>
-                  </a:ext>
-                </a:extLst>
-              </a:tr>
-              <a:tr h="412004">
-                <a:tc>
-                  <a:txBody>
-                    <a:bodyPr/>
-                    <a:lstStyle/>
-                    <a:p>
-                      <a:pPr algn="r"/>
-                      <a:r>
-                        <a:rPr lang="en-US" dirty="0">
-                          <a:effectLst/>
-                        </a:rPr>
-                        <a:t>5:40 PM</a:t>
-                      </a:r>
-                    </a:p>
-                  </a:txBody>
-                  <a:tcPr marL="114300" marR="114300" marT="76200" marB="76200" anchor="ctr"/>
-                </a:tc>
-                <a:tc>
-                  <a:txBody>
-                    <a:bodyPr/>
-                    <a:lstStyle/>
-                    <a:p>
-                      <a:pPr algn="r"/>
-                      <a:r>
-                        <a:rPr lang="en-US">
-                          <a:effectLst/>
-                        </a:rPr>
-                        <a:t>8</a:t>
-                      </a:r>
-                    </a:p>
-                  </a:txBody>
-                  <a:tcPr marL="114300" marR="114300" marT="76200" marB="76200" anchor="ctr"/>
-                </a:tc>
-                <a:tc>
-                  <a:txBody>
-                    <a:bodyPr/>
-                    <a:lstStyle/>
-                    <a:p>
-                      <a:r>
-                        <a:rPr lang="en-US">
-                          <a:effectLst/>
-                        </a:rPr>
-                        <a:t>Summary</a:t>
-                      </a:r>
-                    </a:p>
-                  </a:txBody>
-                  <a:tcPr marL="114300" marR="114300" marT="76200" marB="76200" anchor="ctr"/>
-                </a:tc>
-                <a:tc>
-                  <a:txBody>
-                    <a:bodyPr/>
-                    <a:lstStyle/>
-                    <a:p>
-                      <a:r>
-                        <a:rPr lang="en-US" dirty="0">
-                          <a:effectLst/>
-                        </a:rPr>
-                        <a:t>Anshu Dubey (ANL)</a:t>
-                      </a:r>
-                    </a:p>
-                  </a:txBody>
-                  <a:tcPr marL="114300" marR="114300" marT="76200" marB="76200" anchor="ctr"/>
-                </a:tc>
-                <a:extLst>
-                  <a:ext uri="{0D108BD9-81ED-4DB2-BD59-A6C34878D82A}">
-                    <a16:rowId xmlns:a16="http://schemas.microsoft.com/office/drawing/2014/main" val="1485688880"/>
-                  </a:ext>
-                </a:extLst>
-              </a:tr>
-              <a:tr h="412004">
-                <a:tc>
-                  <a:txBody>
-                    <a:bodyPr/>
-                    <a:lstStyle/>
-                    <a:p>
-                      <a:pPr algn="r"/>
-                      <a:r>
-                        <a:rPr lang="en-US" dirty="0">
-                          <a:effectLst/>
-                        </a:rPr>
-                        <a:t>6:00 PM</a:t>
-                      </a:r>
-                    </a:p>
-                  </a:txBody>
-                  <a:tcPr marL="114300" marR="114300" marT="76200" marB="76200" anchor="ctr"/>
-                </a:tc>
-                <a:tc>
-                  <a:txBody>
-                    <a:bodyPr/>
-                    <a:lstStyle/>
-                    <a:p>
-                      <a:pPr algn="r"/>
-                      <a:endParaRPr lang="en-US">
-                        <a:effectLst/>
-                      </a:endParaRPr>
-                    </a:p>
-                  </a:txBody>
-                  <a:tcPr marL="114300" marR="114300" marT="76200" marB="76200" anchor="ctr"/>
-                </a:tc>
-                <a:tc>
-                  <a:txBody>
-                    <a:bodyPr/>
-                    <a:lstStyle/>
-                    <a:p>
-                      <a:r>
-                        <a:rPr lang="en-US" i="1" dirty="0">
-                          <a:effectLst/>
-                        </a:rPr>
-                        <a:t>Adjourn</a:t>
-                      </a:r>
-                      <a:endParaRPr lang="en-US" dirty="0">
-                        <a:effectLst/>
-                      </a:endParaRPr>
-                    </a:p>
-                  </a:txBody>
-                  <a:tcPr marL="114300" marR="114300" marT="76200" marB="76200" anchor="ctr"/>
-                </a:tc>
-                <a:tc>
-                  <a:txBody>
-                    <a:bodyPr/>
-                    <a:lstStyle/>
-                    <a:p>
-                      <a:endParaRPr lang="en-US" dirty="0">
-                        <a:effectLst/>
-                      </a:endParaRPr>
-                    </a:p>
-                  </a:txBody>
-                  <a:tcPr marL="114300" marR="114300" marT="76200" marB="76200" anchor="ctr"/>
-                </a:tc>
-                <a:extLst>
-                  <a:ext uri="{0D108BD9-81ED-4DB2-BD59-A6C34878D82A}">
-                    <a16:rowId xmlns:a16="http://schemas.microsoft.com/office/drawing/2014/main" val="1079961533"/>
                   </a:ext>
                 </a:extLst>
               </a:tr>
@@ -6015,12 +5352,19 @@
               </a:spcBef>
             </a:pPr>
             <a:r>
-              <a:rPr lang="en-US" dirty="0" err="1"/>
-              <a:t>Anshu</a:t>
-            </a:r>
-            <a:r>
               <a:rPr lang="en-US" dirty="0"/>
-              <a:t> Dubey, ANL</a:t>
+              <a:t>David E. Bernholdt, ORNL</a:t>
+            </a:r>
+          </a:p>
+          <a:p>
+            <a:pPr>
+              <a:spcBef>
+                <a:spcPts val="1000"/>
+              </a:spcBef>
+            </a:pPr>
+            <a:r>
+              <a:rPr lang="en-US" dirty="0"/>
+              <a:t>David M. Rogers, ORNL</a:t>
             </a:r>
           </a:p>
           <a:p>
@@ -6078,7 +5422,7 @@
         </p:nvGrpSpPr>
         <p:grpSpPr>
           <a:xfrm>
-            <a:off x="6187929" y="1233230"/>
+            <a:off x="9448389" y="1275274"/>
             <a:ext cx="1038027" cy="1804941"/>
             <a:chOff x="9222950" y="1485878"/>
             <a:chExt cx="1038027" cy="1804941"/>
@@ -6220,93 +5564,220 @@
           </a:p>
         </p:txBody>
       </p:sp>
-      <p:pic>
-        <p:nvPicPr>
-          <p:cNvPr id="5" name="Picture 4">
+      <p:grpSp>
+        <p:nvGrpSpPr>
+          <p:cNvPr id="4" name="Group 3">
             <a:extLst>
               <a:ext uri="{FF2B5EF4-FFF2-40B4-BE49-F238E27FC236}">
-                <a16:creationId xmlns:a16="http://schemas.microsoft.com/office/drawing/2014/main" id="{6CC8798C-054E-37C8-6C39-64AA002F0A79}"/>
+                <a16:creationId xmlns:a16="http://schemas.microsoft.com/office/drawing/2014/main" id="{FB556DB8-D50A-7346-1321-5D7CDF2F73B1}"/>
               </a:ext>
             </a:extLst>
           </p:cNvPr>
-          <p:cNvPicPr>
-            <a:picLocks noChangeAspect="1"/>
-          </p:cNvPicPr>
+          <p:cNvGrpSpPr/>
           <p:nvPr/>
-        </p:nvPicPr>
-        <p:blipFill rotWithShape="1">
-          <a:blip r:embed="rId4" cstate="print">
-            <a:extLst>
-              <a:ext uri="{28A0092B-C50C-407E-A947-70E740481C1C}">
-                <a14:useLocalDpi xmlns:a14="http://schemas.microsoft.com/office/drawing/2010/main" val="0"/>
-              </a:ext>
-            </a:extLst>
-          </a:blip>
-          <a:srcRect t="-1" b="21904"/>
-          <a:stretch/>
-        </p:blipFill>
-        <p:spPr>
+        </p:nvGrpSpPr>
+        <p:grpSpPr>
           <a:xfrm>
-            <a:off x="4929524" y="1233228"/>
-            <a:ext cx="1157986" cy="1188720"/>
+            <a:off x="6108967" y="1275274"/>
+            <a:ext cx="1038027" cy="1796940"/>
+            <a:chOff x="2690082" y="4212393"/>
+            <a:chExt cx="1038027" cy="1796940"/>
           </a:xfrm>
-          <a:prstGeom prst="rect">
-            <a:avLst/>
-          </a:prstGeom>
-        </p:spPr>
-      </p:pic>
-      <p:sp>
-        <p:nvSpPr>
-          <p:cNvPr id="13" name="TextBox 12">
+        </p:grpSpPr>
+        <p:pic>
+          <p:nvPicPr>
+            <p:cNvPr id="6" name="Picture 5" descr="A person wearing glasses&#10;&#10;Description automatically generated with low confidence">
+              <a:extLst>
+                <a:ext uri="{FF2B5EF4-FFF2-40B4-BE49-F238E27FC236}">
+                  <a16:creationId xmlns:a16="http://schemas.microsoft.com/office/drawing/2014/main" id="{B6882300-2E77-64EB-4F71-DA922E61B054}"/>
+                </a:ext>
+              </a:extLst>
+            </p:cNvPr>
+            <p:cNvPicPr>
+              <a:picLocks noChangeAspect="1"/>
+            </p:cNvPicPr>
+            <p:nvPr/>
+          </p:nvPicPr>
+          <p:blipFill rotWithShape="1">
+            <a:blip r:embed="rId4" cstate="print">
+              <a:extLst>
+                <a:ext uri="{28A0092B-C50C-407E-A947-70E740481C1C}">
+                  <a14:useLocalDpi xmlns:a14="http://schemas.microsoft.com/office/drawing/2010/main" val="0"/>
+                </a:ext>
+              </a:extLst>
+            </a:blip>
+            <a:srcRect l="8053" t="854" r="5947" b="-854"/>
+            <a:stretch/>
+          </p:blipFill>
+          <p:spPr>
+            <a:xfrm>
+              <a:off x="2690082" y="4212393"/>
+              <a:ext cx="1038027" cy="1207008"/>
+            </a:xfrm>
+            <a:prstGeom prst="rect">
+              <a:avLst/>
+            </a:prstGeom>
+          </p:spPr>
+        </p:pic>
+        <p:sp>
+          <p:nvSpPr>
+            <p:cNvPr id="7" name="TextBox 6">
+              <a:extLst>
+                <a:ext uri="{FF2B5EF4-FFF2-40B4-BE49-F238E27FC236}">
+                  <a16:creationId xmlns:a16="http://schemas.microsoft.com/office/drawing/2014/main" id="{5DC6A828-15FC-300B-CD50-DB401FC7F744}"/>
+                </a:ext>
+              </a:extLst>
+            </p:cNvPr>
+            <p:cNvSpPr txBox="1"/>
+            <p:nvPr/>
+          </p:nvSpPr>
+          <p:spPr>
+            <a:xfrm>
+              <a:off x="2712806" y="5418402"/>
+              <a:ext cx="992579" cy="590931"/>
+            </a:xfrm>
+            <a:prstGeom prst="rect">
+              <a:avLst/>
+            </a:prstGeom>
+            <a:noFill/>
+          </p:spPr>
+          <p:txBody>
+            <a:bodyPr wrap="none" rtlCol="0">
+              <a:spAutoFit/>
+            </a:bodyPr>
+            <a:lstStyle/>
+            <a:p>
+              <a:pPr algn="ctr">
+                <a:lnSpc>
+                  <a:spcPct val="90000"/>
+                </a:lnSpc>
+              </a:pPr>
+              <a:r>
+                <a:rPr lang="en-US" dirty="0"/>
+                <a:t>David B</a:t>
+              </a:r>
+            </a:p>
+            <a:p>
+              <a:pPr algn="ctr">
+                <a:lnSpc>
+                  <a:spcPct val="90000"/>
+                </a:lnSpc>
+              </a:pPr>
+              <a:r>
+                <a:rPr lang="en-US" i="1" dirty="0"/>
+                <a:t>he/him</a:t>
+              </a:r>
+            </a:p>
+          </p:txBody>
+        </p:sp>
+      </p:grpSp>
+      <p:grpSp>
+        <p:nvGrpSpPr>
+          <p:cNvPr id="8" name="Group 7">
             <a:extLst>
               <a:ext uri="{FF2B5EF4-FFF2-40B4-BE49-F238E27FC236}">
-                <a16:creationId xmlns:a16="http://schemas.microsoft.com/office/drawing/2014/main" id="{F7244D04-A37E-FA33-716C-7A01F0FF1A4E}"/>
+                <a16:creationId xmlns:a16="http://schemas.microsoft.com/office/drawing/2014/main" id="{D3427B7C-1BDA-8C1C-69DC-D7F128CDE26D}"/>
               </a:ext>
             </a:extLst>
           </p:cNvPr>
-          <p:cNvSpPr txBox="1"/>
+          <p:cNvGrpSpPr/>
           <p:nvPr/>
-        </p:nvSpPr>
-        <p:spPr>
+        </p:nvGrpSpPr>
+        <p:grpSpPr>
           <a:xfrm>
-            <a:off x="4947701" y="2394747"/>
-            <a:ext cx="954108" cy="590931"/>
+            <a:off x="7794990" y="1275274"/>
+            <a:ext cx="1005403" cy="1805497"/>
+            <a:chOff x="10526802" y="1346049"/>
+            <a:chExt cx="1005403" cy="1805497"/>
           </a:xfrm>
-          <a:prstGeom prst="rect">
-            <a:avLst/>
-          </a:prstGeom>
-          <a:noFill/>
-        </p:spPr>
-        <p:txBody>
-          <a:bodyPr wrap="none" rtlCol="0">
-            <a:spAutoFit/>
-          </a:bodyPr>
-          <a:lstStyle/>
-          <a:p>
-            <a:pPr algn="ctr">
-              <a:lnSpc>
-                <a:spcPct val="90000"/>
-              </a:lnSpc>
-            </a:pPr>
-            <a:r>
-              <a:rPr lang="en-US" dirty="0" err="1"/>
-              <a:t>Anshu</a:t>
-            </a:r>
-            <a:endParaRPr lang="en-US" dirty="0"/>
-          </a:p>
-          <a:p>
-            <a:pPr algn="ctr">
-              <a:lnSpc>
-                <a:spcPct val="90000"/>
-              </a:lnSpc>
-            </a:pPr>
-            <a:r>
-              <a:rPr lang="en-US" i="1" dirty="0"/>
-              <a:t>she/her</a:t>
-            </a:r>
-          </a:p>
-        </p:txBody>
-      </p:sp>
+        </p:grpSpPr>
+        <p:pic>
+          <p:nvPicPr>
+            <p:cNvPr id="9" name="Picture 8" descr="A person wearing glasses&#10;&#10;Description automatically generated with medium confidence">
+              <a:extLst>
+                <a:ext uri="{FF2B5EF4-FFF2-40B4-BE49-F238E27FC236}">
+                  <a16:creationId xmlns:a16="http://schemas.microsoft.com/office/drawing/2014/main" id="{EE765C1C-D92D-8E8D-DD43-708190CE9003}"/>
+                </a:ext>
+              </a:extLst>
+            </p:cNvPr>
+            <p:cNvPicPr>
+              <a:picLocks noChangeAspect="1"/>
+            </p:cNvPicPr>
+            <p:nvPr/>
+          </p:nvPicPr>
+          <p:blipFill rotWithShape="1">
+            <a:blip r:embed="rId5">
+              <a:extLst>
+                <a:ext uri="{28A0092B-C50C-407E-A947-70E740481C1C}">
+                  <a14:useLocalDpi xmlns:a14="http://schemas.microsoft.com/office/drawing/2010/main" val="0"/>
+                </a:ext>
+              </a:extLst>
+            </a:blip>
+            <a:srcRect l="12970" r="9695"/>
+            <a:stretch/>
+          </p:blipFill>
+          <p:spPr>
+            <a:xfrm>
+              <a:off x="10562794" y="1346049"/>
+              <a:ext cx="933420" cy="1207008"/>
+            </a:xfrm>
+            <a:prstGeom prst="rect">
+              <a:avLst/>
+            </a:prstGeom>
+          </p:spPr>
+        </p:pic>
+        <p:sp>
+          <p:nvSpPr>
+            <p:cNvPr id="10" name="TextBox 9">
+              <a:extLst>
+                <a:ext uri="{FF2B5EF4-FFF2-40B4-BE49-F238E27FC236}">
+                  <a16:creationId xmlns:a16="http://schemas.microsoft.com/office/drawing/2014/main" id="{746E4FA7-D9EE-AE8A-0C3C-EF3AB750A765}"/>
+                </a:ext>
+              </a:extLst>
+            </p:cNvPr>
+            <p:cNvSpPr txBox="1"/>
+            <p:nvPr/>
+          </p:nvSpPr>
+          <p:spPr>
+            <a:xfrm>
+              <a:off x="10526802" y="2560615"/>
+              <a:ext cx="1005403" cy="590931"/>
+            </a:xfrm>
+            <a:prstGeom prst="rect">
+              <a:avLst/>
+            </a:prstGeom>
+            <a:noFill/>
+          </p:spPr>
+          <p:txBody>
+            <a:bodyPr wrap="none" rtlCol="0">
+              <a:spAutoFit/>
+            </a:bodyPr>
+            <a:lstStyle/>
+            <a:p>
+              <a:pPr algn="ctr">
+                <a:lnSpc>
+                  <a:spcPct val="90000"/>
+                </a:lnSpc>
+              </a:pPr>
+              <a:r>
+                <a:rPr lang="en-US" dirty="0"/>
+                <a:t>David R</a:t>
+              </a:r>
+            </a:p>
+            <a:p>
+              <a:pPr algn="ctr">
+                <a:lnSpc>
+                  <a:spcPct val="90000"/>
+                </a:lnSpc>
+              </a:pPr>
+              <a:r>
+                <a:rPr lang="en-US" i="1" dirty="0"/>
+                <a:t>he/him</a:t>
+              </a:r>
+            </a:p>
+          </p:txBody>
+        </p:sp>
+      </p:grpSp>
     </p:spTree>
     <p:extLst>
       <p:ext uri="{BB962C8B-B14F-4D97-AF65-F5344CB8AC3E}">
@@ -11148,13 +10619,6 @@
             </a:r>
           </a:p>
           <a:p>
-            <a:pPr lvl="1"/>
-            <a:r>
-              <a:rPr lang="en-US" dirty="0"/>
-              <a:t>We will backfill tutorials before 2021 as time permits</a:t>
-            </a:r>
-          </a:p>
-          <a:p>
             <a:r>
               <a:rPr lang="en-US" dirty="0"/>
               <a:t>Each tutorial page is considered archival</a:t>
@@ -12301,6 +11765,12 @@
 </file>
 
 <file path=customXml/item1.xml><?xml version="1.0" encoding="utf-8"?>
+<p:properties xmlns:p="http://schemas.microsoft.com/office/2006/metadata/properties" xmlns:xsi="http://www.w3.org/2001/XMLSchema-instance" xmlns:pc="http://schemas.microsoft.com/office/infopath/2007/PartnerControls">
+  <documentManagement/>
+</p:properties>
+</file>
+
+<file path=customXml/item2.xml><?xml version="1.0" encoding="utf-8"?>
 <ct:contentTypeSchema xmlns:ct="http://schemas.microsoft.com/office/2006/metadata/contentType" xmlns:ma="http://schemas.microsoft.com/office/2006/metadata/properties/metaAttributes" ct:_="" ma:_="" ma:contentTypeName="Document" ma:contentTypeID="0x010100565464437F680748A68B85EB6594EA7D" ma:contentTypeVersion="0" ma:contentTypeDescription="Create a new document." ma:contentTypeScope="" ma:versionID="fe3f4dd58d5914c51cfc6deaa8ad845c">
   <xsd:schema xmlns:xsd="http://www.w3.org/2001/XMLSchema" xmlns:p="http://schemas.microsoft.com/office/2006/metadata/properties" targetNamespace="http://schemas.microsoft.com/office/2006/metadata/properties" ma:root="true" ma:fieldsID="4aeb20c0e3442673af7ee10786458764">
     <xsd:element name="properties">
@@ -12349,12 +11819,6 @@
 </ct:contentTypeSchema>
 </file>
 
-<file path=customXml/item2.xml><?xml version="1.0" encoding="utf-8"?>
-<p:properties xmlns:p="http://schemas.microsoft.com/office/2006/metadata/properties" xmlns:xsi="http://www.w3.org/2001/XMLSchema-instance" xmlns:pc="http://schemas.microsoft.com/office/infopath/2007/PartnerControls">
-  <documentManagement/>
-</p:properties>
-</file>
-
 <file path=customXml/item3.xml><?xml version="1.0" encoding="utf-8"?>
 <?mso-contentType ?>
 <FormTemplates xmlns="http://schemas.microsoft.com/sharepoint/v3/contenttype/forms">
@@ -12365,6 +11829,21 @@
 </file>
 
 <file path=customXml/itemProps1.xml><?xml version="1.0" encoding="utf-8"?>
+<ds:datastoreItem xmlns:ds="http://schemas.openxmlformats.org/officeDocument/2006/customXml" ds:itemID="{A50EC660-24D0-43A0-AE5E-E274115E726B}">
+  <ds:schemaRefs>
+    <ds:schemaRef ds:uri="http://purl.org/dc/elements/1.1/"/>
+    <ds:schemaRef ds:uri="http://schemas.microsoft.com/office/2006/metadata/properties"/>
+    <ds:schemaRef ds:uri="http://purl.org/dc/terms/"/>
+    <ds:schemaRef ds:uri="http://schemas.openxmlformats.org/package/2006/metadata/core-properties"/>
+    <ds:schemaRef ds:uri="http://schemas.microsoft.com/office/2006/documentManagement/types"/>
+    <ds:schemaRef ds:uri="http://www.w3.org/XML/1998/namespace"/>
+    <ds:schemaRef ds:uri="http://purl.org/dc/dcmitype/"/>
+    <ds:schemaRef ds:uri="http://schemas.microsoft.com/office/infopath/2007/PartnerControls"/>
+  </ds:schemaRefs>
+</ds:datastoreItem>
+</file>
+
+<file path=customXml/itemProps2.xml><?xml version="1.0" encoding="utf-8"?>
 <ds:datastoreItem xmlns:ds="http://schemas.openxmlformats.org/officeDocument/2006/customXml" ds:itemID="{E8DB7DEB-074E-4EE8-9B6E-FD277323109C}">
   <ds:schemaRefs>
     <ds:schemaRef ds:uri="http://schemas.microsoft.com/office/2006/metadata/contentType"/>
@@ -12379,21 +11858,6 @@
 </ds:datastoreItem>
 </file>
 
-<file path=customXml/itemProps2.xml><?xml version="1.0" encoding="utf-8"?>
-<ds:datastoreItem xmlns:ds="http://schemas.openxmlformats.org/officeDocument/2006/customXml" ds:itemID="{A50EC660-24D0-43A0-AE5E-E274115E726B}">
-  <ds:schemaRefs>
-    <ds:schemaRef ds:uri="http://purl.org/dc/elements/1.1/"/>
-    <ds:schemaRef ds:uri="http://schemas.microsoft.com/office/2006/metadata/properties"/>
-    <ds:schemaRef ds:uri="http://purl.org/dc/terms/"/>
-    <ds:schemaRef ds:uri="http://schemas.openxmlformats.org/package/2006/metadata/core-properties"/>
-    <ds:schemaRef ds:uri="http://schemas.microsoft.com/office/2006/documentManagement/types"/>
-    <ds:schemaRef ds:uri="http://www.w3.org/XML/1998/namespace"/>
-    <ds:schemaRef ds:uri="http://purl.org/dc/dcmitype/"/>
-    <ds:schemaRef ds:uri="http://schemas.microsoft.com/office/infopath/2007/PartnerControls"/>
-  </ds:schemaRefs>
-</ds:datastoreItem>
-</file>
-
 <file path=customXml/itemProps3.xml><?xml version="1.0" encoding="utf-8"?>
 <ds:datastoreItem xmlns:ds="http://schemas.openxmlformats.org/officeDocument/2006/customXml" ds:itemID="{19E20559-B232-4371-8690-E3D8007EDB82}">
   <ds:schemaRefs>

--- a/intro.pptx
+++ b/intro.pptx
@@ -12,7 +12,7 @@
   </p:handoutMasterIdLst>
   <p:sldIdLst>
     <p:sldId id="617" r:id="rId5"/>
-    <p:sldId id="320" r:id="rId6"/>
+    <p:sldId id="627" r:id="rId6"/>
     <p:sldId id="308" r:id="rId7"/>
     <p:sldId id="327" r:id="rId8"/>
     <p:sldId id="324" r:id="rId9"/>
@@ -265,7 +265,7 @@
           <a:p>
             <a:fld id="{0B842F42-2CE9-4E35-95C1-410DC08A50B1}" type="datetimeFigureOut">
               <a:rPr lang="en-US" smtClean="0"/>
-              <a:t>2/1/2023</a:t>
+              <a:t>2/6/2023</a:t>
             </a:fld>
             <a:endParaRPr lang="en-US"/>
           </a:p>
@@ -430,7 +430,7 @@
           <a:p>
             <a:fld id="{6F282904-F315-4730-8D91-37D99E141A6F}" type="datetimeFigureOut">
               <a:rPr lang="en-US" smtClean="0"/>
-              <a:t>2/1/2023</a:t>
+              <a:t>2/6/2023</a:t>
             </a:fld>
             <a:endParaRPr lang="en-US"/>
           </a:p>
@@ -4125,7 +4125,7 @@
           <a:p>
             <a:r>
               <a:rPr lang="en-US" dirty="0"/>
-              <a:t>David E. Bernholdt, David M. Rogers, and Gregory R. Watson, </a:t>
+              <a:t>David E. Bernholdt, David M. Rogers, and Gregory R. Watson </a:t>
             </a:r>
           </a:p>
           <a:p>
@@ -5115,12 +5115,35 @@
               <a:t>The requested citation the overall tutorial is: </a:t>
             </a:r>
             <a:r>
-              <a:rPr lang="en-US" sz="1600" b="1" dirty="0" err="1"/>
-              <a:t>Anshu</a:t>
-            </a:r>
-            <a:r>
-              <a:rPr lang="en-US" sz="1600" b="1" dirty="0"/>
-              <a:t> Dubey and Gregory R. Watson, Better Scientific Software Tutorial, in ISC High Performance, 2022, Hamburg Germany. DOI: 10.6084/m9.figshare.19781752</a:t>
+              <a:rPr lang="en-US" sz="1600" b="0" i="0" dirty="0">
+                <a:solidFill>
+                  <a:srgbClr val="111111"/>
+                </a:solidFill>
+                <a:effectLst/>
+                <a:latin typeface="+mn-lt"/>
+              </a:rPr>
+              <a:t>David E. Bernholdt, David M. Rogers, and Gregory R. Watson, Software Practices for Better Science: Testing, Reproducibility, and Documentation tutorial, in Exascale Computing Project Tutorial Days, online, 2023. DOI: </a:t>
+            </a:r>
+            <a:r>
+              <a:rPr lang="en-US" sz="1600" b="0" i="0" u="none" strike="noStrike" dirty="0">
+                <a:solidFill>
+                  <a:srgbClr val="2A7AE2"/>
+                </a:solidFill>
+                <a:effectLst/>
+                <a:latin typeface="+mn-lt"/>
+                <a:hlinkClick r:id="rId4"/>
+              </a:rPr>
+              <a:t>10.6084/m9.figshare.21989507</a:t>
+            </a:r>
+            <a:r>
+              <a:rPr lang="en-US" sz="1600" b="0" i="0" dirty="0">
+                <a:solidFill>
+                  <a:srgbClr val="111111"/>
+                </a:solidFill>
+                <a:effectLst/>
+                <a:latin typeface="+mn-lt"/>
+              </a:rPr>
+              <a:t>.</a:t>
             </a:r>
           </a:p>
           <a:p>
@@ -5139,7 +5162,29 @@
             </a:r>
             <a:r>
               <a:rPr lang="en-US" sz="1600" dirty="0"/>
-              <a:t>, in Better Scientific Software tutorial, ISC, 2022 …</a:t>
+              <a:t>, </a:t>
+            </a:r>
+            <a:r>
+              <a:rPr lang="en-US" sz="1600"/>
+              <a:t>in </a:t>
+            </a:r>
+            <a:r>
+              <a:rPr lang="en-US" sz="1600" b="0" i="0">
+                <a:solidFill>
+                  <a:srgbClr val="111111"/>
+                </a:solidFill>
+                <a:effectLst/>
+                <a:latin typeface="+mn-lt"/>
+              </a:rPr>
+              <a:t>Software Practices for Better Science: Testing, Reproducibility, and Documentation tutorial</a:t>
+            </a:r>
+            <a:r>
+              <a:rPr lang="en-US" sz="1600"/>
+              <a:t>, </a:t>
+            </a:r>
+            <a:r>
+              <a:rPr lang="en-US" sz="1600" dirty="0"/>
+              <a:t>…</a:t>
             </a:r>
           </a:p>
           <a:p>
@@ -5162,15 +5207,7 @@
             </a:pPr>
             <a:r>
               <a:rPr lang="en-US" sz="1400" dirty="0"/>
-              <a:t>This work was supported by the U.S. Department of Energy Office of Science, Office of Advanced Scientific Computing Research (ASCR), and by the </a:t>
-            </a:r>
-            <a:r>
-              <a:rPr lang="en-US" sz="1400" dirty="0" err="1"/>
-              <a:t>Exascale</a:t>
-            </a:r>
-            <a:r>
-              <a:rPr lang="en-US" sz="1400" dirty="0"/>
-              <a:t> Computing Project (17-SC-20-SC), a collaborative effort of the U.S. Department of Energy Office of Science and the National Nuclear Security Administration</a:t>
+              <a:t>This work was supported by the U.S. Department of Energy Office of Science, Office of Advanced Scientific Computing Research (ASCR), and by the Exascale Computing Project (17-SC-20-SC), a collaborative effort of the U.S. Department of Energy Office of Science and the National Nuclear Security Administration</a:t>
             </a:r>
             <a:r>
               <a:rPr lang="en-US" sz="1400" i="1" dirty="0"/>
@@ -5186,15 +5223,7 @@
             </a:pPr>
             <a:r>
               <a:rPr lang="en-US" sz="1400" dirty="0"/>
-              <a:t>This work was performed in part at the Argonne National Laboratory, which is managed by </a:t>
-            </a:r>
-            <a:r>
-              <a:rPr lang="en-US" sz="1400" dirty="0" err="1"/>
-              <a:t>UChicago</a:t>
-            </a:r>
-            <a:r>
-              <a:rPr lang="en-US" sz="1400" dirty="0"/>
-              <a:t> Argonne, LLC for the U.S. Department of Energy under Contract No. DE-AC02-06CH11357.</a:t>
+              <a:t>This work was performed in part at the Argonne National Laboratory, which is managed by UChicago Argonne, LLC for the U.S. Department of Energy under Contract No. DE-AC02-06CH11357.</a:t>
             </a:r>
           </a:p>
           <a:p>
@@ -5205,7 +5234,7 @@
             </a:pPr>
             <a:r>
               <a:rPr lang="en-US" sz="1400" dirty="0"/>
-              <a:t>This work was performed in part at the Oak Ridge National Laboratory, which is managed by UT-Battelle, LLC for the U.S. Department of Energy under Contract No. DE-AC05-00OR22725.</a:t>
+              <a:t>This work was performed in part at the Lawrence Livermore National Laboratory, which is managed by Lawrence Livermore National Security, LLC for the U.S. Department of Energy under Contract No. DE-AC52-07NA27344.</a:t>
             </a:r>
           </a:p>
           <a:p>
@@ -5216,7 +5245,7 @@
             </a:pPr>
             <a:r>
               <a:rPr lang="en-US" sz="1400" dirty="0"/>
-              <a:t>This work was performed in part at the Lawrence Livermore National Laboratory, which is managed by Lawrence Livermore National Security, LLC for the U.S. Department of Energy under Contract No. DE-AC52-07NA27344.</a:t>
+              <a:t>This work was performed in part at the Los Alamos National Laboratory, which is managed by Triad National Security, LLC for the U.S. Department of Energy under Contract No.89233218CNA000001</a:t>
             </a:r>
           </a:p>
           <a:p>
@@ -5227,7 +5256,7 @@
             </a:pPr>
             <a:r>
               <a:rPr lang="en-US" sz="1400" dirty="0"/>
-              <a:t>This work was performed in part at the Los Alamos National Laboratory, which is managed by Triad National Security, LLC for the U.S. Department of Energy under Contract No.89233218CNA000001</a:t>
+              <a:t>This work was performed in part at the Oak Ridge National Laboratory, which is managed by UT-Battelle, LLC for the U.S. Department of Energy under Contract No. DE-AC05-00OR22725.</a:t>
             </a:r>
           </a:p>
           <a:p>
@@ -5258,7 +5287,7 @@
           <p:nvPr/>
         </p:nvPicPr>
         <p:blipFill>
-          <a:blip r:embed="rId4">
+          <a:blip r:embed="rId5">
             <a:extLst>
               <a:ext uri="{28A0092B-C50C-407E-A947-70E740481C1C}">
                 <a14:useLocalDpi xmlns:a14="http://schemas.microsoft.com/office/drawing/2010/main" val="0"/>
@@ -5293,7 +5322,7 @@
     </p:spTree>
     <p:extLst>
       <p:ext uri="{BB962C8B-B14F-4D97-AF65-F5344CB8AC3E}">
-        <p14:creationId xmlns:p14="http://schemas.microsoft.com/office/powerpoint/2010/main" val="1013042433"/>
+        <p14:creationId xmlns:p14="http://schemas.microsoft.com/office/powerpoint/2010/main" val="978726433"/>
       </p:ext>
     </p:extLst>
   </p:cSld>
@@ -11765,12 +11794,6 @@
 </file>
 
 <file path=customXml/item1.xml><?xml version="1.0" encoding="utf-8"?>
-<p:properties xmlns:p="http://schemas.microsoft.com/office/2006/metadata/properties" xmlns:xsi="http://www.w3.org/2001/XMLSchema-instance" xmlns:pc="http://schemas.microsoft.com/office/infopath/2007/PartnerControls">
-  <documentManagement/>
-</p:properties>
-</file>
-
-<file path=customXml/item2.xml><?xml version="1.0" encoding="utf-8"?>
 <ct:contentTypeSchema xmlns:ct="http://schemas.microsoft.com/office/2006/metadata/contentType" xmlns:ma="http://schemas.microsoft.com/office/2006/metadata/properties/metaAttributes" ct:_="" ma:_="" ma:contentTypeName="Document" ma:contentTypeID="0x010100565464437F680748A68B85EB6594EA7D" ma:contentTypeVersion="0" ma:contentTypeDescription="Create a new document." ma:contentTypeScope="" ma:versionID="fe3f4dd58d5914c51cfc6deaa8ad845c">
   <xsd:schema xmlns:xsd="http://www.w3.org/2001/XMLSchema" xmlns:p="http://schemas.microsoft.com/office/2006/metadata/properties" targetNamespace="http://schemas.microsoft.com/office/2006/metadata/properties" ma:root="true" ma:fieldsID="4aeb20c0e3442673af7ee10786458764">
     <xsd:element name="properties">
@@ -11819,6 +11842,12 @@
 </ct:contentTypeSchema>
 </file>
 
+<file path=customXml/item2.xml><?xml version="1.0" encoding="utf-8"?>
+<p:properties xmlns:p="http://schemas.microsoft.com/office/2006/metadata/properties" xmlns:xsi="http://www.w3.org/2001/XMLSchema-instance" xmlns:pc="http://schemas.microsoft.com/office/infopath/2007/PartnerControls">
+  <documentManagement/>
+</p:properties>
+</file>
+
 <file path=customXml/item3.xml><?xml version="1.0" encoding="utf-8"?>
 <?mso-contentType ?>
 <FormTemplates xmlns="http://schemas.microsoft.com/sharepoint/v3/contenttype/forms">
@@ -11829,6 +11858,21 @@
 </file>
 
 <file path=customXml/itemProps1.xml><?xml version="1.0" encoding="utf-8"?>
+<ds:datastoreItem xmlns:ds="http://schemas.openxmlformats.org/officeDocument/2006/customXml" ds:itemID="{E8DB7DEB-074E-4EE8-9B6E-FD277323109C}">
+  <ds:schemaRefs>
+    <ds:schemaRef ds:uri="http://schemas.microsoft.com/office/2006/metadata/contentType"/>
+    <ds:schemaRef ds:uri="http://schemas.microsoft.com/office/2006/metadata/properties/metaAttributes"/>
+    <ds:schemaRef ds:uri="http://www.w3.org/2001/XMLSchema"/>
+    <ds:schemaRef ds:uri="http://schemas.microsoft.com/office/2006/metadata/properties"/>
+    <ds:schemaRef ds:uri="http://schemas.openxmlformats.org/package/2006/metadata/core-properties"/>
+    <ds:schemaRef ds:uri="http://purl.org/dc/elements/1.1/"/>
+    <ds:schemaRef ds:uri="http://purl.org/dc/terms/"/>
+    <ds:schemaRef ds:uri="http://schemas.microsoft.com/office/internal/2005/internalDocumentation"/>
+  </ds:schemaRefs>
+</ds:datastoreItem>
+</file>
+
+<file path=customXml/itemProps2.xml><?xml version="1.0" encoding="utf-8"?>
 <ds:datastoreItem xmlns:ds="http://schemas.openxmlformats.org/officeDocument/2006/customXml" ds:itemID="{A50EC660-24D0-43A0-AE5E-E274115E726B}">
   <ds:schemaRefs>
     <ds:schemaRef ds:uri="http://purl.org/dc/elements/1.1/"/>
@@ -11843,21 +11887,6 @@
 </ds:datastoreItem>
 </file>
 
-<file path=customXml/itemProps2.xml><?xml version="1.0" encoding="utf-8"?>
-<ds:datastoreItem xmlns:ds="http://schemas.openxmlformats.org/officeDocument/2006/customXml" ds:itemID="{E8DB7DEB-074E-4EE8-9B6E-FD277323109C}">
-  <ds:schemaRefs>
-    <ds:schemaRef ds:uri="http://schemas.microsoft.com/office/2006/metadata/contentType"/>
-    <ds:schemaRef ds:uri="http://schemas.microsoft.com/office/2006/metadata/properties/metaAttributes"/>
-    <ds:schemaRef ds:uri="http://www.w3.org/2001/XMLSchema"/>
-    <ds:schemaRef ds:uri="http://schemas.microsoft.com/office/2006/metadata/properties"/>
-    <ds:schemaRef ds:uri="http://schemas.openxmlformats.org/package/2006/metadata/core-properties"/>
-    <ds:schemaRef ds:uri="http://purl.org/dc/elements/1.1/"/>
-    <ds:schemaRef ds:uri="http://purl.org/dc/terms/"/>
-    <ds:schemaRef ds:uri="http://schemas.microsoft.com/office/internal/2005/internalDocumentation"/>
-  </ds:schemaRefs>
-</ds:datastoreItem>
-</file>
-
 <file path=customXml/itemProps3.xml><?xml version="1.0" encoding="utf-8"?>
 <ds:datastoreItem xmlns:ds="http://schemas.openxmlformats.org/officeDocument/2006/customXml" ds:itemID="{19E20559-B232-4371-8690-E3D8007EDB82}">
   <ds:schemaRefs>

--- a/intro.pptx
+++ b/intro.pptx
@@ -12,7 +12,7 @@
   </p:handoutMasterIdLst>
   <p:sldIdLst>
     <p:sldId id="617" r:id="rId5"/>
-    <p:sldId id="627" r:id="rId6"/>
+    <p:sldId id="320" r:id="rId6"/>
     <p:sldId id="308" r:id="rId7"/>
     <p:sldId id="327" r:id="rId8"/>
     <p:sldId id="324" r:id="rId9"/>
@@ -265,7 +265,7 @@
           <a:p>
             <a:fld id="{0B842F42-2CE9-4E35-95C1-410DC08A50B1}" type="datetimeFigureOut">
               <a:rPr lang="en-US" smtClean="0"/>
-              <a:t>2/6/2023</a:t>
+              <a:t>4/15/2023</a:t>
             </a:fld>
             <a:endParaRPr lang="en-US"/>
           </a:p>
@@ -430,7 +430,7 @@
           <a:p>
             <a:fld id="{6F282904-F315-4730-8D91-37D99E141A6F}" type="datetimeFigureOut">
               <a:rPr lang="en-US" smtClean="0"/>
-              <a:t>2/6/2023</a:t>
+              <a:t>4/15/2023</a:t>
             </a:fld>
             <a:endParaRPr lang="en-US"/>
           </a:p>
@@ -4092,7 +4092,7 @@
             </a:pPr>
             <a:r>
               <a:rPr lang="en-US" dirty="0"/>
-              <a:t>Software Practices for Better Science: Testing, Reproducibility, and Documentation</a:t>
+              <a:t>Better Scientific Software</a:t>
             </a:r>
           </a:p>
         </p:txBody>
@@ -4125,7 +4125,7 @@
           <a:p>
             <a:r>
               <a:rPr lang="en-US" dirty="0"/>
-              <a:t>David E. Bernholdt, David M. Rogers, and Gregory R. Watson </a:t>
+              <a:t>David E. Bernholdt, Patricia A. Grubel, and David M. Rogers</a:t>
             </a:r>
           </a:p>
           <a:p>
@@ -4137,7 +4137,7 @@
                 <a:effectLst/>
                 <a:latin typeface="-apple-system"/>
               </a:rPr>
-              <a:t>Exascale Computing Project Tutorial Days</a:t>
+              <a:t>Improving Scientific Software conference (2023)</a:t>
             </a:r>
             <a:endParaRPr lang="en-US" dirty="0"/>
           </a:p>
@@ -4358,85 +4358,6 @@
               <a:rPr lang="en-US" dirty="0"/>
               <a:t> page for all tutorial materials</a:t>
             </a:r>
-          </a:p>
-          <a:p>
-            <a:pPr marL="0" indent="0">
-              <a:spcBef>
-                <a:spcPts val="3600"/>
-              </a:spcBef>
-              <a:buNone/>
-            </a:pPr>
-            <a:r>
-              <a:rPr lang="en-US" sz="2800" b="1" dirty="0"/>
-              <a:t>Related Events: ECP Community </a:t>
-            </a:r>
-            <a:r>
-              <a:rPr lang="en-US" sz="2800" b="1" dirty="0" err="1"/>
-              <a:t>BoF</a:t>
-            </a:r>
-            <a:r>
-              <a:rPr lang="en-US" sz="2800" b="1" dirty="0"/>
-              <a:t> Days</a:t>
-            </a:r>
-          </a:p>
-          <a:p>
-            <a:pPr algn="l">
-              <a:buFont typeface="Arial" panose="020B0604020202020204" pitchFamily="34" charset="0"/>
-              <a:buChar char="•"/>
-            </a:pPr>
-            <a:r>
-              <a:rPr lang="en-US" b="0" i="0" u="sng" dirty="0">
-                <a:solidFill>
-                  <a:srgbClr val="111111"/>
-                </a:solidFill>
-                <a:effectLst/>
-                <a:latin typeface="+mn-lt"/>
-                <a:hlinkClick r:id="rId4"/>
-              </a:rPr>
-              <a:t>Sharing Your Software Sustainability, Productivity, and Quality Experience through BSSw.io</a:t>
-            </a:r>
-            <a:endParaRPr lang="en-US" b="0" i="0" dirty="0">
-              <a:solidFill>
-                <a:srgbClr val="111111"/>
-              </a:solidFill>
-              <a:effectLst/>
-              <a:latin typeface="+mn-lt"/>
-            </a:endParaRPr>
-          </a:p>
-          <a:p>
-            <a:pPr algn="l">
-              <a:buFont typeface="Arial" panose="020B0604020202020204" pitchFamily="34" charset="0"/>
-              <a:buChar char="•"/>
-            </a:pPr>
-            <a:r>
-              <a:rPr lang="en-US" b="0" i="0" u="none" strike="noStrike" dirty="0" err="1">
-                <a:solidFill>
-                  <a:srgbClr val="2A7AE2"/>
-                </a:solidFill>
-                <a:effectLst/>
-                <a:latin typeface="+mn-lt"/>
-                <a:hlinkClick r:id="rId5"/>
-              </a:rPr>
-              <a:t>BSSw</a:t>
-            </a:r>
-            <a:r>
-              <a:rPr lang="en-US" b="0" i="0" u="none" strike="noStrike" dirty="0">
-                <a:solidFill>
-                  <a:srgbClr val="2A7AE2"/>
-                </a:solidFill>
-                <a:effectLst/>
-                <a:latin typeface="+mn-lt"/>
-                <a:hlinkClick r:id="rId5"/>
-              </a:rPr>
-              <a:t> Fellowship</a:t>
-            </a:r>
-            <a:endParaRPr lang="en-US" b="0" i="0" dirty="0">
-              <a:solidFill>
-                <a:srgbClr val="111111"/>
-              </a:solidFill>
-              <a:effectLst/>
-              <a:latin typeface="+mn-lt"/>
-            </a:endParaRPr>
           </a:p>
         </p:txBody>
       </p:sp>
@@ -4519,14 +4440,14 @@
             <p:ph idx="1"/>
             <p:extLst>
               <p:ext uri="{D42A27DB-BD31-4B8C-83A1-F6EECF244321}">
-                <p14:modId xmlns:p14="http://schemas.microsoft.com/office/powerpoint/2010/main" val="1435102374"/>
+                <p14:modId xmlns:p14="http://schemas.microsoft.com/office/powerpoint/2010/main" val="2838353602"/>
               </p:ext>
             </p:extLst>
           </p:nvPr>
         </p:nvGraphicFramePr>
         <p:xfrm>
-          <a:off x="365758" y="836121"/>
-          <a:ext cx="11372473" cy="3952146"/>
+          <a:off x="408175" y="923337"/>
+          <a:ext cx="11372473" cy="5888943"/>
         </p:xfrm>
         <a:graphic>
           <a:graphicData uri="http://schemas.openxmlformats.org/drawingml/2006/table">
@@ -4542,14 +4463,14 @@
                     </a:ext>
                   </a:extLst>
                 </a:gridCol>
-                <a:gridCol w="6587117">
+                <a:gridCol w="6998597">
                   <a:extLst>
                     <a:ext uri="{9D8B030D-6E8A-4147-A177-3AD203B41FA5}">
                       <a16:colId xmlns:a16="http://schemas.microsoft.com/office/drawing/2014/main" val="1261297711"/>
                     </a:ext>
                   </a:extLst>
                 </a:gridCol>
-                <a:gridCol w="3158111">
+                <a:gridCol w="2746631">
                   <a:extLst>
                     <a:ext uri="{9D8B030D-6E8A-4147-A177-3AD203B41FA5}">
                       <a16:colId xmlns:a16="http://schemas.microsoft.com/office/drawing/2014/main" val="3622604584"/>
@@ -4565,10 +4486,10 @@
                     <a:p>
                       <a:pPr algn="r"/>
                       <a:r>
-                        <a:rPr lang="en-US" sz="1800" dirty="0">
+                        <a:rPr lang="en-US" sz="1600" dirty="0">
                           <a:effectLst/>
                         </a:rPr>
-                        <a:t>Time (EST)</a:t>
+                        <a:t>Time (MDT)</a:t>
                       </a:r>
                     </a:p>
                   </a:txBody>
@@ -4580,7 +4501,7 @@
                     <a:lstStyle/>
                     <a:p>
                       <a:r>
-                        <a:rPr lang="en-US" sz="1800" dirty="0">
+                        <a:rPr lang="en-US" sz="1600" dirty="0">
                           <a:effectLst/>
                         </a:rPr>
                         <a:t>Title</a:t>
@@ -4595,7 +4516,7 @@
                     <a:lstStyle/>
                     <a:p>
                       <a:r>
-                        <a:rPr lang="en-US" sz="1800" dirty="0">
+                        <a:rPr lang="en-US" sz="1600" dirty="0">
                           <a:effectLst/>
                         </a:rPr>
                         <a:t>Presenter</a:t>
@@ -4610,7 +4531,7 @@
                   </a:ext>
                 </a:extLst>
               </a:tr>
-              <a:tr h="676863">
+              <a:tr h="262476">
                 <a:tc>
                   <a:txBody>
                     <a:bodyPr/>
@@ -4618,10 +4539,10 @@
                     <a:p>
                       <a:pPr algn="r"/>
                       <a:r>
-                        <a:rPr lang="en-US">
+                        <a:rPr lang="en-US" sz="1600" dirty="0">
                           <a:effectLst/>
                         </a:rPr>
-                        <a:t>3:00 PM</a:t>
+                        <a:t>9:00 AM</a:t>
                       </a:r>
                     </a:p>
                   </a:txBody>
@@ -4633,7 +4554,7 @@
                     <a:lstStyle/>
                     <a:p>
                       <a:r>
-                        <a:rPr lang="en-US" dirty="0">
+                        <a:rPr lang="en-US" sz="1600">
                           <a:effectLst/>
                         </a:rPr>
                         <a:t>Introduction</a:t>
@@ -4648,7 +4569,7 @@
                     <a:lstStyle/>
                     <a:p>
                       <a:r>
-                        <a:rPr lang="en-US" dirty="0">
+                        <a:rPr lang="en-US" sz="1600" dirty="0">
                           <a:effectLst/>
                         </a:rPr>
                         <a:t>David E. Bernholdt (ORNL)</a:t>
@@ -4659,11 +4580,11 @@
                 </a:tc>
                 <a:extLst>
                   <a:ext uri="{0D108BD9-81ED-4DB2-BD59-A6C34878D82A}">
-                    <a16:rowId xmlns:a16="http://schemas.microsoft.com/office/drawing/2014/main" val="4095277928"/>
+                    <a16:rowId xmlns:a16="http://schemas.microsoft.com/office/drawing/2014/main" val="3771408676"/>
                   </a:ext>
                 </a:extLst>
               </a:tr>
-              <a:tr h="412004">
+              <a:tr h="254856">
                 <a:tc>
                   <a:txBody>
                     <a:bodyPr/>
@@ -4671,10 +4592,10 @@
                     <a:p>
                       <a:pPr algn="r"/>
                       <a:r>
-                        <a:rPr lang="en-US">
+                        <a:rPr lang="en-US" sz="1600">
                           <a:effectLst/>
                         </a:rPr>
-                        <a:t>3:05 PM</a:t>
+                        <a:t>9:10 AM</a:t>
                       </a:r>
                     </a:p>
                   </a:txBody>
@@ -4686,10 +4607,10 @@
                     <a:lstStyle/>
                     <a:p>
                       <a:r>
-                        <a:rPr lang="en-US">
+                        <a:rPr lang="en-US" sz="1600" dirty="0">
                           <a:effectLst/>
                         </a:rPr>
-                        <a:t>Software Testing and Verification</a:t>
+                        <a:t>Motivation and Overview of Best Practices in HPC Software Development</a:t>
                       </a:r>
                     </a:p>
                   </a:txBody>
@@ -4701,10 +4622,10 @@
                     <a:lstStyle/>
                     <a:p>
                       <a:r>
-                        <a:rPr lang="en-US">
+                        <a:rPr lang="en-US" sz="1600">
                           <a:effectLst/>
                         </a:rPr>
-                        <a:t>David M. Rogers (ORNL)</a:t>
+                        <a:t>David E. Bernholdt (ORNL)</a:t>
                       </a:r>
                     </a:p>
                   </a:txBody>
@@ -4712,11 +4633,11 @@
                 </a:tc>
                 <a:extLst>
                   <a:ext uri="{0D108BD9-81ED-4DB2-BD59-A6C34878D82A}">
-                    <a16:rowId xmlns:a16="http://schemas.microsoft.com/office/drawing/2014/main" val="763903436"/>
+                    <a16:rowId xmlns:a16="http://schemas.microsoft.com/office/drawing/2014/main" val="2447348272"/>
                   </a:ext>
                 </a:extLst>
               </a:tr>
-              <a:tr h="412004">
+              <a:tr h="300576">
                 <a:tc>
                   <a:txBody>
                     <a:bodyPr/>
@@ -4724,10 +4645,10 @@
                     <a:p>
                       <a:pPr algn="r"/>
                       <a:r>
-                        <a:rPr lang="en-US">
+                        <a:rPr lang="en-US" sz="1600">
                           <a:effectLst/>
                         </a:rPr>
-                        <a:t>4:00 PM</a:t>
+                        <a:t>9:35 AM</a:t>
                       </a:r>
                     </a:p>
                   </a:txBody>
@@ -4739,12 +4660,118 @@
                     <a:lstStyle/>
                     <a:p>
                       <a:r>
-                        <a:rPr lang="en-US" i="1">
+                        <a:rPr lang="en-US" sz="1600">
+                          <a:effectLst/>
+                        </a:rPr>
+                        <a:t>Scientific Software Design</a:t>
+                      </a:r>
+                    </a:p>
+                  </a:txBody>
+                  <a:tcPr marL="142875" marR="142875" marT="95250" marB="95250" anchor="ctr"/>
+                </a:tc>
+                <a:tc>
+                  <a:txBody>
+                    <a:bodyPr/>
+                    <a:lstStyle/>
+                    <a:p>
+                      <a:r>
+                        <a:rPr lang="en-US" sz="1600">
+                          <a:effectLst/>
+                        </a:rPr>
+                        <a:t>David E. Bernholdt (ORNL)</a:t>
+                      </a:r>
+                    </a:p>
+                  </a:txBody>
+                  <a:tcPr marL="142875" marR="142875" marT="95250" marB="95250" anchor="ctr"/>
+                </a:tc>
+                <a:extLst>
+                  <a:ext uri="{0D108BD9-81ED-4DB2-BD59-A6C34878D82A}">
+                    <a16:rowId xmlns:a16="http://schemas.microsoft.com/office/drawing/2014/main" val="3498345095"/>
+                  </a:ext>
+                </a:extLst>
+              </a:tr>
+              <a:tr h="0">
+                <a:tc>
+                  <a:txBody>
+                    <a:bodyPr/>
+                    <a:lstStyle/>
+                    <a:p>
+                      <a:pPr algn="r"/>
+                      <a:r>
+                        <a:rPr lang="en-US" sz="1600">
+                          <a:effectLst/>
+                        </a:rPr>
+                        <a:t>10:00 AM</a:t>
+                      </a:r>
+                    </a:p>
+                  </a:txBody>
+                  <a:tcPr marL="142875" marR="142875" marT="95250" marB="95250" anchor="ctr"/>
+                </a:tc>
+                <a:tc>
+                  <a:txBody>
+                    <a:bodyPr/>
+                    <a:lstStyle/>
+                    <a:p>
+                      <a:r>
+                        <a:rPr lang="en-US" sz="1600">
+                          <a:effectLst/>
+                        </a:rPr>
+                        <a:t>Refactoring Scientific Software</a:t>
+                      </a:r>
+                    </a:p>
+                  </a:txBody>
+                  <a:tcPr marL="142875" marR="142875" marT="95250" marB="95250" anchor="ctr"/>
+                </a:tc>
+                <a:tc>
+                  <a:txBody>
+                    <a:bodyPr/>
+                    <a:lstStyle/>
+                    <a:p>
+                      <a:r>
+                        <a:rPr lang="en-US" sz="1600">
+                          <a:effectLst/>
+                        </a:rPr>
+                        <a:t>David E. Bernholdt (ORNL)</a:t>
+                      </a:r>
+                    </a:p>
+                  </a:txBody>
+                  <a:tcPr marL="142875" marR="142875" marT="95250" marB="95250" anchor="ctr"/>
+                </a:tc>
+                <a:extLst>
+                  <a:ext uri="{0D108BD9-81ED-4DB2-BD59-A6C34878D82A}">
+                    <a16:rowId xmlns:a16="http://schemas.microsoft.com/office/drawing/2014/main" val="1585599665"/>
+                  </a:ext>
+                </a:extLst>
+              </a:tr>
+              <a:tr h="0">
+                <a:tc>
+                  <a:txBody>
+                    <a:bodyPr/>
+                    <a:lstStyle/>
+                    <a:p>
+                      <a:pPr algn="r"/>
+                      <a:r>
+                        <a:rPr lang="en-US" sz="1600">
+                          <a:effectLst/>
+                        </a:rPr>
+                        <a:t>10:30 AM</a:t>
+                      </a:r>
+                    </a:p>
+                  </a:txBody>
+                  <a:tcPr marL="142875" marR="142875" marT="95250" marB="95250" anchor="ctr"/>
+                </a:tc>
+                <a:tc>
+                  <a:txBody>
+                    <a:bodyPr/>
+                    <a:lstStyle/>
+                    <a:p>
+                      <a:r>
+                        <a:rPr lang="en-US" sz="1600" i="1">
                           <a:effectLst/>
                         </a:rPr>
                         <a:t>Break</a:t>
                       </a:r>
-                      <a:endParaRPr lang="en-US">
+                      <a:endParaRPr lang="en-US" sz="1600">
                         <a:effectLst/>
                       </a:endParaRPr>
                     </a:p>
@@ -4756,7 +4783,7 @@
                     <a:bodyPr/>
                     <a:lstStyle/>
                     <a:p>
-                      <a:endParaRPr lang="en-US" dirty="0">
+                      <a:endParaRPr lang="en-US" sz="1600">
                         <a:effectLst/>
                       </a:endParaRPr>
                     </a:p>
@@ -4765,11 +4792,11 @@
                 </a:tc>
                 <a:extLst>
                   <a:ext uri="{0D108BD9-81ED-4DB2-BD59-A6C34878D82A}">
-                    <a16:rowId xmlns:a16="http://schemas.microsoft.com/office/drawing/2014/main" val="1954771440"/>
+                    <a16:rowId xmlns:a16="http://schemas.microsoft.com/office/drawing/2014/main" val="2760338244"/>
                   </a:ext>
                 </a:extLst>
               </a:tr>
-              <a:tr h="412004">
+              <a:tr h="0">
                 <a:tc>
                   <a:txBody>
                     <a:bodyPr/>
@@ -4777,10 +4804,10 @@
                     <a:p>
                       <a:pPr algn="r"/>
                       <a:r>
-                        <a:rPr lang="en-US">
+                        <a:rPr lang="en-US" sz="1600">
                           <a:effectLst/>
                         </a:rPr>
-                        <a:t>4:15 PM</a:t>
+                        <a:t>11:00 AM</a:t>
                       </a:r>
                     </a:p>
                   </a:txBody>
@@ -4792,7 +4819,219 @@
                     <a:lstStyle/>
                     <a:p>
                       <a:r>
-                        <a:rPr lang="en-US">
+                        <a:rPr lang="en-US" sz="1600">
+                          <a:effectLst/>
+                        </a:rPr>
+                        <a:t>Collaborative Software Development</a:t>
+                      </a:r>
+                    </a:p>
+                  </a:txBody>
+                  <a:tcPr marL="142875" marR="142875" marT="95250" marB="95250" anchor="ctr"/>
+                </a:tc>
+                <a:tc>
+                  <a:txBody>
+                    <a:bodyPr/>
+                    <a:lstStyle/>
+                    <a:p>
+                      <a:r>
+                        <a:rPr lang="en-US" sz="1600">
+                          <a:effectLst/>
+                        </a:rPr>
+                        <a:t>Patricia A. Grubel (LANL)</a:t>
+                      </a:r>
+                    </a:p>
+                  </a:txBody>
+                  <a:tcPr marL="142875" marR="142875" marT="95250" marB="95250" anchor="ctr"/>
+                </a:tc>
+                <a:extLst>
+                  <a:ext uri="{0D108BD9-81ED-4DB2-BD59-A6C34878D82A}">
+                    <a16:rowId xmlns:a16="http://schemas.microsoft.com/office/drawing/2014/main" val="3897691477"/>
+                  </a:ext>
+                </a:extLst>
+              </a:tr>
+              <a:tr h="323436">
+                <a:tc>
+                  <a:txBody>
+                    <a:bodyPr/>
+                    <a:lstStyle/>
+                    <a:p>
+                      <a:pPr algn="r"/>
+                      <a:r>
+                        <a:rPr lang="en-US" sz="1600">
+                          <a:effectLst/>
+                        </a:rPr>
+                        <a:t>11:40 AM</a:t>
+                      </a:r>
+                    </a:p>
+                  </a:txBody>
+                  <a:tcPr marL="142875" marR="142875" marT="95250" marB="95250" anchor="ctr"/>
+                </a:tc>
+                <a:tc>
+                  <a:txBody>
+                    <a:bodyPr/>
+                    <a:lstStyle/>
+                    <a:p>
+                      <a:r>
+                        <a:rPr lang="en-US" sz="1600">
+                          <a:effectLst/>
+                        </a:rPr>
+                        <a:t>Software Packaging - Condensed Version</a:t>
+                      </a:r>
+                    </a:p>
+                  </a:txBody>
+                  <a:tcPr marL="142875" marR="142875" marT="95250" marB="95250" anchor="ctr"/>
+                </a:tc>
+                <a:tc>
+                  <a:txBody>
+                    <a:bodyPr/>
+                    <a:lstStyle/>
+                    <a:p>
+                      <a:r>
+                        <a:rPr lang="en-US" sz="1600">
+                          <a:effectLst/>
+                        </a:rPr>
+                        <a:t>David M. Rogers (ORNL)</a:t>
+                      </a:r>
+                    </a:p>
+                  </a:txBody>
+                  <a:tcPr marL="142875" marR="142875" marT="95250" marB="95250" anchor="ctr"/>
+                </a:tc>
+                <a:extLst>
+                  <a:ext uri="{0D108BD9-81ED-4DB2-BD59-A6C34878D82A}">
+                    <a16:rowId xmlns:a16="http://schemas.microsoft.com/office/drawing/2014/main" val="2967747853"/>
+                  </a:ext>
+                </a:extLst>
+              </a:tr>
+              <a:tr h="0">
+                <a:tc>
+                  <a:txBody>
+                    <a:bodyPr/>
+                    <a:lstStyle/>
+                    <a:p>
+                      <a:pPr algn="r"/>
+                      <a:r>
+                        <a:rPr lang="en-US" sz="1600">
+                          <a:effectLst/>
+                        </a:rPr>
+                        <a:t>12:00 PM</a:t>
+                      </a:r>
+                    </a:p>
+                  </a:txBody>
+                  <a:tcPr marL="142875" marR="142875" marT="95250" marB="95250" anchor="ctr"/>
+                </a:tc>
+                <a:tc>
+                  <a:txBody>
+                    <a:bodyPr/>
+                    <a:lstStyle/>
+                    <a:p>
+                      <a:r>
+                        <a:rPr lang="en-US" sz="1600" i="1">
+                          <a:effectLst/>
+                        </a:rPr>
+                        <a:t>Lunch break</a:t>
+                      </a:r>
+                      <a:endParaRPr lang="en-US" sz="1600">
+                        <a:effectLst/>
+                      </a:endParaRPr>
+                    </a:p>
+                  </a:txBody>
+                  <a:tcPr marL="142875" marR="142875" marT="95250" marB="95250" anchor="ctr"/>
+                </a:tc>
+                <a:tc>
+                  <a:txBody>
+                    <a:bodyPr/>
+                    <a:lstStyle/>
+                    <a:p>
+                      <a:endParaRPr lang="en-US" sz="1600">
+                        <a:effectLst/>
+                      </a:endParaRPr>
+                    </a:p>
+                  </a:txBody>
+                  <a:tcPr marL="142875" marR="142875" marT="95250" marB="95250" anchor="ctr"/>
+                </a:tc>
+                <a:extLst>
+                  <a:ext uri="{0D108BD9-81ED-4DB2-BD59-A6C34878D82A}">
+                    <a16:rowId xmlns:a16="http://schemas.microsoft.com/office/drawing/2014/main" val="763903436"/>
+                  </a:ext>
+                </a:extLst>
+              </a:tr>
+              <a:tr h="0">
+                <a:tc>
+                  <a:txBody>
+                    <a:bodyPr/>
+                    <a:lstStyle/>
+                    <a:p>
+                      <a:pPr algn="r"/>
+                      <a:r>
+                        <a:rPr lang="en-US" sz="1600">
+                          <a:effectLst/>
+                        </a:rPr>
+                        <a:t>1:00 PM</a:t>
+                      </a:r>
+                    </a:p>
+                  </a:txBody>
+                  <a:tcPr marL="142875" marR="142875" marT="95250" marB="95250" anchor="ctr"/>
+                </a:tc>
+                <a:tc>
+                  <a:txBody>
+                    <a:bodyPr/>
+                    <a:lstStyle/>
+                    <a:p>
+                      <a:r>
+                        <a:rPr lang="en-US" sz="1600">
+                          <a:effectLst/>
+                        </a:rPr>
+                        <a:t>Testing Strategies - Condensed Version</a:t>
+                      </a:r>
+                    </a:p>
+                  </a:txBody>
+                  <a:tcPr marL="142875" marR="142875" marT="95250" marB="95250" anchor="ctr"/>
+                </a:tc>
+                <a:tc>
+                  <a:txBody>
+                    <a:bodyPr/>
+                    <a:lstStyle/>
+                    <a:p>
+                      <a:r>
+                        <a:rPr lang="en-US" sz="1600">
+                          <a:effectLst/>
+                        </a:rPr>
+                        <a:t>David M. Rogers (ORNL)</a:t>
+                      </a:r>
+                    </a:p>
+                  </a:txBody>
+                  <a:tcPr marL="142875" marR="142875" marT="95250" marB="95250" anchor="ctr"/>
+                </a:tc>
+                <a:extLst>
+                  <a:ext uri="{0D108BD9-81ED-4DB2-BD59-A6C34878D82A}">
+                    <a16:rowId xmlns:a16="http://schemas.microsoft.com/office/drawing/2014/main" val="1954771440"/>
+                  </a:ext>
+                </a:extLst>
+              </a:tr>
+              <a:tr h="0">
+                <a:tc>
+                  <a:txBody>
+                    <a:bodyPr/>
+                    <a:lstStyle/>
+                    <a:p>
+                      <a:pPr algn="r"/>
+                      <a:r>
+                        <a:rPr lang="en-US" sz="1600">
+                          <a:effectLst/>
+                        </a:rPr>
+                        <a:t>1:30 PM</a:t>
+                      </a:r>
+                    </a:p>
+                  </a:txBody>
+                  <a:tcPr marL="142875" marR="142875" marT="95250" marB="95250" anchor="ctr"/>
+                </a:tc>
+                <a:tc>
+                  <a:txBody>
+                    <a:bodyPr/>
+                    <a:lstStyle/>
+                    <a:p>
+                      <a:r>
+                        <a:rPr lang="en-US" sz="1600">
                           <a:effectLst/>
                         </a:rPr>
                         <a:t>Improving Reproducibility Through Better Software Practices</a:t>
@@ -4807,10 +5046,10 @@
                     <a:lstStyle/>
                     <a:p>
                       <a:r>
-                        <a:rPr lang="en-US">
+                        <a:rPr lang="en-US" sz="1600">
                           <a:effectLst/>
                         </a:rPr>
-                        <a:t>Gregory R. Watson (ORNL)</a:t>
+                        <a:t>Patricia A. Grubel (LANL)</a:t>
                       </a:r>
                     </a:p>
                   </a:txBody>
@@ -4822,7 +5061,7 @@
                   </a:ext>
                 </a:extLst>
               </a:tr>
-              <a:tr h="412004">
+              <a:tr h="0">
                 <a:tc>
                   <a:txBody>
                     <a:bodyPr/>
@@ -4830,10 +5069,10 @@
                     <a:p>
                       <a:pPr algn="r"/>
                       <a:r>
-                        <a:rPr lang="en-US">
+                        <a:rPr lang="en-US" sz="1600">
                           <a:effectLst/>
                         </a:rPr>
-                        <a:t>5:15 PM</a:t>
+                        <a:t>2:15 PM</a:t>
                       </a:r>
                     </a:p>
                   </a:txBody>
@@ -4845,10 +5084,10 @@
                     <a:lstStyle/>
                     <a:p>
                       <a:r>
-                        <a:rPr lang="en-US">
+                        <a:rPr lang="en-US" sz="1600">
                           <a:effectLst/>
                         </a:rPr>
-                        <a:t>Lab Notebooks for Computational Mathematics, Sciences, &amp; Engineering</a:t>
+                        <a:t>Summary</a:t>
                       </a:r>
                     </a:p>
                   </a:txBody>
@@ -4860,10 +5099,10 @@
                     <a:lstStyle/>
                     <a:p>
                       <a:r>
-                        <a:rPr lang="en-US">
+                        <a:rPr lang="en-US" sz="1600">
                           <a:effectLst/>
                         </a:rPr>
-                        <a:t>David E. Bernholdt (ORNL)</a:t>
+                        <a:t>Patricia A. Grubel (LANL)</a:t>
                       </a:r>
                     </a:p>
                   </a:txBody>
@@ -4883,10 +5122,10 @@
                     <a:p>
                       <a:pPr algn="r"/>
                       <a:r>
-                        <a:rPr lang="en-US">
+                        <a:rPr lang="en-US" sz="1600">
                           <a:effectLst/>
                         </a:rPr>
-                        <a:t>6:15 PM</a:t>
+                        <a:t>2:30 PM</a:t>
                       </a:r>
                     </a:p>
                   </a:txBody>
@@ -4898,12 +5137,12 @@
                     <a:lstStyle/>
                     <a:p>
                       <a:r>
-                        <a:rPr lang="en-US" i="1">
+                        <a:rPr lang="en-US" sz="1600" i="1">
                           <a:effectLst/>
                         </a:rPr>
                         <a:t>Adjourn</a:t>
                       </a:r>
-                      <a:endParaRPr lang="en-US">
+                      <a:endParaRPr lang="en-US" sz="1600">
                         <a:effectLst/>
                       </a:endParaRPr>
                     </a:p>
@@ -4915,7 +5154,7 @@
                     <a:bodyPr/>
                     <a:lstStyle/>
                     <a:p>
-                      <a:endParaRPr lang="en-US" dirty="0"/>
+                      <a:endParaRPr lang="en-US" sz="1600" dirty="0"/>
                     </a:p>
                   </a:txBody>
                   <a:tcPr/>
@@ -5122,18 +5361,18 @@
                 <a:effectLst/>
                 <a:latin typeface="+mn-lt"/>
               </a:rPr>
-              <a:t>David E. Bernholdt, David M. Rogers, and Gregory R. Watson, Software Practices for Better Science: Testing, Reproducibility, and Documentation tutorial, in Exascale Computing Project Tutorial Days, online, 2023. DOI: </a:t>
-            </a:r>
-            <a:r>
-              <a:rPr lang="en-US" sz="1600" b="0" i="0" u="none" strike="noStrike" dirty="0">
+              <a:t>David E. Bernholdt, Patricia A. Grubel, and David M. Rogers, Better Scientific Software tutorial, in Improving Scientific Software, Boulder, Colorado and online, 2023. DOI: </a:t>
+            </a:r>
+            <a:r>
+              <a:rPr lang="en-US" sz="1600" b="0" i="0" dirty="0">
                 <a:solidFill>
-                  <a:srgbClr val="2A7AE2"/>
+                  <a:srgbClr val="111111"/>
                 </a:solidFill>
                 <a:effectLst/>
                 <a:latin typeface="+mn-lt"/>
                 <a:hlinkClick r:id="rId4"/>
               </a:rPr>
-              <a:t>10.6084/m9.figshare.21989507</a:t>
+              <a:t>10.6084/m9.figshare.22179748</a:t>
             </a:r>
             <a:r>
               <a:rPr lang="en-US" sz="1600" b="0" i="0" dirty="0">
@@ -5162,29 +5401,21 @@
             </a:r>
             <a:r>
               <a:rPr lang="en-US" sz="1600" dirty="0"/>
-              <a:t>, </a:t>
-            </a:r>
-            <a:r>
-              <a:rPr lang="en-US" sz="1600"/>
-              <a:t>in </a:t>
-            </a:r>
-            <a:r>
-              <a:rPr lang="en-US" sz="1600" b="0" i="0">
+              <a:t>, in </a:t>
+            </a:r>
+            <a:r>
+              <a:rPr lang="en-US" sz="1600" b="0" i="1" dirty="0">
                 <a:solidFill>
                   <a:srgbClr val="111111"/>
                 </a:solidFill>
                 <a:effectLst/>
                 <a:latin typeface="+mn-lt"/>
               </a:rPr>
-              <a:t>Software Practices for Better Science: Testing, Reproducibility, and Documentation tutorial</a:t>
-            </a:r>
-            <a:r>
-              <a:rPr lang="en-US" sz="1600"/>
-              <a:t>, </a:t>
+              <a:t>Tutorial Title</a:t>
             </a:r>
             <a:r>
               <a:rPr lang="en-US" sz="1600" dirty="0"/>
-              <a:t>…</a:t>
+              <a:t>, …</a:t>
             </a:r>
           </a:p>
           <a:p>
@@ -5322,7 +5553,7 @@
     </p:spTree>
     <p:extLst>
       <p:ext uri="{BB962C8B-B14F-4D97-AF65-F5344CB8AC3E}">
-        <p14:creationId xmlns:p14="http://schemas.microsoft.com/office/powerpoint/2010/main" val="978726433"/>
+        <p14:creationId xmlns:p14="http://schemas.microsoft.com/office/powerpoint/2010/main" val="851745353"/>
       </p:ext>
     </p:extLst>
   </p:cSld>
@@ -5349,6 +5580,113 @@
           <a:chExt cx="0" cy="0"/>
         </a:xfrm>
       </p:grpSpPr>
+      <p:grpSp>
+        <p:nvGrpSpPr>
+          <p:cNvPr id="5" name="Group 4">
+            <a:extLst>
+              <a:ext uri="{FF2B5EF4-FFF2-40B4-BE49-F238E27FC236}">
+                <a16:creationId xmlns:a16="http://schemas.microsoft.com/office/drawing/2014/main" id="{29E47805-2E41-0D24-F0EF-0D9F68754C5D}"/>
+              </a:ext>
+            </a:extLst>
+          </p:cNvPr>
+          <p:cNvGrpSpPr/>
+          <p:nvPr/>
+        </p:nvGrpSpPr>
+        <p:grpSpPr>
+          <a:xfrm>
+            <a:off x="7946256" y="1269264"/>
+            <a:ext cx="1009507" cy="1851663"/>
+            <a:chOff x="8066531" y="1374891"/>
+            <a:chExt cx="1009507" cy="1851663"/>
+          </a:xfrm>
+        </p:grpSpPr>
+        <p:pic>
+          <p:nvPicPr>
+            <p:cNvPr id="11" name="Picture 10">
+              <a:extLst>
+                <a:ext uri="{FF2B5EF4-FFF2-40B4-BE49-F238E27FC236}">
+                  <a16:creationId xmlns:a16="http://schemas.microsoft.com/office/drawing/2014/main" id="{387C8B9B-A1D2-0E18-5DEA-3DCC2ECAD79F}"/>
+                </a:ext>
+              </a:extLst>
+            </p:cNvPr>
+            <p:cNvPicPr>
+              <a:picLocks noChangeAspect="1"/>
+            </p:cNvPicPr>
+            <p:nvPr/>
+          </p:nvPicPr>
+          <p:blipFill rotWithShape="1">
+            <a:blip r:embed="rId2" cstate="print">
+              <a:extLst>
+                <a:ext uri="{28A0092B-C50C-407E-A947-70E740481C1C}">
+                  <a14:useLocalDpi xmlns:a14="http://schemas.microsoft.com/office/drawing/2010/main" val="0"/>
+                </a:ext>
+              </a:extLst>
+            </a:blip>
+            <a:srcRect l="4859" r="10127"/>
+            <a:stretch/>
+          </p:blipFill>
+          <p:spPr>
+            <a:xfrm>
+              <a:off x="8088482" y="1374891"/>
+              <a:ext cx="965606" cy="1207008"/>
+            </a:xfrm>
+            <a:prstGeom prst="rect">
+              <a:avLst/>
+            </a:prstGeom>
+          </p:spPr>
+        </p:pic>
+        <p:sp>
+          <p:nvSpPr>
+            <p:cNvPr id="12" name="TextBox 11">
+              <a:extLst>
+                <a:ext uri="{FF2B5EF4-FFF2-40B4-BE49-F238E27FC236}">
+                  <a16:creationId xmlns:a16="http://schemas.microsoft.com/office/drawing/2014/main" id="{F38E0A13-3968-EA98-857E-18B902325559}"/>
+                </a:ext>
+              </a:extLst>
+            </p:cNvPr>
+            <p:cNvSpPr txBox="1"/>
+            <p:nvPr/>
+          </p:nvSpPr>
+          <p:spPr>
+            <a:xfrm>
+              <a:off x="8066531" y="2543290"/>
+              <a:ext cx="1009507" cy="683264"/>
+            </a:xfrm>
+            <a:prstGeom prst="rect">
+              <a:avLst/>
+            </a:prstGeom>
+            <a:noFill/>
+          </p:spPr>
+          <p:txBody>
+            <a:bodyPr wrap="none" lIns="118872" tIns="91440" rIns="118872" bIns="91440" rtlCol="0" anchor="ctr" anchorCtr="0">
+              <a:spAutoFit/>
+            </a:bodyPr>
+            <a:lstStyle/>
+            <a:p>
+              <a:pPr algn="l">
+                <a:lnSpc>
+                  <a:spcPct val="90000"/>
+                </a:lnSpc>
+              </a:pPr>
+              <a:r>
+                <a:rPr lang="en-US" dirty="0"/>
+                <a:t>Patricia</a:t>
+              </a:r>
+            </a:p>
+            <a:p>
+              <a:pPr algn="l">
+                <a:lnSpc>
+                  <a:spcPct val="90000"/>
+                </a:lnSpc>
+              </a:pPr>
+              <a:r>
+                <a:rPr lang="en-US" i="1" dirty="0"/>
+                <a:t>she/her</a:t>
+              </a:r>
+            </a:p>
+          </p:txBody>
+        </p:sp>
+      </p:grpSp>
       <p:sp>
         <p:nvSpPr>
           <p:cNvPr id="3" name="Content Placeholder 2">
@@ -5393,7 +5731,7 @@
             </a:pPr>
             <a:r>
               <a:rPr lang="en-US" dirty="0"/>
-              <a:t>David M. Rogers, ORNL</a:t>
+              <a:t>Patricia A. Grubel, LANL</a:t>
             </a:r>
           </a:p>
           <a:p>
@@ -5404,7 +5742,7 @@
             </a:pPr>
             <a:r>
               <a:rPr lang="en-US" dirty="0"/>
-              <a:t>Greg Watson, ORNL</a:t>
+              <a:t>David M. Rogers, ORNL</a:t>
             </a:r>
           </a:p>
         </p:txBody>
@@ -5437,113 +5775,6 @@
           </a:p>
         </p:txBody>
       </p:sp>
-      <p:grpSp>
-        <p:nvGrpSpPr>
-          <p:cNvPr id="19" name="Group 18">
-            <a:extLst>
-              <a:ext uri="{FF2B5EF4-FFF2-40B4-BE49-F238E27FC236}">
-                <a16:creationId xmlns:a16="http://schemas.microsoft.com/office/drawing/2014/main" id="{9CD3C3BF-3A3C-42DB-B6FA-DDA665880523}"/>
-              </a:ext>
-            </a:extLst>
-          </p:cNvPr>
-          <p:cNvGrpSpPr/>
-          <p:nvPr/>
-        </p:nvGrpSpPr>
-        <p:grpSpPr>
-          <a:xfrm>
-            <a:off x="9448389" y="1275274"/>
-            <a:ext cx="1038027" cy="1804941"/>
-            <a:chOff x="9222950" y="1485878"/>
-            <a:chExt cx="1038027" cy="1804941"/>
-          </a:xfrm>
-        </p:grpSpPr>
-        <p:pic>
-          <p:nvPicPr>
-            <p:cNvPr id="20" name="Picture 19" descr="A person wearing a hat&#10;&#10;Description automatically generated with medium confidence">
-              <a:extLst>
-                <a:ext uri="{FF2B5EF4-FFF2-40B4-BE49-F238E27FC236}">
-                  <a16:creationId xmlns:a16="http://schemas.microsoft.com/office/drawing/2014/main" id="{CF220246-2105-44DD-A18C-204D499E2147}"/>
-                </a:ext>
-              </a:extLst>
-            </p:cNvPr>
-            <p:cNvPicPr>
-              <a:picLocks noChangeAspect="1"/>
-            </p:cNvPicPr>
-            <p:nvPr/>
-          </p:nvPicPr>
-          <p:blipFill rotWithShape="1">
-            <a:blip r:embed="rId2">
-              <a:extLst>
-                <a:ext uri="{28A0092B-C50C-407E-A947-70E740481C1C}">
-                  <a14:useLocalDpi xmlns:a14="http://schemas.microsoft.com/office/drawing/2010/main" val="0"/>
-                </a:ext>
-              </a:extLst>
-            </a:blip>
-            <a:srcRect l="7000" t="-1515" r="7000" b="1515"/>
-            <a:stretch/>
-          </p:blipFill>
-          <p:spPr>
-            <a:xfrm>
-              <a:off x="9222950" y="1485878"/>
-              <a:ext cx="1038027" cy="1207008"/>
-            </a:xfrm>
-            <a:prstGeom prst="rect">
-              <a:avLst/>
-            </a:prstGeom>
-          </p:spPr>
-        </p:pic>
-        <p:sp>
-          <p:nvSpPr>
-            <p:cNvPr id="21" name="TextBox 20">
-              <a:extLst>
-                <a:ext uri="{FF2B5EF4-FFF2-40B4-BE49-F238E27FC236}">
-                  <a16:creationId xmlns:a16="http://schemas.microsoft.com/office/drawing/2014/main" id="{0A1DB90E-40BD-4D7B-B068-736741C11920}"/>
-                </a:ext>
-              </a:extLst>
-            </p:cNvPr>
-            <p:cNvSpPr txBox="1"/>
-            <p:nvPr/>
-          </p:nvSpPr>
-          <p:spPr>
-            <a:xfrm>
-              <a:off x="9303381" y="2699888"/>
-              <a:ext cx="877164" cy="590931"/>
-            </a:xfrm>
-            <a:prstGeom prst="rect">
-              <a:avLst/>
-            </a:prstGeom>
-            <a:noFill/>
-          </p:spPr>
-          <p:txBody>
-            <a:bodyPr wrap="none" rtlCol="0">
-              <a:spAutoFit/>
-            </a:bodyPr>
-            <a:lstStyle/>
-            <a:p>
-              <a:pPr algn="ctr">
-                <a:lnSpc>
-                  <a:spcPct val="90000"/>
-                </a:lnSpc>
-              </a:pPr>
-              <a:r>
-                <a:rPr lang="en-US" dirty="0"/>
-                <a:t>Greg</a:t>
-              </a:r>
-            </a:p>
-            <a:p>
-              <a:pPr algn="ctr">
-                <a:lnSpc>
-                  <a:spcPct val="90000"/>
-                </a:lnSpc>
-              </a:pPr>
-              <a:r>
-                <a:rPr lang="en-US" i="1" dirty="0"/>
-                <a:t>he/him</a:t>
-              </a:r>
-            </a:p>
-          </p:txBody>
-        </p:sp>
-      </p:grpSp>
       <p:sp>
         <p:nvSpPr>
           <p:cNvPr id="23" name="TextBox 22">
@@ -5607,7 +5838,7 @@
         </p:nvGrpSpPr>
         <p:grpSpPr>
           <a:xfrm>
-            <a:off x="6108967" y="1275274"/>
+            <a:off x="6108967" y="1269264"/>
             <a:ext cx="1038027" cy="1796940"/>
             <a:chOff x="2690082" y="4212393"/>
             <a:chExt cx="1038027" cy="1796940"/>
@@ -5714,7 +5945,7 @@
         </p:nvGrpSpPr>
         <p:grpSpPr>
           <a:xfrm>
-            <a:off x="7794990" y="1275274"/>
+            <a:off x="9755024" y="1269264"/>
             <a:ext cx="1005403" cy="1805497"/>
             <a:chOff x="10526802" y="1346049"/>
             <a:chExt cx="1005403" cy="1805497"/>
@@ -11794,6 +12025,15 @@
 </file>
 
 <file path=customXml/item1.xml><?xml version="1.0" encoding="utf-8"?>
+<?mso-contentType ?>
+<FormTemplates xmlns="http://schemas.microsoft.com/sharepoint/v3/contenttype/forms">
+  <Display>DocumentLibraryForm</Display>
+  <Edit>DocumentLibraryForm</Edit>
+  <New>DocumentLibraryForm</New>
+</FormTemplates>
+</file>
+
+<file path=customXml/item2.xml><?xml version="1.0" encoding="utf-8"?>
 <ct:contentTypeSchema xmlns:ct="http://schemas.microsoft.com/office/2006/metadata/contentType" xmlns:ma="http://schemas.microsoft.com/office/2006/metadata/properties/metaAttributes" ct:_="" ma:_="" ma:contentTypeName="Document" ma:contentTypeID="0x010100565464437F680748A68B85EB6594EA7D" ma:contentTypeVersion="0" ma:contentTypeDescription="Create a new document." ma:contentTypeScope="" ma:versionID="fe3f4dd58d5914c51cfc6deaa8ad845c">
   <xsd:schema xmlns:xsd="http://www.w3.org/2001/XMLSchema" xmlns:p="http://schemas.microsoft.com/office/2006/metadata/properties" targetNamespace="http://schemas.microsoft.com/office/2006/metadata/properties" ma:root="true" ma:fieldsID="4aeb20c0e3442673af7ee10786458764">
     <xsd:element name="properties">
@@ -11842,22 +12082,21 @@
 </ct:contentTypeSchema>
 </file>
 
-<file path=customXml/item2.xml><?xml version="1.0" encoding="utf-8"?>
+<file path=customXml/item3.xml><?xml version="1.0" encoding="utf-8"?>
 <p:properties xmlns:p="http://schemas.microsoft.com/office/2006/metadata/properties" xmlns:xsi="http://www.w3.org/2001/XMLSchema-instance" xmlns:pc="http://schemas.microsoft.com/office/infopath/2007/PartnerControls">
   <documentManagement/>
 </p:properties>
 </file>
 
-<file path=customXml/item3.xml><?xml version="1.0" encoding="utf-8"?>
-<?mso-contentType ?>
-<FormTemplates xmlns="http://schemas.microsoft.com/sharepoint/v3/contenttype/forms">
-  <Display>DocumentLibraryForm</Display>
-  <Edit>DocumentLibraryForm</Edit>
-  <New>DocumentLibraryForm</New>
-</FormTemplates>
+<file path=customXml/itemProps1.xml><?xml version="1.0" encoding="utf-8"?>
+<ds:datastoreItem xmlns:ds="http://schemas.openxmlformats.org/officeDocument/2006/customXml" ds:itemID="{19E20559-B232-4371-8690-E3D8007EDB82}">
+  <ds:schemaRefs>
+    <ds:schemaRef ds:uri="http://schemas.microsoft.com/sharepoint/v3/contenttype/forms"/>
+  </ds:schemaRefs>
+</ds:datastoreItem>
 </file>
 
-<file path=customXml/itemProps1.xml><?xml version="1.0" encoding="utf-8"?>
+<file path=customXml/itemProps2.xml><?xml version="1.0" encoding="utf-8"?>
 <ds:datastoreItem xmlns:ds="http://schemas.openxmlformats.org/officeDocument/2006/customXml" ds:itemID="{E8DB7DEB-074E-4EE8-9B6E-FD277323109C}">
   <ds:schemaRefs>
     <ds:schemaRef ds:uri="http://schemas.microsoft.com/office/2006/metadata/contentType"/>
@@ -11872,7 +12111,7 @@
 </ds:datastoreItem>
 </file>
 
-<file path=customXml/itemProps2.xml><?xml version="1.0" encoding="utf-8"?>
+<file path=customXml/itemProps3.xml><?xml version="1.0" encoding="utf-8"?>
 <ds:datastoreItem xmlns:ds="http://schemas.openxmlformats.org/officeDocument/2006/customXml" ds:itemID="{A50EC660-24D0-43A0-AE5E-E274115E726B}">
   <ds:schemaRefs>
     <ds:schemaRef ds:uri="http://purl.org/dc/elements/1.1/"/>
@@ -11885,12 +12124,4 @@
     <ds:schemaRef ds:uri="http://schemas.microsoft.com/office/infopath/2007/PartnerControls"/>
   </ds:schemaRefs>
 </ds:datastoreItem>
-</file>
-
-<file path=customXml/itemProps3.xml><?xml version="1.0" encoding="utf-8"?>
-<ds:datastoreItem xmlns:ds="http://schemas.openxmlformats.org/officeDocument/2006/customXml" ds:itemID="{19E20559-B232-4371-8690-E3D8007EDB82}">
-  <ds:schemaRefs>
-    <ds:schemaRef ds:uri="http://schemas.microsoft.com/sharepoint/v3/contenttype/forms"/>
-  </ds:schemaRefs>
-</ds:datastoreItem>
 </file>
--- a/intro.pptx
+++ b/intro.pptx
@@ -265,7 +265,7 @@
           <a:p>
             <a:fld id="{0B842F42-2CE9-4E35-95C1-410DC08A50B1}" type="datetimeFigureOut">
               <a:rPr lang="en-US" smtClean="0"/>
-              <a:t>4/15/2023</a:t>
+              <a:t>4/17/2023</a:t>
             </a:fld>
             <a:endParaRPr lang="en-US"/>
           </a:p>
@@ -430,7 +430,7 @@
           <a:p>
             <a:fld id="{6F282904-F315-4730-8D91-37D99E141A6F}" type="datetimeFigureOut">
               <a:rPr lang="en-US" smtClean="0"/>
-              <a:t>4/15/2023</a:t>
+              <a:t>4/17/2023</a:t>
             </a:fld>
             <a:endParaRPr lang="en-US"/>
           </a:p>
@@ -11040,8 +11040,13 @@
           <a:p>
             <a:r>
               <a:rPr lang="en-US" dirty="0"/>
-              <a:t>(Software) best practice to make your license and preferred citation(s) easily finable</a:t>
-            </a:r>
+              <a:t>(Software) best practice to make your license and preferred citation(s) </a:t>
+            </a:r>
+            <a:r>
+              <a:rPr lang="en-US"/>
+              <a:t>easily findable</a:t>
+            </a:r>
+            <a:endParaRPr lang="en-US" dirty="0"/>
           </a:p>
           <a:p>
             <a:r>
@@ -12025,15 +12030,6 @@
 </file>
 
 <file path=customXml/item1.xml><?xml version="1.0" encoding="utf-8"?>
-<?mso-contentType ?>
-<FormTemplates xmlns="http://schemas.microsoft.com/sharepoint/v3/contenttype/forms">
-  <Display>DocumentLibraryForm</Display>
-  <Edit>DocumentLibraryForm</Edit>
-  <New>DocumentLibraryForm</New>
-</FormTemplates>
-</file>
-
-<file path=customXml/item2.xml><?xml version="1.0" encoding="utf-8"?>
 <ct:contentTypeSchema xmlns:ct="http://schemas.microsoft.com/office/2006/metadata/contentType" xmlns:ma="http://schemas.microsoft.com/office/2006/metadata/properties/metaAttributes" ct:_="" ma:_="" ma:contentTypeName="Document" ma:contentTypeID="0x010100565464437F680748A68B85EB6594EA7D" ma:contentTypeVersion="0" ma:contentTypeDescription="Create a new document." ma:contentTypeScope="" ma:versionID="fe3f4dd58d5914c51cfc6deaa8ad845c">
   <xsd:schema xmlns:xsd="http://www.w3.org/2001/XMLSchema" xmlns:p="http://schemas.microsoft.com/office/2006/metadata/properties" targetNamespace="http://schemas.microsoft.com/office/2006/metadata/properties" ma:root="true" ma:fieldsID="4aeb20c0e3442673af7ee10786458764">
     <xsd:element name="properties">
@@ -12082,6 +12078,15 @@
 </ct:contentTypeSchema>
 </file>
 
+<file path=customXml/item2.xml><?xml version="1.0" encoding="utf-8"?>
+<?mso-contentType ?>
+<FormTemplates xmlns="http://schemas.microsoft.com/sharepoint/v3/contenttype/forms">
+  <Display>DocumentLibraryForm</Display>
+  <Edit>DocumentLibraryForm</Edit>
+  <New>DocumentLibraryForm</New>
+</FormTemplates>
+</file>
+
 <file path=customXml/item3.xml><?xml version="1.0" encoding="utf-8"?>
 <p:properties xmlns:p="http://schemas.microsoft.com/office/2006/metadata/properties" xmlns:xsi="http://www.w3.org/2001/XMLSchema-instance" xmlns:pc="http://schemas.microsoft.com/office/infopath/2007/PartnerControls">
   <documentManagement/>
@@ -12089,14 +12094,6 @@
 </file>
 
 <file path=customXml/itemProps1.xml><?xml version="1.0" encoding="utf-8"?>
-<ds:datastoreItem xmlns:ds="http://schemas.openxmlformats.org/officeDocument/2006/customXml" ds:itemID="{19E20559-B232-4371-8690-E3D8007EDB82}">
-  <ds:schemaRefs>
-    <ds:schemaRef ds:uri="http://schemas.microsoft.com/sharepoint/v3/contenttype/forms"/>
-  </ds:schemaRefs>
-</ds:datastoreItem>
-</file>
-
-<file path=customXml/itemProps2.xml><?xml version="1.0" encoding="utf-8"?>
 <ds:datastoreItem xmlns:ds="http://schemas.openxmlformats.org/officeDocument/2006/customXml" ds:itemID="{E8DB7DEB-074E-4EE8-9B6E-FD277323109C}">
   <ds:schemaRefs>
     <ds:schemaRef ds:uri="http://schemas.microsoft.com/office/2006/metadata/contentType"/>
@@ -12107,6 +12104,14 @@
     <ds:schemaRef ds:uri="http://purl.org/dc/elements/1.1/"/>
     <ds:schemaRef ds:uri="http://purl.org/dc/terms/"/>
     <ds:schemaRef ds:uri="http://schemas.microsoft.com/office/internal/2005/internalDocumentation"/>
+  </ds:schemaRefs>
+</ds:datastoreItem>
+</file>
+
+<file path=customXml/itemProps2.xml><?xml version="1.0" encoding="utf-8"?>
+<ds:datastoreItem xmlns:ds="http://schemas.openxmlformats.org/officeDocument/2006/customXml" ds:itemID="{19E20559-B232-4371-8690-E3D8007EDB82}">
+  <ds:schemaRefs>
+    <ds:schemaRef ds:uri="http://schemas.microsoft.com/sharepoint/v3/contenttype/forms"/>
   </ds:schemaRefs>
 </ds:datastoreItem>
 </file>

--- a/intro.pptx
+++ b/intro.pptx
@@ -265,7 +265,7 @@
           <a:p>
             <a:fld id="{0B842F42-2CE9-4E35-95C1-410DC08A50B1}" type="datetimeFigureOut">
               <a:rPr lang="en-US" smtClean="0"/>
-              <a:t>4/17/2023</a:t>
+              <a:t>10/19/23</a:t>
             </a:fld>
             <a:endParaRPr lang="en-US"/>
           </a:p>
@@ -430,7 +430,7 @@
           <a:p>
             <a:fld id="{6F282904-F315-4730-8D91-37D99E141A6F}" type="datetimeFigureOut">
               <a:rPr lang="en-US" smtClean="0"/>
-              <a:t>4/17/2023</a:t>
+              <a:t>10/19/23</a:t>
             </a:fld>
             <a:endParaRPr lang="en-US"/>
           </a:p>
@@ -4116,7 +4116,7 @@
         <p:spPr>
           <a:xfrm>
             <a:off x="3177632" y="1959498"/>
-            <a:ext cx="6777898" cy="2855300"/>
+            <a:ext cx="6156149" cy="2855300"/>
           </a:xfrm>
         </p:spPr>
         <p:txBody>
@@ -4125,7 +4125,7 @@
           <a:p>
             <a:r>
               <a:rPr lang="en-US" dirty="0"/>
-              <a:t>David E. Bernholdt, Patricia A. Grubel, and David M. Rogers</a:t>
+              <a:t>David E. Bernholdt, Patricia A. Grubel, David M. Rogers, and Gregory Watson</a:t>
             </a:r>
           </a:p>
           <a:p>
@@ -5594,7 +5594,7 @@
         </p:nvGrpSpPr>
         <p:grpSpPr>
           <a:xfrm>
-            <a:off x="7946256" y="1269264"/>
+            <a:off x="6523295" y="1191022"/>
             <a:ext cx="1009507" cy="1851663"/>
             <a:chOff x="8066531" y="1374891"/>
             <a:chExt cx="1009507" cy="1851663"/>
@@ -5705,7 +5705,7 @@
         </p:nvSpPr>
         <p:spPr>
           <a:xfrm>
-            <a:off x="365760" y="1280696"/>
+            <a:off x="409507" y="1198438"/>
             <a:ext cx="11369809" cy="4047778"/>
           </a:xfrm>
         </p:spPr>
@@ -5743,6 +5743,17 @@
             <a:r>
               <a:rPr lang="en-US" dirty="0"/>
               <a:t>David M. Rogers, ORNL</a:t>
+            </a:r>
+          </a:p>
+          <a:p>
+            <a:pPr>
+              <a:spcBef>
+                <a:spcPts val="1000"/>
+              </a:spcBef>
+            </a:pPr>
+            <a:r>
+              <a:rPr lang="en-US" dirty="0"/>
+              <a:t>Gregory Watson, ORNL</a:t>
             </a:r>
           </a:p>
         </p:txBody>
@@ -5838,7 +5849,7 @@
         </p:nvGrpSpPr>
         <p:grpSpPr>
           <a:xfrm>
-            <a:off x="6108967" y="1269264"/>
+            <a:off x="4961654" y="1198438"/>
             <a:ext cx="1038027" cy="1796940"/>
             <a:chOff x="2690082" y="4212393"/>
             <a:chExt cx="1038027" cy="1796940"/>
@@ -5945,7 +5956,7 @@
         </p:nvGrpSpPr>
         <p:grpSpPr>
           <a:xfrm>
-            <a:off x="9755024" y="1269264"/>
+            <a:off x="8183400" y="1215546"/>
             <a:ext cx="1005403" cy="1805497"/>
             <a:chOff x="10526802" y="1346049"/>
             <a:chExt cx="1005403" cy="1805497"/>
@@ -6022,6 +6033,150 @@
               <a:r>
                 <a:rPr lang="en-US" dirty="0"/>
                 <a:t>David R</a:t>
+              </a:r>
+            </a:p>
+            <a:p>
+              <a:pPr algn="ctr">
+                <a:lnSpc>
+                  <a:spcPct val="90000"/>
+                </a:lnSpc>
+              </a:pPr>
+              <a:r>
+                <a:rPr lang="en-US" i="1" dirty="0"/>
+                <a:t>he/him</a:t>
+              </a:r>
+            </a:p>
+          </p:txBody>
+        </p:sp>
+      </p:grpSp>
+      <p:sp>
+        <p:nvSpPr>
+          <p:cNvPr id="15" name="TextBox 14">
+            <a:extLst>
+              <a:ext uri="{FF2B5EF4-FFF2-40B4-BE49-F238E27FC236}">
+                <a16:creationId xmlns:a16="http://schemas.microsoft.com/office/drawing/2014/main" id="{2CD48F1C-6C06-9FA0-AD37-2D6B3479DE27}"/>
+              </a:ext>
+            </a:extLst>
+          </p:cNvPr>
+          <p:cNvSpPr txBox="1"/>
+          <p:nvPr/>
+        </p:nvSpPr>
+        <p:spPr>
+          <a:xfrm>
+            <a:off x="-457200" y="-1717978"/>
+            <a:ext cx="240130" cy="433965"/>
+          </a:xfrm>
+          <a:prstGeom prst="rect">
+            <a:avLst/>
+          </a:prstGeom>
+          <a:noFill/>
+        </p:spPr>
+        <p:txBody>
+          <a:bodyPr wrap="none" lIns="118872" tIns="91440" rIns="118872" bIns="91440" rtlCol="0" anchor="ctr" anchorCtr="0">
+            <a:spAutoFit/>
+          </a:bodyPr>
+          <a:lstStyle/>
+          <a:p>
+            <a:pPr algn="l">
+              <a:lnSpc>
+                <a:spcPct val="90000"/>
+              </a:lnSpc>
+            </a:pPr>
+            <a:endParaRPr lang="en-US" dirty="0"/>
+          </a:p>
+        </p:txBody>
+      </p:sp>
+      <p:grpSp>
+        <p:nvGrpSpPr>
+          <p:cNvPr id="18" name="Group 17">
+            <a:extLst>
+              <a:ext uri="{FF2B5EF4-FFF2-40B4-BE49-F238E27FC236}">
+                <a16:creationId xmlns:a16="http://schemas.microsoft.com/office/drawing/2014/main" id="{051E86D2-2D18-6DAD-A78D-D21718ABDD83}"/>
+              </a:ext>
+            </a:extLst>
+          </p:cNvPr>
+          <p:cNvGrpSpPr/>
+          <p:nvPr/>
+        </p:nvGrpSpPr>
+        <p:grpSpPr>
+          <a:xfrm>
+            <a:off x="9556593" y="1180578"/>
+            <a:ext cx="1300357" cy="1862107"/>
+            <a:chOff x="10379326" y="1289439"/>
+            <a:chExt cx="1300357" cy="1862107"/>
+          </a:xfrm>
+        </p:grpSpPr>
+        <p:pic>
+          <p:nvPicPr>
+            <p:cNvPr id="19" name="Picture 18">
+              <a:extLst>
+                <a:ext uri="{FF2B5EF4-FFF2-40B4-BE49-F238E27FC236}">
+                  <a16:creationId xmlns:a16="http://schemas.microsoft.com/office/drawing/2014/main" id="{23D64F1C-0D77-EB89-5ECC-F9A86696135C}"/>
+                </a:ext>
+              </a:extLst>
+            </p:cNvPr>
+            <p:cNvPicPr>
+              <a:picLocks noChangeAspect="1"/>
+            </p:cNvPicPr>
+            <p:nvPr/>
+          </p:nvPicPr>
+          <p:blipFill>
+            <a:blip r:embed="rId6">
+              <a:extLst>
+                <a:ext uri="{28A0092B-C50C-407E-A947-70E740481C1C}">
+                  <a14:useLocalDpi xmlns:a14="http://schemas.microsoft.com/office/drawing/2010/main" val="0"/>
+                </a:ext>
+              </a:extLst>
+            </a:blip>
+            <a:srcRect l="11333" r="11333"/>
+            <a:stretch/>
+          </p:blipFill>
+          <p:spPr>
+            <a:xfrm>
+              <a:off x="10562794" y="1289439"/>
+              <a:ext cx="933420" cy="1207008"/>
+            </a:xfrm>
+            <a:prstGeom prst="rect">
+              <a:avLst/>
+            </a:prstGeom>
+          </p:spPr>
+        </p:pic>
+        <p:sp>
+          <p:nvSpPr>
+            <p:cNvPr id="20" name="TextBox 19">
+              <a:extLst>
+                <a:ext uri="{FF2B5EF4-FFF2-40B4-BE49-F238E27FC236}">
+                  <a16:creationId xmlns:a16="http://schemas.microsoft.com/office/drawing/2014/main" id="{5740A3EC-EB28-7D94-3864-184BCF754013}"/>
+                </a:ext>
+              </a:extLst>
+            </p:cNvPr>
+            <p:cNvSpPr txBox="1"/>
+            <p:nvPr/>
+          </p:nvSpPr>
+          <p:spPr>
+            <a:xfrm>
+              <a:off x="10379326" y="2560615"/>
+              <a:ext cx="1300357" cy="590931"/>
+            </a:xfrm>
+            <a:prstGeom prst="rect">
+              <a:avLst/>
+            </a:prstGeom>
+            <a:noFill/>
+          </p:spPr>
+          <p:txBody>
+            <a:bodyPr wrap="none" rtlCol="0">
+              <a:spAutoFit/>
+            </a:bodyPr>
+            <a:lstStyle/>
+            <a:p>
+              <a:pPr algn="ctr">
+                <a:lnSpc>
+                  <a:spcPct val="90000"/>
+                </a:lnSpc>
+              </a:pPr>
+              <a:r>
+                <a:rPr lang="en-US" dirty="0"/>
+                <a:t>Gregory W</a:t>
               </a:r>
             </a:p>
             <a:p>
@@ -12030,6 +12185,21 @@
 </file>
 
 <file path=customXml/item1.xml><?xml version="1.0" encoding="utf-8"?>
+<p:properties xmlns:p="http://schemas.microsoft.com/office/2006/metadata/properties" xmlns:xsi="http://www.w3.org/2001/XMLSchema-instance" xmlns:pc="http://schemas.microsoft.com/office/infopath/2007/PartnerControls">
+  <documentManagement/>
+</p:properties>
+</file>
+
+<file path=customXml/item2.xml><?xml version="1.0" encoding="utf-8"?>
+<?mso-contentType ?>
+<FormTemplates xmlns="http://schemas.microsoft.com/sharepoint/v3/contenttype/forms">
+  <Display>DocumentLibraryForm</Display>
+  <Edit>DocumentLibraryForm</Edit>
+  <New>DocumentLibraryForm</New>
+</FormTemplates>
+</file>
+
+<file path=customXml/item3.xml><?xml version="1.0" encoding="utf-8"?>
 <ct:contentTypeSchema xmlns:ct="http://schemas.microsoft.com/office/2006/metadata/contentType" xmlns:ma="http://schemas.microsoft.com/office/2006/metadata/properties/metaAttributes" ct:_="" ma:_="" ma:contentTypeName="Document" ma:contentTypeID="0x010100565464437F680748A68B85EB6594EA7D" ma:contentTypeVersion="0" ma:contentTypeDescription="Create a new document." ma:contentTypeScope="" ma:versionID="fe3f4dd58d5914c51cfc6deaa8ad845c">
   <xsd:schema xmlns:xsd="http://www.w3.org/2001/XMLSchema" xmlns:p="http://schemas.microsoft.com/office/2006/metadata/properties" targetNamespace="http://schemas.microsoft.com/office/2006/metadata/properties" ma:root="true" ma:fieldsID="4aeb20c0e3442673af7ee10786458764">
     <xsd:element name="properties">
@@ -12078,32 +12248,17 @@
 </ct:contentTypeSchema>
 </file>
 
-<file path=customXml/item2.xml><?xml version="1.0" encoding="utf-8"?>
-<?mso-contentType ?>
-<FormTemplates xmlns="http://schemas.microsoft.com/sharepoint/v3/contenttype/forms">
-  <Display>DocumentLibraryForm</Display>
-  <Edit>DocumentLibraryForm</Edit>
-  <New>DocumentLibraryForm</New>
-</FormTemplates>
-</file>
-
-<file path=customXml/item3.xml><?xml version="1.0" encoding="utf-8"?>
-<p:properties xmlns:p="http://schemas.microsoft.com/office/2006/metadata/properties" xmlns:xsi="http://www.w3.org/2001/XMLSchema-instance" xmlns:pc="http://schemas.microsoft.com/office/infopath/2007/PartnerControls">
-  <documentManagement/>
-</p:properties>
-</file>
-
 <file path=customXml/itemProps1.xml><?xml version="1.0" encoding="utf-8"?>
-<ds:datastoreItem xmlns:ds="http://schemas.openxmlformats.org/officeDocument/2006/customXml" ds:itemID="{E8DB7DEB-074E-4EE8-9B6E-FD277323109C}">
+<ds:datastoreItem xmlns:ds="http://schemas.openxmlformats.org/officeDocument/2006/customXml" ds:itemID="{A50EC660-24D0-43A0-AE5E-E274115E726B}">
   <ds:schemaRefs>
-    <ds:schemaRef ds:uri="http://schemas.microsoft.com/office/2006/metadata/contentType"/>
-    <ds:schemaRef ds:uri="http://schemas.microsoft.com/office/2006/metadata/properties/metaAttributes"/>
-    <ds:schemaRef ds:uri="http://www.w3.org/2001/XMLSchema"/>
+    <ds:schemaRef ds:uri="http://purl.org/dc/elements/1.1/"/>
     <ds:schemaRef ds:uri="http://schemas.microsoft.com/office/2006/metadata/properties"/>
+    <ds:schemaRef ds:uri="http://purl.org/dc/terms/"/>
     <ds:schemaRef ds:uri="http://schemas.openxmlformats.org/package/2006/metadata/core-properties"/>
-    <ds:schemaRef ds:uri="http://purl.org/dc/elements/1.1/"/>
-    <ds:schemaRef ds:uri="http://purl.org/dc/terms/"/>
-    <ds:schemaRef ds:uri="http://schemas.microsoft.com/office/internal/2005/internalDocumentation"/>
+    <ds:schemaRef ds:uri="http://schemas.microsoft.com/office/2006/documentManagement/types"/>
+    <ds:schemaRef ds:uri="http://www.w3.org/XML/1998/namespace"/>
+    <ds:schemaRef ds:uri="http://purl.org/dc/dcmitype/"/>
+    <ds:schemaRef ds:uri="http://schemas.microsoft.com/office/infopath/2007/PartnerControls"/>
   </ds:schemaRefs>
 </ds:datastoreItem>
 </file>
@@ -12117,16 +12272,16 @@
 </file>
 
 <file path=customXml/itemProps3.xml><?xml version="1.0" encoding="utf-8"?>
-<ds:datastoreItem xmlns:ds="http://schemas.openxmlformats.org/officeDocument/2006/customXml" ds:itemID="{A50EC660-24D0-43A0-AE5E-E274115E726B}">
+<ds:datastoreItem xmlns:ds="http://schemas.openxmlformats.org/officeDocument/2006/customXml" ds:itemID="{E8DB7DEB-074E-4EE8-9B6E-FD277323109C}">
   <ds:schemaRefs>
+    <ds:schemaRef ds:uri="http://schemas.microsoft.com/office/2006/metadata/contentType"/>
+    <ds:schemaRef ds:uri="http://schemas.microsoft.com/office/2006/metadata/properties/metaAttributes"/>
+    <ds:schemaRef ds:uri="http://www.w3.org/2001/XMLSchema"/>
+    <ds:schemaRef ds:uri="http://schemas.microsoft.com/office/2006/metadata/properties"/>
+    <ds:schemaRef ds:uri="http://schemas.openxmlformats.org/package/2006/metadata/core-properties"/>
     <ds:schemaRef ds:uri="http://purl.org/dc/elements/1.1/"/>
-    <ds:schemaRef ds:uri="http://schemas.microsoft.com/office/2006/metadata/properties"/>
     <ds:schemaRef ds:uri="http://purl.org/dc/terms/"/>
-    <ds:schemaRef ds:uri="http://schemas.openxmlformats.org/package/2006/metadata/core-properties"/>
-    <ds:schemaRef ds:uri="http://schemas.microsoft.com/office/2006/documentManagement/types"/>
-    <ds:schemaRef ds:uri="http://www.w3.org/XML/1998/namespace"/>
-    <ds:schemaRef ds:uri="http://purl.org/dc/dcmitype/"/>
-    <ds:schemaRef ds:uri="http://schemas.microsoft.com/office/infopath/2007/PartnerControls"/>
+    <ds:schemaRef ds:uri="http://schemas.microsoft.com/office/internal/2005/internalDocumentation"/>
   </ds:schemaRefs>
 </ds:datastoreItem>
 </file>
--- a/intro.pptx
+++ b/intro.pptx
@@ -5,14 +5,14 @@
     <p:sldMasterId id="2147483935" r:id="rId4"/>
   </p:sldMasterIdLst>
   <p:notesMasterIdLst>
-    <p:notesMasterId r:id="rId16"/>
+    <p:notesMasterId r:id="rId17"/>
   </p:notesMasterIdLst>
   <p:handoutMasterIdLst>
-    <p:handoutMasterId r:id="rId17"/>
+    <p:handoutMasterId r:id="rId18"/>
   </p:handoutMasterIdLst>
   <p:sldIdLst>
     <p:sldId id="617" r:id="rId5"/>
-    <p:sldId id="320" r:id="rId6"/>
+    <p:sldId id="628" r:id="rId6"/>
     <p:sldId id="308" r:id="rId7"/>
     <p:sldId id="327" r:id="rId8"/>
     <p:sldId id="324" r:id="rId9"/>
@@ -22,6 +22,7 @@
     <p:sldId id="622" r:id="rId13"/>
     <p:sldId id="626" r:id="rId14"/>
     <p:sldId id="261" r:id="rId15"/>
+    <p:sldId id="627" r:id="rId16"/>
   </p:sldIdLst>
   <p:sldSz cx="12188825" cy="6858000"/>
   <p:notesSz cx="7010400" cy="9296400"/>
@@ -265,7 +266,7 @@
           <a:p>
             <a:fld id="{0B842F42-2CE9-4E35-95C1-410DC08A50B1}" type="datetimeFigureOut">
               <a:rPr lang="en-US" smtClean="0"/>
-              <a:t>10/19/23</a:t>
+              <a:t>10/26/2023</a:t>
             </a:fld>
             <a:endParaRPr lang="en-US"/>
           </a:p>
@@ -430,7 +431,7 @@
           <a:p>
             <a:fld id="{6F282904-F315-4730-8D91-37D99E141A6F}" type="datetimeFigureOut">
               <a:rPr lang="en-US" smtClean="0"/>
-              <a:t>10/19/23</a:t>
+              <a:t>10/26/2023</a:t>
             </a:fld>
             <a:endParaRPr lang="en-US"/>
           </a:p>
@@ -4091,9 +4092,15 @@
               </a:spcBef>
             </a:pPr>
             <a:r>
-              <a:rPr lang="en-US" dirty="0"/>
-              <a:t>Better Scientific Software</a:t>
-            </a:r>
+              <a:rPr lang="en-US" i="0" dirty="0">
+                <a:solidFill>
+                  <a:srgbClr val="111111"/>
+                </a:solidFill>
+                <a:effectLst/>
+              </a:rPr>
+              <a:t>Better Software for Reproducible Science</a:t>
+            </a:r>
+            <a:endParaRPr lang="en-US" dirty="0"/>
           </a:p>
         </p:txBody>
       </p:sp>
@@ -4137,7 +4144,7 @@
                 <a:effectLst/>
                 <a:latin typeface="-apple-system"/>
               </a:rPr>
-              <a:t>Improving Scientific Software conference (2023)</a:t>
+              <a:t>The International Conference for High-Performance Computing, Networking, Storage, and Analysis (SC23) conference</a:t>
             </a:r>
             <a:endParaRPr lang="en-US" dirty="0"/>
           </a:p>
@@ -4358,6 +4365,67 @@
               <a:rPr lang="en-US" dirty="0"/>
               <a:t> page for all tutorial materials</a:t>
             </a:r>
+          </a:p>
+        </p:txBody>
+      </p:sp>
+      <p:sp>
+        <p:nvSpPr>
+          <p:cNvPr id="6" name="TextBox 5">
+            <a:extLst>
+              <a:ext uri="{FF2B5EF4-FFF2-40B4-BE49-F238E27FC236}">
+                <a16:creationId xmlns:a16="http://schemas.microsoft.com/office/drawing/2014/main" id="{FD775666-00EA-4946-A36B-827208F32092}"/>
+              </a:ext>
+            </a:extLst>
+          </p:cNvPr>
+          <p:cNvSpPr txBox="1"/>
+          <p:nvPr/>
+        </p:nvSpPr>
+        <p:spPr>
+          <a:xfrm>
+            <a:off x="3361713" y="4043678"/>
+            <a:ext cx="5465397" cy="1846659"/>
+          </a:xfrm>
+          <a:prstGeom prst="rect">
+            <a:avLst/>
+          </a:prstGeom>
+          <a:solidFill>
+            <a:srgbClr val="FFFF00"/>
+          </a:solidFill>
+          <a:ln>
+            <a:solidFill>
+              <a:schemeClr val="tx1"/>
+            </a:solidFill>
+          </a:ln>
+        </p:spPr>
+        <p:txBody>
+          <a:bodyPr wrap="square" lIns="118872" tIns="91440" rIns="118872" bIns="91440" rtlCol="0" anchor="ctr" anchorCtr="0">
+            <a:spAutoFit/>
+          </a:bodyPr>
+          <a:lstStyle/>
+          <a:p>
+            <a:pPr algn="ctr">
+              <a:lnSpc>
+                <a:spcPct val="90000"/>
+              </a:lnSpc>
+            </a:pPr>
+            <a:r>
+              <a:rPr lang="en-US" sz="2400" dirty="0"/>
+              <a:t>You may also be interested in these other software-related events at SC23: </a:t>
+            </a:r>
+            <a:r>
+              <a:rPr lang="en-US" sz="2400" dirty="0">
+                <a:hlinkClick r:id="rId4"/>
+              </a:rPr>
+              <a:t>https://bssw.io/events/sc23-software-related-events</a:t>
+            </a:r>
+            <a:br>
+              <a:rPr lang="en-US" sz="2400" dirty="0"/>
+            </a:br>
+            <a:r>
+              <a:rPr lang="en-US" dirty="0"/>
+              <a:t>(link is also on tutorial web page)</a:t>
+            </a:r>
+            <a:endParaRPr lang="en-US" sz="2400" dirty="0"/>
           </a:p>
         </p:txBody>
       </p:sp>
@@ -4419,7 +4487,7 @@
           <a:p>
             <a:r>
               <a:rPr lang="en-US" dirty="0"/>
-              <a:t>Agenda </a:t>
+              <a:t>Agenda (1/2) </a:t>
             </a:r>
           </a:p>
         </p:txBody>
@@ -4440,14 +4508,14 @@
             <p:ph idx="1"/>
             <p:extLst>
               <p:ext uri="{D42A27DB-BD31-4B8C-83A1-F6EECF244321}">
-                <p14:modId xmlns:p14="http://schemas.microsoft.com/office/powerpoint/2010/main" val="2838353602"/>
+                <p14:modId xmlns:p14="http://schemas.microsoft.com/office/powerpoint/2010/main" val="2927661847"/>
               </p:ext>
             </p:extLst>
           </p:nvPr>
         </p:nvGraphicFramePr>
         <p:xfrm>
           <a:off x="408175" y="923337"/>
-          <a:ext cx="11372473" cy="5888943"/>
+          <a:ext cx="11372473" cy="4669743"/>
         </p:xfrm>
         <a:graphic>
           <a:graphicData uri="http://schemas.openxmlformats.org/drawingml/2006/table">
@@ -4463,14 +4531,14 @@
                     </a:ext>
                   </a:extLst>
                 </a:gridCol>
-                <a:gridCol w="6998597">
+                <a:gridCol w="6872360">
                   <a:extLst>
                     <a:ext uri="{9D8B030D-6E8A-4147-A177-3AD203B41FA5}">
                       <a16:colId xmlns:a16="http://schemas.microsoft.com/office/drawing/2014/main" val="1261297711"/>
                     </a:ext>
                   </a:extLst>
                 </a:gridCol>
-                <a:gridCol w="2746631">
+                <a:gridCol w="2872868">
                   <a:extLst>
                     <a:ext uri="{9D8B030D-6E8A-4147-A177-3AD203B41FA5}">
                       <a16:colId xmlns:a16="http://schemas.microsoft.com/office/drawing/2014/main" val="3622604584"/>
@@ -4489,7 +4557,7 @@
                         <a:rPr lang="en-US" sz="1600" dirty="0">
                           <a:effectLst/>
                         </a:rPr>
-                        <a:t>Time (MDT)</a:t>
+                        <a:t>Time (MST)</a:t>
                       </a:r>
                     </a:p>
                   </a:txBody>
@@ -4531,7 +4599,7 @@
                   </a:ext>
                 </a:extLst>
               </a:tr>
-              <a:tr h="262476">
+              <a:tr h="254856">
                 <a:tc>
                   <a:txBody>
                     <a:bodyPr/>
@@ -4539,10 +4607,10 @@
                     <a:p>
                       <a:pPr algn="r"/>
                       <a:r>
-                        <a:rPr lang="en-US" sz="1600" dirty="0">
+                        <a:rPr lang="en-US" dirty="0">
                           <a:effectLst/>
                         </a:rPr>
-                        <a:t>9:00 AM</a:t>
+                        <a:t>8:30 AM</a:t>
                       </a:r>
                     </a:p>
                   </a:txBody>
@@ -4554,7 +4622,7 @@
                     <a:lstStyle/>
                     <a:p>
                       <a:r>
-                        <a:rPr lang="en-US" sz="1600">
+                        <a:rPr lang="en-US">
                           <a:effectLst/>
                         </a:rPr>
                         <a:t>Introduction</a:t>
@@ -4569,63 +4637,10 @@
                     <a:lstStyle/>
                     <a:p>
                       <a:r>
-                        <a:rPr lang="en-US" sz="1600" dirty="0">
+                        <a:rPr lang="en-US" dirty="0">
                           <a:effectLst/>
                         </a:rPr>
-                        <a:t>David E. Bernholdt (ORNL)</a:t>
-                      </a:r>
-                    </a:p>
-                  </a:txBody>
-                  <a:tcPr marL="142875" marR="142875" marT="95250" marB="95250" anchor="ctr"/>
-                </a:tc>
-                <a:extLst>
-                  <a:ext uri="{0D108BD9-81ED-4DB2-BD59-A6C34878D82A}">
-                    <a16:rowId xmlns:a16="http://schemas.microsoft.com/office/drawing/2014/main" val="3771408676"/>
-                  </a:ext>
-                </a:extLst>
-              </a:tr>
-              <a:tr h="254856">
-                <a:tc>
-                  <a:txBody>
-                    <a:bodyPr/>
-                    <a:lstStyle/>
-                    <a:p>
-                      <a:pPr algn="r"/>
-                      <a:r>
-                        <a:rPr lang="en-US" sz="1600">
-                          <a:effectLst/>
-                        </a:rPr>
-                        <a:t>9:10 AM</a:t>
-                      </a:r>
-                    </a:p>
-                  </a:txBody>
-                  <a:tcPr marL="142875" marR="142875" marT="95250" marB="95250" anchor="ctr"/>
-                </a:tc>
-                <a:tc>
-                  <a:txBody>
-                    <a:bodyPr/>
-                    <a:lstStyle/>
-                    <a:p>
-                      <a:r>
-                        <a:rPr lang="en-US" sz="1600" dirty="0">
-                          <a:effectLst/>
-                        </a:rPr>
-                        <a:t>Motivation and Overview of Best Practices in HPC Software Development</a:t>
-                      </a:r>
-                    </a:p>
-                  </a:txBody>
-                  <a:tcPr marL="142875" marR="142875" marT="95250" marB="95250" anchor="ctr"/>
-                </a:tc>
-                <a:tc>
-                  <a:txBody>
-                    <a:bodyPr/>
-                    <a:lstStyle/>
-                    <a:p>
-                      <a:r>
-                        <a:rPr lang="en-US" sz="1600">
-                          <a:effectLst/>
-                        </a:rPr>
-                        <a:t>David E. Bernholdt (ORNL)</a:t>
+                        <a:t>Patricia A. Grubel (LANL)</a:t>
                       </a:r>
                     </a:p>
                   </a:txBody>
@@ -4645,10 +4660,10 @@
                     <a:p>
                       <a:pPr algn="r"/>
                       <a:r>
-                        <a:rPr lang="en-US" sz="1600">
+                        <a:rPr lang="en-US">
                           <a:effectLst/>
                         </a:rPr>
-                        <a:t>9:35 AM</a:t>
+                        <a:t>8:40 AM</a:t>
                       </a:r>
                     </a:p>
                   </a:txBody>
@@ -4660,10 +4675,10 @@
                     <a:lstStyle/>
                     <a:p>
                       <a:r>
-                        <a:rPr lang="en-US" sz="1600">
+                        <a:rPr lang="en-US">
                           <a:effectLst/>
                         </a:rPr>
-                        <a:t>Scientific Software Design</a:t>
+                        <a:t>Motivation and Overview of Best Practices in HPC Software Development</a:t>
                       </a:r>
                     </a:p>
                   </a:txBody>
@@ -4675,10 +4690,10 @@
                     <a:lstStyle/>
                     <a:p>
                       <a:r>
-                        <a:rPr lang="en-US" sz="1600">
+                        <a:rPr lang="en-US">
                           <a:effectLst/>
                         </a:rPr>
-                        <a:t>David E. Bernholdt (ORNL)</a:t>
+                        <a:t>Patricia A. Grubel (LANL)</a:t>
                       </a:r>
                     </a:p>
                   </a:txBody>
@@ -4698,10 +4713,10 @@
                     <a:p>
                       <a:pPr algn="r"/>
                       <a:r>
-                        <a:rPr lang="en-US" sz="1600">
+                        <a:rPr lang="en-US">
                           <a:effectLst/>
                         </a:rPr>
-                        <a:t>10:00 AM</a:t>
+                        <a:t>9:05 AM</a:t>
                       </a:r>
                     </a:p>
                   </a:txBody>
@@ -4713,10 +4728,10 @@
                     <a:lstStyle/>
                     <a:p>
                       <a:r>
-                        <a:rPr lang="en-US" sz="1600">
+                        <a:rPr lang="en-US">
                           <a:effectLst/>
                         </a:rPr>
-                        <a:t>Refactoring Scientific Software</a:t>
+                        <a:t>Scientific Software Design</a:t>
                       </a:r>
                     </a:p>
                   </a:txBody>
@@ -4728,10 +4743,10 @@
                     <a:lstStyle/>
                     <a:p>
                       <a:r>
-                        <a:rPr lang="en-US" sz="1600">
+                        <a:rPr lang="en-US">
                           <a:effectLst/>
                         </a:rPr>
-                        <a:t>David E. Bernholdt (ORNL)</a:t>
+                        <a:t>David M. Rogers (ORNL)</a:t>
                       </a:r>
                     </a:p>
                   </a:txBody>
@@ -4751,10 +4766,10 @@
                     <a:p>
                       <a:pPr algn="r"/>
                       <a:r>
-                        <a:rPr lang="en-US" sz="1600">
+                        <a:rPr lang="en-US">
                           <a:effectLst/>
                         </a:rPr>
-                        <a:t>10:30 AM</a:t>
+                        <a:t>9:30 AM</a:t>
                       </a:r>
                     </a:p>
                   </a:txBody>
@@ -4766,14 +4781,11 @@
                     <a:lstStyle/>
                     <a:p>
                       <a:r>
-                        <a:rPr lang="en-US" sz="1600" i="1">
+                        <a:rPr lang="en-US">
                           <a:effectLst/>
                         </a:rPr>
-                        <a:t>Break</a:t>
+                        <a:t>Refactoring Scientific Software</a:t>
                       </a:r>
-                      <a:endParaRPr lang="en-US" sz="1600">
-                        <a:effectLst/>
-                      </a:endParaRPr>
                     </a:p>
                   </a:txBody>
                   <a:tcPr marL="142875" marR="142875" marT="95250" marB="95250" anchor="ctr"/>
@@ -4783,9 +4795,12 @@
                     <a:bodyPr/>
                     <a:lstStyle/>
                     <a:p>
-                      <a:endParaRPr lang="en-US" sz="1600">
-                        <a:effectLst/>
-                      </a:endParaRPr>
+                      <a:r>
+                        <a:rPr lang="en-US">
+                          <a:effectLst/>
+                        </a:rPr>
+                        <a:t>David M. Rogers (ORNL)</a:t>
+                      </a:r>
                     </a:p>
                   </a:txBody>
                   <a:tcPr marL="142875" marR="142875" marT="95250" marB="95250" anchor="ctr"/>
@@ -4804,10 +4819,10 @@
                     <a:p>
                       <a:pPr algn="r"/>
                       <a:r>
-                        <a:rPr lang="en-US" sz="1600">
+                        <a:rPr lang="en-US">
                           <a:effectLst/>
                         </a:rPr>
-                        <a:t>11:00 AM</a:t>
+                        <a:t>10:00 AM</a:t>
                       </a:r>
                     </a:p>
                   </a:txBody>
@@ -4819,11 +4834,14 @@
                     <a:lstStyle/>
                     <a:p>
                       <a:r>
-                        <a:rPr lang="en-US" sz="1600">
+                        <a:rPr lang="en-US" i="1">
                           <a:effectLst/>
                         </a:rPr>
-                        <a:t>Collaborative Software Development</a:t>
+                        <a:t>Morning break</a:t>
                       </a:r>
+                      <a:endParaRPr lang="en-US">
+                        <a:effectLst/>
+                      </a:endParaRPr>
                     </a:p>
                   </a:txBody>
                   <a:tcPr marL="142875" marR="142875" marT="95250" marB="95250" anchor="ctr"/>
@@ -4833,12 +4851,9 @@
                     <a:bodyPr/>
                     <a:lstStyle/>
                     <a:p>
-                      <a:r>
-                        <a:rPr lang="en-US" sz="1600">
-                          <a:effectLst/>
-                        </a:rPr>
-                        <a:t>Patricia A. Grubel (LANL)</a:t>
-                      </a:r>
+                      <a:endParaRPr lang="en-US">
+                        <a:effectLst/>
+                      </a:endParaRPr>
                     </a:p>
                   </a:txBody>
                   <a:tcPr marL="142875" marR="142875" marT="95250" marB="95250" anchor="ctr"/>
@@ -4857,10 +4872,10 @@
                     <a:p>
                       <a:pPr algn="r"/>
                       <a:r>
-                        <a:rPr lang="en-US" sz="1600">
+                        <a:rPr lang="en-US">
                           <a:effectLst/>
                         </a:rPr>
-                        <a:t>11:40 AM</a:t>
+                        <a:t>10:30 AM</a:t>
                       </a:r>
                     </a:p>
                   </a:txBody>
@@ -4872,10 +4887,10 @@
                     <a:lstStyle/>
                     <a:p>
                       <a:r>
-                        <a:rPr lang="en-US" sz="1600">
+                        <a:rPr lang="en-US">
                           <a:effectLst/>
                         </a:rPr>
-                        <a:t>Software Packaging - Condensed Version</a:t>
+                        <a:t>Software Packaging</a:t>
                       </a:r>
                     </a:p>
                   </a:txBody>
@@ -4887,7 +4902,7 @@
                     <a:lstStyle/>
                     <a:p>
                       <a:r>
-                        <a:rPr lang="en-US" sz="1600">
+                        <a:rPr lang="en-US">
                           <a:effectLst/>
                         </a:rPr>
                         <a:t>David M. Rogers (ORNL)</a:t>
@@ -4910,10 +4925,10 @@
                     <a:p>
                       <a:pPr algn="r"/>
                       <a:r>
-                        <a:rPr lang="en-US" sz="1600">
+                        <a:rPr lang="en-US">
                           <a:effectLst/>
                         </a:rPr>
-                        <a:t>12:00 PM</a:t>
+                        <a:t>11:00 AM</a:t>
                       </a:r>
                     </a:p>
                   </a:txBody>
@@ -4925,14 +4940,11 @@
                     <a:lstStyle/>
                     <a:p>
                       <a:r>
-                        <a:rPr lang="en-US" sz="1600" i="1">
+                        <a:rPr lang="en-US">
                           <a:effectLst/>
                         </a:rPr>
-                        <a:t>Lunch break</a:t>
+                        <a:t>Collaborative Software Development</a:t>
                       </a:r>
-                      <a:endParaRPr lang="en-US" sz="1600">
-                        <a:effectLst/>
-                      </a:endParaRPr>
                     </a:p>
                   </a:txBody>
                   <a:tcPr marL="142875" marR="142875" marT="95250" marB="95250" anchor="ctr"/>
@@ -4942,9 +4954,12 @@
                     <a:bodyPr/>
                     <a:lstStyle/>
                     <a:p>
-                      <a:endParaRPr lang="en-US" sz="1600">
-                        <a:effectLst/>
-                      </a:endParaRPr>
+                      <a:r>
+                        <a:rPr lang="en-US">
+                          <a:effectLst/>
+                        </a:rPr>
+                        <a:t>Patricia A. Grubel (LANL)</a:t>
+                      </a:r>
                     </a:p>
                   </a:txBody>
                   <a:tcPr marL="142875" marR="142875" marT="95250" marB="95250" anchor="ctr"/>
@@ -4963,10 +4978,10 @@
                     <a:p>
                       <a:pPr algn="r"/>
                       <a:r>
-                        <a:rPr lang="en-US" sz="1600">
+                        <a:rPr lang="en-US">
                           <a:effectLst/>
                         </a:rPr>
-                        <a:t>1:00 PM</a:t>
+                        <a:t>12:00 PM</a:t>
                       </a:r>
                     </a:p>
                   </a:txBody>
@@ -4978,171 +4993,12 @@
                     <a:lstStyle/>
                     <a:p>
                       <a:r>
-                        <a:rPr lang="en-US" sz="1600">
+                        <a:rPr lang="en-US" i="1">
                           <a:effectLst/>
                         </a:rPr>
-                        <a:t>Testing Strategies - Condensed Version</a:t>
+                        <a:t>Lunch break</a:t>
                       </a:r>
-                    </a:p>
-                  </a:txBody>
-                  <a:tcPr marL="142875" marR="142875" marT="95250" marB="95250" anchor="ctr"/>
-                </a:tc>
-                <a:tc>
-                  <a:txBody>
-                    <a:bodyPr/>
-                    <a:lstStyle/>
-                    <a:p>
-                      <a:r>
-                        <a:rPr lang="en-US" sz="1600">
-                          <a:effectLst/>
-                        </a:rPr>
-                        <a:t>David M. Rogers (ORNL)</a:t>
-                      </a:r>
-                    </a:p>
-                  </a:txBody>
-                  <a:tcPr marL="142875" marR="142875" marT="95250" marB="95250" anchor="ctr"/>
-                </a:tc>
-                <a:extLst>
-                  <a:ext uri="{0D108BD9-81ED-4DB2-BD59-A6C34878D82A}">
-                    <a16:rowId xmlns:a16="http://schemas.microsoft.com/office/drawing/2014/main" val="1954771440"/>
-                  </a:ext>
-                </a:extLst>
-              </a:tr>
-              <a:tr h="0">
-                <a:tc>
-                  <a:txBody>
-                    <a:bodyPr/>
-                    <a:lstStyle/>
-                    <a:p>
-                      <a:pPr algn="r"/>
-                      <a:r>
-                        <a:rPr lang="en-US" sz="1600">
-                          <a:effectLst/>
-                        </a:rPr>
-                        <a:t>1:30 PM</a:t>
-                      </a:r>
-                    </a:p>
-                  </a:txBody>
-                  <a:tcPr marL="142875" marR="142875" marT="95250" marB="95250" anchor="ctr"/>
-                </a:tc>
-                <a:tc>
-                  <a:txBody>
-                    <a:bodyPr/>
-                    <a:lstStyle/>
-                    <a:p>
-                      <a:r>
-                        <a:rPr lang="en-US" sz="1600">
-                          <a:effectLst/>
-                        </a:rPr>
-                        <a:t>Improving Reproducibility Through Better Software Practices</a:t>
-                      </a:r>
-                    </a:p>
-                  </a:txBody>
-                  <a:tcPr marL="142875" marR="142875" marT="95250" marB="95250" anchor="ctr"/>
-                </a:tc>
-                <a:tc>
-                  <a:txBody>
-                    <a:bodyPr/>
-                    <a:lstStyle/>
-                    <a:p>
-                      <a:r>
-                        <a:rPr lang="en-US" sz="1600">
-                          <a:effectLst/>
-                        </a:rPr>
-                        <a:t>Patricia A. Grubel (LANL)</a:t>
-                      </a:r>
-                    </a:p>
-                  </a:txBody>
-                  <a:tcPr marL="142875" marR="142875" marT="95250" marB="95250" anchor="ctr"/>
-                </a:tc>
-                <a:extLst>
-                  <a:ext uri="{0D108BD9-81ED-4DB2-BD59-A6C34878D82A}">
-                    <a16:rowId xmlns:a16="http://schemas.microsoft.com/office/drawing/2014/main" val="746396693"/>
-                  </a:ext>
-                </a:extLst>
-              </a:tr>
-              <a:tr h="0">
-                <a:tc>
-                  <a:txBody>
-                    <a:bodyPr/>
-                    <a:lstStyle/>
-                    <a:p>
-                      <a:pPr algn="r"/>
-                      <a:r>
-                        <a:rPr lang="en-US" sz="1600">
-                          <a:effectLst/>
-                        </a:rPr>
-                        <a:t>2:15 PM</a:t>
-                      </a:r>
-                    </a:p>
-                  </a:txBody>
-                  <a:tcPr marL="142875" marR="142875" marT="95250" marB="95250" anchor="ctr"/>
-                </a:tc>
-                <a:tc>
-                  <a:txBody>
-                    <a:bodyPr/>
-                    <a:lstStyle/>
-                    <a:p>
-                      <a:r>
-                        <a:rPr lang="en-US" sz="1600">
-                          <a:effectLst/>
-                        </a:rPr>
-                        <a:t>Summary</a:t>
-                      </a:r>
-                    </a:p>
-                  </a:txBody>
-                  <a:tcPr marL="142875" marR="142875" marT="95250" marB="95250" anchor="ctr"/>
-                </a:tc>
-                <a:tc>
-                  <a:txBody>
-                    <a:bodyPr/>
-                    <a:lstStyle/>
-                    <a:p>
-                      <a:r>
-                        <a:rPr lang="en-US" sz="1600">
-                          <a:effectLst/>
-                        </a:rPr>
-                        <a:t>Patricia A. Grubel (LANL)</a:t>
-                      </a:r>
-                    </a:p>
-                  </a:txBody>
-                  <a:tcPr marL="142875" marR="142875" marT="95250" marB="95250" anchor="ctr"/>
-                </a:tc>
-                <a:extLst>
-                  <a:ext uri="{0D108BD9-81ED-4DB2-BD59-A6C34878D82A}">
-                    <a16:rowId xmlns:a16="http://schemas.microsoft.com/office/drawing/2014/main" val="1592907298"/>
-                  </a:ext>
-                </a:extLst>
-              </a:tr>
-              <a:tr h="412004">
-                <a:tc>
-                  <a:txBody>
-                    <a:bodyPr/>
-                    <a:lstStyle/>
-                    <a:p>
-                      <a:pPr algn="r"/>
-                      <a:r>
-                        <a:rPr lang="en-US" sz="1600">
-                          <a:effectLst/>
-                        </a:rPr>
-                        <a:t>2:30 PM</a:t>
-                      </a:r>
-                    </a:p>
-                  </a:txBody>
-                  <a:tcPr marL="142875" marR="142875" marT="95250" marB="95250" anchor="ctr"/>
-                </a:tc>
-                <a:tc>
-                  <a:txBody>
-                    <a:bodyPr/>
-                    <a:lstStyle/>
-                    <a:p>
-                      <a:r>
-                        <a:rPr lang="en-US" sz="1600" i="1">
-                          <a:effectLst/>
-                        </a:rPr>
-                        <a:t>Adjourn</a:t>
-                      </a:r>
-                      <a:endParaRPr lang="en-US" sz="1600">
+                      <a:endParaRPr lang="en-US">
                         <a:effectLst/>
                       </a:endParaRPr>
                     </a:p>
@@ -5154,14 +5010,14 @@
                     <a:bodyPr/>
                     <a:lstStyle/>
                     <a:p>
-                      <a:endParaRPr lang="en-US" sz="1600" dirty="0"/>
+                      <a:endParaRPr lang="en-US" dirty="0"/>
                     </a:p>
                   </a:txBody>
                   <a:tcPr/>
                 </a:tc>
                 <a:extLst>
                   <a:ext uri="{0D108BD9-81ED-4DB2-BD59-A6C34878D82A}">
-                    <a16:rowId xmlns:a16="http://schemas.microsoft.com/office/drawing/2014/main" val="110245607"/>
+                    <a16:rowId xmlns:a16="http://schemas.microsoft.com/office/drawing/2014/main" val="1954771440"/>
                   </a:ext>
                 </a:extLst>
               </a:tr>
@@ -5223,6 +5079,704 @@
     <p:extLst>
       <p:ext uri="{BB962C8B-B14F-4D97-AF65-F5344CB8AC3E}">
         <p14:creationId xmlns:p14="http://schemas.microsoft.com/office/powerpoint/2010/main" val="2448329568"/>
+      </p:ext>
+    </p:extLst>
+  </p:cSld>
+  <p:clrMapOvr>
+    <a:masterClrMapping/>
+  </p:clrMapOvr>
+</p:sld>
+</file>
+
+<file path=ppt/slides/slide12.xml><?xml version="1.0" encoding="utf-8"?>
+<p:sld xmlns:a="http://schemas.openxmlformats.org/drawingml/2006/main" xmlns:r="http://schemas.openxmlformats.org/officeDocument/2006/relationships" xmlns:p="http://schemas.openxmlformats.org/presentationml/2006/main">
+  <p:cSld>
+    <p:spTree>
+      <p:nvGrpSpPr>
+        <p:cNvPr id="1" name=""/>
+        <p:cNvGrpSpPr/>
+        <p:nvPr/>
+      </p:nvGrpSpPr>
+      <p:grpSpPr>
+        <a:xfrm>
+          <a:off x="0" y="0"/>
+          <a:ext cx="0" cy="0"/>
+          <a:chOff x="0" y="0"/>
+          <a:chExt cx="0" cy="0"/>
+        </a:xfrm>
+      </p:grpSpPr>
+      <p:sp>
+        <p:nvSpPr>
+          <p:cNvPr id="2" name="Title 1">
+            <a:extLst>
+              <a:ext uri="{FF2B5EF4-FFF2-40B4-BE49-F238E27FC236}">
+                <a16:creationId xmlns:a16="http://schemas.microsoft.com/office/drawing/2014/main" id="{1D6756EE-C2D9-4E52-B0B6-3C831FD6A565}"/>
+              </a:ext>
+            </a:extLst>
+          </p:cNvPr>
+          <p:cNvSpPr>
+            <a:spLocks noGrp="1"/>
+          </p:cNvSpPr>
+          <p:nvPr>
+            <p:ph type="title"/>
+          </p:nvPr>
+        </p:nvSpPr>
+        <p:spPr>
+          <a:xfrm>
+            <a:off x="408175" y="160020"/>
+            <a:ext cx="11372473" cy="914400"/>
+          </a:xfrm>
+        </p:spPr>
+        <p:txBody>
+          <a:bodyPr/>
+          <a:lstStyle/>
+          <a:p>
+            <a:r>
+              <a:rPr lang="en-US" dirty="0"/>
+              <a:t>Agenda (2/2) </a:t>
+            </a:r>
+          </a:p>
+        </p:txBody>
+      </p:sp>
+      <p:graphicFrame>
+        <p:nvGraphicFramePr>
+          <p:cNvPr id="6" name="Table 6">
+            <a:extLst>
+              <a:ext uri="{FF2B5EF4-FFF2-40B4-BE49-F238E27FC236}">
+                <a16:creationId xmlns:a16="http://schemas.microsoft.com/office/drawing/2014/main" id="{99D13FB2-5BF8-4AC0-A13D-ECB8E230F5BC}"/>
+              </a:ext>
+            </a:extLst>
+          </p:cNvPr>
+          <p:cNvGraphicFramePr>
+            <a:graphicFrameLocks noGrp="1"/>
+          </p:cNvGraphicFramePr>
+          <p:nvPr>
+            <p:ph idx="1"/>
+            <p:extLst>
+              <p:ext uri="{D42A27DB-BD31-4B8C-83A1-F6EECF244321}">
+                <p14:modId xmlns:p14="http://schemas.microsoft.com/office/powerpoint/2010/main" val="3195034602"/>
+              </p:ext>
+            </p:extLst>
+          </p:nvPr>
+        </p:nvGraphicFramePr>
+        <p:xfrm>
+          <a:off x="408175" y="923337"/>
+          <a:ext cx="11372473" cy="5134563"/>
+        </p:xfrm>
+        <a:graphic>
+          <a:graphicData uri="http://schemas.openxmlformats.org/drawingml/2006/table">
+            <a:tbl>
+              <a:tblPr firstRow="1" bandRow="1">
+                <a:tableStyleId>{5C22544A-7EE6-4342-B048-85BDC9FD1C3A}</a:tableStyleId>
+              </a:tblPr>
+              <a:tblGrid>
+                <a:gridCol w="1627245">
+                  <a:extLst>
+                    <a:ext uri="{9D8B030D-6E8A-4147-A177-3AD203B41FA5}">
+                      <a16:colId xmlns:a16="http://schemas.microsoft.com/office/drawing/2014/main" val="41390910"/>
+                    </a:ext>
+                  </a:extLst>
+                </a:gridCol>
+                <a:gridCol w="6567560">
+                  <a:extLst>
+                    <a:ext uri="{9D8B030D-6E8A-4147-A177-3AD203B41FA5}">
+                      <a16:colId xmlns:a16="http://schemas.microsoft.com/office/drawing/2014/main" val="1261297711"/>
+                    </a:ext>
+                  </a:extLst>
+                </a:gridCol>
+                <a:gridCol w="3177668">
+                  <a:extLst>
+                    <a:ext uri="{9D8B030D-6E8A-4147-A177-3AD203B41FA5}">
+                      <a16:colId xmlns:a16="http://schemas.microsoft.com/office/drawing/2014/main" val="3622604584"/>
+                    </a:ext>
+                  </a:extLst>
+                </a:gridCol>
+              </a:tblGrid>
+              <a:tr h="676863">
+                <a:tc>
+                  <a:txBody>
+                    <a:bodyPr/>
+                    <a:lstStyle/>
+                    <a:p>
+                      <a:pPr algn="r"/>
+                      <a:r>
+                        <a:rPr lang="en-US" sz="1600" dirty="0">
+                          <a:effectLst/>
+                        </a:rPr>
+                        <a:t>Time (MST)</a:t>
+                      </a:r>
+                    </a:p>
+                  </a:txBody>
+                  <a:tcPr marL="114300" marR="114300" marT="76200" marB="76200" anchor="ctr"/>
+                </a:tc>
+                <a:tc>
+                  <a:txBody>
+                    <a:bodyPr/>
+                    <a:lstStyle/>
+                    <a:p>
+                      <a:r>
+                        <a:rPr lang="en-US" sz="1600" dirty="0">
+                          <a:effectLst/>
+                        </a:rPr>
+                        <a:t>Title</a:t>
+                      </a:r>
+                    </a:p>
+                  </a:txBody>
+                  <a:tcPr marL="114300" marR="114300" marT="76200" marB="76200" anchor="ctr"/>
+                </a:tc>
+                <a:tc>
+                  <a:txBody>
+                    <a:bodyPr/>
+                    <a:lstStyle/>
+                    <a:p>
+                      <a:r>
+                        <a:rPr lang="en-US" sz="1600" dirty="0">
+                          <a:effectLst/>
+                        </a:rPr>
+                        <a:t>Presenter</a:t>
+                      </a:r>
+                    </a:p>
+                  </a:txBody>
+                  <a:tcPr marL="114300" marR="114300" marT="76200" marB="76200" anchor="ctr"/>
+                </a:tc>
+                <a:extLst>
+                  <a:ext uri="{0D108BD9-81ED-4DB2-BD59-A6C34878D82A}">
+                    <a16:rowId xmlns:a16="http://schemas.microsoft.com/office/drawing/2014/main" val="2098024418"/>
+                  </a:ext>
+                </a:extLst>
+              </a:tr>
+              <a:tr h="254856">
+                <a:tc>
+                  <a:txBody>
+                    <a:bodyPr/>
+                    <a:lstStyle/>
+                    <a:p>
+                      <a:pPr algn="r"/>
+                      <a:r>
+                        <a:rPr lang="en-US">
+                          <a:effectLst/>
+                        </a:rPr>
+                        <a:t>12:00 PM</a:t>
+                      </a:r>
+                    </a:p>
+                  </a:txBody>
+                  <a:tcPr marL="142875" marR="142875" marT="95250" marB="95250" anchor="ctr"/>
+                </a:tc>
+                <a:tc>
+                  <a:txBody>
+                    <a:bodyPr/>
+                    <a:lstStyle/>
+                    <a:p>
+                      <a:r>
+                        <a:rPr lang="en-US" i="1">
+                          <a:effectLst/>
+                        </a:rPr>
+                        <a:t>Lunch break</a:t>
+                      </a:r>
+                      <a:endParaRPr lang="en-US">
+                        <a:effectLst/>
+                      </a:endParaRPr>
+                    </a:p>
+                  </a:txBody>
+                  <a:tcPr marL="142875" marR="142875" marT="95250" marB="95250" anchor="ctr"/>
+                </a:tc>
+                <a:tc>
+                  <a:txBody>
+                    <a:bodyPr/>
+                    <a:lstStyle/>
+                    <a:p>
+                      <a:endParaRPr lang="en-US">
+                        <a:effectLst/>
+                      </a:endParaRPr>
+                    </a:p>
+                  </a:txBody>
+                  <a:tcPr marL="142875" marR="142875" marT="95250" marB="95250" anchor="ctr"/>
+                </a:tc>
+                <a:extLst>
+                  <a:ext uri="{0D108BD9-81ED-4DB2-BD59-A6C34878D82A}">
+                    <a16:rowId xmlns:a16="http://schemas.microsoft.com/office/drawing/2014/main" val="2447348272"/>
+                  </a:ext>
+                </a:extLst>
+              </a:tr>
+              <a:tr h="300576">
+                <a:tc>
+                  <a:txBody>
+                    <a:bodyPr/>
+                    <a:lstStyle/>
+                    <a:p>
+                      <a:pPr algn="r"/>
+                      <a:r>
+                        <a:rPr lang="en-US">
+                          <a:effectLst/>
+                        </a:rPr>
+                        <a:t>1:00 PM</a:t>
+                      </a:r>
+                    </a:p>
+                  </a:txBody>
+                  <a:tcPr marL="142875" marR="142875" marT="95250" marB="95250" anchor="ctr"/>
+                </a:tc>
+                <a:tc>
+                  <a:txBody>
+                    <a:bodyPr/>
+                    <a:lstStyle/>
+                    <a:p>
+                      <a:r>
+                        <a:rPr lang="en-US">
+                          <a:effectLst/>
+                        </a:rPr>
+                        <a:t>Improving Reproducibility Through Better Software Practices</a:t>
+                      </a:r>
+                    </a:p>
+                  </a:txBody>
+                  <a:tcPr marL="142875" marR="142875" marT="95250" marB="95250" anchor="ctr"/>
+                </a:tc>
+                <a:tc>
+                  <a:txBody>
+                    <a:bodyPr/>
+                    <a:lstStyle/>
+                    <a:p>
+                      <a:r>
+                        <a:rPr lang="en-US">
+                          <a:effectLst/>
+                        </a:rPr>
+                        <a:t>Gregory R. Watson (ORNL)</a:t>
+                      </a:r>
+                    </a:p>
+                  </a:txBody>
+                  <a:tcPr marL="142875" marR="142875" marT="95250" marB="95250" anchor="ctr"/>
+                </a:tc>
+                <a:extLst>
+                  <a:ext uri="{0D108BD9-81ED-4DB2-BD59-A6C34878D82A}">
+                    <a16:rowId xmlns:a16="http://schemas.microsoft.com/office/drawing/2014/main" val="3498345095"/>
+                  </a:ext>
+                </a:extLst>
+              </a:tr>
+              <a:tr h="0">
+                <a:tc>
+                  <a:txBody>
+                    <a:bodyPr/>
+                    <a:lstStyle/>
+                    <a:p>
+                      <a:pPr algn="r"/>
+                      <a:r>
+                        <a:rPr lang="en-US">
+                          <a:effectLst/>
+                        </a:rPr>
+                        <a:t>2:15 PM</a:t>
+                      </a:r>
+                    </a:p>
+                  </a:txBody>
+                  <a:tcPr marL="142875" marR="142875" marT="95250" marB="95250" anchor="ctr"/>
+                </a:tc>
+                <a:tc>
+                  <a:txBody>
+                    <a:bodyPr/>
+                    <a:lstStyle/>
+                    <a:p>
+                      <a:r>
+                        <a:rPr lang="en-US" dirty="0">
+                          <a:effectLst/>
+                        </a:rPr>
+                        <a:t>Reproducibility of Workflows</a:t>
+                      </a:r>
+                    </a:p>
+                  </a:txBody>
+                  <a:tcPr marL="142875" marR="142875" marT="95250" marB="95250" anchor="ctr"/>
+                </a:tc>
+                <a:tc>
+                  <a:txBody>
+                    <a:bodyPr/>
+                    <a:lstStyle/>
+                    <a:p>
+                      <a:r>
+                        <a:rPr lang="en-US">
+                          <a:effectLst/>
+                        </a:rPr>
+                        <a:t>Gregory R. Watson (ORNL)</a:t>
+                      </a:r>
+                    </a:p>
+                  </a:txBody>
+                  <a:tcPr marL="142875" marR="142875" marT="95250" marB="95250" anchor="ctr"/>
+                </a:tc>
+                <a:extLst>
+                  <a:ext uri="{0D108BD9-81ED-4DB2-BD59-A6C34878D82A}">
+                    <a16:rowId xmlns:a16="http://schemas.microsoft.com/office/drawing/2014/main" val="1585599665"/>
+                  </a:ext>
+                </a:extLst>
+              </a:tr>
+              <a:tr h="0">
+                <a:tc>
+                  <a:txBody>
+                    <a:bodyPr/>
+                    <a:lstStyle/>
+                    <a:p>
+                      <a:pPr algn="r"/>
+                      <a:r>
+                        <a:rPr lang="en-US">
+                          <a:effectLst/>
+                        </a:rPr>
+                        <a:t>2:45 PM</a:t>
+                      </a:r>
+                    </a:p>
+                  </a:txBody>
+                  <a:tcPr marL="142875" marR="142875" marT="95250" marB="95250" anchor="ctr"/>
+                </a:tc>
+                <a:tc>
+                  <a:txBody>
+                    <a:bodyPr/>
+                    <a:lstStyle/>
+                    <a:p>
+                      <a:r>
+                        <a:rPr lang="en-US">
+                          <a:effectLst/>
+                        </a:rPr>
+                        <a:t>Software Testing and Verification</a:t>
+                      </a:r>
+                    </a:p>
+                  </a:txBody>
+                  <a:tcPr marL="142875" marR="142875" marT="95250" marB="95250" anchor="ctr"/>
+                </a:tc>
+                <a:tc>
+                  <a:txBody>
+                    <a:bodyPr/>
+                    <a:lstStyle/>
+                    <a:p>
+                      <a:r>
+                        <a:rPr lang="en-US">
+                          <a:effectLst/>
+                        </a:rPr>
+                        <a:t>David E. Bernholdt (ORNL)</a:t>
+                      </a:r>
+                    </a:p>
+                  </a:txBody>
+                  <a:tcPr marL="142875" marR="142875" marT="95250" marB="95250" anchor="ctr"/>
+                </a:tc>
+                <a:extLst>
+                  <a:ext uri="{0D108BD9-81ED-4DB2-BD59-A6C34878D82A}">
+                    <a16:rowId xmlns:a16="http://schemas.microsoft.com/office/drawing/2014/main" val="2760338244"/>
+                  </a:ext>
+                </a:extLst>
+              </a:tr>
+              <a:tr h="0">
+                <a:tc>
+                  <a:txBody>
+                    <a:bodyPr/>
+                    <a:lstStyle/>
+                    <a:p>
+                      <a:pPr algn="r"/>
+                      <a:r>
+                        <a:rPr lang="en-US">
+                          <a:effectLst/>
+                        </a:rPr>
+                        <a:t>3:00 PM</a:t>
+                      </a:r>
+                    </a:p>
+                  </a:txBody>
+                  <a:tcPr marL="142875" marR="142875" marT="95250" marB="95250" anchor="ctr"/>
+                </a:tc>
+                <a:tc>
+                  <a:txBody>
+                    <a:bodyPr/>
+                    <a:lstStyle/>
+                    <a:p>
+                      <a:r>
+                        <a:rPr lang="en-US" i="1">
+                          <a:effectLst/>
+                        </a:rPr>
+                        <a:t>Afternoon break</a:t>
+                      </a:r>
+                      <a:endParaRPr lang="en-US">
+                        <a:effectLst/>
+                      </a:endParaRPr>
+                    </a:p>
+                  </a:txBody>
+                  <a:tcPr marL="142875" marR="142875" marT="95250" marB="95250" anchor="ctr"/>
+                </a:tc>
+                <a:tc>
+                  <a:txBody>
+                    <a:bodyPr/>
+                    <a:lstStyle/>
+                    <a:p>
+                      <a:endParaRPr lang="en-US">
+                        <a:effectLst/>
+                      </a:endParaRPr>
+                    </a:p>
+                  </a:txBody>
+                  <a:tcPr marL="142875" marR="142875" marT="95250" marB="95250" anchor="ctr"/>
+                </a:tc>
+                <a:extLst>
+                  <a:ext uri="{0D108BD9-81ED-4DB2-BD59-A6C34878D82A}">
+                    <a16:rowId xmlns:a16="http://schemas.microsoft.com/office/drawing/2014/main" val="3897691477"/>
+                  </a:ext>
+                </a:extLst>
+              </a:tr>
+              <a:tr h="323436">
+                <a:tc>
+                  <a:txBody>
+                    <a:bodyPr/>
+                    <a:lstStyle/>
+                    <a:p>
+                      <a:pPr algn="r"/>
+                      <a:r>
+                        <a:rPr lang="en-US">
+                          <a:effectLst/>
+                        </a:rPr>
+                        <a:t>3:30 PM</a:t>
+                      </a:r>
+                    </a:p>
+                  </a:txBody>
+                  <a:tcPr marL="142875" marR="142875" marT="95250" marB="95250" anchor="ctr"/>
+                </a:tc>
+                <a:tc>
+                  <a:txBody>
+                    <a:bodyPr/>
+                    <a:lstStyle/>
+                    <a:p>
+                      <a:r>
+                        <a:rPr lang="en-US">
+                          <a:effectLst/>
+                        </a:rPr>
+                        <a:t>Software Testing and Verification</a:t>
+                      </a:r>
+                    </a:p>
+                  </a:txBody>
+                  <a:tcPr marL="142875" marR="142875" marT="95250" marB="95250" anchor="ctr"/>
+                </a:tc>
+                <a:tc>
+                  <a:txBody>
+                    <a:bodyPr/>
+                    <a:lstStyle/>
+                    <a:p>
+                      <a:r>
+                        <a:rPr lang="en-US">
+                          <a:effectLst/>
+                        </a:rPr>
+                        <a:t>David E. Bernholdt (ORNL)</a:t>
+                      </a:r>
+                    </a:p>
+                  </a:txBody>
+                  <a:tcPr marL="142875" marR="142875" marT="95250" marB="95250" anchor="ctr"/>
+                </a:tc>
+                <a:extLst>
+                  <a:ext uri="{0D108BD9-81ED-4DB2-BD59-A6C34878D82A}">
+                    <a16:rowId xmlns:a16="http://schemas.microsoft.com/office/drawing/2014/main" val="2967747853"/>
+                  </a:ext>
+                </a:extLst>
+              </a:tr>
+              <a:tr h="0">
+                <a:tc>
+                  <a:txBody>
+                    <a:bodyPr/>
+                    <a:lstStyle/>
+                    <a:p>
+                      <a:pPr algn="r"/>
+                      <a:r>
+                        <a:rPr lang="en-US">
+                          <a:effectLst/>
+                        </a:rPr>
+                        <a:t>3:45 PM</a:t>
+                      </a:r>
+                    </a:p>
+                  </a:txBody>
+                  <a:tcPr marL="142875" marR="142875" marT="95250" marB="95250" anchor="ctr"/>
+                </a:tc>
+                <a:tc>
+                  <a:txBody>
+                    <a:bodyPr/>
+                    <a:lstStyle/>
+                    <a:p>
+                      <a:r>
+                        <a:rPr lang="en-US">
+                          <a:effectLst/>
+                        </a:rPr>
+                        <a:t>Lab Notebooks for Computational Mathematics, Sciences, &amp; Engineering</a:t>
+                      </a:r>
+                    </a:p>
+                  </a:txBody>
+                  <a:tcPr marL="142875" marR="142875" marT="95250" marB="95250" anchor="ctr"/>
+                </a:tc>
+                <a:tc>
+                  <a:txBody>
+                    <a:bodyPr/>
+                    <a:lstStyle/>
+                    <a:p>
+                      <a:r>
+                        <a:rPr lang="en-US">
+                          <a:effectLst/>
+                        </a:rPr>
+                        <a:t>David E. Bernholdt (ORNL)</a:t>
+                      </a:r>
+                    </a:p>
+                  </a:txBody>
+                  <a:tcPr marL="142875" marR="142875" marT="95250" marB="95250" anchor="ctr"/>
+                </a:tc>
+                <a:extLst>
+                  <a:ext uri="{0D108BD9-81ED-4DB2-BD59-A6C34878D82A}">
+                    <a16:rowId xmlns:a16="http://schemas.microsoft.com/office/drawing/2014/main" val="763903436"/>
+                  </a:ext>
+                </a:extLst>
+              </a:tr>
+              <a:tr h="0">
+                <a:tc>
+                  <a:txBody>
+                    <a:bodyPr/>
+                    <a:lstStyle/>
+                    <a:p>
+                      <a:pPr algn="r"/>
+                      <a:r>
+                        <a:rPr lang="en-US">
+                          <a:effectLst/>
+                        </a:rPr>
+                        <a:t>4:45 PM</a:t>
+                      </a:r>
+                    </a:p>
+                  </a:txBody>
+                  <a:tcPr marL="142875" marR="142875" marT="95250" marB="95250" anchor="ctr"/>
+                </a:tc>
+                <a:tc>
+                  <a:txBody>
+                    <a:bodyPr/>
+                    <a:lstStyle/>
+                    <a:p>
+                      <a:r>
+                        <a:rPr lang="en-US" dirty="0">
+                          <a:effectLst/>
+                        </a:rPr>
+                        <a:t>Summary</a:t>
+                      </a:r>
+                    </a:p>
+                  </a:txBody>
+                  <a:tcPr marL="142875" marR="142875" marT="95250" marB="95250" anchor="ctr"/>
+                </a:tc>
+                <a:tc>
+                  <a:txBody>
+                    <a:bodyPr/>
+                    <a:lstStyle/>
+                    <a:p>
+                      <a:r>
+                        <a:rPr lang="en-US" dirty="0">
+                          <a:effectLst/>
+                        </a:rPr>
+                        <a:t>David E. Bernholdt (ORNL)</a:t>
+                      </a:r>
+                    </a:p>
+                  </a:txBody>
+                  <a:tcPr marL="142875" marR="142875" marT="95250" marB="95250" anchor="ctr"/>
+                </a:tc>
+                <a:extLst>
+                  <a:ext uri="{0D108BD9-81ED-4DB2-BD59-A6C34878D82A}">
+                    <a16:rowId xmlns:a16="http://schemas.microsoft.com/office/drawing/2014/main" val="1954771440"/>
+                  </a:ext>
+                </a:extLst>
+              </a:tr>
+              <a:tr h="0">
+                <a:tc>
+                  <a:txBody>
+                    <a:bodyPr/>
+                    <a:lstStyle/>
+                    <a:p>
+                      <a:pPr algn="r"/>
+                      <a:r>
+                        <a:rPr lang="en-US" dirty="0">
+                          <a:effectLst/>
+                        </a:rPr>
+                        <a:t>5:00 PM</a:t>
+                      </a:r>
+                    </a:p>
+                  </a:txBody>
+                  <a:tcPr marL="142875" marR="142875" marT="95250" marB="95250" anchor="ctr"/>
+                </a:tc>
+                <a:tc>
+                  <a:txBody>
+                    <a:bodyPr/>
+                    <a:lstStyle/>
+                    <a:p>
+                      <a:r>
+                        <a:rPr lang="en-US" i="1" dirty="0">
+                          <a:effectLst/>
+                        </a:rPr>
+                        <a:t>Adjourn</a:t>
+                      </a:r>
+                    </a:p>
+                  </a:txBody>
+                  <a:tcPr marL="142875" marR="142875" marT="95250" marB="95250" anchor="ctr"/>
+                </a:tc>
+                <a:tc>
+                  <a:txBody>
+                    <a:bodyPr/>
+                    <a:lstStyle/>
+                    <a:p>
+                      <a:endParaRPr lang="en-US" dirty="0">
+                        <a:effectLst/>
+                      </a:endParaRPr>
+                    </a:p>
+                  </a:txBody>
+                  <a:tcPr marL="142875" marR="142875" marT="95250" marB="95250" anchor="ctr"/>
+                </a:tc>
+                <a:extLst>
+                  <a:ext uri="{0D108BD9-81ED-4DB2-BD59-A6C34878D82A}">
+                    <a16:rowId xmlns:a16="http://schemas.microsoft.com/office/drawing/2014/main" val="2813157479"/>
+                  </a:ext>
+                </a:extLst>
+              </a:tr>
+            </a:tbl>
+          </a:graphicData>
+        </a:graphic>
+      </p:graphicFrame>
+      <p:sp>
+        <p:nvSpPr>
+          <p:cNvPr id="9" name="TextBox 8">
+            <a:extLst>
+              <a:ext uri="{FF2B5EF4-FFF2-40B4-BE49-F238E27FC236}">
+                <a16:creationId xmlns:a16="http://schemas.microsoft.com/office/drawing/2014/main" id="{2C67F121-FA5A-4323-B777-FC3438185944}"/>
+              </a:ext>
+            </a:extLst>
+          </p:cNvPr>
+          <p:cNvSpPr txBox="1"/>
+          <p:nvPr/>
+        </p:nvSpPr>
+        <p:spPr>
+          <a:xfrm>
+            <a:off x="4537710" y="45720"/>
+            <a:ext cx="7651115" cy="646331"/>
+          </a:xfrm>
+          <a:prstGeom prst="rect">
+            <a:avLst/>
+          </a:prstGeom>
+          <a:noFill/>
+        </p:spPr>
+        <p:txBody>
+          <a:bodyPr wrap="square">
+            <a:spAutoFit/>
+          </a:bodyPr>
+          <a:lstStyle/>
+          <a:p>
+            <a:pPr algn="l"/>
+            <a:r>
+              <a:rPr lang="en-US" dirty="0"/>
+              <a:t>The agenda is also available on the tutorial web page.  Visit </a:t>
+            </a:r>
+            <a:r>
+              <a:rPr lang="en-US" b="1" dirty="0">
+                <a:hlinkClick r:id="rId2"/>
+              </a:rPr>
+              <a:t>https://bssw-tutorial.github.io</a:t>
+            </a:r>
+            <a:r>
+              <a:rPr lang="en-US" b="1" dirty="0"/>
+              <a:t> </a:t>
+            </a:r>
+            <a:r>
+              <a:rPr lang="en-US" dirty="0"/>
+              <a:t>and click on the link for today’s tutorial</a:t>
+            </a:r>
+          </a:p>
+        </p:txBody>
+      </p:sp>
+    </p:spTree>
+    <p:extLst>
+      <p:ext uri="{BB962C8B-B14F-4D97-AF65-F5344CB8AC3E}">
+        <p14:creationId xmlns:p14="http://schemas.microsoft.com/office/powerpoint/2010/main" val="824070752"/>
       </p:ext>
     </p:extLst>
   </p:cSld>
@@ -5361,18 +5915,18 @@
                 <a:effectLst/>
                 <a:latin typeface="+mn-lt"/>
               </a:rPr>
-              <a:t>David E. Bernholdt, Patricia A. Grubel, and David M. Rogers, Better Scientific Software tutorial, in Improving Scientific Software, Boulder, Colorado and online, 2023. DOI: </a:t>
-            </a:r>
-            <a:r>
-              <a:rPr lang="en-US" sz="1600" b="0" i="0" dirty="0">
+              <a:t>David E. Bernholdt, Patricia A. Grubel, David M. Rogers, and Gregory R. Watson, Better Software for Reproducible Science tutorial, in The International Conference for High-Performance Computing, Networking, Storage, and Analysis (SC23), Denver, Colorado, 2023. DOI: </a:t>
+            </a:r>
+            <a:r>
+              <a:rPr lang="en-US" sz="1600" b="0" i="0" u="none" strike="noStrike" dirty="0">
                 <a:solidFill>
-                  <a:srgbClr val="111111"/>
+                  <a:srgbClr val="2A7AE2"/>
                 </a:solidFill>
                 <a:effectLst/>
                 <a:latin typeface="+mn-lt"/>
                 <a:hlinkClick r:id="rId4"/>
               </a:rPr>
-              <a:t>10.6084/m9.figshare.22179748</a:t>
+              <a:t>10.6084/m9.figshare.24226105</a:t>
             </a:r>
             <a:r>
               <a:rPr lang="en-US" sz="1600" b="0" i="0" dirty="0">
@@ -5553,7 +6107,7 @@
     </p:spTree>
     <p:extLst>
       <p:ext uri="{BB962C8B-B14F-4D97-AF65-F5344CB8AC3E}">
-        <p14:creationId xmlns:p14="http://schemas.microsoft.com/office/powerpoint/2010/main" val="851745353"/>
+        <p14:creationId xmlns:p14="http://schemas.microsoft.com/office/powerpoint/2010/main" val="978726433"/>
       </p:ext>
     </p:extLst>
   </p:cSld>
@@ -12185,18 +12739,18 @@
 </file>
 
 <file path=customXml/item1.xml><?xml version="1.0" encoding="utf-8"?>
-<p:properties xmlns:p="http://schemas.microsoft.com/office/2006/metadata/properties" xmlns:xsi="http://www.w3.org/2001/XMLSchema-instance" xmlns:pc="http://schemas.microsoft.com/office/infopath/2007/PartnerControls">
-  <documentManagement/>
-</p:properties>
-</file>
-
-<file path=customXml/item2.xml><?xml version="1.0" encoding="utf-8"?>
 <?mso-contentType ?>
 <FormTemplates xmlns="http://schemas.microsoft.com/sharepoint/v3/contenttype/forms">
   <Display>DocumentLibraryForm</Display>
   <Edit>DocumentLibraryForm</Edit>
   <New>DocumentLibraryForm</New>
 </FormTemplates>
+</file>
+
+<file path=customXml/item2.xml><?xml version="1.0" encoding="utf-8"?>
+<p:properties xmlns:p="http://schemas.microsoft.com/office/2006/metadata/properties" xmlns:xsi="http://www.w3.org/2001/XMLSchema-instance" xmlns:pc="http://schemas.microsoft.com/office/infopath/2007/PartnerControls">
+  <documentManagement/>
+</p:properties>
 </file>
 
 <file path=customXml/item3.xml><?xml version="1.0" encoding="utf-8"?>
@@ -12249,6 +12803,14 @@
 </file>
 
 <file path=customXml/itemProps1.xml><?xml version="1.0" encoding="utf-8"?>
+<ds:datastoreItem xmlns:ds="http://schemas.openxmlformats.org/officeDocument/2006/customXml" ds:itemID="{19E20559-B232-4371-8690-E3D8007EDB82}">
+  <ds:schemaRefs>
+    <ds:schemaRef ds:uri="http://schemas.microsoft.com/sharepoint/v3/contenttype/forms"/>
+  </ds:schemaRefs>
+</ds:datastoreItem>
+</file>
+
+<file path=customXml/itemProps2.xml><?xml version="1.0" encoding="utf-8"?>
 <ds:datastoreItem xmlns:ds="http://schemas.openxmlformats.org/officeDocument/2006/customXml" ds:itemID="{A50EC660-24D0-43A0-AE5E-E274115E726B}">
   <ds:schemaRefs>
     <ds:schemaRef ds:uri="http://purl.org/dc/elements/1.1/"/>
@@ -12259,14 +12821,6 @@
     <ds:schemaRef ds:uri="http://www.w3.org/XML/1998/namespace"/>
     <ds:schemaRef ds:uri="http://purl.org/dc/dcmitype/"/>
     <ds:schemaRef ds:uri="http://schemas.microsoft.com/office/infopath/2007/PartnerControls"/>
-  </ds:schemaRefs>
-</ds:datastoreItem>
-</file>
-
-<file path=customXml/itemProps2.xml><?xml version="1.0" encoding="utf-8"?>
-<ds:datastoreItem xmlns:ds="http://schemas.openxmlformats.org/officeDocument/2006/customXml" ds:itemID="{19E20559-B232-4371-8690-E3D8007EDB82}">
-  <ds:schemaRefs>
-    <ds:schemaRef ds:uri="http://schemas.microsoft.com/sharepoint/v3/contenttype/forms"/>
   </ds:schemaRefs>
 </ds:datastoreItem>
 </file>

--- a/intro.pptx
+++ b/intro.pptx
@@ -266,7 +266,7 @@
           <a:p>
             <a:fld id="{0B842F42-2CE9-4E35-95C1-410DC08A50B1}" type="datetimeFigureOut">
               <a:rPr lang="en-US" smtClean="0"/>
-              <a:t>10/26/2023</a:t>
+              <a:t>11/11/2023</a:t>
             </a:fld>
             <a:endParaRPr lang="en-US"/>
           </a:p>
@@ -431,7 +431,7 @@
           <a:p>
             <a:fld id="{6F282904-F315-4730-8D91-37D99E141A6F}" type="datetimeFigureOut">
               <a:rPr lang="en-US" smtClean="0"/>
-              <a:t>10/26/2023</a:t>
+              <a:t>11/11/2023</a:t>
             </a:fld>
             <a:endParaRPr lang="en-US"/>
           </a:p>
@@ -10470,8 +10470,8 @@
         </p:nvSpPr>
         <p:spPr>
           <a:xfrm>
-            <a:off x="584894" y="6127075"/>
-            <a:ext cx="4320818" cy="683264"/>
+            <a:off x="584894" y="6127076"/>
+            <a:ext cx="4579986" cy="683264"/>
           </a:xfrm>
           <a:prstGeom prst="rect">
             <a:avLst/>
@@ -10495,22 +10495,13 @@
                   <a:schemeClr val="tx2"/>
                 </a:solidFill>
               </a:rPr>
-              <a:t>For more about our work see this report: </a:t>
+              <a:t>For more about our work see this preprint: </a:t>
             </a:r>
             <a:r>
               <a:rPr lang="en-US" dirty="0">
-                <a:solidFill>
-                  <a:schemeClr val="tx2"/>
-                </a:solidFill>
-                <a:hlinkClick r:id="rId3">
-                  <a:extLst>
-                    <a:ext uri="{A12FA001-AC4F-418D-AE19-62706E023703}">
-                      <ahyp:hlinkClr xmlns:ahyp="http://schemas.microsoft.com/office/drawing/2018/hyperlinkcolor" val="tx"/>
-                    </a:ext>
-                  </a:extLst>
-                </a:hlinkClick>
+                <a:hlinkClick r:id="rId3"/>
               </a:rPr>
-              <a:t>https://doi.org/10.2172/1606662</a:t>
+              <a:t>https://doi.org/10.48550/arXiv.2311.02010</a:t>
             </a:r>
             <a:endParaRPr lang="en-US" dirty="0">
               <a:solidFill>
@@ -12739,18 +12730,18 @@
 </file>
 
 <file path=customXml/item1.xml><?xml version="1.0" encoding="utf-8"?>
+<p:properties xmlns:p="http://schemas.microsoft.com/office/2006/metadata/properties" xmlns:xsi="http://www.w3.org/2001/XMLSchema-instance" xmlns:pc="http://schemas.microsoft.com/office/infopath/2007/PartnerControls">
+  <documentManagement/>
+</p:properties>
+</file>
+
+<file path=customXml/item2.xml><?xml version="1.0" encoding="utf-8"?>
 <?mso-contentType ?>
 <FormTemplates xmlns="http://schemas.microsoft.com/sharepoint/v3/contenttype/forms">
   <Display>DocumentLibraryForm</Display>
   <Edit>DocumentLibraryForm</Edit>
   <New>DocumentLibraryForm</New>
 </FormTemplates>
-</file>
-
-<file path=customXml/item2.xml><?xml version="1.0" encoding="utf-8"?>
-<p:properties xmlns:p="http://schemas.microsoft.com/office/2006/metadata/properties" xmlns:xsi="http://www.w3.org/2001/XMLSchema-instance" xmlns:pc="http://schemas.microsoft.com/office/infopath/2007/PartnerControls">
-  <documentManagement/>
-</p:properties>
 </file>
 
 <file path=customXml/item3.xml><?xml version="1.0" encoding="utf-8"?>
@@ -12803,14 +12794,6 @@
 </file>
 
 <file path=customXml/itemProps1.xml><?xml version="1.0" encoding="utf-8"?>
-<ds:datastoreItem xmlns:ds="http://schemas.openxmlformats.org/officeDocument/2006/customXml" ds:itemID="{19E20559-B232-4371-8690-E3D8007EDB82}">
-  <ds:schemaRefs>
-    <ds:schemaRef ds:uri="http://schemas.microsoft.com/sharepoint/v3/contenttype/forms"/>
-  </ds:schemaRefs>
-</ds:datastoreItem>
-</file>
-
-<file path=customXml/itemProps2.xml><?xml version="1.0" encoding="utf-8"?>
 <ds:datastoreItem xmlns:ds="http://schemas.openxmlformats.org/officeDocument/2006/customXml" ds:itemID="{A50EC660-24D0-43A0-AE5E-E274115E726B}">
   <ds:schemaRefs>
     <ds:schemaRef ds:uri="http://purl.org/dc/elements/1.1/"/>
@@ -12821,6 +12804,14 @@
     <ds:schemaRef ds:uri="http://www.w3.org/XML/1998/namespace"/>
     <ds:schemaRef ds:uri="http://purl.org/dc/dcmitype/"/>
     <ds:schemaRef ds:uri="http://schemas.microsoft.com/office/infopath/2007/PartnerControls"/>
+  </ds:schemaRefs>
+</ds:datastoreItem>
+</file>
+
+<file path=customXml/itemProps2.xml><?xml version="1.0" encoding="utf-8"?>
+<ds:datastoreItem xmlns:ds="http://schemas.openxmlformats.org/officeDocument/2006/customXml" ds:itemID="{19E20559-B232-4371-8690-E3D8007EDB82}">
+  <ds:schemaRefs>
+    <ds:schemaRef ds:uri="http://schemas.microsoft.com/sharepoint/v3/contenttype/forms"/>
   </ds:schemaRefs>
 </ds:datastoreItem>
 </file>
